--- a/ppt/초성 이어 맞추기.pptx
+++ b/ppt/초성 이어 맞추기.pptx
@@ -5,7 +5,7 @@
     <p:sldMasterId id="2147483648" r:id="rId1"/>
   </p:sldMasterIdLst>
   <p:notesMasterIdLst>
-    <p:notesMasterId r:id="rId14"/>
+    <p:notesMasterId r:id="rId26"/>
   </p:notesMasterIdLst>
   <p:sldIdLst>
     <p:sldId id="256" r:id="rId2"/>
@@ -18,8 +18,20 @@
     <p:sldId id="265" r:id="rId9"/>
     <p:sldId id="266" r:id="rId10"/>
     <p:sldId id="267" r:id="rId11"/>
-    <p:sldId id="268" r:id="rId12"/>
-    <p:sldId id="269" r:id="rId13"/>
+    <p:sldId id="269" r:id="rId12"/>
+    <p:sldId id="270" r:id="rId13"/>
+    <p:sldId id="271" r:id="rId14"/>
+    <p:sldId id="272" r:id="rId15"/>
+    <p:sldId id="273" r:id="rId16"/>
+    <p:sldId id="274" r:id="rId17"/>
+    <p:sldId id="282" r:id="rId18"/>
+    <p:sldId id="268" r:id="rId19"/>
+    <p:sldId id="275" r:id="rId20"/>
+    <p:sldId id="276" r:id="rId21"/>
+    <p:sldId id="277" r:id="rId22"/>
+    <p:sldId id="278" r:id="rId23"/>
+    <p:sldId id="280" r:id="rId24"/>
+    <p:sldId id="281" r:id="rId25"/>
   </p:sldIdLst>
   <p:sldSz cx="12192000" cy="6858000"/>
   <p:notesSz cx="6858000" cy="9144000"/>
@@ -208,7 +220,7 @@
           <a:p>
             <a:fld id="{B1AE8E67-FE11-4ECE-AAF1-65B5A6A1BB47}" type="datetimeFigureOut">
               <a:rPr lang="ko-KR" altLang="en-US" smtClean="0"/>
-              <a:t>2022-12-18</a:t>
+              <a:t>2022-12-21</a:t>
             </a:fld>
             <a:endParaRPr lang="ko-KR" altLang="en-US"/>
           </a:p>
@@ -648,7 +660,39 @@
           <a:p>
             <a:r>
               <a:rPr lang="ko-KR" altLang="en-US" dirty="0"/>
-              <a:t>해리포터</a:t>
+              <a:t>자리 </a:t>
+            </a:r>
+            <a:r>
+              <a:rPr lang="en-US" altLang="ko-KR" dirty="0"/>
+              <a:t>/ </a:t>
+            </a:r>
+            <a:r>
+              <a:rPr lang="ko-KR" altLang="en-US" dirty="0"/>
+              <a:t>정리</a:t>
+            </a:r>
+            <a:r>
+              <a:rPr lang="en-US" altLang="ko-KR" dirty="0"/>
+              <a:t> / </a:t>
+            </a:r>
+            <a:r>
+              <a:rPr lang="ko-KR" altLang="en-US" dirty="0"/>
+              <a:t>재료 </a:t>
+            </a:r>
+            <a:r>
+              <a:rPr lang="en-US" altLang="ko-KR" dirty="0"/>
+              <a:t>/ </a:t>
+            </a:r>
+            <a:r>
+              <a:rPr lang="ko-KR" altLang="en-US" dirty="0"/>
+              <a:t>자료 </a:t>
+            </a:r>
+            <a:r>
+              <a:rPr lang="en-US" altLang="ko-KR" dirty="0"/>
+              <a:t>/ </a:t>
+            </a:r>
+            <a:r>
+              <a:rPr lang="ko-KR" altLang="en-US" dirty="0"/>
+              <a:t>장래</a:t>
             </a:r>
           </a:p>
         </p:txBody>
@@ -679,7 +723,992 @@
     </p:spTree>
     <p:extLst>
       <p:ext uri="{BB962C8B-B14F-4D97-AF65-F5344CB8AC3E}">
-        <p14:creationId xmlns:p14="http://schemas.microsoft.com/office/powerpoint/2010/main" val="3520366253"/>
+        <p14:creationId xmlns:p14="http://schemas.microsoft.com/office/powerpoint/2010/main" val="3572273074"/>
+      </p:ext>
+    </p:extLst>
+  </p:cSld>
+  <p:clrMapOvr>
+    <a:masterClrMapping/>
+  </p:clrMapOvr>
+</p:notes>
+</file>
+
+<file path=ppt/notesSlides/notesSlide11.xml><?xml version="1.0" encoding="utf-8"?>
+<p:notes xmlns:a="http://schemas.openxmlformats.org/drawingml/2006/main" xmlns:r="http://schemas.openxmlformats.org/officeDocument/2006/relationships" xmlns:p="http://schemas.openxmlformats.org/presentationml/2006/main">
+  <p:cSld>
+    <p:spTree>
+      <p:nvGrpSpPr>
+        <p:cNvPr id="1" name=""/>
+        <p:cNvGrpSpPr/>
+        <p:nvPr/>
+      </p:nvGrpSpPr>
+      <p:grpSpPr>
+        <a:xfrm>
+          <a:off x="0" y="0"/>
+          <a:ext cx="0" cy="0"/>
+          <a:chOff x="0" y="0"/>
+          <a:chExt cx="0" cy="0"/>
+        </a:xfrm>
+      </p:grpSpPr>
+      <p:sp>
+        <p:nvSpPr>
+          <p:cNvPr id="2" name="슬라이드 이미지 개체 틀 1"/>
+          <p:cNvSpPr>
+            <a:spLocks noGrp="1" noRot="1" noChangeAspect="1"/>
+          </p:cNvSpPr>
+          <p:nvPr>
+            <p:ph type="sldImg"/>
+          </p:nvPr>
+        </p:nvSpPr>
+        <p:spPr/>
+      </p:sp>
+      <p:sp>
+        <p:nvSpPr>
+          <p:cNvPr id="3" name="슬라이드 노트 개체 틀 2"/>
+          <p:cNvSpPr>
+            <a:spLocks noGrp="1"/>
+          </p:cNvSpPr>
+          <p:nvPr>
+            <p:ph type="body" idx="1"/>
+          </p:nvPr>
+        </p:nvSpPr>
+        <p:spPr/>
+        <p:txBody>
+          <a:bodyPr/>
+          <a:lstStyle/>
+          <a:p>
+            <a:r>
+              <a:rPr lang="ko-KR" altLang="en-US" dirty="0"/>
+              <a:t>함께 </a:t>
+            </a:r>
+            <a:r>
+              <a:rPr lang="en-US" altLang="ko-KR" dirty="0"/>
+              <a:t>/ </a:t>
+            </a:r>
+            <a:r>
+              <a:rPr lang="ko-KR" altLang="en-US" dirty="0"/>
+              <a:t>힘껏 </a:t>
+            </a:r>
+            <a:r>
+              <a:rPr lang="en-US" altLang="ko-KR" dirty="0"/>
+              <a:t>/ </a:t>
+            </a:r>
+            <a:r>
+              <a:rPr lang="ko-KR" altLang="en-US" dirty="0"/>
+              <a:t>한껏 </a:t>
+            </a:r>
+            <a:r>
+              <a:rPr lang="en-US" altLang="ko-KR" dirty="0"/>
+              <a:t>/ </a:t>
+            </a:r>
+            <a:r>
+              <a:rPr lang="ko-KR" altLang="en-US" dirty="0" err="1"/>
+              <a:t>희끗</a:t>
+            </a:r>
+            <a:r>
+              <a:rPr lang="ko-KR" altLang="en-US" dirty="0"/>
+              <a:t> </a:t>
+            </a:r>
+            <a:r>
+              <a:rPr lang="en-US" altLang="ko-KR" dirty="0"/>
+              <a:t>/ </a:t>
+            </a:r>
+            <a:r>
+              <a:rPr lang="ko-KR" altLang="en-US" dirty="0"/>
+              <a:t>힐끗</a:t>
+            </a:r>
+          </a:p>
+        </p:txBody>
+      </p:sp>
+      <p:sp>
+        <p:nvSpPr>
+          <p:cNvPr id="4" name="슬라이드 번호 개체 틀 3"/>
+          <p:cNvSpPr>
+            <a:spLocks noGrp="1"/>
+          </p:cNvSpPr>
+          <p:nvPr>
+            <p:ph type="sldNum" sz="quarter" idx="5"/>
+          </p:nvPr>
+        </p:nvSpPr>
+        <p:spPr/>
+        <p:txBody>
+          <a:bodyPr/>
+          <a:lstStyle/>
+          <a:p>
+            <a:fld id="{71166FBA-D480-4466-8396-9AF8C2FF199A}" type="slidenum">
+              <a:rPr lang="ko-KR" altLang="en-US" smtClean="0"/>
+              <a:t>13</a:t>
+            </a:fld>
+            <a:endParaRPr lang="ko-KR" altLang="en-US"/>
+          </a:p>
+        </p:txBody>
+      </p:sp>
+    </p:spTree>
+    <p:extLst>
+      <p:ext uri="{BB962C8B-B14F-4D97-AF65-F5344CB8AC3E}">
+        <p14:creationId xmlns:p14="http://schemas.microsoft.com/office/powerpoint/2010/main" val="4269434506"/>
+      </p:ext>
+    </p:extLst>
+  </p:cSld>
+  <p:clrMapOvr>
+    <a:masterClrMapping/>
+  </p:clrMapOvr>
+</p:notes>
+</file>
+
+<file path=ppt/notesSlides/notesSlide12.xml><?xml version="1.0" encoding="utf-8"?>
+<p:notes xmlns:a="http://schemas.openxmlformats.org/drawingml/2006/main" xmlns:r="http://schemas.openxmlformats.org/officeDocument/2006/relationships" xmlns:p="http://schemas.openxmlformats.org/presentationml/2006/main">
+  <p:cSld>
+    <p:spTree>
+      <p:nvGrpSpPr>
+        <p:cNvPr id="1" name=""/>
+        <p:cNvGrpSpPr/>
+        <p:nvPr/>
+      </p:nvGrpSpPr>
+      <p:grpSpPr>
+        <a:xfrm>
+          <a:off x="0" y="0"/>
+          <a:ext cx="0" cy="0"/>
+          <a:chOff x="0" y="0"/>
+          <a:chExt cx="0" cy="0"/>
+        </a:xfrm>
+      </p:grpSpPr>
+      <p:sp>
+        <p:nvSpPr>
+          <p:cNvPr id="2" name="슬라이드 이미지 개체 틀 1"/>
+          <p:cNvSpPr>
+            <a:spLocks noGrp="1" noRot="1" noChangeAspect="1"/>
+          </p:cNvSpPr>
+          <p:nvPr>
+            <p:ph type="sldImg"/>
+          </p:nvPr>
+        </p:nvSpPr>
+        <p:spPr/>
+      </p:sp>
+      <p:sp>
+        <p:nvSpPr>
+          <p:cNvPr id="3" name="슬라이드 노트 개체 틀 2"/>
+          <p:cNvSpPr>
+            <a:spLocks noGrp="1"/>
+          </p:cNvSpPr>
+          <p:nvPr>
+            <p:ph type="body" idx="1"/>
+          </p:nvPr>
+        </p:nvSpPr>
+        <p:spPr/>
+        <p:txBody>
+          <a:bodyPr/>
+          <a:lstStyle/>
+          <a:p>
+            <a:r>
+              <a:rPr lang="ko-KR" altLang="en-US" dirty="0"/>
+              <a:t>선생 </a:t>
+            </a:r>
+            <a:r>
+              <a:rPr lang="en-US" altLang="ko-KR" dirty="0"/>
+              <a:t>/ </a:t>
+            </a:r>
+            <a:r>
+              <a:rPr lang="ko-KR" altLang="en-US" dirty="0"/>
+              <a:t>식사 </a:t>
+            </a:r>
+            <a:r>
+              <a:rPr lang="en-US" altLang="ko-KR" dirty="0"/>
+              <a:t>/ </a:t>
+            </a:r>
+            <a:r>
+              <a:rPr lang="ko-KR" altLang="en-US" dirty="0"/>
+              <a:t>세수 </a:t>
+            </a:r>
+            <a:r>
+              <a:rPr lang="en-US" altLang="ko-KR" dirty="0"/>
+              <a:t>/ </a:t>
+            </a:r>
+            <a:r>
+              <a:rPr lang="ko-KR" altLang="en-US" dirty="0"/>
+              <a:t>생선 </a:t>
+            </a:r>
+            <a:r>
+              <a:rPr lang="en-US" altLang="ko-KR" dirty="0"/>
+              <a:t>/ </a:t>
+            </a:r>
+            <a:r>
+              <a:rPr lang="ko-KR" altLang="en-US" dirty="0"/>
+              <a:t>사실</a:t>
+            </a:r>
+          </a:p>
+        </p:txBody>
+      </p:sp>
+      <p:sp>
+        <p:nvSpPr>
+          <p:cNvPr id="4" name="슬라이드 번호 개체 틀 3"/>
+          <p:cNvSpPr>
+            <a:spLocks noGrp="1"/>
+          </p:cNvSpPr>
+          <p:nvPr>
+            <p:ph type="sldNum" sz="quarter" idx="5"/>
+          </p:nvPr>
+        </p:nvSpPr>
+        <p:spPr/>
+        <p:txBody>
+          <a:bodyPr/>
+          <a:lstStyle/>
+          <a:p>
+            <a:fld id="{71166FBA-D480-4466-8396-9AF8C2FF199A}" type="slidenum">
+              <a:rPr lang="ko-KR" altLang="en-US" smtClean="0"/>
+              <a:t>14</a:t>
+            </a:fld>
+            <a:endParaRPr lang="ko-KR" altLang="en-US"/>
+          </a:p>
+        </p:txBody>
+      </p:sp>
+    </p:spTree>
+    <p:extLst>
+      <p:ext uri="{BB962C8B-B14F-4D97-AF65-F5344CB8AC3E}">
+        <p14:creationId xmlns:p14="http://schemas.microsoft.com/office/powerpoint/2010/main" val="3371015840"/>
+      </p:ext>
+    </p:extLst>
+  </p:cSld>
+  <p:clrMapOvr>
+    <a:masterClrMapping/>
+  </p:clrMapOvr>
+</p:notes>
+</file>
+
+<file path=ppt/notesSlides/notesSlide13.xml><?xml version="1.0" encoding="utf-8"?>
+<p:notes xmlns:a="http://schemas.openxmlformats.org/drawingml/2006/main" xmlns:r="http://schemas.openxmlformats.org/officeDocument/2006/relationships" xmlns:p="http://schemas.openxmlformats.org/presentationml/2006/main">
+  <p:cSld>
+    <p:spTree>
+      <p:nvGrpSpPr>
+        <p:cNvPr id="1" name=""/>
+        <p:cNvGrpSpPr/>
+        <p:nvPr/>
+      </p:nvGrpSpPr>
+      <p:grpSpPr>
+        <a:xfrm>
+          <a:off x="0" y="0"/>
+          <a:ext cx="0" cy="0"/>
+          <a:chOff x="0" y="0"/>
+          <a:chExt cx="0" cy="0"/>
+        </a:xfrm>
+      </p:grpSpPr>
+      <p:sp>
+        <p:nvSpPr>
+          <p:cNvPr id="2" name="슬라이드 이미지 개체 틀 1"/>
+          <p:cNvSpPr>
+            <a:spLocks noGrp="1" noRot="1" noChangeAspect="1"/>
+          </p:cNvSpPr>
+          <p:nvPr>
+            <p:ph type="sldImg"/>
+          </p:nvPr>
+        </p:nvSpPr>
+        <p:spPr/>
+      </p:sp>
+      <p:sp>
+        <p:nvSpPr>
+          <p:cNvPr id="3" name="슬라이드 노트 개체 틀 2"/>
+          <p:cNvSpPr>
+            <a:spLocks noGrp="1"/>
+          </p:cNvSpPr>
+          <p:nvPr>
+            <p:ph type="body" idx="1"/>
+          </p:nvPr>
+        </p:nvSpPr>
+        <p:spPr/>
+        <p:txBody>
+          <a:bodyPr/>
+          <a:lstStyle/>
+          <a:p>
+            <a:r>
+              <a:rPr lang="ko-KR" altLang="en-US" dirty="0"/>
+              <a:t>바다 </a:t>
+            </a:r>
+            <a:r>
+              <a:rPr lang="en-US" altLang="ko-KR" dirty="0"/>
+              <a:t>/ </a:t>
+            </a:r>
+            <a:r>
+              <a:rPr lang="ko-KR" altLang="en-US" dirty="0"/>
+              <a:t>보다 </a:t>
+            </a:r>
+            <a:r>
+              <a:rPr lang="en-US" altLang="ko-KR" dirty="0"/>
+              <a:t>/ </a:t>
+            </a:r>
+            <a:r>
+              <a:rPr lang="ko-KR" altLang="en-US" dirty="0"/>
+              <a:t>밝다 </a:t>
+            </a:r>
+            <a:r>
+              <a:rPr lang="en-US" altLang="ko-KR" dirty="0"/>
+              <a:t>/ </a:t>
+            </a:r>
+            <a:r>
+              <a:rPr lang="ko-KR" altLang="en-US" dirty="0"/>
+              <a:t>받다 </a:t>
+            </a:r>
+            <a:r>
+              <a:rPr lang="en-US" altLang="ko-KR" dirty="0"/>
+              <a:t>/ </a:t>
+            </a:r>
+            <a:r>
+              <a:rPr lang="ko-KR" altLang="en-US" dirty="0"/>
+              <a:t>붉다</a:t>
+            </a:r>
+          </a:p>
+        </p:txBody>
+      </p:sp>
+      <p:sp>
+        <p:nvSpPr>
+          <p:cNvPr id="4" name="슬라이드 번호 개체 틀 3"/>
+          <p:cNvSpPr>
+            <a:spLocks noGrp="1"/>
+          </p:cNvSpPr>
+          <p:nvPr>
+            <p:ph type="sldNum" sz="quarter" idx="5"/>
+          </p:nvPr>
+        </p:nvSpPr>
+        <p:spPr/>
+        <p:txBody>
+          <a:bodyPr/>
+          <a:lstStyle/>
+          <a:p>
+            <a:fld id="{71166FBA-D480-4466-8396-9AF8C2FF199A}" type="slidenum">
+              <a:rPr lang="ko-KR" altLang="en-US" smtClean="0"/>
+              <a:t>15</a:t>
+            </a:fld>
+            <a:endParaRPr lang="ko-KR" altLang="en-US"/>
+          </a:p>
+        </p:txBody>
+      </p:sp>
+    </p:spTree>
+    <p:extLst>
+      <p:ext uri="{BB962C8B-B14F-4D97-AF65-F5344CB8AC3E}">
+        <p14:creationId xmlns:p14="http://schemas.microsoft.com/office/powerpoint/2010/main" val="4132797831"/>
+      </p:ext>
+    </p:extLst>
+  </p:cSld>
+  <p:clrMapOvr>
+    <a:masterClrMapping/>
+  </p:clrMapOvr>
+</p:notes>
+</file>
+
+<file path=ppt/notesSlides/notesSlide14.xml><?xml version="1.0" encoding="utf-8"?>
+<p:notes xmlns:a="http://schemas.openxmlformats.org/drawingml/2006/main" xmlns:r="http://schemas.openxmlformats.org/officeDocument/2006/relationships" xmlns:p="http://schemas.openxmlformats.org/presentationml/2006/main">
+  <p:cSld>
+    <p:spTree>
+      <p:nvGrpSpPr>
+        <p:cNvPr id="1" name=""/>
+        <p:cNvGrpSpPr/>
+        <p:nvPr/>
+      </p:nvGrpSpPr>
+      <p:grpSpPr>
+        <a:xfrm>
+          <a:off x="0" y="0"/>
+          <a:ext cx="0" cy="0"/>
+          <a:chOff x="0" y="0"/>
+          <a:chExt cx="0" cy="0"/>
+        </a:xfrm>
+      </p:grpSpPr>
+      <p:sp>
+        <p:nvSpPr>
+          <p:cNvPr id="2" name="슬라이드 이미지 개체 틀 1"/>
+          <p:cNvSpPr>
+            <a:spLocks noGrp="1" noRot="1" noChangeAspect="1"/>
+          </p:cNvSpPr>
+          <p:nvPr>
+            <p:ph type="sldImg"/>
+          </p:nvPr>
+        </p:nvSpPr>
+        <p:spPr/>
+      </p:sp>
+      <p:sp>
+        <p:nvSpPr>
+          <p:cNvPr id="3" name="슬라이드 노트 개체 틀 2"/>
+          <p:cNvSpPr>
+            <a:spLocks noGrp="1"/>
+          </p:cNvSpPr>
+          <p:nvPr>
+            <p:ph type="body" idx="1"/>
+          </p:nvPr>
+        </p:nvSpPr>
+        <p:spPr/>
+        <p:txBody>
+          <a:bodyPr/>
+          <a:lstStyle/>
+          <a:p>
+            <a:r>
+              <a:rPr lang="ko-KR" altLang="en-US" dirty="0"/>
+              <a:t>나다</a:t>
+            </a:r>
+            <a:r>
+              <a:rPr lang="en-US" altLang="ko-KR" dirty="0"/>
+              <a:t> / </a:t>
+            </a:r>
+            <a:r>
+              <a:rPr lang="ko-KR" altLang="en-US" dirty="0"/>
+              <a:t>날다 </a:t>
+            </a:r>
+            <a:r>
+              <a:rPr lang="en-US" altLang="ko-KR" dirty="0"/>
+              <a:t>/ </a:t>
+            </a:r>
+            <a:r>
+              <a:rPr lang="ko-KR" altLang="en-US" dirty="0"/>
+              <a:t>놀다 </a:t>
+            </a:r>
+            <a:r>
+              <a:rPr lang="en-US" altLang="ko-KR" dirty="0"/>
+              <a:t>/ </a:t>
+            </a:r>
+            <a:r>
+              <a:rPr lang="ko-KR" altLang="en-US" dirty="0"/>
+              <a:t>늙다 </a:t>
+            </a:r>
+            <a:r>
+              <a:rPr lang="en-US" altLang="ko-KR" dirty="0"/>
+              <a:t>/ </a:t>
+            </a:r>
+            <a:r>
+              <a:rPr lang="ko-KR" altLang="en-US" dirty="0"/>
+              <a:t>낳다</a:t>
+            </a:r>
+          </a:p>
+        </p:txBody>
+      </p:sp>
+      <p:sp>
+        <p:nvSpPr>
+          <p:cNvPr id="4" name="슬라이드 번호 개체 틀 3"/>
+          <p:cNvSpPr>
+            <a:spLocks noGrp="1"/>
+          </p:cNvSpPr>
+          <p:nvPr>
+            <p:ph type="sldNum" sz="quarter" idx="5"/>
+          </p:nvPr>
+        </p:nvSpPr>
+        <p:spPr/>
+        <p:txBody>
+          <a:bodyPr/>
+          <a:lstStyle/>
+          <a:p>
+            <a:fld id="{71166FBA-D480-4466-8396-9AF8C2FF199A}" type="slidenum">
+              <a:rPr lang="ko-KR" altLang="en-US" smtClean="0"/>
+              <a:t>16</a:t>
+            </a:fld>
+            <a:endParaRPr lang="ko-KR" altLang="en-US"/>
+          </a:p>
+        </p:txBody>
+      </p:sp>
+    </p:spTree>
+    <p:extLst>
+      <p:ext uri="{BB962C8B-B14F-4D97-AF65-F5344CB8AC3E}">
+        <p14:creationId xmlns:p14="http://schemas.microsoft.com/office/powerpoint/2010/main" val="21419087"/>
+      </p:ext>
+    </p:extLst>
+  </p:cSld>
+  <p:clrMapOvr>
+    <a:masterClrMapping/>
+  </p:clrMapOvr>
+</p:notes>
+</file>
+
+<file path=ppt/notesSlides/notesSlide15.xml><?xml version="1.0" encoding="utf-8"?>
+<p:notes xmlns:a="http://schemas.openxmlformats.org/drawingml/2006/main" xmlns:r="http://schemas.openxmlformats.org/officeDocument/2006/relationships" xmlns:p="http://schemas.openxmlformats.org/presentationml/2006/main">
+  <p:cSld>
+    <p:spTree>
+      <p:nvGrpSpPr>
+        <p:cNvPr id="1" name=""/>
+        <p:cNvGrpSpPr/>
+        <p:nvPr/>
+      </p:nvGrpSpPr>
+      <p:grpSpPr>
+        <a:xfrm>
+          <a:off x="0" y="0"/>
+          <a:ext cx="0" cy="0"/>
+          <a:chOff x="0" y="0"/>
+          <a:chExt cx="0" cy="0"/>
+        </a:xfrm>
+      </p:grpSpPr>
+      <p:sp>
+        <p:nvSpPr>
+          <p:cNvPr id="2" name="슬라이드 이미지 개체 틀 1"/>
+          <p:cNvSpPr>
+            <a:spLocks noGrp="1" noRot="1" noChangeAspect="1"/>
+          </p:cNvSpPr>
+          <p:nvPr>
+            <p:ph type="sldImg"/>
+          </p:nvPr>
+        </p:nvSpPr>
+        <p:spPr/>
+      </p:sp>
+      <p:sp>
+        <p:nvSpPr>
+          <p:cNvPr id="3" name="슬라이드 노트 개체 틀 2"/>
+          <p:cNvSpPr>
+            <a:spLocks noGrp="1"/>
+          </p:cNvSpPr>
+          <p:nvPr>
+            <p:ph type="body" idx="1"/>
+          </p:nvPr>
+        </p:nvSpPr>
+        <p:spPr/>
+        <p:txBody>
+          <a:bodyPr/>
+          <a:lstStyle/>
+          <a:p>
+            <a:r>
+              <a:rPr lang="ko-KR" altLang="en-US" dirty="0"/>
+              <a:t>사과 </a:t>
+            </a:r>
+            <a:r>
+              <a:rPr lang="en-US" altLang="ko-KR" dirty="0"/>
+              <a:t>/ </a:t>
+            </a:r>
+            <a:r>
+              <a:rPr lang="ko-KR" altLang="en-US" dirty="0"/>
+              <a:t>성공 </a:t>
+            </a:r>
+            <a:r>
+              <a:rPr lang="en-US" altLang="ko-KR" dirty="0"/>
+              <a:t>/ </a:t>
+            </a:r>
+            <a:r>
+              <a:rPr lang="ko-KR" altLang="en-US" dirty="0"/>
+              <a:t>시간 </a:t>
+            </a:r>
+            <a:r>
+              <a:rPr lang="en-US" altLang="ko-KR" dirty="0"/>
+              <a:t>/ </a:t>
+            </a:r>
+            <a:r>
+              <a:rPr lang="ko-KR" altLang="en-US" dirty="0"/>
+              <a:t>시계 </a:t>
+            </a:r>
+            <a:r>
+              <a:rPr lang="en-US" altLang="ko-KR" dirty="0"/>
+              <a:t>/ </a:t>
+            </a:r>
+            <a:r>
+              <a:rPr lang="ko-KR" altLang="en-US" dirty="0"/>
+              <a:t>서기</a:t>
+            </a:r>
+          </a:p>
+        </p:txBody>
+      </p:sp>
+      <p:sp>
+        <p:nvSpPr>
+          <p:cNvPr id="4" name="슬라이드 번호 개체 틀 3"/>
+          <p:cNvSpPr>
+            <a:spLocks noGrp="1"/>
+          </p:cNvSpPr>
+          <p:nvPr>
+            <p:ph type="sldNum" sz="quarter" idx="5"/>
+          </p:nvPr>
+        </p:nvSpPr>
+        <p:spPr/>
+        <p:txBody>
+          <a:bodyPr/>
+          <a:lstStyle/>
+          <a:p>
+            <a:fld id="{71166FBA-D480-4466-8396-9AF8C2FF199A}" type="slidenum">
+              <a:rPr lang="ko-KR" altLang="en-US" smtClean="0"/>
+              <a:t>17</a:t>
+            </a:fld>
+            <a:endParaRPr lang="ko-KR" altLang="en-US"/>
+          </a:p>
+        </p:txBody>
+      </p:sp>
+    </p:spTree>
+    <p:extLst>
+      <p:ext uri="{BB962C8B-B14F-4D97-AF65-F5344CB8AC3E}">
+        <p14:creationId xmlns:p14="http://schemas.microsoft.com/office/powerpoint/2010/main" val="2405462160"/>
+      </p:ext>
+    </p:extLst>
+  </p:cSld>
+  <p:clrMapOvr>
+    <a:masterClrMapping/>
+  </p:clrMapOvr>
+</p:notes>
+</file>
+
+<file path=ppt/notesSlides/notesSlide16.xml><?xml version="1.0" encoding="utf-8"?>
+<p:notes xmlns:a="http://schemas.openxmlformats.org/drawingml/2006/main" xmlns:r="http://schemas.openxmlformats.org/officeDocument/2006/relationships" xmlns:p="http://schemas.openxmlformats.org/presentationml/2006/main">
+  <p:cSld>
+    <p:spTree>
+      <p:nvGrpSpPr>
+        <p:cNvPr id="1" name=""/>
+        <p:cNvGrpSpPr/>
+        <p:nvPr/>
+      </p:nvGrpSpPr>
+      <p:grpSpPr>
+        <a:xfrm>
+          <a:off x="0" y="0"/>
+          <a:ext cx="0" cy="0"/>
+          <a:chOff x="0" y="0"/>
+          <a:chExt cx="0" cy="0"/>
+        </a:xfrm>
+      </p:grpSpPr>
+      <p:sp>
+        <p:nvSpPr>
+          <p:cNvPr id="2" name="슬라이드 이미지 개체 틀 1"/>
+          <p:cNvSpPr>
+            <a:spLocks noGrp="1" noRot="1" noChangeAspect="1"/>
+          </p:cNvSpPr>
+          <p:nvPr>
+            <p:ph type="sldImg"/>
+          </p:nvPr>
+        </p:nvSpPr>
+        <p:spPr/>
+      </p:sp>
+      <p:sp>
+        <p:nvSpPr>
+          <p:cNvPr id="3" name="슬라이드 노트 개체 틀 2"/>
+          <p:cNvSpPr>
+            <a:spLocks noGrp="1"/>
+          </p:cNvSpPr>
+          <p:nvPr>
+            <p:ph type="body" idx="1"/>
+          </p:nvPr>
+        </p:nvSpPr>
+        <p:spPr/>
+        <p:txBody>
+          <a:bodyPr/>
+          <a:lstStyle/>
+          <a:p>
+            <a:pPr marL="0" marR="0" lvl="0" indent="0" algn="l" defTabSz="914400" rtl="0" eaLnBrk="1" fontAlgn="auto" latinLnBrk="1" hangingPunct="1">
+              <a:lnSpc>
+                <a:spcPct val="100000"/>
+              </a:lnSpc>
+              <a:spcBef>
+                <a:spcPts val="0"/>
+              </a:spcBef>
+              <a:spcAft>
+                <a:spcPts val="0"/>
+              </a:spcAft>
+              <a:buClrTx/>
+              <a:buSzTx/>
+              <a:buFontTx/>
+              <a:buNone/>
+              <a:tabLst/>
+              <a:defRPr/>
+            </a:pPr>
+            <a:r>
+              <a:rPr lang="en-US" altLang="ko-KR" dirty="0"/>
+              <a:t>???</a:t>
+            </a:r>
+            <a:endParaRPr lang="ko-KR" altLang="en-US" dirty="0"/>
+          </a:p>
+        </p:txBody>
+      </p:sp>
+      <p:sp>
+        <p:nvSpPr>
+          <p:cNvPr id="4" name="슬라이드 번호 개체 틀 3"/>
+          <p:cNvSpPr>
+            <a:spLocks noGrp="1"/>
+          </p:cNvSpPr>
+          <p:nvPr>
+            <p:ph type="sldNum" sz="quarter" idx="5"/>
+          </p:nvPr>
+        </p:nvSpPr>
+        <p:spPr/>
+        <p:txBody>
+          <a:bodyPr/>
+          <a:lstStyle/>
+          <a:p>
+            <a:fld id="{71166FBA-D480-4466-8396-9AF8C2FF199A}" type="slidenum">
+              <a:rPr lang="ko-KR" altLang="en-US" smtClean="0"/>
+              <a:t>18</a:t>
+            </a:fld>
+            <a:endParaRPr lang="ko-KR" altLang="en-US"/>
+          </a:p>
+        </p:txBody>
+      </p:sp>
+    </p:spTree>
+    <p:extLst>
+      <p:ext uri="{BB962C8B-B14F-4D97-AF65-F5344CB8AC3E}">
+        <p14:creationId xmlns:p14="http://schemas.microsoft.com/office/powerpoint/2010/main" val="2546849818"/>
+      </p:ext>
+    </p:extLst>
+  </p:cSld>
+  <p:clrMapOvr>
+    <a:masterClrMapping/>
+  </p:clrMapOvr>
+</p:notes>
+</file>
+
+<file path=ppt/notesSlides/notesSlide17.xml><?xml version="1.0" encoding="utf-8"?>
+<p:notes xmlns:a="http://schemas.openxmlformats.org/drawingml/2006/main" xmlns:r="http://schemas.openxmlformats.org/officeDocument/2006/relationships" xmlns:p="http://schemas.openxmlformats.org/presentationml/2006/main">
+  <p:cSld>
+    <p:spTree>
+      <p:nvGrpSpPr>
+        <p:cNvPr id="1" name=""/>
+        <p:cNvGrpSpPr/>
+        <p:nvPr/>
+      </p:nvGrpSpPr>
+      <p:grpSpPr>
+        <a:xfrm>
+          <a:off x="0" y="0"/>
+          <a:ext cx="0" cy="0"/>
+          <a:chOff x="0" y="0"/>
+          <a:chExt cx="0" cy="0"/>
+        </a:xfrm>
+      </p:grpSpPr>
+      <p:sp>
+        <p:nvSpPr>
+          <p:cNvPr id="2" name="슬라이드 이미지 개체 틀 1"/>
+          <p:cNvSpPr>
+            <a:spLocks noGrp="1" noRot="1" noChangeAspect="1"/>
+          </p:cNvSpPr>
+          <p:nvPr>
+            <p:ph type="sldImg"/>
+          </p:nvPr>
+        </p:nvSpPr>
+        <p:spPr/>
+      </p:sp>
+      <p:sp>
+        <p:nvSpPr>
+          <p:cNvPr id="3" name="슬라이드 노트 개체 틀 2"/>
+          <p:cNvSpPr>
+            <a:spLocks noGrp="1"/>
+          </p:cNvSpPr>
+          <p:nvPr>
+            <p:ph type="body" idx="1"/>
+          </p:nvPr>
+        </p:nvSpPr>
+        <p:spPr/>
+        <p:txBody>
+          <a:bodyPr/>
+          <a:lstStyle/>
+          <a:p>
+            <a:pPr marL="0" marR="0" lvl="0" indent="0" algn="l" defTabSz="914400" rtl="0" eaLnBrk="1" fontAlgn="auto" latinLnBrk="1" hangingPunct="1">
+              <a:lnSpc>
+                <a:spcPct val="100000"/>
+              </a:lnSpc>
+              <a:spcBef>
+                <a:spcPts val="0"/>
+              </a:spcBef>
+              <a:spcAft>
+                <a:spcPts val="0"/>
+              </a:spcAft>
+              <a:buClrTx/>
+              <a:buSzTx/>
+              <a:buFontTx/>
+              <a:buNone/>
+              <a:tabLst/>
+              <a:defRPr/>
+            </a:pPr>
+            <a:r>
+              <a:rPr lang="en-US" altLang="ko-KR" dirty="0"/>
+              <a:t>???</a:t>
+            </a:r>
+            <a:endParaRPr lang="ko-KR" altLang="en-US" dirty="0"/>
+          </a:p>
+        </p:txBody>
+      </p:sp>
+      <p:sp>
+        <p:nvSpPr>
+          <p:cNvPr id="4" name="슬라이드 번호 개체 틀 3"/>
+          <p:cNvSpPr>
+            <a:spLocks noGrp="1"/>
+          </p:cNvSpPr>
+          <p:nvPr>
+            <p:ph type="sldNum" sz="quarter" idx="5"/>
+          </p:nvPr>
+        </p:nvSpPr>
+        <p:spPr/>
+        <p:txBody>
+          <a:bodyPr/>
+          <a:lstStyle/>
+          <a:p>
+            <a:fld id="{71166FBA-D480-4466-8396-9AF8C2FF199A}" type="slidenum">
+              <a:rPr lang="ko-KR" altLang="en-US" smtClean="0"/>
+              <a:t>19</a:t>
+            </a:fld>
+            <a:endParaRPr lang="ko-KR" altLang="en-US"/>
+          </a:p>
+        </p:txBody>
+      </p:sp>
+    </p:spTree>
+    <p:extLst>
+      <p:ext uri="{BB962C8B-B14F-4D97-AF65-F5344CB8AC3E}">
+        <p14:creationId xmlns:p14="http://schemas.microsoft.com/office/powerpoint/2010/main" val="3697805124"/>
+      </p:ext>
+    </p:extLst>
+  </p:cSld>
+  <p:clrMapOvr>
+    <a:masterClrMapping/>
+  </p:clrMapOvr>
+</p:notes>
+</file>
+
+<file path=ppt/notesSlides/notesSlide18.xml><?xml version="1.0" encoding="utf-8"?>
+<p:notes xmlns:a="http://schemas.openxmlformats.org/drawingml/2006/main" xmlns:r="http://schemas.openxmlformats.org/officeDocument/2006/relationships" xmlns:p="http://schemas.openxmlformats.org/presentationml/2006/main">
+  <p:cSld>
+    <p:spTree>
+      <p:nvGrpSpPr>
+        <p:cNvPr id="1" name=""/>
+        <p:cNvGrpSpPr/>
+        <p:nvPr/>
+      </p:nvGrpSpPr>
+      <p:grpSpPr>
+        <a:xfrm>
+          <a:off x="0" y="0"/>
+          <a:ext cx="0" cy="0"/>
+          <a:chOff x="0" y="0"/>
+          <a:chExt cx="0" cy="0"/>
+        </a:xfrm>
+      </p:grpSpPr>
+      <p:sp>
+        <p:nvSpPr>
+          <p:cNvPr id="2" name="슬라이드 이미지 개체 틀 1"/>
+          <p:cNvSpPr>
+            <a:spLocks noGrp="1" noRot="1" noChangeAspect="1"/>
+          </p:cNvSpPr>
+          <p:nvPr>
+            <p:ph type="sldImg"/>
+          </p:nvPr>
+        </p:nvSpPr>
+        <p:spPr/>
+      </p:sp>
+      <p:sp>
+        <p:nvSpPr>
+          <p:cNvPr id="3" name="슬라이드 노트 개체 틀 2"/>
+          <p:cNvSpPr>
+            <a:spLocks noGrp="1"/>
+          </p:cNvSpPr>
+          <p:nvPr>
+            <p:ph type="body" idx="1"/>
+          </p:nvPr>
+        </p:nvSpPr>
+        <p:spPr/>
+        <p:txBody>
+          <a:bodyPr/>
+          <a:lstStyle/>
+          <a:p>
+            <a:r>
+              <a:rPr lang="en-US" altLang="ko-KR" dirty="0"/>
+              <a:t>???</a:t>
+            </a:r>
+            <a:endParaRPr lang="ko-KR" altLang="en-US" dirty="0"/>
+          </a:p>
+        </p:txBody>
+      </p:sp>
+      <p:sp>
+        <p:nvSpPr>
+          <p:cNvPr id="4" name="슬라이드 번호 개체 틀 3"/>
+          <p:cNvSpPr>
+            <a:spLocks noGrp="1"/>
+          </p:cNvSpPr>
+          <p:nvPr>
+            <p:ph type="sldNum" sz="quarter" idx="5"/>
+          </p:nvPr>
+        </p:nvSpPr>
+        <p:spPr/>
+        <p:txBody>
+          <a:bodyPr/>
+          <a:lstStyle/>
+          <a:p>
+            <a:fld id="{71166FBA-D480-4466-8396-9AF8C2FF199A}" type="slidenum">
+              <a:rPr lang="ko-KR" altLang="en-US" smtClean="0"/>
+              <a:t>20</a:t>
+            </a:fld>
+            <a:endParaRPr lang="ko-KR" altLang="en-US"/>
+          </a:p>
+        </p:txBody>
+      </p:sp>
+    </p:spTree>
+    <p:extLst>
+      <p:ext uri="{BB962C8B-B14F-4D97-AF65-F5344CB8AC3E}">
+        <p14:creationId xmlns:p14="http://schemas.microsoft.com/office/powerpoint/2010/main" val="1656390089"/>
+      </p:ext>
+    </p:extLst>
+  </p:cSld>
+  <p:clrMapOvr>
+    <a:masterClrMapping/>
+  </p:clrMapOvr>
+</p:notes>
+</file>
+
+<file path=ppt/notesSlides/notesSlide19.xml><?xml version="1.0" encoding="utf-8"?>
+<p:notes xmlns:a="http://schemas.openxmlformats.org/drawingml/2006/main" xmlns:r="http://schemas.openxmlformats.org/officeDocument/2006/relationships" xmlns:p="http://schemas.openxmlformats.org/presentationml/2006/main">
+  <p:cSld>
+    <p:spTree>
+      <p:nvGrpSpPr>
+        <p:cNvPr id="1" name=""/>
+        <p:cNvGrpSpPr/>
+        <p:nvPr/>
+      </p:nvGrpSpPr>
+      <p:grpSpPr>
+        <a:xfrm>
+          <a:off x="0" y="0"/>
+          <a:ext cx="0" cy="0"/>
+          <a:chOff x="0" y="0"/>
+          <a:chExt cx="0" cy="0"/>
+        </a:xfrm>
+      </p:grpSpPr>
+      <p:sp>
+        <p:nvSpPr>
+          <p:cNvPr id="2" name="슬라이드 이미지 개체 틀 1"/>
+          <p:cNvSpPr>
+            <a:spLocks noGrp="1" noRot="1" noChangeAspect="1"/>
+          </p:cNvSpPr>
+          <p:nvPr>
+            <p:ph type="sldImg"/>
+          </p:nvPr>
+        </p:nvSpPr>
+        <p:spPr/>
+      </p:sp>
+      <p:sp>
+        <p:nvSpPr>
+          <p:cNvPr id="3" name="슬라이드 노트 개체 틀 2"/>
+          <p:cNvSpPr>
+            <a:spLocks noGrp="1"/>
+          </p:cNvSpPr>
+          <p:nvPr>
+            <p:ph type="body" idx="1"/>
+          </p:nvPr>
+        </p:nvSpPr>
+        <p:spPr/>
+        <p:txBody>
+          <a:bodyPr/>
+          <a:lstStyle/>
+          <a:p>
+            <a:r>
+              <a:rPr lang="en-US" altLang="ko-KR" dirty="0"/>
+              <a:t>???</a:t>
+            </a:r>
+            <a:endParaRPr lang="ko-KR" altLang="en-US" dirty="0"/>
+          </a:p>
+        </p:txBody>
+      </p:sp>
+      <p:sp>
+        <p:nvSpPr>
+          <p:cNvPr id="4" name="슬라이드 번호 개체 틀 3"/>
+          <p:cNvSpPr>
+            <a:spLocks noGrp="1"/>
+          </p:cNvSpPr>
+          <p:nvPr>
+            <p:ph type="sldNum" sz="quarter" idx="5"/>
+          </p:nvPr>
+        </p:nvSpPr>
+        <p:spPr/>
+        <p:txBody>
+          <a:bodyPr/>
+          <a:lstStyle/>
+          <a:p>
+            <a:fld id="{71166FBA-D480-4466-8396-9AF8C2FF199A}" type="slidenum">
+              <a:rPr lang="ko-KR" altLang="en-US" smtClean="0"/>
+              <a:t>21</a:t>
+            </a:fld>
+            <a:endParaRPr lang="ko-KR" altLang="en-US"/>
+          </a:p>
+        </p:txBody>
+      </p:sp>
+    </p:spTree>
+    <p:extLst>
+      <p:ext uri="{BB962C8B-B14F-4D97-AF65-F5344CB8AC3E}">
+        <p14:creationId xmlns:p14="http://schemas.microsoft.com/office/powerpoint/2010/main" val="618642381"/>
       </p:ext>
     </p:extLst>
   </p:cSld>
@@ -807,6 +1836,270 @@
     <p:extLst>
       <p:ext uri="{BB962C8B-B14F-4D97-AF65-F5344CB8AC3E}">
         <p14:creationId xmlns:p14="http://schemas.microsoft.com/office/powerpoint/2010/main" val="2027889820"/>
+      </p:ext>
+    </p:extLst>
+  </p:cSld>
+  <p:clrMapOvr>
+    <a:masterClrMapping/>
+  </p:clrMapOvr>
+</p:notes>
+</file>
+
+<file path=ppt/notesSlides/notesSlide20.xml><?xml version="1.0" encoding="utf-8"?>
+<p:notes xmlns:a="http://schemas.openxmlformats.org/drawingml/2006/main" xmlns:r="http://schemas.openxmlformats.org/officeDocument/2006/relationships" xmlns:p="http://schemas.openxmlformats.org/presentationml/2006/main">
+  <p:cSld>
+    <p:spTree>
+      <p:nvGrpSpPr>
+        <p:cNvPr id="1" name=""/>
+        <p:cNvGrpSpPr/>
+        <p:nvPr/>
+      </p:nvGrpSpPr>
+      <p:grpSpPr>
+        <a:xfrm>
+          <a:off x="0" y="0"/>
+          <a:ext cx="0" cy="0"/>
+          <a:chOff x="0" y="0"/>
+          <a:chExt cx="0" cy="0"/>
+        </a:xfrm>
+      </p:grpSpPr>
+      <p:sp>
+        <p:nvSpPr>
+          <p:cNvPr id="2" name="슬라이드 이미지 개체 틀 1"/>
+          <p:cNvSpPr>
+            <a:spLocks noGrp="1" noRot="1" noChangeAspect="1"/>
+          </p:cNvSpPr>
+          <p:nvPr>
+            <p:ph type="sldImg"/>
+          </p:nvPr>
+        </p:nvSpPr>
+        <p:spPr/>
+      </p:sp>
+      <p:sp>
+        <p:nvSpPr>
+          <p:cNvPr id="3" name="슬라이드 노트 개체 틀 2"/>
+          <p:cNvSpPr>
+            <a:spLocks noGrp="1"/>
+          </p:cNvSpPr>
+          <p:nvPr>
+            <p:ph type="body" idx="1"/>
+          </p:nvPr>
+        </p:nvSpPr>
+        <p:spPr/>
+        <p:txBody>
+          <a:bodyPr/>
+          <a:lstStyle/>
+          <a:p>
+            <a:r>
+              <a:rPr lang="en-US" altLang="ko-KR" dirty="0"/>
+              <a:t>???</a:t>
+            </a:r>
+            <a:endParaRPr lang="ko-KR" altLang="en-US" dirty="0"/>
+          </a:p>
+        </p:txBody>
+      </p:sp>
+      <p:sp>
+        <p:nvSpPr>
+          <p:cNvPr id="4" name="슬라이드 번호 개체 틀 3"/>
+          <p:cNvSpPr>
+            <a:spLocks noGrp="1"/>
+          </p:cNvSpPr>
+          <p:nvPr>
+            <p:ph type="sldNum" sz="quarter" idx="5"/>
+          </p:nvPr>
+        </p:nvSpPr>
+        <p:spPr/>
+        <p:txBody>
+          <a:bodyPr/>
+          <a:lstStyle/>
+          <a:p>
+            <a:fld id="{71166FBA-D480-4466-8396-9AF8C2FF199A}" type="slidenum">
+              <a:rPr lang="ko-KR" altLang="en-US" smtClean="0"/>
+              <a:t>22</a:t>
+            </a:fld>
+            <a:endParaRPr lang="ko-KR" altLang="en-US"/>
+          </a:p>
+        </p:txBody>
+      </p:sp>
+    </p:spTree>
+    <p:extLst>
+      <p:ext uri="{BB962C8B-B14F-4D97-AF65-F5344CB8AC3E}">
+        <p14:creationId xmlns:p14="http://schemas.microsoft.com/office/powerpoint/2010/main" val="3490608049"/>
+      </p:ext>
+    </p:extLst>
+  </p:cSld>
+  <p:clrMapOvr>
+    <a:masterClrMapping/>
+  </p:clrMapOvr>
+</p:notes>
+</file>
+
+<file path=ppt/notesSlides/notesSlide21.xml><?xml version="1.0" encoding="utf-8"?>
+<p:notes xmlns:a="http://schemas.openxmlformats.org/drawingml/2006/main" xmlns:r="http://schemas.openxmlformats.org/officeDocument/2006/relationships" xmlns:p="http://schemas.openxmlformats.org/presentationml/2006/main">
+  <p:cSld>
+    <p:spTree>
+      <p:nvGrpSpPr>
+        <p:cNvPr id="1" name=""/>
+        <p:cNvGrpSpPr/>
+        <p:nvPr/>
+      </p:nvGrpSpPr>
+      <p:grpSpPr>
+        <a:xfrm>
+          <a:off x="0" y="0"/>
+          <a:ext cx="0" cy="0"/>
+          <a:chOff x="0" y="0"/>
+          <a:chExt cx="0" cy="0"/>
+        </a:xfrm>
+      </p:grpSpPr>
+      <p:sp>
+        <p:nvSpPr>
+          <p:cNvPr id="2" name="슬라이드 이미지 개체 틀 1"/>
+          <p:cNvSpPr>
+            <a:spLocks noGrp="1" noRot="1" noChangeAspect="1"/>
+          </p:cNvSpPr>
+          <p:nvPr>
+            <p:ph type="sldImg"/>
+          </p:nvPr>
+        </p:nvSpPr>
+        <p:spPr/>
+      </p:sp>
+      <p:sp>
+        <p:nvSpPr>
+          <p:cNvPr id="3" name="슬라이드 노트 개체 틀 2"/>
+          <p:cNvSpPr>
+            <a:spLocks noGrp="1"/>
+          </p:cNvSpPr>
+          <p:nvPr>
+            <p:ph type="body" idx="1"/>
+          </p:nvPr>
+        </p:nvSpPr>
+        <p:spPr/>
+        <p:txBody>
+          <a:bodyPr/>
+          <a:lstStyle/>
+          <a:p>
+            <a:r>
+              <a:rPr lang="en-US" altLang="ko-KR" dirty="0"/>
+              <a:t>???</a:t>
+            </a:r>
+            <a:endParaRPr lang="ko-KR" altLang="en-US" dirty="0"/>
+          </a:p>
+        </p:txBody>
+      </p:sp>
+      <p:sp>
+        <p:nvSpPr>
+          <p:cNvPr id="4" name="슬라이드 번호 개체 틀 3"/>
+          <p:cNvSpPr>
+            <a:spLocks noGrp="1"/>
+          </p:cNvSpPr>
+          <p:nvPr>
+            <p:ph type="sldNum" sz="quarter" idx="5"/>
+          </p:nvPr>
+        </p:nvSpPr>
+        <p:spPr/>
+        <p:txBody>
+          <a:bodyPr/>
+          <a:lstStyle/>
+          <a:p>
+            <a:fld id="{71166FBA-D480-4466-8396-9AF8C2FF199A}" type="slidenum">
+              <a:rPr lang="ko-KR" altLang="en-US" smtClean="0"/>
+              <a:t>23</a:t>
+            </a:fld>
+            <a:endParaRPr lang="ko-KR" altLang="en-US"/>
+          </a:p>
+        </p:txBody>
+      </p:sp>
+    </p:spTree>
+    <p:extLst>
+      <p:ext uri="{BB962C8B-B14F-4D97-AF65-F5344CB8AC3E}">
+        <p14:creationId xmlns:p14="http://schemas.microsoft.com/office/powerpoint/2010/main" val="1738661895"/>
+      </p:ext>
+    </p:extLst>
+  </p:cSld>
+  <p:clrMapOvr>
+    <a:masterClrMapping/>
+  </p:clrMapOvr>
+</p:notes>
+</file>
+
+<file path=ppt/notesSlides/notesSlide22.xml><?xml version="1.0" encoding="utf-8"?>
+<p:notes xmlns:a="http://schemas.openxmlformats.org/drawingml/2006/main" xmlns:r="http://schemas.openxmlformats.org/officeDocument/2006/relationships" xmlns:p="http://schemas.openxmlformats.org/presentationml/2006/main">
+  <p:cSld>
+    <p:spTree>
+      <p:nvGrpSpPr>
+        <p:cNvPr id="1" name=""/>
+        <p:cNvGrpSpPr/>
+        <p:nvPr/>
+      </p:nvGrpSpPr>
+      <p:grpSpPr>
+        <a:xfrm>
+          <a:off x="0" y="0"/>
+          <a:ext cx="0" cy="0"/>
+          <a:chOff x="0" y="0"/>
+          <a:chExt cx="0" cy="0"/>
+        </a:xfrm>
+      </p:grpSpPr>
+      <p:sp>
+        <p:nvSpPr>
+          <p:cNvPr id="2" name="슬라이드 이미지 개체 틀 1"/>
+          <p:cNvSpPr>
+            <a:spLocks noGrp="1" noRot="1" noChangeAspect="1"/>
+          </p:cNvSpPr>
+          <p:nvPr>
+            <p:ph type="sldImg"/>
+          </p:nvPr>
+        </p:nvSpPr>
+        <p:spPr/>
+      </p:sp>
+      <p:sp>
+        <p:nvSpPr>
+          <p:cNvPr id="3" name="슬라이드 노트 개체 틀 2"/>
+          <p:cNvSpPr>
+            <a:spLocks noGrp="1"/>
+          </p:cNvSpPr>
+          <p:nvPr>
+            <p:ph type="body" idx="1"/>
+          </p:nvPr>
+        </p:nvSpPr>
+        <p:spPr/>
+        <p:txBody>
+          <a:bodyPr/>
+          <a:lstStyle/>
+          <a:p>
+            <a:r>
+              <a:rPr lang="en-US" altLang="ko-KR" dirty="0"/>
+              <a:t>???</a:t>
+            </a:r>
+            <a:endParaRPr lang="ko-KR" altLang="en-US" dirty="0"/>
+          </a:p>
+        </p:txBody>
+      </p:sp>
+      <p:sp>
+        <p:nvSpPr>
+          <p:cNvPr id="4" name="슬라이드 번호 개체 틀 3"/>
+          <p:cNvSpPr>
+            <a:spLocks noGrp="1"/>
+          </p:cNvSpPr>
+          <p:nvPr>
+            <p:ph type="sldNum" sz="quarter" idx="5"/>
+          </p:nvPr>
+        </p:nvSpPr>
+        <p:spPr/>
+        <p:txBody>
+          <a:bodyPr/>
+          <a:lstStyle/>
+          <a:p>
+            <a:fld id="{71166FBA-D480-4466-8396-9AF8C2FF199A}" type="slidenum">
+              <a:rPr lang="ko-KR" altLang="en-US" smtClean="0"/>
+              <a:t>24</a:t>
+            </a:fld>
+            <a:endParaRPr lang="ko-KR" altLang="en-US"/>
+          </a:p>
+        </p:txBody>
+      </p:sp>
+    </p:spTree>
+    <p:extLst>
+      <p:ext uri="{BB962C8B-B14F-4D97-AF65-F5344CB8AC3E}">
+        <p14:creationId xmlns:p14="http://schemas.microsoft.com/office/powerpoint/2010/main" val="3956633470"/>
       </p:ext>
     </p:extLst>
   </p:cSld>
@@ -989,7 +2282,39 @@
           <a:p>
             <a:r>
               <a:rPr lang="ko-KR" altLang="en-US" dirty="0"/>
-              <a:t>애플</a:t>
+              <a:t>버스</a:t>
+            </a:r>
+            <a:r>
+              <a:rPr lang="en-US" altLang="ko-KR" dirty="0"/>
+              <a:t> / </a:t>
+            </a:r>
+            <a:r>
+              <a:rPr lang="ko-KR" altLang="en-US" dirty="0"/>
+              <a:t>보상 </a:t>
+            </a:r>
+            <a:r>
+              <a:rPr lang="en-US" altLang="ko-KR" dirty="0"/>
+              <a:t>/ </a:t>
+            </a:r>
+            <a:r>
+              <a:rPr lang="ko-KR" altLang="en-US" dirty="0"/>
+              <a:t>비상 </a:t>
+            </a:r>
+            <a:r>
+              <a:rPr lang="en-US" altLang="ko-KR" dirty="0"/>
+              <a:t>/ </a:t>
+            </a:r>
+            <a:r>
+              <a:rPr lang="ko-KR" altLang="en-US" dirty="0"/>
+              <a:t>비석 </a:t>
+            </a:r>
+            <a:r>
+              <a:rPr lang="en-US" altLang="ko-KR" dirty="0"/>
+              <a:t>/ </a:t>
+            </a:r>
+            <a:r>
+              <a:rPr lang="ko-KR" altLang="en-US" dirty="0"/>
+              <a:t>방석</a:t>
             </a:r>
           </a:p>
         </p:txBody>
@@ -1076,7 +2401,7 @@
           <a:p>
             <a:r>
               <a:rPr lang="ko-KR" altLang="en-US" dirty="0"/>
-              <a:t>새벽녘 </a:t>
+              <a:t>과자 </a:t>
             </a:r>
             <a:r>
               <a:rPr lang="en-US" altLang="ko-KR" dirty="0"/>
@@ -1084,7 +2409,7 @@
             </a:r>
             <a:r>
               <a:rPr lang="ko-KR" altLang="en-US" dirty="0"/>
-              <a:t>서방님 </a:t>
+              <a:t>공장 </a:t>
             </a:r>
             <a:r>
               <a:rPr lang="en-US" altLang="ko-KR" dirty="0"/>
@@ -1092,7 +2417,7 @@
             </a:r>
             <a:r>
               <a:rPr lang="ko-KR" altLang="en-US" dirty="0"/>
-              <a:t>사바나 </a:t>
+              <a:t>기적 </a:t>
             </a:r>
             <a:r>
               <a:rPr lang="en-US" altLang="ko-KR" dirty="0"/>
@@ -1100,7 +2425,7 @@
             </a:r>
             <a:r>
               <a:rPr lang="ko-KR" altLang="en-US" dirty="0"/>
-              <a:t>사부님 </a:t>
+              <a:t>고조 </a:t>
             </a:r>
             <a:r>
               <a:rPr lang="en-US" altLang="ko-KR" dirty="0"/>
@@ -1108,7 +2433,7 @@
             </a:r>
             <a:r>
               <a:rPr lang="ko-KR" altLang="en-US" dirty="0"/>
-              <a:t>숙부님</a:t>
+              <a:t>걱정</a:t>
             </a:r>
           </a:p>
         </p:txBody>
@@ -1139,7 +2464,7 @@
     </p:spTree>
     <p:extLst>
       <p:ext uri="{BB962C8B-B14F-4D97-AF65-F5344CB8AC3E}">
-        <p14:creationId xmlns:p14="http://schemas.microsoft.com/office/powerpoint/2010/main" val="3016934767"/>
+        <p14:creationId xmlns:p14="http://schemas.microsoft.com/office/powerpoint/2010/main" val="1838123253"/>
       </p:ext>
     </p:extLst>
   </p:cSld>
@@ -1195,7 +2520,7 @@
           <a:p>
             <a:r>
               <a:rPr lang="ko-KR" altLang="en-US" dirty="0"/>
-              <a:t>월드컵 </a:t>
+              <a:t>피로 </a:t>
             </a:r>
             <a:r>
               <a:rPr lang="en-US" altLang="ko-KR" dirty="0"/>
@@ -1203,7 +2528,31 @@
             </a:r>
             <a:r>
               <a:rPr lang="ko-KR" altLang="en-US" dirty="0"/>
-              <a:t>완두콩</a:t>
+              <a:t>파리 </a:t>
+            </a:r>
+            <a:r>
+              <a:rPr lang="en-US" altLang="ko-KR" dirty="0"/>
+              <a:t>/ </a:t>
+            </a:r>
+            <a:r>
+              <a:rPr lang="ko-KR" altLang="en-US" dirty="0"/>
+              <a:t>파랑 </a:t>
+            </a:r>
+            <a:r>
+              <a:rPr lang="en-US" altLang="ko-KR" dirty="0"/>
+              <a:t>/ </a:t>
+            </a:r>
+            <a:r>
+              <a:rPr lang="ko-KR" altLang="en-US" dirty="0"/>
+              <a:t>포로 </a:t>
+            </a:r>
+            <a:r>
+              <a:rPr lang="en-US" altLang="ko-KR" dirty="0"/>
+              <a:t>/ </a:t>
+            </a:r>
+            <a:r>
+              <a:rPr lang="ko-KR" altLang="en-US" dirty="0"/>
+              <a:t>폭력</a:t>
             </a:r>
           </a:p>
         </p:txBody>
@@ -1234,7 +2583,7 @@
     </p:spTree>
     <p:extLst>
       <p:ext uri="{BB962C8B-B14F-4D97-AF65-F5344CB8AC3E}">
-        <p14:creationId xmlns:p14="http://schemas.microsoft.com/office/powerpoint/2010/main" val="116013406"/>
+        <p14:creationId xmlns:p14="http://schemas.microsoft.com/office/powerpoint/2010/main" val="320935654"/>
       </p:ext>
     </p:extLst>
   </p:cSld>
@@ -1290,7 +2639,39 @@
           <a:p>
             <a:r>
               <a:rPr lang="ko-KR" altLang="en-US" dirty="0"/>
-              <a:t>숨바꼭질</a:t>
+              <a:t>환자 </a:t>
+            </a:r>
+            <a:r>
+              <a:rPr lang="en-US" altLang="ko-KR" dirty="0"/>
+              <a:t>/ </a:t>
+            </a:r>
+            <a:r>
+              <a:rPr lang="ko-KR" altLang="en-US" dirty="0"/>
+              <a:t>휴지 </a:t>
+            </a:r>
+            <a:r>
+              <a:rPr lang="en-US" altLang="ko-KR" dirty="0"/>
+              <a:t>/ </a:t>
+            </a:r>
+            <a:r>
+              <a:rPr lang="ko-KR" altLang="en-US" dirty="0"/>
+              <a:t>혼자 </a:t>
+            </a:r>
+            <a:r>
+              <a:rPr lang="en-US" altLang="ko-KR" dirty="0"/>
+              <a:t>/ </a:t>
+            </a:r>
+            <a:r>
+              <a:rPr lang="ko-KR" altLang="en-US" dirty="0"/>
+              <a:t>현재 </a:t>
+            </a:r>
+            <a:r>
+              <a:rPr lang="en-US" altLang="ko-KR" dirty="0"/>
+              <a:t>/ </a:t>
+            </a:r>
+            <a:r>
+              <a:rPr lang="ko-KR" altLang="en-US" dirty="0"/>
+              <a:t>한자</a:t>
             </a:r>
           </a:p>
         </p:txBody>
@@ -1321,7 +2702,7 @@
     </p:spTree>
     <p:extLst>
       <p:ext uri="{BB962C8B-B14F-4D97-AF65-F5344CB8AC3E}">
-        <p14:creationId xmlns:p14="http://schemas.microsoft.com/office/powerpoint/2010/main" val="251731764"/>
+        <p14:creationId xmlns:p14="http://schemas.microsoft.com/office/powerpoint/2010/main" val="3391168237"/>
       </p:ext>
     </p:extLst>
   </p:cSld>
@@ -1376,10 +2757,41 @@
           <a:lstStyle/>
           <a:p>
             <a:r>
-              <a:rPr lang="ko-KR" altLang="en-US" dirty="0" err="1"/>
-              <a:t>크로마토그래피</a:t>
-            </a:r>
-            <a:endParaRPr lang="ko-KR" altLang="en-US" dirty="0"/>
+              <a:rPr lang="ko-KR" altLang="en-US" dirty="0"/>
+              <a:t>그림 </a:t>
+            </a:r>
+            <a:r>
+              <a:rPr lang="en-US" altLang="ko-KR" dirty="0"/>
+              <a:t>/ </a:t>
+            </a:r>
+            <a:r>
+              <a:rPr lang="ko-KR" altLang="en-US" dirty="0"/>
+              <a:t>기력 </a:t>
+            </a:r>
+            <a:r>
+              <a:rPr lang="en-US" altLang="ko-KR" dirty="0"/>
+              <a:t>/ </a:t>
+            </a:r>
+            <a:r>
+              <a:rPr lang="ko-KR" altLang="en-US" dirty="0"/>
+              <a:t>계란 </a:t>
+            </a:r>
+            <a:r>
+              <a:rPr lang="en-US" altLang="ko-KR" dirty="0"/>
+              <a:t>/ </a:t>
+            </a:r>
+            <a:r>
+              <a:rPr lang="ko-KR" altLang="en-US" dirty="0"/>
+              <a:t>거리 </a:t>
+            </a:r>
+            <a:r>
+              <a:rPr lang="en-US" altLang="ko-KR" dirty="0"/>
+              <a:t>/ </a:t>
+            </a:r>
+            <a:r>
+              <a:rPr lang="ko-KR" altLang="en-US" dirty="0"/>
+              <a:t>구름</a:t>
+            </a:r>
           </a:p>
         </p:txBody>
       </p:sp>
@@ -1409,7 +2821,7 @@
     </p:spTree>
     <p:extLst>
       <p:ext uri="{BB962C8B-B14F-4D97-AF65-F5344CB8AC3E}">
-        <p14:creationId xmlns:p14="http://schemas.microsoft.com/office/powerpoint/2010/main" val="2041249717"/>
+        <p14:creationId xmlns:p14="http://schemas.microsoft.com/office/powerpoint/2010/main" val="3620982231"/>
       </p:ext>
     </p:extLst>
   </p:cSld>
@@ -1465,7 +2877,39 @@
           <a:p>
             <a:r>
               <a:rPr lang="ko-KR" altLang="en-US" dirty="0"/>
-              <a:t>해리포터</a:t>
+              <a:t>시작 </a:t>
+            </a:r>
+            <a:r>
+              <a:rPr lang="en-US" altLang="ko-KR" dirty="0"/>
+              <a:t>/ </a:t>
+            </a:r>
+            <a:r>
+              <a:rPr lang="ko-KR" altLang="en-US" dirty="0"/>
+              <a:t>사전 </a:t>
+            </a:r>
+            <a:r>
+              <a:rPr lang="en-US" altLang="ko-KR" dirty="0"/>
+              <a:t>/ </a:t>
+            </a:r>
+            <a:r>
+              <a:rPr lang="ko-KR" altLang="en-US" dirty="0"/>
+              <a:t>사장 </a:t>
+            </a:r>
+            <a:r>
+              <a:rPr lang="en-US" altLang="ko-KR" dirty="0"/>
+              <a:t>/ </a:t>
+            </a:r>
+            <a:r>
+              <a:rPr lang="ko-KR" altLang="en-US" dirty="0"/>
+              <a:t>숙제 </a:t>
+            </a:r>
+            <a:r>
+              <a:rPr lang="en-US" altLang="ko-KR" dirty="0"/>
+              <a:t>/ </a:t>
+            </a:r>
+            <a:r>
+              <a:rPr lang="ko-KR" altLang="en-US" dirty="0"/>
+              <a:t>시장</a:t>
             </a:r>
           </a:p>
         </p:txBody>
@@ -1496,7 +2940,7 @@
     </p:spTree>
     <p:extLst>
       <p:ext uri="{BB962C8B-B14F-4D97-AF65-F5344CB8AC3E}">
-        <p14:creationId xmlns:p14="http://schemas.microsoft.com/office/powerpoint/2010/main" val="3923450669"/>
+        <p14:creationId xmlns:p14="http://schemas.microsoft.com/office/powerpoint/2010/main" val="2831165419"/>
       </p:ext>
     </p:extLst>
   </p:cSld>
@@ -1653,7 +3097,7 @@
           <a:p>
             <a:fld id="{147E8D36-BA4B-452B-B9AF-FA048EBD4D35}" type="datetimeFigureOut">
               <a:rPr lang="ko-KR" altLang="en-US" smtClean="0"/>
-              <a:t>2022-12-18</a:t>
+              <a:t>2022-12-21</a:t>
             </a:fld>
             <a:endParaRPr lang="ko-KR" altLang="en-US"/>
           </a:p>
@@ -1851,7 +3295,7 @@
           <a:p>
             <a:fld id="{147E8D36-BA4B-452B-B9AF-FA048EBD4D35}" type="datetimeFigureOut">
               <a:rPr lang="ko-KR" altLang="en-US" smtClean="0"/>
-              <a:t>2022-12-18</a:t>
+              <a:t>2022-12-21</a:t>
             </a:fld>
             <a:endParaRPr lang="ko-KR" altLang="en-US"/>
           </a:p>
@@ -2059,7 +3503,7 @@
           <a:p>
             <a:fld id="{147E8D36-BA4B-452B-B9AF-FA048EBD4D35}" type="datetimeFigureOut">
               <a:rPr lang="ko-KR" altLang="en-US" smtClean="0"/>
-              <a:t>2022-12-18</a:t>
+              <a:t>2022-12-21</a:t>
             </a:fld>
             <a:endParaRPr lang="ko-KR" altLang="en-US"/>
           </a:p>
@@ -2257,7 +3701,7 @@
           <a:p>
             <a:fld id="{147E8D36-BA4B-452B-B9AF-FA048EBD4D35}" type="datetimeFigureOut">
               <a:rPr lang="ko-KR" altLang="en-US" smtClean="0"/>
-              <a:t>2022-12-18</a:t>
+              <a:t>2022-12-21</a:t>
             </a:fld>
             <a:endParaRPr lang="ko-KR" altLang="en-US"/>
           </a:p>
@@ -2532,7 +3976,7 @@
           <a:p>
             <a:fld id="{147E8D36-BA4B-452B-B9AF-FA048EBD4D35}" type="datetimeFigureOut">
               <a:rPr lang="ko-KR" altLang="en-US" smtClean="0"/>
-              <a:t>2022-12-18</a:t>
+              <a:t>2022-12-21</a:t>
             </a:fld>
             <a:endParaRPr lang="ko-KR" altLang="en-US"/>
           </a:p>
@@ -2797,7 +4241,7 @@
           <a:p>
             <a:fld id="{147E8D36-BA4B-452B-B9AF-FA048EBD4D35}" type="datetimeFigureOut">
               <a:rPr lang="ko-KR" altLang="en-US" smtClean="0"/>
-              <a:t>2022-12-18</a:t>
+              <a:t>2022-12-21</a:t>
             </a:fld>
             <a:endParaRPr lang="ko-KR" altLang="en-US"/>
           </a:p>
@@ -3209,7 +4653,7 @@
           <a:p>
             <a:fld id="{147E8D36-BA4B-452B-B9AF-FA048EBD4D35}" type="datetimeFigureOut">
               <a:rPr lang="ko-KR" altLang="en-US" smtClean="0"/>
-              <a:t>2022-12-18</a:t>
+              <a:t>2022-12-21</a:t>
             </a:fld>
             <a:endParaRPr lang="ko-KR" altLang="en-US"/>
           </a:p>
@@ -3350,7 +4794,7 @@
           <a:p>
             <a:fld id="{147E8D36-BA4B-452B-B9AF-FA048EBD4D35}" type="datetimeFigureOut">
               <a:rPr lang="ko-KR" altLang="en-US" smtClean="0"/>
-              <a:t>2022-12-18</a:t>
+              <a:t>2022-12-21</a:t>
             </a:fld>
             <a:endParaRPr lang="ko-KR" altLang="en-US"/>
           </a:p>
@@ -3463,7 +4907,7 @@
           <a:p>
             <a:fld id="{147E8D36-BA4B-452B-B9AF-FA048EBD4D35}" type="datetimeFigureOut">
               <a:rPr lang="ko-KR" altLang="en-US" smtClean="0"/>
-              <a:t>2022-12-18</a:t>
+              <a:t>2022-12-21</a:t>
             </a:fld>
             <a:endParaRPr lang="ko-KR" altLang="en-US"/>
           </a:p>
@@ -3774,7 +5218,7 @@
           <a:p>
             <a:fld id="{147E8D36-BA4B-452B-B9AF-FA048EBD4D35}" type="datetimeFigureOut">
               <a:rPr lang="ko-KR" altLang="en-US" smtClean="0"/>
-              <a:t>2022-12-18</a:t>
+              <a:t>2022-12-21</a:t>
             </a:fld>
             <a:endParaRPr lang="ko-KR" altLang="en-US"/>
           </a:p>
@@ -4062,7 +5506,7 @@
           <a:p>
             <a:fld id="{147E8D36-BA4B-452B-B9AF-FA048EBD4D35}" type="datetimeFigureOut">
               <a:rPr lang="ko-KR" altLang="en-US" smtClean="0"/>
-              <a:t>2022-12-18</a:t>
+              <a:t>2022-12-21</a:t>
             </a:fld>
             <a:endParaRPr lang="ko-KR" altLang="en-US"/>
           </a:p>
@@ -4306,7 +5750,7 @@
           <a:p>
             <a:fld id="{147E8D36-BA4B-452B-B9AF-FA048EBD4D35}" type="datetimeFigureOut">
               <a:rPr lang="ko-KR" altLang="en-US" smtClean="0"/>
-              <a:t>2022-12-18</a:t>
+              <a:t>2022-12-21</a:t>
             </a:fld>
             <a:endParaRPr lang="ko-KR" altLang="en-US"/>
           </a:p>
@@ -4958,7 +6402,7 @@
                 <a:latin typeface="Arial" panose="020B0604020202020204" pitchFamily="34" charset="0"/>
                 <a:cs typeface="Arial" panose="020B0604020202020204" pitchFamily="34" charset="0"/>
               </a:rPr>
-              <a:t>ㅋㄹㅁㅌㄱㄹㅍ</a:t>
+              <a:t>ㄱㄹ</a:t>
             </a:r>
             <a:endParaRPr lang="ko-KR" altLang="en-US" sz="9600" b="1" dirty="0">
               <a:solidFill>
@@ -5119,18 +6563,11 @@
             <a:avLst/>
           </a:prstGeom>
           <a:solidFill>
-            <a:srgbClr val="FF0000"/>
+            <a:schemeClr val="accent4"/>
           </a:solidFill>
           <a:ln>
             <a:noFill/>
           </a:ln>
-          <a:effectLst>
-            <a:outerShdw blurRad="50800" dist="38100" dir="2700000" algn="tl" rotWithShape="0">
-              <a:srgbClr val="FF0000">
-                <a:alpha val="40000"/>
-              </a:srgbClr>
-            </a:outerShdw>
-          </a:effectLst>
         </p:spPr>
         <p:style>
           <a:lnRef idx="2">
@@ -5160,7 +6597,7 @@
     </p:spTree>
     <p:extLst>
       <p:ext uri="{BB962C8B-B14F-4D97-AF65-F5344CB8AC3E}">
-        <p14:creationId xmlns:p14="http://schemas.microsoft.com/office/powerpoint/2010/main" val="2769652921"/>
+        <p14:creationId xmlns:p14="http://schemas.microsoft.com/office/powerpoint/2010/main" val="3800888205"/>
       </p:ext>
     </p:extLst>
   </p:cSld>
@@ -5224,7 +6661,7 @@
                 <a:latin typeface="Arial" panose="020B0604020202020204" pitchFamily="34" charset="0"/>
                 <a:cs typeface="Arial" panose="020B0604020202020204" pitchFamily="34" charset="0"/>
               </a:rPr>
-              <a:t>ㅎㄹㅍㅌ</a:t>
+              <a:t>ㅅㅈ</a:t>
             </a:r>
             <a:endParaRPr lang="ko-KR" altLang="en-US" sz="9600" b="1" dirty="0">
               <a:solidFill>
@@ -5390,7 +6827,6 @@
           <a:ln>
             <a:noFill/>
           </a:ln>
-          <a:effectLst/>
         </p:spPr>
         <p:style>
           <a:lnRef idx="2">
@@ -5420,7 +6856,7 @@
     </p:spTree>
     <p:extLst>
       <p:ext uri="{BB962C8B-B14F-4D97-AF65-F5344CB8AC3E}">
-        <p14:creationId xmlns:p14="http://schemas.microsoft.com/office/powerpoint/2010/main" val="735731903"/>
+        <p14:creationId xmlns:p14="http://schemas.microsoft.com/office/powerpoint/2010/main" val="3500982741"/>
       </p:ext>
     </p:extLst>
   </p:cSld>
@@ -5484,27 +6920,7 @@
                 <a:latin typeface="Arial" panose="020B0604020202020204" pitchFamily="34" charset="0"/>
                 <a:cs typeface="Arial" panose="020B0604020202020204" pitchFamily="34" charset="0"/>
               </a:rPr>
-              <a:t>ㅇㅇㅈ</a:t>
-            </a:r>
-            <a:r>
-              <a:rPr lang="ko-KR" altLang="en-US" sz="9600" b="1" dirty="0">
-                <a:solidFill>
-                  <a:schemeClr val="bg1"/>
-                </a:solidFill>
-                <a:latin typeface="Arial" panose="020B0604020202020204" pitchFamily="34" charset="0"/>
-                <a:cs typeface="Arial" panose="020B0604020202020204" pitchFamily="34" charset="0"/>
-              </a:rPr>
-              <a:t> </a:t>
-            </a:r>
-            <a:r>
-              <a:rPr lang="ko-KR" altLang="en-US" sz="9600" b="1" dirty="0" err="1">
-                <a:solidFill>
-                  <a:schemeClr val="bg1"/>
-                </a:solidFill>
-                <a:latin typeface="Arial" panose="020B0604020202020204" pitchFamily="34" charset="0"/>
-                <a:cs typeface="Arial" panose="020B0604020202020204" pitchFamily="34" charset="0"/>
-              </a:rPr>
-              <a:t>ㅅㅅㄴ</a:t>
+              <a:t>ㅈㄹ</a:t>
             </a:r>
             <a:endParaRPr lang="ko-KR" altLang="en-US" sz="9600" b="1" dirty="0">
               <a:solidFill>
@@ -5665,12 +7081,11 @@
             <a:avLst/>
           </a:prstGeom>
           <a:solidFill>
-            <a:schemeClr val="accent2"/>
+            <a:schemeClr val="accent4"/>
           </a:solidFill>
           <a:ln>
             <a:noFill/>
           </a:ln>
-          <a:effectLst/>
         </p:spPr>
         <p:style>
           <a:lnRef idx="2">
@@ -5700,7 +7115,2008 @@
     </p:spTree>
     <p:extLst>
       <p:ext uri="{BB962C8B-B14F-4D97-AF65-F5344CB8AC3E}">
-        <p14:creationId xmlns:p14="http://schemas.microsoft.com/office/powerpoint/2010/main" val="846631457"/>
+        <p14:creationId xmlns:p14="http://schemas.microsoft.com/office/powerpoint/2010/main" val="3259681697"/>
+      </p:ext>
+    </p:extLst>
+  </p:cSld>
+  <p:clrMapOvr>
+    <a:masterClrMapping/>
+  </p:clrMapOvr>
+</p:sld>
+</file>
+
+<file path=ppt/slides/slide13.xml><?xml version="1.0" encoding="utf-8"?>
+<p:sld xmlns:a="http://schemas.openxmlformats.org/drawingml/2006/main" xmlns:r="http://schemas.openxmlformats.org/officeDocument/2006/relationships" xmlns:p="http://schemas.openxmlformats.org/presentationml/2006/main">
+  <p:cSld>
+    <p:spTree>
+      <p:nvGrpSpPr>
+        <p:cNvPr id="1" name=""/>
+        <p:cNvGrpSpPr/>
+        <p:nvPr/>
+      </p:nvGrpSpPr>
+      <p:grpSpPr>
+        <a:xfrm>
+          <a:off x="0" y="0"/>
+          <a:ext cx="0" cy="0"/>
+          <a:chOff x="0" y="0"/>
+          <a:chExt cx="0" cy="0"/>
+        </a:xfrm>
+      </p:grpSpPr>
+      <p:sp>
+        <p:nvSpPr>
+          <p:cNvPr id="4" name="WORD_lbl">
+            <a:extLst>
+              <a:ext uri="{FF2B5EF4-FFF2-40B4-BE49-F238E27FC236}">
+                <a16:creationId xmlns:a16="http://schemas.microsoft.com/office/drawing/2014/main" id="{CE42E556-94BF-C1A5-7455-7825788F114E}"/>
+              </a:ext>
+            </a:extLst>
+          </p:cNvPr>
+          <p:cNvSpPr txBox="1"/>
+          <p:nvPr/>
+        </p:nvSpPr>
+        <p:spPr>
+          <a:xfrm>
+            <a:off x="0" y="2644170"/>
+            <a:ext cx="12192000" cy="1569660"/>
+          </a:xfrm>
+          <a:prstGeom prst="rect">
+            <a:avLst/>
+          </a:prstGeom>
+          <a:noFill/>
+        </p:spPr>
+        <p:txBody>
+          <a:bodyPr wrap="square" rtlCol="0">
+            <a:spAutoFit/>
+          </a:bodyPr>
+          <a:lstStyle/>
+          <a:p>
+            <a:pPr algn="ctr"/>
+            <a:r>
+              <a:rPr lang="ko-KR" altLang="en-US" sz="9600" b="1" dirty="0" err="1">
+                <a:solidFill>
+                  <a:schemeClr val="bg1"/>
+                </a:solidFill>
+                <a:latin typeface="Arial" panose="020B0604020202020204" pitchFamily="34" charset="0"/>
+                <a:cs typeface="Arial" panose="020B0604020202020204" pitchFamily="34" charset="0"/>
+              </a:rPr>
+              <a:t>ㅎㄲ</a:t>
+            </a:r>
+            <a:endParaRPr lang="ko-KR" altLang="en-US" sz="9600" b="1" dirty="0">
+              <a:solidFill>
+                <a:schemeClr val="bg1"/>
+              </a:solidFill>
+              <a:latin typeface="Arial" panose="020B0604020202020204" pitchFamily="34" charset="0"/>
+              <a:cs typeface="Arial" panose="020B0604020202020204" pitchFamily="34" charset="0"/>
+            </a:endParaRPr>
+          </a:p>
+        </p:txBody>
+      </p:sp>
+      <p:sp>
+        <p:nvSpPr>
+          <p:cNvPr id="5" name="RIGHT_btn">
+            <a:hlinkClick r:id="" action="ppaction://hlinkshowjump?jump=nextslide"/>
+            <a:hlinkHover r:id="" action="ppaction://noaction" highlightClick="1"/>
+            <a:extLst>
+              <a:ext uri="{FF2B5EF4-FFF2-40B4-BE49-F238E27FC236}">
+                <a16:creationId xmlns:a16="http://schemas.microsoft.com/office/drawing/2014/main" id="{8206A97A-08B9-313B-0909-12E2937309F6}"/>
+              </a:ext>
+            </a:extLst>
+          </p:cNvPr>
+          <p:cNvSpPr/>
+          <p:nvPr/>
+        </p:nvSpPr>
+        <p:spPr>
+          <a:xfrm>
+            <a:off x="10558021" y="6055864"/>
+            <a:ext cx="1465619" cy="634181"/>
+          </a:xfrm>
+          <a:prstGeom prst="rect">
+            <a:avLst/>
+          </a:prstGeom>
+          <a:solidFill>
+            <a:schemeClr val="bg1"/>
+          </a:solidFill>
+          <a:ln w="38100">
+            <a:noFill/>
+          </a:ln>
+        </p:spPr>
+        <p:style>
+          <a:lnRef idx="2">
+            <a:schemeClr val="accent1">
+              <a:shade val="50000"/>
+            </a:schemeClr>
+          </a:lnRef>
+          <a:fillRef idx="1">
+            <a:schemeClr val="accent1"/>
+          </a:fillRef>
+          <a:effectRef idx="0">
+            <a:schemeClr val="accent1"/>
+          </a:effectRef>
+          <a:fontRef idx="minor">
+            <a:schemeClr val="lt1"/>
+          </a:fontRef>
+        </p:style>
+        <p:txBody>
+          <a:bodyPr rtlCol="0" anchor="ctr"/>
+          <a:lstStyle/>
+          <a:p>
+            <a:pPr algn="ctr"/>
+            <a:r>
+              <a:rPr lang="ko-KR" altLang="en-US" sz="3200" b="1" dirty="0">
+                <a:solidFill>
+                  <a:schemeClr val="tx1"/>
+                </a:solidFill>
+                <a:latin typeface="Arial" panose="020B0604020202020204" pitchFamily="34" charset="0"/>
+                <a:cs typeface="Arial" panose="020B0604020202020204" pitchFamily="34" charset="0"/>
+              </a:rPr>
+              <a:t>다음</a:t>
+            </a:r>
+          </a:p>
+        </p:txBody>
+      </p:sp>
+      <p:sp>
+        <p:nvSpPr>
+          <p:cNvPr id="3" name="WRONG_btn">
+            <a:hlinkClick r:id="rId3" action="ppaction://hlinksldjump"/>
+            <a:hlinkHover r:id="" action="ppaction://noaction" highlightClick="1"/>
+            <a:extLst>
+              <a:ext uri="{FF2B5EF4-FFF2-40B4-BE49-F238E27FC236}">
+                <a16:creationId xmlns:a16="http://schemas.microsoft.com/office/drawing/2014/main" id="{F5532519-F58C-6581-E0A1-6235416882F6}"/>
+              </a:ext>
+            </a:extLst>
+          </p:cNvPr>
+          <p:cNvSpPr/>
+          <p:nvPr/>
+        </p:nvSpPr>
+        <p:spPr>
+          <a:xfrm>
+            <a:off x="8938182" y="6055864"/>
+            <a:ext cx="1465619" cy="634181"/>
+          </a:xfrm>
+          <a:prstGeom prst="rect">
+            <a:avLst/>
+          </a:prstGeom>
+          <a:solidFill>
+            <a:schemeClr val="tx1"/>
+          </a:solidFill>
+          <a:ln w="38100">
+            <a:solidFill>
+              <a:schemeClr val="bg1"/>
+            </a:solidFill>
+          </a:ln>
+        </p:spPr>
+        <p:style>
+          <a:lnRef idx="2">
+            <a:schemeClr val="accent1">
+              <a:shade val="50000"/>
+            </a:schemeClr>
+          </a:lnRef>
+          <a:fillRef idx="1">
+            <a:schemeClr val="accent1"/>
+          </a:fillRef>
+          <a:effectRef idx="0">
+            <a:schemeClr val="accent1"/>
+          </a:effectRef>
+          <a:fontRef idx="minor">
+            <a:schemeClr val="lt1"/>
+          </a:fontRef>
+        </p:style>
+        <p:txBody>
+          <a:bodyPr rtlCol="0" anchor="ctr"/>
+          <a:lstStyle/>
+          <a:p>
+            <a:pPr algn="ctr"/>
+            <a:r>
+              <a:rPr lang="ko-KR" altLang="en-US" sz="3200" b="1" dirty="0">
+                <a:solidFill>
+                  <a:schemeClr val="bg1"/>
+                </a:solidFill>
+                <a:latin typeface="Arial" panose="020B0604020202020204" pitchFamily="34" charset="0"/>
+                <a:cs typeface="Arial" panose="020B0604020202020204" pitchFamily="34" charset="0"/>
+              </a:rPr>
+              <a:t>오답</a:t>
+            </a:r>
+          </a:p>
+        </p:txBody>
+      </p:sp>
+      <p:sp>
+        <p:nvSpPr>
+          <p:cNvPr id="2" name="타원 1">
+            <a:extLst>
+              <a:ext uri="{FF2B5EF4-FFF2-40B4-BE49-F238E27FC236}">
+                <a16:creationId xmlns:a16="http://schemas.microsoft.com/office/drawing/2014/main" id="{9ACA1DBF-FAF3-7087-4552-CACFD4E23201}"/>
+              </a:ext>
+            </a:extLst>
+          </p:cNvPr>
+          <p:cNvSpPr/>
+          <p:nvPr/>
+        </p:nvSpPr>
+        <p:spPr>
+          <a:xfrm>
+            <a:off x="162045" y="173620"/>
+            <a:ext cx="439838" cy="439838"/>
+          </a:xfrm>
+          <a:prstGeom prst="ellipse">
+            <a:avLst/>
+          </a:prstGeom>
+          <a:solidFill>
+            <a:schemeClr val="accent2"/>
+          </a:solidFill>
+          <a:ln>
+            <a:noFill/>
+          </a:ln>
+        </p:spPr>
+        <p:style>
+          <a:lnRef idx="2">
+            <a:schemeClr val="accent1">
+              <a:shade val="50000"/>
+            </a:schemeClr>
+          </a:lnRef>
+          <a:fillRef idx="1">
+            <a:schemeClr val="accent1"/>
+          </a:fillRef>
+          <a:effectRef idx="0">
+            <a:schemeClr val="accent1"/>
+          </a:effectRef>
+          <a:fontRef idx="minor">
+            <a:schemeClr val="lt1"/>
+          </a:fontRef>
+        </p:style>
+        <p:txBody>
+          <a:bodyPr rtlCol="0" anchor="ctr"/>
+          <a:lstStyle/>
+          <a:p>
+            <a:pPr algn="ctr"/>
+            <a:endParaRPr lang="ko-KR" altLang="en-US"/>
+          </a:p>
+        </p:txBody>
+      </p:sp>
+    </p:spTree>
+    <p:extLst>
+      <p:ext uri="{BB962C8B-B14F-4D97-AF65-F5344CB8AC3E}">
+        <p14:creationId xmlns:p14="http://schemas.microsoft.com/office/powerpoint/2010/main" val="2302438439"/>
+      </p:ext>
+    </p:extLst>
+  </p:cSld>
+  <p:clrMapOvr>
+    <a:masterClrMapping/>
+  </p:clrMapOvr>
+</p:sld>
+</file>
+
+<file path=ppt/slides/slide14.xml><?xml version="1.0" encoding="utf-8"?>
+<p:sld xmlns:a="http://schemas.openxmlformats.org/drawingml/2006/main" xmlns:r="http://schemas.openxmlformats.org/officeDocument/2006/relationships" xmlns:p="http://schemas.openxmlformats.org/presentationml/2006/main">
+  <p:cSld>
+    <p:spTree>
+      <p:nvGrpSpPr>
+        <p:cNvPr id="1" name=""/>
+        <p:cNvGrpSpPr/>
+        <p:nvPr/>
+      </p:nvGrpSpPr>
+      <p:grpSpPr>
+        <a:xfrm>
+          <a:off x="0" y="0"/>
+          <a:ext cx="0" cy="0"/>
+          <a:chOff x="0" y="0"/>
+          <a:chExt cx="0" cy="0"/>
+        </a:xfrm>
+      </p:grpSpPr>
+      <p:sp>
+        <p:nvSpPr>
+          <p:cNvPr id="4" name="WORD_lbl">
+            <a:extLst>
+              <a:ext uri="{FF2B5EF4-FFF2-40B4-BE49-F238E27FC236}">
+                <a16:creationId xmlns:a16="http://schemas.microsoft.com/office/drawing/2014/main" id="{CE42E556-94BF-C1A5-7455-7825788F114E}"/>
+              </a:ext>
+            </a:extLst>
+          </p:cNvPr>
+          <p:cNvSpPr txBox="1"/>
+          <p:nvPr/>
+        </p:nvSpPr>
+        <p:spPr>
+          <a:xfrm>
+            <a:off x="0" y="2644170"/>
+            <a:ext cx="12192000" cy="1569660"/>
+          </a:xfrm>
+          <a:prstGeom prst="rect">
+            <a:avLst/>
+          </a:prstGeom>
+          <a:noFill/>
+        </p:spPr>
+        <p:txBody>
+          <a:bodyPr wrap="square" rtlCol="0">
+            <a:spAutoFit/>
+          </a:bodyPr>
+          <a:lstStyle/>
+          <a:p>
+            <a:pPr algn="ctr"/>
+            <a:r>
+              <a:rPr lang="ko-KR" altLang="en-US" sz="9600" b="1" dirty="0" err="1">
+                <a:solidFill>
+                  <a:schemeClr val="bg1"/>
+                </a:solidFill>
+                <a:latin typeface="Arial" panose="020B0604020202020204" pitchFamily="34" charset="0"/>
+                <a:cs typeface="Arial" panose="020B0604020202020204" pitchFamily="34" charset="0"/>
+              </a:rPr>
+              <a:t>ㅅㅅ</a:t>
+            </a:r>
+            <a:endParaRPr lang="ko-KR" altLang="en-US" sz="9600" b="1" dirty="0">
+              <a:solidFill>
+                <a:schemeClr val="bg1"/>
+              </a:solidFill>
+              <a:latin typeface="Arial" panose="020B0604020202020204" pitchFamily="34" charset="0"/>
+              <a:cs typeface="Arial" panose="020B0604020202020204" pitchFamily="34" charset="0"/>
+            </a:endParaRPr>
+          </a:p>
+        </p:txBody>
+      </p:sp>
+      <p:sp>
+        <p:nvSpPr>
+          <p:cNvPr id="5" name="RIGHT_btn">
+            <a:hlinkClick r:id="" action="ppaction://hlinkshowjump?jump=nextslide"/>
+            <a:hlinkHover r:id="" action="ppaction://noaction" highlightClick="1"/>
+            <a:extLst>
+              <a:ext uri="{FF2B5EF4-FFF2-40B4-BE49-F238E27FC236}">
+                <a16:creationId xmlns:a16="http://schemas.microsoft.com/office/drawing/2014/main" id="{8206A97A-08B9-313B-0909-12E2937309F6}"/>
+              </a:ext>
+            </a:extLst>
+          </p:cNvPr>
+          <p:cNvSpPr/>
+          <p:nvPr/>
+        </p:nvSpPr>
+        <p:spPr>
+          <a:xfrm>
+            <a:off x="10558021" y="6055864"/>
+            <a:ext cx="1465619" cy="634181"/>
+          </a:xfrm>
+          <a:prstGeom prst="rect">
+            <a:avLst/>
+          </a:prstGeom>
+          <a:solidFill>
+            <a:schemeClr val="bg1"/>
+          </a:solidFill>
+          <a:ln w="38100">
+            <a:noFill/>
+          </a:ln>
+        </p:spPr>
+        <p:style>
+          <a:lnRef idx="2">
+            <a:schemeClr val="accent1">
+              <a:shade val="50000"/>
+            </a:schemeClr>
+          </a:lnRef>
+          <a:fillRef idx="1">
+            <a:schemeClr val="accent1"/>
+          </a:fillRef>
+          <a:effectRef idx="0">
+            <a:schemeClr val="accent1"/>
+          </a:effectRef>
+          <a:fontRef idx="minor">
+            <a:schemeClr val="lt1"/>
+          </a:fontRef>
+        </p:style>
+        <p:txBody>
+          <a:bodyPr rtlCol="0" anchor="ctr"/>
+          <a:lstStyle/>
+          <a:p>
+            <a:pPr algn="ctr"/>
+            <a:r>
+              <a:rPr lang="ko-KR" altLang="en-US" sz="3200" b="1" dirty="0">
+                <a:solidFill>
+                  <a:schemeClr val="tx1"/>
+                </a:solidFill>
+                <a:latin typeface="Arial" panose="020B0604020202020204" pitchFamily="34" charset="0"/>
+                <a:cs typeface="Arial" panose="020B0604020202020204" pitchFamily="34" charset="0"/>
+              </a:rPr>
+              <a:t>다음</a:t>
+            </a:r>
+          </a:p>
+        </p:txBody>
+      </p:sp>
+      <p:sp>
+        <p:nvSpPr>
+          <p:cNvPr id="3" name="WRONG_btn">
+            <a:hlinkClick r:id="rId3" action="ppaction://hlinksldjump"/>
+            <a:hlinkHover r:id="" action="ppaction://noaction" highlightClick="1"/>
+            <a:extLst>
+              <a:ext uri="{FF2B5EF4-FFF2-40B4-BE49-F238E27FC236}">
+                <a16:creationId xmlns:a16="http://schemas.microsoft.com/office/drawing/2014/main" id="{F5532519-F58C-6581-E0A1-6235416882F6}"/>
+              </a:ext>
+            </a:extLst>
+          </p:cNvPr>
+          <p:cNvSpPr/>
+          <p:nvPr/>
+        </p:nvSpPr>
+        <p:spPr>
+          <a:xfrm>
+            <a:off x="8938182" y="6055864"/>
+            <a:ext cx="1465619" cy="634181"/>
+          </a:xfrm>
+          <a:prstGeom prst="rect">
+            <a:avLst/>
+          </a:prstGeom>
+          <a:solidFill>
+            <a:schemeClr val="tx1"/>
+          </a:solidFill>
+          <a:ln w="38100">
+            <a:solidFill>
+              <a:schemeClr val="bg1"/>
+            </a:solidFill>
+          </a:ln>
+        </p:spPr>
+        <p:style>
+          <a:lnRef idx="2">
+            <a:schemeClr val="accent1">
+              <a:shade val="50000"/>
+            </a:schemeClr>
+          </a:lnRef>
+          <a:fillRef idx="1">
+            <a:schemeClr val="accent1"/>
+          </a:fillRef>
+          <a:effectRef idx="0">
+            <a:schemeClr val="accent1"/>
+          </a:effectRef>
+          <a:fontRef idx="minor">
+            <a:schemeClr val="lt1"/>
+          </a:fontRef>
+        </p:style>
+        <p:txBody>
+          <a:bodyPr rtlCol="0" anchor="ctr"/>
+          <a:lstStyle/>
+          <a:p>
+            <a:pPr algn="ctr"/>
+            <a:r>
+              <a:rPr lang="ko-KR" altLang="en-US" sz="3200" b="1" dirty="0">
+                <a:solidFill>
+                  <a:schemeClr val="bg1"/>
+                </a:solidFill>
+                <a:latin typeface="Arial" panose="020B0604020202020204" pitchFamily="34" charset="0"/>
+                <a:cs typeface="Arial" panose="020B0604020202020204" pitchFamily="34" charset="0"/>
+              </a:rPr>
+              <a:t>오답</a:t>
+            </a:r>
+          </a:p>
+        </p:txBody>
+      </p:sp>
+      <p:sp>
+        <p:nvSpPr>
+          <p:cNvPr id="2" name="타원 1">
+            <a:extLst>
+              <a:ext uri="{FF2B5EF4-FFF2-40B4-BE49-F238E27FC236}">
+                <a16:creationId xmlns:a16="http://schemas.microsoft.com/office/drawing/2014/main" id="{9ACA1DBF-FAF3-7087-4552-CACFD4E23201}"/>
+              </a:ext>
+            </a:extLst>
+          </p:cNvPr>
+          <p:cNvSpPr/>
+          <p:nvPr/>
+        </p:nvSpPr>
+        <p:spPr>
+          <a:xfrm>
+            <a:off x="162045" y="173620"/>
+            <a:ext cx="439838" cy="439838"/>
+          </a:xfrm>
+          <a:prstGeom prst="ellipse">
+            <a:avLst/>
+          </a:prstGeom>
+          <a:solidFill>
+            <a:schemeClr val="accent2"/>
+          </a:solidFill>
+          <a:ln>
+            <a:noFill/>
+          </a:ln>
+        </p:spPr>
+        <p:style>
+          <a:lnRef idx="2">
+            <a:schemeClr val="accent1">
+              <a:shade val="50000"/>
+            </a:schemeClr>
+          </a:lnRef>
+          <a:fillRef idx="1">
+            <a:schemeClr val="accent1"/>
+          </a:fillRef>
+          <a:effectRef idx="0">
+            <a:schemeClr val="accent1"/>
+          </a:effectRef>
+          <a:fontRef idx="minor">
+            <a:schemeClr val="lt1"/>
+          </a:fontRef>
+        </p:style>
+        <p:txBody>
+          <a:bodyPr rtlCol="0" anchor="ctr"/>
+          <a:lstStyle/>
+          <a:p>
+            <a:pPr algn="ctr"/>
+            <a:endParaRPr lang="ko-KR" altLang="en-US"/>
+          </a:p>
+        </p:txBody>
+      </p:sp>
+    </p:spTree>
+    <p:extLst>
+      <p:ext uri="{BB962C8B-B14F-4D97-AF65-F5344CB8AC3E}">
+        <p14:creationId xmlns:p14="http://schemas.microsoft.com/office/powerpoint/2010/main" val="1727786295"/>
+      </p:ext>
+    </p:extLst>
+  </p:cSld>
+  <p:clrMapOvr>
+    <a:masterClrMapping/>
+  </p:clrMapOvr>
+</p:sld>
+</file>
+
+<file path=ppt/slides/slide15.xml><?xml version="1.0" encoding="utf-8"?>
+<p:sld xmlns:a="http://schemas.openxmlformats.org/drawingml/2006/main" xmlns:r="http://schemas.openxmlformats.org/officeDocument/2006/relationships" xmlns:p="http://schemas.openxmlformats.org/presentationml/2006/main">
+  <p:cSld>
+    <p:spTree>
+      <p:nvGrpSpPr>
+        <p:cNvPr id="1" name=""/>
+        <p:cNvGrpSpPr/>
+        <p:nvPr/>
+      </p:nvGrpSpPr>
+      <p:grpSpPr>
+        <a:xfrm>
+          <a:off x="0" y="0"/>
+          <a:ext cx="0" cy="0"/>
+          <a:chOff x="0" y="0"/>
+          <a:chExt cx="0" cy="0"/>
+        </a:xfrm>
+      </p:grpSpPr>
+      <p:sp>
+        <p:nvSpPr>
+          <p:cNvPr id="4" name="WORD_lbl">
+            <a:extLst>
+              <a:ext uri="{FF2B5EF4-FFF2-40B4-BE49-F238E27FC236}">
+                <a16:creationId xmlns:a16="http://schemas.microsoft.com/office/drawing/2014/main" id="{CE42E556-94BF-C1A5-7455-7825788F114E}"/>
+              </a:ext>
+            </a:extLst>
+          </p:cNvPr>
+          <p:cNvSpPr txBox="1"/>
+          <p:nvPr/>
+        </p:nvSpPr>
+        <p:spPr>
+          <a:xfrm>
+            <a:off x="0" y="2644170"/>
+            <a:ext cx="12192000" cy="1569660"/>
+          </a:xfrm>
+          <a:prstGeom prst="rect">
+            <a:avLst/>
+          </a:prstGeom>
+          <a:noFill/>
+        </p:spPr>
+        <p:txBody>
+          <a:bodyPr wrap="square" rtlCol="0">
+            <a:spAutoFit/>
+          </a:bodyPr>
+          <a:lstStyle/>
+          <a:p>
+            <a:pPr algn="ctr"/>
+            <a:r>
+              <a:rPr lang="ko-KR" altLang="en-US" sz="9600" b="1" dirty="0" err="1">
+                <a:solidFill>
+                  <a:schemeClr val="bg1"/>
+                </a:solidFill>
+                <a:latin typeface="Arial" panose="020B0604020202020204" pitchFamily="34" charset="0"/>
+                <a:cs typeface="Arial" panose="020B0604020202020204" pitchFamily="34" charset="0"/>
+              </a:rPr>
+              <a:t>ㅂㄷ</a:t>
+            </a:r>
+            <a:endParaRPr lang="ko-KR" altLang="en-US" sz="9600" b="1" dirty="0">
+              <a:solidFill>
+                <a:schemeClr val="bg1"/>
+              </a:solidFill>
+              <a:latin typeface="Arial" panose="020B0604020202020204" pitchFamily="34" charset="0"/>
+              <a:cs typeface="Arial" panose="020B0604020202020204" pitchFamily="34" charset="0"/>
+            </a:endParaRPr>
+          </a:p>
+        </p:txBody>
+      </p:sp>
+      <p:sp>
+        <p:nvSpPr>
+          <p:cNvPr id="5" name="RIGHT_btn">
+            <a:hlinkClick r:id="" action="ppaction://hlinkshowjump?jump=nextslide"/>
+            <a:hlinkHover r:id="" action="ppaction://noaction" highlightClick="1"/>
+            <a:extLst>
+              <a:ext uri="{FF2B5EF4-FFF2-40B4-BE49-F238E27FC236}">
+                <a16:creationId xmlns:a16="http://schemas.microsoft.com/office/drawing/2014/main" id="{8206A97A-08B9-313B-0909-12E2937309F6}"/>
+              </a:ext>
+            </a:extLst>
+          </p:cNvPr>
+          <p:cNvSpPr/>
+          <p:nvPr/>
+        </p:nvSpPr>
+        <p:spPr>
+          <a:xfrm>
+            <a:off x="10558021" y="6055864"/>
+            <a:ext cx="1465619" cy="634181"/>
+          </a:xfrm>
+          <a:prstGeom prst="rect">
+            <a:avLst/>
+          </a:prstGeom>
+          <a:solidFill>
+            <a:schemeClr val="bg1"/>
+          </a:solidFill>
+          <a:ln w="38100">
+            <a:noFill/>
+          </a:ln>
+        </p:spPr>
+        <p:style>
+          <a:lnRef idx="2">
+            <a:schemeClr val="accent1">
+              <a:shade val="50000"/>
+            </a:schemeClr>
+          </a:lnRef>
+          <a:fillRef idx="1">
+            <a:schemeClr val="accent1"/>
+          </a:fillRef>
+          <a:effectRef idx="0">
+            <a:schemeClr val="accent1"/>
+          </a:effectRef>
+          <a:fontRef idx="minor">
+            <a:schemeClr val="lt1"/>
+          </a:fontRef>
+        </p:style>
+        <p:txBody>
+          <a:bodyPr rtlCol="0" anchor="ctr"/>
+          <a:lstStyle/>
+          <a:p>
+            <a:pPr algn="ctr"/>
+            <a:r>
+              <a:rPr lang="ko-KR" altLang="en-US" sz="3200" b="1" dirty="0">
+                <a:solidFill>
+                  <a:schemeClr val="tx1"/>
+                </a:solidFill>
+                <a:latin typeface="Arial" panose="020B0604020202020204" pitchFamily="34" charset="0"/>
+                <a:cs typeface="Arial" panose="020B0604020202020204" pitchFamily="34" charset="0"/>
+              </a:rPr>
+              <a:t>다음</a:t>
+            </a:r>
+          </a:p>
+        </p:txBody>
+      </p:sp>
+      <p:sp>
+        <p:nvSpPr>
+          <p:cNvPr id="3" name="WRONG_btn">
+            <a:hlinkClick r:id="rId3" action="ppaction://hlinksldjump"/>
+            <a:hlinkHover r:id="" action="ppaction://noaction" highlightClick="1"/>
+            <a:extLst>
+              <a:ext uri="{FF2B5EF4-FFF2-40B4-BE49-F238E27FC236}">
+                <a16:creationId xmlns:a16="http://schemas.microsoft.com/office/drawing/2014/main" id="{F5532519-F58C-6581-E0A1-6235416882F6}"/>
+              </a:ext>
+            </a:extLst>
+          </p:cNvPr>
+          <p:cNvSpPr/>
+          <p:nvPr/>
+        </p:nvSpPr>
+        <p:spPr>
+          <a:xfrm>
+            <a:off x="8938182" y="6055864"/>
+            <a:ext cx="1465619" cy="634181"/>
+          </a:xfrm>
+          <a:prstGeom prst="rect">
+            <a:avLst/>
+          </a:prstGeom>
+          <a:solidFill>
+            <a:schemeClr val="tx1"/>
+          </a:solidFill>
+          <a:ln w="38100">
+            <a:solidFill>
+              <a:schemeClr val="bg1"/>
+            </a:solidFill>
+          </a:ln>
+        </p:spPr>
+        <p:style>
+          <a:lnRef idx="2">
+            <a:schemeClr val="accent1">
+              <a:shade val="50000"/>
+            </a:schemeClr>
+          </a:lnRef>
+          <a:fillRef idx="1">
+            <a:schemeClr val="accent1"/>
+          </a:fillRef>
+          <a:effectRef idx="0">
+            <a:schemeClr val="accent1"/>
+          </a:effectRef>
+          <a:fontRef idx="minor">
+            <a:schemeClr val="lt1"/>
+          </a:fontRef>
+        </p:style>
+        <p:txBody>
+          <a:bodyPr rtlCol="0" anchor="ctr"/>
+          <a:lstStyle/>
+          <a:p>
+            <a:pPr algn="ctr"/>
+            <a:r>
+              <a:rPr lang="ko-KR" altLang="en-US" sz="3200" b="1" dirty="0">
+                <a:solidFill>
+                  <a:schemeClr val="bg1"/>
+                </a:solidFill>
+                <a:latin typeface="Arial" panose="020B0604020202020204" pitchFamily="34" charset="0"/>
+                <a:cs typeface="Arial" panose="020B0604020202020204" pitchFamily="34" charset="0"/>
+              </a:rPr>
+              <a:t>오답</a:t>
+            </a:r>
+          </a:p>
+        </p:txBody>
+      </p:sp>
+      <p:sp>
+        <p:nvSpPr>
+          <p:cNvPr id="2" name="타원 1">
+            <a:extLst>
+              <a:ext uri="{FF2B5EF4-FFF2-40B4-BE49-F238E27FC236}">
+                <a16:creationId xmlns:a16="http://schemas.microsoft.com/office/drawing/2014/main" id="{9ACA1DBF-FAF3-7087-4552-CACFD4E23201}"/>
+              </a:ext>
+            </a:extLst>
+          </p:cNvPr>
+          <p:cNvSpPr/>
+          <p:nvPr/>
+        </p:nvSpPr>
+        <p:spPr>
+          <a:xfrm>
+            <a:off x="162045" y="173620"/>
+            <a:ext cx="439838" cy="439838"/>
+          </a:xfrm>
+          <a:prstGeom prst="ellipse">
+            <a:avLst/>
+          </a:prstGeom>
+          <a:solidFill>
+            <a:schemeClr val="accent2"/>
+          </a:solidFill>
+          <a:ln>
+            <a:noFill/>
+          </a:ln>
+        </p:spPr>
+        <p:style>
+          <a:lnRef idx="2">
+            <a:schemeClr val="accent1">
+              <a:shade val="50000"/>
+            </a:schemeClr>
+          </a:lnRef>
+          <a:fillRef idx="1">
+            <a:schemeClr val="accent1"/>
+          </a:fillRef>
+          <a:effectRef idx="0">
+            <a:schemeClr val="accent1"/>
+          </a:effectRef>
+          <a:fontRef idx="minor">
+            <a:schemeClr val="lt1"/>
+          </a:fontRef>
+        </p:style>
+        <p:txBody>
+          <a:bodyPr rtlCol="0" anchor="ctr"/>
+          <a:lstStyle/>
+          <a:p>
+            <a:pPr algn="ctr"/>
+            <a:endParaRPr lang="ko-KR" altLang="en-US"/>
+          </a:p>
+        </p:txBody>
+      </p:sp>
+    </p:spTree>
+    <p:extLst>
+      <p:ext uri="{BB962C8B-B14F-4D97-AF65-F5344CB8AC3E}">
+        <p14:creationId xmlns:p14="http://schemas.microsoft.com/office/powerpoint/2010/main" val="3560930412"/>
+      </p:ext>
+    </p:extLst>
+  </p:cSld>
+  <p:clrMapOvr>
+    <a:masterClrMapping/>
+  </p:clrMapOvr>
+</p:sld>
+</file>
+
+<file path=ppt/slides/slide16.xml><?xml version="1.0" encoding="utf-8"?>
+<p:sld xmlns:a="http://schemas.openxmlformats.org/drawingml/2006/main" xmlns:r="http://schemas.openxmlformats.org/officeDocument/2006/relationships" xmlns:p="http://schemas.openxmlformats.org/presentationml/2006/main">
+  <p:cSld>
+    <p:spTree>
+      <p:nvGrpSpPr>
+        <p:cNvPr id="1" name=""/>
+        <p:cNvGrpSpPr/>
+        <p:nvPr/>
+      </p:nvGrpSpPr>
+      <p:grpSpPr>
+        <a:xfrm>
+          <a:off x="0" y="0"/>
+          <a:ext cx="0" cy="0"/>
+          <a:chOff x="0" y="0"/>
+          <a:chExt cx="0" cy="0"/>
+        </a:xfrm>
+      </p:grpSpPr>
+      <p:sp>
+        <p:nvSpPr>
+          <p:cNvPr id="4" name="WORD_lbl">
+            <a:extLst>
+              <a:ext uri="{FF2B5EF4-FFF2-40B4-BE49-F238E27FC236}">
+                <a16:creationId xmlns:a16="http://schemas.microsoft.com/office/drawing/2014/main" id="{CE42E556-94BF-C1A5-7455-7825788F114E}"/>
+              </a:ext>
+            </a:extLst>
+          </p:cNvPr>
+          <p:cNvSpPr txBox="1"/>
+          <p:nvPr/>
+        </p:nvSpPr>
+        <p:spPr>
+          <a:xfrm>
+            <a:off x="0" y="2644170"/>
+            <a:ext cx="12192000" cy="1569660"/>
+          </a:xfrm>
+          <a:prstGeom prst="rect">
+            <a:avLst/>
+          </a:prstGeom>
+          <a:noFill/>
+        </p:spPr>
+        <p:txBody>
+          <a:bodyPr wrap="square" rtlCol="0">
+            <a:spAutoFit/>
+          </a:bodyPr>
+          <a:lstStyle/>
+          <a:p>
+            <a:pPr algn="ctr"/>
+            <a:r>
+              <a:rPr lang="ko-KR" altLang="en-US" sz="9600" b="1" dirty="0" err="1">
+                <a:solidFill>
+                  <a:schemeClr val="bg1"/>
+                </a:solidFill>
+                <a:latin typeface="Arial" panose="020B0604020202020204" pitchFamily="34" charset="0"/>
+                <a:cs typeface="Arial" panose="020B0604020202020204" pitchFamily="34" charset="0"/>
+              </a:rPr>
+              <a:t>ㄴㄷ</a:t>
+            </a:r>
+            <a:endParaRPr lang="ko-KR" altLang="en-US" sz="9600" b="1" dirty="0">
+              <a:solidFill>
+                <a:schemeClr val="bg1"/>
+              </a:solidFill>
+              <a:latin typeface="Arial" panose="020B0604020202020204" pitchFamily="34" charset="0"/>
+              <a:cs typeface="Arial" panose="020B0604020202020204" pitchFamily="34" charset="0"/>
+            </a:endParaRPr>
+          </a:p>
+        </p:txBody>
+      </p:sp>
+      <p:sp>
+        <p:nvSpPr>
+          <p:cNvPr id="5" name="RIGHT_btn">
+            <a:hlinkClick r:id="" action="ppaction://hlinkshowjump?jump=nextslide"/>
+            <a:hlinkHover r:id="" action="ppaction://noaction" highlightClick="1"/>
+            <a:extLst>
+              <a:ext uri="{FF2B5EF4-FFF2-40B4-BE49-F238E27FC236}">
+                <a16:creationId xmlns:a16="http://schemas.microsoft.com/office/drawing/2014/main" id="{8206A97A-08B9-313B-0909-12E2937309F6}"/>
+              </a:ext>
+            </a:extLst>
+          </p:cNvPr>
+          <p:cNvSpPr/>
+          <p:nvPr/>
+        </p:nvSpPr>
+        <p:spPr>
+          <a:xfrm>
+            <a:off x="10558021" y="6055864"/>
+            <a:ext cx="1465619" cy="634181"/>
+          </a:xfrm>
+          <a:prstGeom prst="rect">
+            <a:avLst/>
+          </a:prstGeom>
+          <a:solidFill>
+            <a:schemeClr val="bg1"/>
+          </a:solidFill>
+          <a:ln w="38100">
+            <a:noFill/>
+          </a:ln>
+        </p:spPr>
+        <p:style>
+          <a:lnRef idx="2">
+            <a:schemeClr val="accent1">
+              <a:shade val="50000"/>
+            </a:schemeClr>
+          </a:lnRef>
+          <a:fillRef idx="1">
+            <a:schemeClr val="accent1"/>
+          </a:fillRef>
+          <a:effectRef idx="0">
+            <a:schemeClr val="accent1"/>
+          </a:effectRef>
+          <a:fontRef idx="minor">
+            <a:schemeClr val="lt1"/>
+          </a:fontRef>
+        </p:style>
+        <p:txBody>
+          <a:bodyPr rtlCol="0" anchor="ctr"/>
+          <a:lstStyle/>
+          <a:p>
+            <a:pPr algn="ctr"/>
+            <a:r>
+              <a:rPr lang="ko-KR" altLang="en-US" sz="3200" b="1" dirty="0">
+                <a:solidFill>
+                  <a:schemeClr val="tx1"/>
+                </a:solidFill>
+                <a:latin typeface="Arial" panose="020B0604020202020204" pitchFamily="34" charset="0"/>
+                <a:cs typeface="Arial" panose="020B0604020202020204" pitchFamily="34" charset="0"/>
+              </a:rPr>
+              <a:t>다음</a:t>
+            </a:r>
+          </a:p>
+        </p:txBody>
+      </p:sp>
+      <p:sp>
+        <p:nvSpPr>
+          <p:cNvPr id="3" name="WRONG_btn">
+            <a:hlinkClick r:id="rId3" action="ppaction://hlinksldjump"/>
+            <a:hlinkHover r:id="" action="ppaction://noaction" highlightClick="1"/>
+            <a:extLst>
+              <a:ext uri="{FF2B5EF4-FFF2-40B4-BE49-F238E27FC236}">
+                <a16:creationId xmlns:a16="http://schemas.microsoft.com/office/drawing/2014/main" id="{F5532519-F58C-6581-E0A1-6235416882F6}"/>
+              </a:ext>
+            </a:extLst>
+          </p:cNvPr>
+          <p:cNvSpPr/>
+          <p:nvPr/>
+        </p:nvSpPr>
+        <p:spPr>
+          <a:xfrm>
+            <a:off x="8938182" y="6055864"/>
+            <a:ext cx="1465619" cy="634181"/>
+          </a:xfrm>
+          <a:prstGeom prst="rect">
+            <a:avLst/>
+          </a:prstGeom>
+          <a:solidFill>
+            <a:schemeClr val="tx1"/>
+          </a:solidFill>
+          <a:ln w="38100">
+            <a:solidFill>
+              <a:schemeClr val="bg1"/>
+            </a:solidFill>
+          </a:ln>
+        </p:spPr>
+        <p:style>
+          <a:lnRef idx="2">
+            <a:schemeClr val="accent1">
+              <a:shade val="50000"/>
+            </a:schemeClr>
+          </a:lnRef>
+          <a:fillRef idx="1">
+            <a:schemeClr val="accent1"/>
+          </a:fillRef>
+          <a:effectRef idx="0">
+            <a:schemeClr val="accent1"/>
+          </a:effectRef>
+          <a:fontRef idx="minor">
+            <a:schemeClr val="lt1"/>
+          </a:fontRef>
+        </p:style>
+        <p:txBody>
+          <a:bodyPr rtlCol="0" anchor="ctr"/>
+          <a:lstStyle/>
+          <a:p>
+            <a:pPr algn="ctr"/>
+            <a:r>
+              <a:rPr lang="ko-KR" altLang="en-US" sz="3200" b="1" dirty="0">
+                <a:solidFill>
+                  <a:schemeClr val="bg1"/>
+                </a:solidFill>
+                <a:latin typeface="Arial" panose="020B0604020202020204" pitchFamily="34" charset="0"/>
+                <a:cs typeface="Arial" panose="020B0604020202020204" pitchFamily="34" charset="0"/>
+              </a:rPr>
+              <a:t>오답</a:t>
+            </a:r>
+          </a:p>
+        </p:txBody>
+      </p:sp>
+      <p:sp>
+        <p:nvSpPr>
+          <p:cNvPr id="2" name="타원 1">
+            <a:extLst>
+              <a:ext uri="{FF2B5EF4-FFF2-40B4-BE49-F238E27FC236}">
+                <a16:creationId xmlns:a16="http://schemas.microsoft.com/office/drawing/2014/main" id="{9ACA1DBF-FAF3-7087-4552-CACFD4E23201}"/>
+              </a:ext>
+            </a:extLst>
+          </p:cNvPr>
+          <p:cNvSpPr/>
+          <p:nvPr/>
+        </p:nvSpPr>
+        <p:spPr>
+          <a:xfrm>
+            <a:off x="162045" y="173620"/>
+            <a:ext cx="439838" cy="439838"/>
+          </a:xfrm>
+          <a:prstGeom prst="ellipse">
+            <a:avLst/>
+          </a:prstGeom>
+          <a:solidFill>
+            <a:schemeClr val="accent2"/>
+          </a:solidFill>
+          <a:ln>
+            <a:noFill/>
+          </a:ln>
+        </p:spPr>
+        <p:style>
+          <a:lnRef idx="2">
+            <a:schemeClr val="accent1">
+              <a:shade val="50000"/>
+            </a:schemeClr>
+          </a:lnRef>
+          <a:fillRef idx="1">
+            <a:schemeClr val="accent1"/>
+          </a:fillRef>
+          <a:effectRef idx="0">
+            <a:schemeClr val="accent1"/>
+          </a:effectRef>
+          <a:fontRef idx="minor">
+            <a:schemeClr val="lt1"/>
+          </a:fontRef>
+        </p:style>
+        <p:txBody>
+          <a:bodyPr rtlCol="0" anchor="ctr"/>
+          <a:lstStyle/>
+          <a:p>
+            <a:pPr algn="ctr"/>
+            <a:endParaRPr lang="ko-KR" altLang="en-US"/>
+          </a:p>
+        </p:txBody>
+      </p:sp>
+    </p:spTree>
+    <p:extLst>
+      <p:ext uri="{BB962C8B-B14F-4D97-AF65-F5344CB8AC3E}">
+        <p14:creationId xmlns:p14="http://schemas.microsoft.com/office/powerpoint/2010/main" val="3639363280"/>
+      </p:ext>
+    </p:extLst>
+  </p:cSld>
+  <p:clrMapOvr>
+    <a:masterClrMapping/>
+  </p:clrMapOvr>
+</p:sld>
+</file>
+
+<file path=ppt/slides/slide17.xml><?xml version="1.0" encoding="utf-8"?>
+<p:sld xmlns:a="http://schemas.openxmlformats.org/drawingml/2006/main" xmlns:r="http://schemas.openxmlformats.org/officeDocument/2006/relationships" xmlns:p="http://schemas.openxmlformats.org/presentationml/2006/main">
+  <p:cSld>
+    <p:spTree>
+      <p:nvGrpSpPr>
+        <p:cNvPr id="1" name=""/>
+        <p:cNvGrpSpPr/>
+        <p:nvPr/>
+      </p:nvGrpSpPr>
+      <p:grpSpPr>
+        <a:xfrm>
+          <a:off x="0" y="0"/>
+          <a:ext cx="0" cy="0"/>
+          <a:chOff x="0" y="0"/>
+          <a:chExt cx="0" cy="0"/>
+        </a:xfrm>
+      </p:grpSpPr>
+      <p:sp>
+        <p:nvSpPr>
+          <p:cNvPr id="4" name="WORD_lbl">
+            <a:extLst>
+              <a:ext uri="{FF2B5EF4-FFF2-40B4-BE49-F238E27FC236}">
+                <a16:creationId xmlns:a16="http://schemas.microsoft.com/office/drawing/2014/main" id="{CE42E556-94BF-C1A5-7455-7825788F114E}"/>
+              </a:ext>
+            </a:extLst>
+          </p:cNvPr>
+          <p:cNvSpPr txBox="1"/>
+          <p:nvPr/>
+        </p:nvSpPr>
+        <p:spPr>
+          <a:xfrm>
+            <a:off x="0" y="2644170"/>
+            <a:ext cx="12192000" cy="1569660"/>
+          </a:xfrm>
+          <a:prstGeom prst="rect">
+            <a:avLst/>
+          </a:prstGeom>
+          <a:noFill/>
+        </p:spPr>
+        <p:txBody>
+          <a:bodyPr wrap="square" rtlCol="0">
+            <a:spAutoFit/>
+          </a:bodyPr>
+          <a:lstStyle/>
+          <a:p>
+            <a:pPr algn="ctr"/>
+            <a:r>
+              <a:rPr lang="ko-KR" altLang="en-US" sz="9600" b="1" dirty="0" err="1">
+                <a:solidFill>
+                  <a:schemeClr val="bg1"/>
+                </a:solidFill>
+                <a:latin typeface="Arial" panose="020B0604020202020204" pitchFamily="34" charset="0"/>
+                <a:cs typeface="Arial" panose="020B0604020202020204" pitchFamily="34" charset="0"/>
+              </a:rPr>
+              <a:t>ㅅㄱ</a:t>
+            </a:r>
+            <a:endParaRPr lang="ko-KR" altLang="en-US" sz="9600" b="1" dirty="0">
+              <a:solidFill>
+                <a:schemeClr val="bg1"/>
+              </a:solidFill>
+              <a:latin typeface="Arial" panose="020B0604020202020204" pitchFamily="34" charset="0"/>
+              <a:cs typeface="Arial" panose="020B0604020202020204" pitchFamily="34" charset="0"/>
+            </a:endParaRPr>
+          </a:p>
+        </p:txBody>
+      </p:sp>
+      <p:sp>
+        <p:nvSpPr>
+          <p:cNvPr id="5" name="RIGHT_btn">
+            <a:hlinkClick r:id="" action="ppaction://hlinkshowjump?jump=nextslide"/>
+            <a:hlinkHover r:id="" action="ppaction://noaction" highlightClick="1"/>
+            <a:extLst>
+              <a:ext uri="{FF2B5EF4-FFF2-40B4-BE49-F238E27FC236}">
+                <a16:creationId xmlns:a16="http://schemas.microsoft.com/office/drawing/2014/main" id="{8206A97A-08B9-313B-0909-12E2937309F6}"/>
+              </a:ext>
+            </a:extLst>
+          </p:cNvPr>
+          <p:cNvSpPr/>
+          <p:nvPr/>
+        </p:nvSpPr>
+        <p:spPr>
+          <a:xfrm>
+            <a:off x="10558021" y="6055864"/>
+            <a:ext cx="1465619" cy="634181"/>
+          </a:xfrm>
+          <a:prstGeom prst="rect">
+            <a:avLst/>
+          </a:prstGeom>
+          <a:solidFill>
+            <a:schemeClr val="bg1"/>
+          </a:solidFill>
+          <a:ln w="38100">
+            <a:noFill/>
+          </a:ln>
+        </p:spPr>
+        <p:style>
+          <a:lnRef idx="2">
+            <a:schemeClr val="accent1">
+              <a:shade val="50000"/>
+            </a:schemeClr>
+          </a:lnRef>
+          <a:fillRef idx="1">
+            <a:schemeClr val="accent1"/>
+          </a:fillRef>
+          <a:effectRef idx="0">
+            <a:schemeClr val="accent1"/>
+          </a:effectRef>
+          <a:fontRef idx="minor">
+            <a:schemeClr val="lt1"/>
+          </a:fontRef>
+        </p:style>
+        <p:txBody>
+          <a:bodyPr rtlCol="0" anchor="ctr"/>
+          <a:lstStyle/>
+          <a:p>
+            <a:pPr algn="ctr"/>
+            <a:r>
+              <a:rPr lang="ko-KR" altLang="en-US" sz="3200" b="1" dirty="0">
+                <a:solidFill>
+                  <a:schemeClr val="tx1"/>
+                </a:solidFill>
+                <a:latin typeface="Arial" panose="020B0604020202020204" pitchFamily="34" charset="0"/>
+                <a:cs typeface="Arial" panose="020B0604020202020204" pitchFamily="34" charset="0"/>
+              </a:rPr>
+              <a:t>다음</a:t>
+            </a:r>
+          </a:p>
+        </p:txBody>
+      </p:sp>
+      <p:sp>
+        <p:nvSpPr>
+          <p:cNvPr id="3" name="WRONG_btn">
+            <a:hlinkClick r:id="rId3" action="ppaction://hlinksldjump"/>
+            <a:hlinkHover r:id="" action="ppaction://noaction" highlightClick="1"/>
+            <a:extLst>
+              <a:ext uri="{FF2B5EF4-FFF2-40B4-BE49-F238E27FC236}">
+                <a16:creationId xmlns:a16="http://schemas.microsoft.com/office/drawing/2014/main" id="{F5532519-F58C-6581-E0A1-6235416882F6}"/>
+              </a:ext>
+            </a:extLst>
+          </p:cNvPr>
+          <p:cNvSpPr/>
+          <p:nvPr/>
+        </p:nvSpPr>
+        <p:spPr>
+          <a:xfrm>
+            <a:off x="8938182" y="6055864"/>
+            <a:ext cx="1465619" cy="634181"/>
+          </a:xfrm>
+          <a:prstGeom prst="rect">
+            <a:avLst/>
+          </a:prstGeom>
+          <a:solidFill>
+            <a:schemeClr val="tx1"/>
+          </a:solidFill>
+          <a:ln w="38100">
+            <a:solidFill>
+              <a:schemeClr val="bg1"/>
+            </a:solidFill>
+          </a:ln>
+        </p:spPr>
+        <p:style>
+          <a:lnRef idx="2">
+            <a:schemeClr val="accent1">
+              <a:shade val="50000"/>
+            </a:schemeClr>
+          </a:lnRef>
+          <a:fillRef idx="1">
+            <a:schemeClr val="accent1"/>
+          </a:fillRef>
+          <a:effectRef idx="0">
+            <a:schemeClr val="accent1"/>
+          </a:effectRef>
+          <a:fontRef idx="minor">
+            <a:schemeClr val="lt1"/>
+          </a:fontRef>
+        </p:style>
+        <p:txBody>
+          <a:bodyPr rtlCol="0" anchor="ctr"/>
+          <a:lstStyle/>
+          <a:p>
+            <a:pPr algn="ctr"/>
+            <a:r>
+              <a:rPr lang="ko-KR" altLang="en-US" sz="3200" b="1" dirty="0">
+                <a:solidFill>
+                  <a:schemeClr val="bg1"/>
+                </a:solidFill>
+                <a:latin typeface="Arial" panose="020B0604020202020204" pitchFamily="34" charset="0"/>
+                <a:cs typeface="Arial" panose="020B0604020202020204" pitchFamily="34" charset="0"/>
+              </a:rPr>
+              <a:t>오답</a:t>
+            </a:r>
+          </a:p>
+        </p:txBody>
+      </p:sp>
+      <p:sp>
+        <p:nvSpPr>
+          <p:cNvPr id="2" name="타원 1">
+            <a:extLst>
+              <a:ext uri="{FF2B5EF4-FFF2-40B4-BE49-F238E27FC236}">
+                <a16:creationId xmlns:a16="http://schemas.microsoft.com/office/drawing/2014/main" id="{9ACA1DBF-FAF3-7087-4552-CACFD4E23201}"/>
+              </a:ext>
+            </a:extLst>
+          </p:cNvPr>
+          <p:cNvSpPr/>
+          <p:nvPr/>
+        </p:nvSpPr>
+        <p:spPr>
+          <a:xfrm>
+            <a:off x="162045" y="173620"/>
+            <a:ext cx="439838" cy="439838"/>
+          </a:xfrm>
+          <a:prstGeom prst="ellipse">
+            <a:avLst/>
+          </a:prstGeom>
+          <a:solidFill>
+            <a:schemeClr val="accent2"/>
+          </a:solidFill>
+          <a:ln>
+            <a:noFill/>
+          </a:ln>
+        </p:spPr>
+        <p:style>
+          <a:lnRef idx="2">
+            <a:schemeClr val="accent1">
+              <a:shade val="50000"/>
+            </a:schemeClr>
+          </a:lnRef>
+          <a:fillRef idx="1">
+            <a:schemeClr val="accent1"/>
+          </a:fillRef>
+          <a:effectRef idx="0">
+            <a:schemeClr val="accent1"/>
+          </a:effectRef>
+          <a:fontRef idx="minor">
+            <a:schemeClr val="lt1"/>
+          </a:fontRef>
+        </p:style>
+        <p:txBody>
+          <a:bodyPr rtlCol="0" anchor="ctr"/>
+          <a:lstStyle/>
+          <a:p>
+            <a:pPr algn="ctr"/>
+            <a:endParaRPr lang="ko-KR" altLang="en-US"/>
+          </a:p>
+        </p:txBody>
+      </p:sp>
+    </p:spTree>
+    <p:extLst>
+      <p:ext uri="{BB962C8B-B14F-4D97-AF65-F5344CB8AC3E}">
+        <p14:creationId xmlns:p14="http://schemas.microsoft.com/office/powerpoint/2010/main" val="2260406028"/>
+      </p:ext>
+    </p:extLst>
+  </p:cSld>
+  <p:clrMapOvr>
+    <a:masterClrMapping/>
+  </p:clrMapOvr>
+</p:sld>
+</file>
+
+<file path=ppt/slides/slide18.xml><?xml version="1.0" encoding="utf-8"?>
+<p:sld xmlns:a="http://schemas.openxmlformats.org/drawingml/2006/main" xmlns:r="http://schemas.openxmlformats.org/officeDocument/2006/relationships" xmlns:p="http://schemas.openxmlformats.org/presentationml/2006/main">
+  <p:cSld>
+    <p:spTree>
+      <p:nvGrpSpPr>
+        <p:cNvPr id="1" name=""/>
+        <p:cNvGrpSpPr/>
+        <p:nvPr/>
+      </p:nvGrpSpPr>
+      <p:grpSpPr>
+        <a:xfrm>
+          <a:off x="0" y="0"/>
+          <a:ext cx="0" cy="0"/>
+          <a:chOff x="0" y="0"/>
+          <a:chExt cx="0" cy="0"/>
+        </a:xfrm>
+      </p:grpSpPr>
+      <p:pic>
+        <p:nvPicPr>
+          <p:cNvPr id="9" name="Picture 2">
+            <a:extLst>
+              <a:ext uri="{FF2B5EF4-FFF2-40B4-BE49-F238E27FC236}">
+                <a16:creationId xmlns:a16="http://schemas.microsoft.com/office/drawing/2014/main" id="{8D60C572-3F36-315B-6CA0-8BF20F58ABF4}"/>
+              </a:ext>
+            </a:extLst>
+          </p:cNvPr>
+          <p:cNvPicPr>
+            <a:picLocks noChangeAspect="1" noChangeArrowheads="1"/>
+          </p:cNvPicPr>
+          <p:nvPr/>
+        </p:nvPicPr>
+        <p:blipFill rotWithShape="1">
+          <a:blip r:embed="rId3">
+            <a:extLst>
+              <a:ext uri="{BEBA8EAE-BF5A-486C-A8C5-ECC9F3942E4B}">
+                <a14:imgProps xmlns:a14="http://schemas.microsoft.com/office/drawing/2010/main">
+                  <a14:imgLayer r:embed="rId4">
+                    <a14:imgEffect>
+                      <a14:brightnessContrast bright="-80000"/>
+                    </a14:imgEffect>
+                  </a14:imgLayer>
+                </a14:imgProps>
+              </a:ext>
+              <a:ext uri="{28A0092B-C50C-407E-A947-70E740481C1C}">
+                <a14:useLocalDpi xmlns:a14="http://schemas.microsoft.com/office/drawing/2010/main" val="0"/>
+              </a:ext>
+            </a:extLst>
+          </a:blip>
+          <a:srcRect l="14161" t="21188" r="62543" b="53493"/>
+          <a:stretch/>
+        </p:blipFill>
+        <p:spPr bwMode="auto">
+          <a:xfrm>
+            <a:off x="1966379" y="0"/>
+            <a:ext cx="8259242" cy="6858000"/>
+          </a:xfrm>
+          <a:prstGeom prst="rect">
+            <a:avLst/>
+          </a:prstGeom>
+          <a:noFill/>
+          <a:effectLst>
+            <a:softEdge rad="635000"/>
+          </a:effectLst>
+          <a:extLst>
+            <a:ext uri="{909E8E84-426E-40DD-AFC4-6F175D3DCCD1}">
+              <a14:hiddenFill xmlns:a14="http://schemas.microsoft.com/office/drawing/2010/main">
+                <a:solidFill>
+                  <a:srgbClr val="FFFFFF"/>
+                </a:solidFill>
+              </a14:hiddenFill>
+            </a:ext>
+          </a:extLst>
+        </p:spPr>
+      </p:pic>
+      <p:sp>
+        <p:nvSpPr>
+          <p:cNvPr id="4" name="WORD_lbl">
+            <a:extLst>
+              <a:ext uri="{FF2B5EF4-FFF2-40B4-BE49-F238E27FC236}">
+                <a16:creationId xmlns:a16="http://schemas.microsoft.com/office/drawing/2014/main" id="{CE42E556-94BF-C1A5-7455-7825788F114E}"/>
+              </a:ext>
+            </a:extLst>
+          </p:cNvPr>
+          <p:cNvSpPr txBox="1"/>
+          <p:nvPr/>
+        </p:nvSpPr>
+        <p:spPr>
+          <a:xfrm>
+            <a:off x="0" y="2644170"/>
+            <a:ext cx="12192000" cy="1569660"/>
+          </a:xfrm>
+          <a:prstGeom prst="rect">
+            <a:avLst/>
+          </a:prstGeom>
+          <a:noFill/>
+        </p:spPr>
+        <p:txBody>
+          <a:bodyPr wrap="square" rtlCol="0">
+            <a:spAutoFit/>
+          </a:bodyPr>
+          <a:lstStyle/>
+          <a:p>
+            <a:pPr algn="ctr"/>
+            <a:r>
+              <a:rPr lang="ko-KR" altLang="en-US" sz="9600" b="1" dirty="0" err="1">
+                <a:solidFill>
+                  <a:schemeClr val="bg1"/>
+                </a:solidFill>
+                <a:latin typeface="Arial" panose="020B0604020202020204" pitchFamily="34" charset="0"/>
+                <a:cs typeface="Arial" panose="020B0604020202020204" pitchFamily="34" charset="0"/>
+              </a:rPr>
+              <a:t>ㅁㅂㅅㅇ</a:t>
+            </a:r>
+            <a:r>
+              <a:rPr lang="ko-KR" altLang="en-US" sz="9600" b="1" dirty="0">
+                <a:solidFill>
+                  <a:schemeClr val="bg1"/>
+                </a:solidFill>
+                <a:latin typeface="Arial" panose="020B0604020202020204" pitchFamily="34" charset="0"/>
+                <a:cs typeface="Arial" panose="020B0604020202020204" pitchFamily="34" charset="0"/>
+              </a:rPr>
+              <a:t> </a:t>
+            </a:r>
+            <a:r>
+              <a:rPr lang="ko-KR" altLang="en-US" sz="9600" b="1" dirty="0" err="1">
+                <a:solidFill>
+                  <a:schemeClr val="bg1"/>
+                </a:solidFill>
+                <a:latin typeface="Arial" panose="020B0604020202020204" pitchFamily="34" charset="0"/>
+                <a:cs typeface="Arial" panose="020B0604020202020204" pitchFamily="34" charset="0"/>
+              </a:rPr>
+              <a:t>ㄷ</a:t>
+            </a:r>
+            <a:endParaRPr lang="ko-KR" altLang="en-US" sz="9600" b="1" dirty="0">
+              <a:solidFill>
+                <a:schemeClr val="bg1"/>
+              </a:solidFill>
+              <a:latin typeface="Arial" panose="020B0604020202020204" pitchFamily="34" charset="0"/>
+              <a:cs typeface="Arial" panose="020B0604020202020204" pitchFamily="34" charset="0"/>
+            </a:endParaRPr>
+          </a:p>
+        </p:txBody>
+      </p:sp>
+      <p:sp>
+        <p:nvSpPr>
+          <p:cNvPr id="5" name="RIGHT_btn">
+            <a:hlinkClick r:id="" action="ppaction://hlinkshowjump?jump=nextslide"/>
+            <a:hlinkHover r:id="" action="ppaction://noaction" highlightClick="1"/>
+            <a:extLst>
+              <a:ext uri="{FF2B5EF4-FFF2-40B4-BE49-F238E27FC236}">
+                <a16:creationId xmlns:a16="http://schemas.microsoft.com/office/drawing/2014/main" id="{8206A97A-08B9-313B-0909-12E2937309F6}"/>
+              </a:ext>
+            </a:extLst>
+          </p:cNvPr>
+          <p:cNvSpPr/>
+          <p:nvPr/>
+        </p:nvSpPr>
+        <p:spPr>
+          <a:xfrm>
+            <a:off x="10558021" y="6055864"/>
+            <a:ext cx="1465619" cy="634181"/>
+          </a:xfrm>
+          <a:prstGeom prst="rect">
+            <a:avLst/>
+          </a:prstGeom>
+          <a:solidFill>
+            <a:schemeClr val="bg1"/>
+          </a:solidFill>
+          <a:ln w="38100">
+            <a:noFill/>
+          </a:ln>
+        </p:spPr>
+        <p:style>
+          <a:lnRef idx="2">
+            <a:schemeClr val="accent1">
+              <a:shade val="50000"/>
+            </a:schemeClr>
+          </a:lnRef>
+          <a:fillRef idx="1">
+            <a:schemeClr val="accent1"/>
+          </a:fillRef>
+          <a:effectRef idx="0">
+            <a:schemeClr val="accent1"/>
+          </a:effectRef>
+          <a:fontRef idx="minor">
+            <a:schemeClr val="lt1"/>
+          </a:fontRef>
+        </p:style>
+        <p:txBody>
+          <a:bodyPr rtlCol="0" anchor="ctr"/>
+          <a:lstStyle/>
+          <a:p>
+            <a:pPr algn="ctr"/>
+            <a:r>
+              <a:rPr lang="ko-KR" altLang="en-US" sz="3200" b="1" dirty="0">
+                <a:solidFill>
+                  <a:schemeClr val="tx1"/>
+                </a:solidFill>
+                <a:latin typeface="Arial" panose="020B0604020202020204" pitchFamily="34" charset="0"/>
+                <a:cs typeface="Arial" panose="020B0604020202020204" pitchFamily="34" charset="0"/>
+              </a:rPr>
+              <a:t>다음</a:t>
+            </a:r>
+          </a:p>
+        </p:txBody>
+      </p:sp>
+      <p:sp>
+        <p:nvSpPr>
+          <p:cNvPr id="3" name="WRONG_btn">
+            <a:hlinkClick r:id="rId5" action="ppaction://hlinksldjump"/>
+            <a:hlinkHover r:id="" action="ppaction://noaction" highlightClick="1"/>
+            <a:extLst>
+              <a:ext uri="{FF2B5EF4-FFF2-40B4-BE49-F238E27FC236}">
+                <a16:creationId xmlns:a16="http://schemas.microsoft.com/office/drawing/2014/main" id="{F5532519-F58C-6581-E0A1-6235416882F6}"/>
+              </a:ext>
+            </a:extLst>
+          </p:cNvPr>
+          <p:cNvSpPr/>
+          <p:nvPr/>
+        </p:nvSpPr>
+        <p:spPr>
+          <a:xfrm>
+            <a:off x="8938182" y="6055864"/>
+            <a:ext cx="1465619" cy="634181"/>
+          </a:xfrm>
+          <a:prstGeom prst="rect">
+            <a:avLst/>
+          </a:prstGeom>
+          <a:solidFill>
+            <a:schemeClr val="tx1"/>
+          </a:solidFill>
+          <a:ln w="38100">
+            <a:solidFill>
+              <a:schemeClr val="bg1"/>
+            </a:solidFill>
+          </a:ln>
+        </p:spPr>
+        <p:style>
+          <a:lnRef idx="2">
+            <a:schemeClr val="accent1">
+              <a:shade val="50000"/>
+            </a:schemeClr>
+          </a:lnRef>
+          <a:fillRef idx="1">
+            <a:schemeClr val="accent1"/>
+          </a:fillRef>
+          <a:effectRef idx="0">
+            <a:schemeClr val="accent1"/>
+          </a:effectRef>
+          <a:fontRef idx="minor">
+            <a:schemeClr val="lt1"/>
+          </a:fontRef>
+        </p:style>
+        <p:txBody>
+          <a:bodyPr rtlCol="0" anchor="ctr"/>
+          <a:lstStyle/>
+          <a:p>
+            <a:pPr algn="ctr"/>
+            <a:r>
+              <a:rPr lang="ko-KR" altLang="en-US" sz="3200" b="1" dirty="0">
+                <a:solidFill>
+                  <a:schemeClr val="bg1"/>
+                </a:solidFill>
+                <a:latin typeface="Arial" panose="020B0604020202020204" pitchFamily="34" charset="0"/>
+                <a:cs typeface="Arial" panose="020B0604020202020204" pitchFamily="34" charset="0"/>
+              </a:rPr>
+              <a:t>오답</a:t>
+            </a:r>
+          </a:p>
+        </p:txBody>
+      </p:sp>
+      <p:sp>
+        <p:nvSpPr>
+          <p:cNvPr id="2" name="타원 1">
+            <a:extLst>
+              <a:ext uri="{FF2B5EF4-FFF2-40B4-BE49-F238E27FC236}">
+                <a16:creationId xmlns:a16="http://schemas.microsoft.com/office/drawing/2014/main" id="{9ACA1DBF-FAF3-7087-4552-CACFD4E23201}"/>
+              </a:ext>
+            </a:extLst>
+          </p:cNvPr>
+          <p:cNvSpPr/>
+          <p:nvPr/>
+        </p:nvSpPr>
+        <p:spPr>
+          <a:xfrm>
+            <a:off x="162045" y="173620"/>
+            <a:ext cx="439838" cy="439838"/>
+          </a:xfrm>
+          <a:prstGeom prst="ellipse">
+            <a:avLst/>
+          </a:prstGeom>
+          <a:solidFill>
+            <a:srgbClr val="FF0000"/>
+          </a:solidFill>
+          <a:ln>
+            <a:noFill/>
+          </a:ln>
+        </p:spPr>
+        <p:style>
+          <a:lnRef idx="2">
+            <a:schemeClr val="accent1">
+              <a:shade val="50000"/>
+            </a:schemeClr>
+          </a:lnRef>
+          <a:fillRef idx="1">
+            <a:schemeClr val="accent1"/>
+          </a:fillRef>
+          <a:effectRef idx="0">
+            <a:schemeClr val="accent1"/>
+          </a:effectRef>
+          <a:fontRef idx="minor">
+            <a:schemeClr val="lt1"/>
+          </a:fontRef>
+        </p:style>
+        <p:txBody>
+          <a:bodyPr rtlCol="0" anchor="ctr"/>
+          <a:lstStyle/>
+          <a:p>
+            <a:pPr algn="ctr"/>
+            <a:r>
+              <a:rPr lang="el-GR" altLang="ko-KR" sz="2800" b="1" i="0" dirty="0">
+                <a:solidFill>
+                  <a:schemeClr val="bg1"/>
+                </a:solidFill>
+                <a:effectLst/>
+                <a:latin typeface="Arial" panose="020B0604020202020204" pitchFamily="34" charset="0"/>
+                <a:cs typeface="Arial" panose="020B0604020202020204" pitchFamily="34" charset="0"/>
+              </a:rPr>
+              <a:t>ϟ</a:t>
+            </a:r>
+            <a:endParaRPr lang="ko-KR" altLang="en-US" sz="2800" b="1" dirty="0">
+              <a:solidFill>
+                <a:schemeClr val="bg1"/>
+              </a:solidFill>
+              <a:latin typeface="Arial" panose="020B0604020202020204" pitchFamily="34" charset="0"/>
+              <a:cs typeface="Arial" panose="020B0604020202020204" pitchFamily="34" charset="0"/>
+            </a:endParaRPr>
+          </a:p>
+        </p:txBody>
+      </p:sp>
+    </p:spTree>
+    <p:extLst>
+      <p:ext uri="{BB962C8B-B14F-4D97-AF65-F5344CB8AC3E}">
+        <p14:creationId xmlns:p14="http://schemas.microsoft.com/office/powerpoint/2010/main" val="2240117438"/>
+      </p:ext>
+    </p:extLst>
+  </p:cSld>
+  <p:clrMapOvr>
+    <a:masterClrMapping/>
+  </p:clrMapOvr>
+</p:sld>
+</file>
+
+<file path=ppt/slides/slide19.xml><?xml version="1.0" encoding="utf-8"?>
+<p:sld xmlns:a="http://schemas.openxmlformats.org/drawingml/2006/main" xmlns:r="http://schemas.openxmlformats.org/officeDocument/2006/relationships" xmlns:p="http://schemas.openxmlformats.org/presentationml/2006/main">
+  <p:cSld>
+    <p:spTree>
+      <p:nvGrpSpPr>
+        <p:cNvPr id="1" name=""/>
+        <p:cNvGrpSpPr/>
+        <p:nvPr/>
+      </p:nvGrpSpPr>
+      <p:grpSpPr>
+        <a:xfrm>
+          <a:off x="0" y="0"/>
+          <a:ext cx="0" cy="0"/>
+          <a:chOff x="0" y="0"/>
+          <a:chExt cx="0" cy="0"/>
+        </a:xfrm>
+      </p:grpSpPr>
+      <p:pic>
+        <p:nvPicPr>
+          <p:cNvPr id="9" name="Picture 2">
+            <a:extLst>
+              <a:ext uri="{FF2B5EF4-FFF2-40B4-BE49-F238E27FC236}">
+                <a16:creationId xmlns:a16="http://schemas.microsoft.com/office/drawing/2014/main" id="{F0DD5D92-9F05-9A9D-3EC2-04C2A5AC0214}"/>
+              </a:ext>
+            </a:extLst>
+          </p:cNvPr>
+          <p:cNvPicPr>
+            <a:picLocks noChangeAspect="1" noChangeArrowheads="1"/>
+          </p:cNvPicPr>
+          <p:nvPr/>
+        </p:nvPicPr>
+        <p:blipFill rotWithShape="1">
+          <a:blip r:embed="rId3">
+            <a:extLst>
+              <a:ext uri="{BEBA8EAE-BF5A-486C-A8C5-ECC9F3942E4B}">
+                <a14:imgProps xmlns:a14="http://schemas.microsoft.com/office/drawing/2010/main">
+                  <a14:imgLayer r:embed="rId4">
+                    <a14:imgEffect>
+                      <a14:brightnessContrast bright="-80000"/>
+                    </a14:imgEffect>
+                  </a14:imgLayer>
+                </a14:imgProps>
+              </a:ext>
+              <a:ext uri="{28A0092B-C50C-407E-A947-70E740481C1C}">
+                <a14:useLocalDpi xmlns:a14="http://schemas.microsoft.com/office/drawing/2010/main" val="0"/>
+              </a:ext>
+            </a:extLst>
+          </a:blip>
+          <a:srcRect l="37712" t="20886" r="38992" b="54057"/>
+          <a:stretch/>
+        </p:blipFill>
+        <p:spPr bwMode="auto">
+          <a:xfrm>
+            <a:off x="1923203" y="-1"/>
+            <a:ext cx="8345594" cy="6858002"/>
+          </a:xfrm>
+          <a:prstGeom prst="rect">
+            <a:avLst/>
+          </a:prstGeom>
+          <a:noFill/>
+          <a:effectLst>
+            <a:softEdge rad="635000"/>
+          </a:effectLst>
+          <a:extLst>
+            <a:ext uri="{909E8E84-426E-40DD-AFC4-6F175D3DCCD1}">
+              <a14:hiddenFill xmlns:a14="http://schemas.microsoft.com/office/drawing/2010/main">
+                <a:solidFill>
+                  <a:srgbClr val="FFFFFF"/>
+                </a:solidFill>
+              </a14:hiddenFill>
+            </a:ext>
+          </a:extLst>
+        </p:spPr>
+      </p:pic>
+      <p:sp>
+        <p:nvSpPr>
+          <p:cNvPr id="4" name="WORD_lbl">
+            <a:extLst>
+              <a:ext uri="{FF2B5EF4-FFF2-40B4-BE49-F238E27FC236}">
+                <a16:creationId xmlns:a16="http://schemas.microsoft.com/office/drawing/2014/main" id="{CE42E556-94BF-C1A5-7455-7825788F114E}"/>
+              </a:ext>
+            </a:extLst>
+          </p:cNvPr>
+          <p:cNvSpPr txBox="1"/>
+          <p:nvPr/>
+        </p:nvSpPr>
+        <p:spPr>
+          <a:xfrm>
+            <a:off x="0" y="2644170"/>
+            <a:ext cx="12192000" cy="1569660"/>
+          </a:xfrm>
+          <a:prstGeom prst="rect">
+            <a:avLst/>
+          </a:prstGeom>
+          <a:noFill/>
+        </p:spPr>
+        <p:txBody>
+          <a:bodyPr wrap="square" rtlCol="0">
+            <a:spAutoFit/>
+          </a:bodyPr>
+          <a:lstStyle/>
+          <a:p>
+            <a:pPr algn="ctr"/>
+            <a:r>
+              <a:rPr lang="ko-KR" altLang="en-US" sz="9600" b="1" dirty="0" err="1">
+                <a:solidFill>
+                  <a:schemeClr val="bg1"/>
+                </a:solidFill>
+                <a:latin typeface="Arial" panose="020B0604020202020204" pitchFamily="34" charset="0"/>
+                <a:cs typeface="Arial" panose="020B0604020202020204" pitchFamily="34" charset="0"/>
+              </a:rPr>
+              <a:t>ㅂㅁㅇ</a:t>
+            </a:r>
+            <a:r>
+              <a:rPr lang="ko-KR" altLang="en-US" sz="9600" b="1" dirty="0">
+                <a:solidFill>
+                  <a:schemeClr val="bg1"/>
+                </a:solidFill>
+                <a:latin typeface="Arial" panose="020B0604020202020204" pitchFamily="34" charset="0"/>
+                <a:cs typeface="Arial" panose="020B0604020202020204" pitchFamily="34" charset="0"/>
+              </a:rPr>
+              <a:t> </a:t>
+            </a:r>
+            <a:r>
+              <a:rPr lang="ko-KR" altLang="en-US" sz="9600" b="1" dirty="0" err="1">
+                <a:solidFill>
+                  <a:schemeClr val="bg1"/>
+                </a:solidFill>
+                <a:latin typeface="Arial" panose="020B0604020202020204" pitchFamily="34" charset="0"/>
+                <a:cs typeface="Arial" panose="020B0604020202020204" pitchFamily="34" charset="0"/>
+              </a:rPr>
+              <a:t>ㅂ</a:t>
+            </a:r>
+            <a:endParaRPr lang="ko-KR" altLang="en-US" sz="9600" b="1" dirty="0">
+              <a:solidFill>
+                <a:schemeClr val="bg1"/>
+              </a:solidFill>
+              <a:latin typeface="Arial" panose="020B0604020202020204" pitchFamily="34" charset="0"/>
+              <a:cs typeface="Arial" panose="020B0604020202020204" pitchFamily="34" charset="0"/>
+            </a:endParaRPr>
+          </a:p>
+        </p:txBody>
+      </p:sp>
+      <p:sp>
+        <p:nvSpPr>
+          <p:cNvPr id="5" name="RIGHT_btn">
+            <a:hlinkClick r:id="" action="ppaction://hlinkshowjump?jump=nextslide"/>
+            <a:hlinkHover r:id="" action="ppaction://noaction" highlightClick="1"/>
+            <a:extLst>
+              <a:ext uri="{FF2B5EF4-FFF2-40B4-BE49-F238E27FC236}">
+                <a16:creationId xmlns:a16="http://schemas.microsoft.com/office/drawing/2014/main" id="{8206A97A-08B9-313B-0909-12E2937309F6}"/>
+              </a:ext>
+            </a:extLst>
+          </p:cNvPr>
+          <p:cNvSpPr/>
+          <p:nvPr/>
+        </p:nvSpPr>
+        <p:spPr>
+          <a:xfrm>
+            <a:off x="10558021" y="6055864"/>
+            <a:ext cx="1465619" cy="634181"/>
+          </a:xfrm>
+          <a:prstGeom prst="rect">
+            <a:avLst/>
+          </a:prstGeom>
+          <a:solidFill>
+            <a:schemeClr val="bg1"/>
+          </a:solidFill>
+          <a:ln w="38100">
+            <a:noFill/>
+          </a:ln>
+        </p:spPr>
+        <p:style>
+          <a:lnRef idx="2">
+            <a:schemeClr val="accent1">
+              <a:shade val="50000"/>
+            </a:schemeClr>
+          </a:lnRef>
+          <a:fillRef idx="1">
+            <a:schemeClr val="accent1"/>
+          </a:fillRef>
+          <a:effectRef idx="0">
+            <a:schemeClr val="accent1"/>
+          </a:effectRef>
+          <a:fontRef idx="minor">
+            <a:schemeClr val="lt1"/>
+          </a:fontRef>
+        </p:style>
+        <p:txBody>
+          <a:bodyPr rtlCol="0" anchor="ctr"/>
+          <a:lstStyle/>
+          <a:p>
+            <a:pPr algn="ctr"/>
+            <a:r>
+              <a:rPr lang="ko-KR" altLang="en-US" sz="3200" b="1" dirty="0">
+                <a:solidFill>
+                  <a:schemeClr val="tx1"/>
+                </a:solidFill>
+                <a:latin typeface="Arial" panose="020B0604020202020204" pitchFamily="34" charset="0"/>
+                <a:cs typeface="Arial" panose="020B0604020202020204" pitchFamily="34" charset="0"/>
+              </a:rPr>
+              <a:t>다음</a:t>
+            </a:r>
+          </a:p>
+        </p:txBody>
+      </p:sp>
+      <p:sp>
+        <p:nvSpPr>
+          <p:cNvPr id="3" name="WRONG_btn">
+            <a:hlinkClick r:id="rId5" action="ppaction://hlinksldjump"/>
+            <a:hlinkHover r:id="" action="ppaction://noaction" highlightClick="1"/>
+            <a:extLst>
+              <a:ext uri="{FF2B5EF4-FFF2-40B4-BE49-F238E27FC236}">
+                <a16:creationId xmlns:a16="http://schemas.microsoft.com/office/drawing/2014/main" id="{F5532519-F58C-6581-E0A1-6235416882F6}"/>
+              </a:ext>
+            </a:extLst>
+          </p:cNvPr>
+          <p:cNvSpPr/>
+          <p:nvPr/>
+        </p:nvSpPr>
+        <p:spPr>
+          <a:xfrm>
+            <a:off x="8938182" y="6055864"/>
+            <a:ext cx="1465619" cy="634181"/>
+          </a:xfrm>
+          <a:prstGeom prst="rect">
+            <a:avLst/>
+          </a:prstGeom>
+          <a:solidFill>
+            <a:schemeClr val="tx1"/>
+          </a:solidFill>
+          <a:ln w="38100">
+            <a:solidFill>
+              <a:schemeClr val="bg1"/>
+            </a:solidFill>
+          </a:ln>
+        </p:spPr>
+        <p:style>
+          <a:lnRef idx="2">
+            <a:schemeClr val="accent1">
+              <a:shade val="50000"/>
+            </a:schemeClr>
+          </a:lnRef>
+          <a:fillRef idx="1">
+            <a:schemeClr val="accent1"/>
+          </a:fillRef>
+          <a:effectRef idx="0">
+            <a:schemeClr val="accent1"/>
+          </a:effectRef>
+          <a:fontRef idx="minor">
+            <a:schemeClr val="lt1"/>
+          </a:fontRef>
+        </p:style>
+        <p:txBody>
+          <a:bodyPr rtlCol="0" anchor="ctr"/>
+          <a:lstStyle/>
+          <a:p>
+            <a:pPr algn="ctr"/>
+            <a:r>
+              <a:rPr lang="ko-KR" altLang="en-US" sz="3200" b="1" dirty="0">
+                <a:solidFill>
+                  <a:schemeClr val="bg1"/>
+                </a:solidFill>
+                <a:latin typeface="Arial" panose="020B0604020202020204" pitchFamily="34" charset="0"/>
+                <a:cs typeface="Arial" panose="020B0604020202020204" pitchFamily="34" charset="0"/>
+              </a:rPr>
+              <a:t>오답</a:t>
+            </a:r>
+          </a:p>
+        </p:txBody>
+      </p:sp>
+      <p:sp>
+        <p:nvSpPr>
+          <p:cNvPr id="2" name="타원 1">
+            <a:extLst>
+              <a:ext uri="{FF2B5EF4-FFF2-40B4-BE49-F238E27FC236}">
+                <a16:creationId xmlns:a16="http://schemas.microsoft.com/office/drawing/2014/main" id="{9ACA1DBF-FAF3-7087-4552-CACFD4E23201}"/>
+              </a:ext>
+            </a:extLst>
+          </p:cNvPr>
+          <p:cNvSpPr/>
+          <p:nvPr/>
+        </p:nvSpPr>
+        <p:spPr>
+          <a:xfrm>
+            <a:off x="162045" y="173620"/>
+            <a:ext cx="439838" cy="439838"/>
+          </a:xfrm>
+          <a:prstGeom prst="ellipse">
+            <a:avLst/>
+          </a:prstGeom>
+          <a:solidFill>
+            <a:srgbClr val="FF0000"/>
+          </a:solidFill>
+          <a:ln>
+            <a:noFill/>
+          </a:ln>
+        </p:spPr>
+        <p:style>
+          <a:lnRef idx="2">
+            <a:schemeClr val="accent1">
+              <a:shade val="50000"/>
+            </a:schemeClr>
+          </a:lnRef>
+          <a:fillRef idx="1">
+            <a:schemeClr val="accent1"/>
+          </a:fillRef>
+          <a:effectRef idx="0">
+            <a:schemeClr val="accent1"/>
+          </a:effectRef>
+          <a:fontRef idx="minor">
+            <a:schemeClr val="lt1"/>
+          </a:fontRef>
+        </p:style>
+        <p:txBody>
+          <a:bodyPr rtlCol="0" anchor="ctr"/>
+          <a:lstStyle/>
+          <a:p>
+            <a:pPr algn="ctr"/>
+            <a:r>
+              <a:rPr lang="el-GR" altLang="ko-KR" sz="2800" b="1" i="0" dirty="0">
+                <a:solidFill>
+                  <a:schemeClr val="bg1"/>
+                </a:solidFill>
+                <a:effectLst/>
+                <a:latin typeface="Arial" panose="020B0604020202020204" pitchFamily="34" charset="0"/>
+                <a:cs typeface="Arial" panose="020B0604020202020204" pitchFamily="34" charset="0"/>
+              </a:rPr>
+              <a:t>ϟ</a:t>
+            </a:r>
+            <a:endParaRPr lang="ko-KR" altLang="en-US" sz="2800" b="1" dirty="0">
+              <a:solidFill>
+                <a:schemeClr val="bg1"/>
+              </a:solidFill>
+              <a:latin typeface="Arial" panose="020B0604020202020204" pitchFamily="34" charset="0"/>
+              <a:cs typeface="Arial" panose="020B0604020202020204" pitchFamily="34" charset="0"/>
+            </a:endParaRPr>
+          </a:p>
+        </p:txBody>
+      </p:sp>
+    </p:spTree>
+    <p:extLst>
+      <p:ext uri="{BB962C8B-B14F-4D97-AF65-F5344CB8AC3E}">
+        <p14:creationId xmlns:p14="http://schemas.microsoft.com/office/powerpoint/2010/main" val="2294948684"/>
       </p:ext>
     </p:extLst>
   </p:cSld>
@@ -6656,7 +10072,7 @@
 </p:sld>
 </file>
 
-<file path=ppt/slides/slide3.xml><?xml version="1.0" encoding="utf-8"?>
+<file path=ppt/slides/slide20.xml><?xml version="1.0" encoding="utf-8"?>
 <p:sld xmlns:a="http://schemas.openxmlformats.org/drawingml/2006/main" xmlns:r="http://schemas.openxmlformats.org/officeDocument/2006/relationships" xmlns:p="http://schemas.openxmlformats.org/presentationml/2006/main">
   <p:cSld>
     <p:spTree>
@@ -6673,6 +10089,63 @@
           <a:chExt cx="0" cy="0"/>
         </a:xfrm>
       </p:grpSpPr>
+      <p:pic>
+        <p:nvPicPr>
+          <p:cNvPr id="9" name="Picture 2">
+            <a:extLst>
+              <a:ext uri="{FF2B5EF4-FFF2-40B4-BE49-F238E27FC236}">
+                <a16:creationId xmlns:a16="http://schemas.microsoft.com/office/drawing/2014/main" id="{DB8F1FCB-8233-EA18-B1F1-B19A0BD3BAC7}"/>
+              </a:ext>
+            </a:extLst>
+          </p:cNvPr>
+          <p:cNvPicPr>
+            <a:picLocks noChangeAspect="1" noChangeArrowheads="1"/>
+          </p:cNvPicPr>
+          <p:nvPr/>
+        </p:nvPicPr>
+        <p:blipFill rotWithShape="1">
+          <a:blip r:embed="rId3">
+            <a:extLst>
+              <a:ext uri="{BEBA8EAE-BF5A-486C-A8C5-ECC9F3942E4B}">
+                <a14:imgProps xmlns:a14="http://schemas.microsoft.com/office/drawing/2010/main">
+                  <a14:imgLayer r:embed="rId4">
+                    <a14:imgEffect>
+                      <a14:brightnessContrast bright="-80000"/>
+                    </a14:imgEffect>
+                  </a14:imgLayer>
+                </a14:imgProps>
+              </a:ext>
+              <a:ext uri="{28A0092B-C50C-407E-A947-70E740481C1C}">
+                <a14:useLocalDpi xmlns:a14="http://schemas.microsoft.com/office/drawing/2010/main" val="0"/>
+              </a:ext>
+            </a:extLst>
+          </a:blip>
+          <a:srcRect l="61904" t="20916" r="14800" b="53765"/>
+          <a:stretch/>
+        </p:blipFill>
+        <p:spPr bwMode="auto">
+          <a:xfrm>
+            <a:off x="1966390" y="-1"/>
+            <a:ext cx="8259220" cy="6858002"/>
+          </a:xfrm>
+          <a:prstGeom prst="rect">
+            <a:avLst/>
+          </a:prstGeom>
+          <a:noFill/>
+          <a:effectLst>
+            <a:softEdge rad="635000"/>
+          </a:effectLst>
+          <a:extLst>
+            <a:ext uri="{909E8E84-426E-40DD-AFC4-6F175D3DCCD1}">
+              <a14:hiddenFill xmlns:a14="http://schemas.microsoft.com/office/drawing/2010/main">
+                <a:solidFill>
+                  <a:srgbClr val="FFFFFF"/>
+                </a:solidFill>
+              </a14:hiddenFill>
+            </a:ext>
+          </a:extLst>
+        </p:spPr>
+      </p:pic>
       <p:sp>
         <p:nvSpPr>
           <p:cNvPr id="4" name="WORD_lbl">
@@ -6710,7 +10183,27 @@
                 <a:latin typeface="Arial" panose="020B0604020202020204" pitchFamily="34" charset="0"/>
                 <a:cs typeface="Arial" panose="020B0604020202020204" pitchFamily="34" charset="0"/>
               </a:rPr>
-              <a:t>ㄹㅁ</a:t>
+              <a:t>ㅇㅈㅋㅂㅇ</a:t>
+            </a:r>
+            <a:r>
+              <a:rPr lang="ko-KR" altLang="en-US" sz="9600" b="1" dirty="0">
+                <a:solidFill>
+                  <a:schemeClr val="bg1"/>
+                </a:solidFill>
+                <a:latin typeface="Arial" panose="020B0604020202020204" pitchFamily="34" charset="0"/>
+                <a:cs typeface="Arial" panose="020B0604020202020204" pitchFamily="34" charset="0"/>
+              </a:rPr>
+              <a:t> </a:t>
+            </a:r>
+            <a:r>
+              <a:rPr lang="ko-KR" altLang="en-US" sz="9600" b="1" dirty="0" err="1">
+                <a:solidFill>
+                  <a:schemeClr val="bg1"/>
+                </a:solidFill>
+                <a:latin typeface="Arial" panose="020B0604020202020204" pitchFamily="34" charset="0"/>
+                <a:cs typeface="Arial" panose="020B0604020202020204" pitchFamily="34" charset="0"/>
+              </a:rPr>
+              <a:t>ㅈㅅ</a:t>
             </a:r>
             <a:endParaRPr lang="ko-KR" altLang="en-US" sz="9600" b="1" dirty="0">
               <a:solidFill>
@@ -6788,7 +10281,7 @@
       <p:sp>
         <p:nvSpPr>
           <p:cNvPr id="3" name="WRONG_btn">
-            <a:hlinkClick r:id="rId3" action="ppaction://hlinksldjump"/>
+            <a:hlinkClick r:id="rId5" action="ppaction://hlinksldjump"/>
             <a:hlinkHover r:id="" action="ppaction://noaction" highlightClick="1"/>
             <a:extLst>
               <a:ext uri="{FF2B5EF4-FFF2-40B4-BE49-F238E27FC236}">
@@ -6871,7 +10364,7 @@
             <a:avLst/>
           </a:prstGeom>
           <a:solidFill>
-            <a:schemeClr val="accent6"/>
+            <a:srgbClr val="FF0000"/>
           </a:solidFill>
           <a:ln>
             <a:noFill/>
@@ -6898,14 +10391,31 @@
           <a:lstStyle/>
           <a:p>
             <a:pPr algn="ctr"/>
-            <a:endParaRPr lang="ko-KR" altLang="en-US"/>
+            <a:r>
+              <a:rPr lang="el-GR" altLang="ko-KR" sz="2800" b="1" i="0" dirty="0">
+                <a:solidFill>
+                  <a:schemeClr val="bg1"/>
+                </a:solidFill>
+                <a:effectLst/>
+                <a:latin typeface="Arial" panose="020B0604020202020204" pitchFamily="34" charset="0"/>
+                <a:cs typeface="Arial" panose="020B0604020202020204" pitchFamily="34" charset="0"/>
+              </a:rPr>
+              <a:t>ϟ</a:t>
+            </a:r>
+            <a:endParaRPr lang="ko-KR" altLang="en-US" sz="2800" b="1" dirty="0">
+              <a:solidFill>
+                <a:schemeClr val="bg1"/>
+              </a:solidFill>
+              <a:latin typeface="Arial" panose="020B0604020202020204" pitchFamily="34" charset="0"/>
+              <a:cs typeface="Arial" panose="020B0604020202020204" pitchFamily="34" charset="0"/>
+            </a:endParaRPr>
           </a:p>
         </p:txBody>
       </p:sp>
     </p:spTree>
     <p:extLst>
       <p:ext uri="{BB962C8B-B14F-4D97-AF65-F5344CB8AC3E}">
-        <p14:creationId xmlns:p14="http://schemas.microsoft.com/office/powerpoint/2010/main" val="335977024"/>
+        <p14:creationId xmlns:p14="http://schemas.microsoft.com/office/powerpoint/2010/main" val="578123420"/>
       </p:ext>
     </p:extLst>
   </p:cSld>
@@ -6915,7 +10425,7 @@
 </p:sld>
 </file>
 
-<file path=ppt/slides/slide4.xml><?xml version="1.0" encoding="utf-8"?>
+<file path=ppt/slides/slide21.xml><?xml version="1.0" encoding="utf-8"?>
 <p:sld xmlns:a="http://schemas.openxmlformats.org/drawingml/2006/main" xmlns:r="http://schemas.openxmlformats.org/officeDocument/2006/relationships" xmlns:p="http://schemas.openxmlformats.org/presentationml/2006/main">
   <p:cSld>
     <p:spTree>
@@ -6932,6 +10442,63 @@
           <a:chExt cx="0" cy="0"/>
         </a:xfrm>
       </p:grpSpPr>
+      <p:pic>
+        <p:nvPicPr>
+          <p:cNvPr id="6" name="Picture 2">
+            <a:extLst>
+              <a:ext uri="{FF2B5EF4-FFF2-40B4-BE49-F238E27FC236}">
+                <a16:creationId xmlns:a16="http://schemas.microsoft.com/office/drawing/2014/main" id="{818F1532-97A8-7461-6109-B8AD9A612AB1}"/>
+              </a:ext>
+            </a:extLst>
+          </p:cNvPr>
+          <p:cNvPicPr>
+            <a:picLocks noChangeAspect="1" noChangeArrowheads="1"/>
+          </p:cNvPicPr>
+          <p:nvPr/>
+        </p:nvPicPr>
+        <p:blipFill rotWithShape="1">
+          <a:blip r:embed="rId3">
+            <a:extLst>
+              <a:ext uri="{BEBA8EAE-BF5A-486C-A8C5-ECC9F3942E4B}">
+                <a14:imgProps xmlns:a14="http://schemas.microsoft.com/office/drawing/2010/main">
+                  <a14:imgLayer r:embed="rId4">
+                    <a14:imgEffect>
+                      <a14:brightnessContrast bright="-80000"/>
+                    </a14:imgEffect>
+                  </a14:imgLayer>
+                </a14:imgProps>
+              </a:ext>
+              <a:ext uri="{28A0092B-C50C-407E-A947-70E740481C1C}">
+                <a14:useLocalDpi xmlns:a14="http://schemas.microsoft.com/office/drawing/2010/main" val="0"/>
+              </a:ext>
+            </a:extLst>
+          </a:blip>
+          <a:srcRect l="512" t="71518" r="76192" b="3163"/>
+          <a:stretch/>
+        </p:blipFill>
+        <p:spPr bwMode="auto">
+          <a:xfrm>
+            <a:off x="1966390" y="0"/>
+            <a:ext cx="8259220" cy="6858002"/>
+          </a:xfrm>
+          <a:prstGeom prst="rect">
+            <a:avLst/>
+          </a:prstGeom>
+          <a:noFill/>
+          <a:effectLst>
+            <a:softEdge rad="635000"/>
+          </a:effectLst>
+          <a:extLst>
+            <a:ext uri="{909E8E84-426E-40DD-AFC4-6F175D3DCCD1}">
+              <a14:hiddenFill xmlns:a14="http://schemas.microsoft.com/office/drawing/2010/main">
+                <a:solidFill>
+                  <a:srgbClr val="FFFFFF"/>
+                </a:solidFill>
+              </a14:hiddenFill>
+            </a:ext>
+          </a:extLst>
+        </p:spPr>
+      </p:pic>
       <p:sp>
         <p:nvSpPr>
           <p:cNvPr id="4" name="WORD_lbl">
@@ -6969,7 +10536,27 @@
                 <a:latin typeface="Arial" panose="020B0604020202020204" pitchFamily="34" charset="0"/>
                 <a:cs typeface="Arial" panose="020B0604020202020204" pitchFamily="34" charset="0"/>
               </a:rPr>
-              <a:t>ㅅㅇ</a:t>
+              <a:t>ㅂㅇ</a:t>
+            </a:r>
+            <a:r>
+              <a:rPr lang="ko-KR" altLang="en-US" sz="9600" b="1" dirty="0">
+                <a:solidFill>
+                  <a:schemeClr val="bg1"/>
+                </a:solidFill>
+                <a:latin typeface="Arial" panose="020B0604020202020204" pitchFamily="34" charset="0"/>
+                <a:cs typeface="Arial" panose="020B0604020202020204" pitchFamily="34" charset="0"/>
+              </a:rPr>
+              <a:t> </a:t>
+            </a:r>
+            <a:r>
+              <a:rPr lang="ko-KR" altLang="en-US" sz="9600" b="1" dirty="0" err="1">
+                <a:solidFill>
+                  <a:schemeClr val="bg1"/>
+                </a:solidFill>
+                <a:latin typeface="Arial" panose="020B0604020202020204" pitchFamily="34" charset="0"/>
+                <a:cs typeface="Arial" panose="020B0604020202020204" pitchFamily="34" charset="0"/>
+              </a:rPr>
+              <a:t>ㅈ</a:t>
             </a:r>
             <a:endParaRPr lang="ko-KR" altLang="en-US" sz="9600" b="1" dirty="0">
               <a:solidFill>
@@ -7047,7 +10634,7 @@
       <p:sp>
         <p:nvSpPr>
           <p:cNvPr id="3" name="WRONG_btn">
-            <a:hlinkClick r:id="rId3" action="ppaction://hlinksldjump"/>
+            <a:hlinkClick r:id="rId5" action="ppaction://hlinksldjump"/>
             <a:hlinkHover r:id="" action="ppaction://noaction" highlightClick="1"/>
             <a:extLst>
               <a:ext uri="{FF2B5EF4-FFF2-40B4-BE49-F238E27FC236}">
@@ -7130,7 +10717,7 @@
             <a:avLst/>
           </a:prstGeom>
           <a:solidFill>
-            <a:schemeClr val="accent6"/>
+            <a:srgbClr val="FF0000"/>
           </a:solidFill>
           <a:ln>
             <a:noFill/>
@@ -7157,14 +10744,31 @@
           <a:lstStyle/>
           <a:p>
             <a:pPr algn="ctr"/>
-            <a:endParaRPr lang="ko-KR" altLang="en-US"/>
+            <a:r>
+              <a:rPr lang="el-GR" altLang="ko-KR" sz="2800" b="1" i="0" dirty="0">
+                <a:solidFill>
+                  <a:schemeClr val="bg1"/>
+                </a:solidFill>
+                <a:effectLst/>
+                <a:latin typeface="Arial" panose="020B0604020202020204" pitchFamily="34" charset="0"/>
+                <a:cs typeface="Arial" panose="020B0604020202020204" pitchFamily="34" charset="0"/>
+              </a:rPr>
+              <a:t>ϟ</a:t>
+            </a:r>
+            <a:endParaRPr lang="ko-KR" altLang="en-US" sz="2800" b="1" dirty="0">
+              <a:solidFill>
+                <a:schemeClr val="bg1"/>
+              </a:solidFill>
+              <a:latin typeface="Arial" panose="020B0604020202020204" pitchFamily="34" charset="0"/>
+              <a:cs typeface="Arial" panose="020B0604020202020204" pitchFamily="34" charset="0"/>
+            </a:endParaRPr>
           </a:p>
         </p:txBody>
       </p:sp>
     </p:spTree>
     <p:extLst>
       <p:ext uri="{BB962C8B-B14F-4D97-AF65-F5344CB8AC3E}">
-        <p14:creationId xmlns:p14="http://schemas.microsoft.com/office/powerpoint/2010/main" val="2063489768"/>
+        <p14:creationId xmlns:p14="http://schemas.microsoft.com/office/powerpoint/2010/main" val="469643666"/>
       </p:ext>
     </p:extLst>
   </p:cSld>
@@ -7174,7 +10778,7 @@
 </p:sld>
 </file>
 
-<file path=ppt/slides/slide5.xml><?xml version="1.0" encoding="utf-8"?>
+<file path=ppt/slides/slide22.xml><?xml version="1.0" encoding="utf-8"?>
 <p:sld xmlns:a="http://schemas.openxmlformats.org/drawingml/2006/main" xmlns:r="http://schemas.openxmlformats.org/officeDocument/2006/relationships" xmlns:p="http://schemas.openxmlformats.org/presentationml/2006/main">
   <p:cSld>
     <p:spTree>
@@ -7191,6 +10795,63 @@
           <a:chExt cx="0" cy="0"/>
         </a:xfrm>
       </p:grpSpPr>
+      <p:pic>
+        <p:nvPicPr>
+          <p:cNvPr id="6" name="Picture 2">
+            <a:extLst>
+              <a:ext uri="{FF2B5EF4-FFF2-40B4-BE49-F238E27FC236}">
+                <a16:creationId xmlns:a16="http://schemas.microsoft.com/office/drawing/2014/main" id="{0BCCB685-3EFA-92A6-A9BD-D6CF35E64684}"/>
+              </a:ext>
+            </a:extLst>
+          </p:cNvPr>
+          <p:cNvPicPr>
+            <a:picLocks noChangeAspect="1" noChangeArrowheads="1"/>
+          </p:cNvPicPr>
+          <p:nvPr/>
+        </p:nvPicPr>
+        <p:blipFill rotWithShape="1">
+          <a:blip r:embed="rId3">
+            <a:extLst>
+              <a:ext uri="{BEBA8EAE-BF5A-486C-A8C5-ECC9F3942E4B}">
+                <a14:imgProps xmlns:a14="http://schemas.microsoft.com/office/drawing/2010/main">
+                  <a14:imgLayer r:embed="rId4">
+                    <a14:imgEffect>
+                      <a14:brightnessContrast bright="-80000"/>
+                    </a14:imgEffect>
+                  </a14:imgLayer>
+                </a14:imgProps>
+              </a:ext>
+              <a:ext uri="{28A0092B-C50C-407E-A947-70E740481C1C}">
+                <a14:useLocalDpi xmlns:a14="http://schemas.microsoft.com/office/drawing/2010/main" val="0"/>
+              </a:ext>
+            </a:extLst>
+          </a:blip>
+          <a:srcRect l="25120" t="71518" r="51584" b="3163"/>
+          <a:stretch/>
+        </p:blipFill>
+        <p:spPr bwMode="auto">
+          <a:xfrm>
+            <a:off x="1966390" y="-1"/>
+            <a:ext cx="8259220" cy="6858002"/>
+          </a:xfrm>
+          <a:prstGeom prst="rect">
+            <a:avLst/>
+          </a:prstGeom>
+          <a:noFill/>
+          <a:effectLst>
+            <a:softEdge rad="635000"/>
+          </a:effectLst>
+          <a:extLst>
+            <a:ext uri="{909E8E84-426E-40DD-AFC4-6F175D3DCCD1}">
+              <a14:hiddenFill xmlns:a14="http://schemas.microsoft.com/office/drawing/2010/main">
+                <a:solidFill>
+                  <a:srgbClr val="FFFFFF"/>
+                </a:solidFill>
+              </a14:hiddenFill>
+            </a:ext>
+          </a:extLst>
+        </p:spPr>
+      </p:pic>
       <p:sp>
         <p:nvSpPr>
           <p:cNvPr id="4" name="WORD_lbl">
@@ -7228,7 +10889,27 @@
                 <a:latin typeface="Arial" panose="020B0604020202020204" pitchFamily="34" charset="0"/>
                 <a:cs typeface="Arial" panose="020B0604020202020204" pitchFamily="34" charset="0"/>
               </a:rPr>
-              <a:t>ㅅㅂ</a:t>
+              <a:t>ㅂㅅㅈ</a:t>
+            </a:r>
+            <a:r>
+              <a:rPr lang="ko-KR" altLang="en-US" sz="9600" b="1" dirty="0">
+                <a:solidFill>
+                  <a:schemeClr val="bg1"/>
+                </a:solidFill>
+                <a:latin typeface="Arial" panose="020B0604020202020204" pitchFamily="34" charset="0"/>
+                <a:cs typeface="Arial" panose="020B0604020202020204" pitchFamily="34" charset="0"/>
+              </a:rPr>
+              <a:t> </a:t>
+            </a:r>
+            <a:r>
+              <a:rPr lang="ko-KR" altLang="en-US" sz="9600" b="1" dirty="0" err="1">
+                <a:solidFill>
+                  <a:schemeClr val="bg1"/>
+                </a:solidFill>
+                <a:latin typeface="Arial" panose="020B0604020202020204" pitchFamily="34" charset="0"/>
+                <a:cs typeface="Arial" panose="020B0604020202020204" pitchFamily="34" charset="0"/>
+              </a:rPr>
+              <a:t>ㄱㅅㄷ</a:t>
             </a:r>
             <a:endParaRPr lang="ko-KR" altLang="en-US" sz="9600" b="1" dirty="0">
               <a:solidFill>
@@ -7306,7 +10987,7 @@
       <p:sp>
         <p:nvSpPr>
           <p:cNvPr id="3" name="WRONG_btn">
-            <a:hlinkClick r:id="rId3" action="ppaction://hlinksldjump"/>
+            <a:hlinkClick r:id="rId5" action="ppaction://hlinksldjump"/>
             <a:hlinkHover r:id="" action="ppaction://noaction" highlightClick="1"/>
             <a:extLst>
               <a:ext uri="{FF2B5EF4-FFF2-40B4-BE49-F238E27FC236}">
@@ -7389,7 +11070,7 @@
             <a:avLst/>
           </a:prstGeom>
           <a:solidFill>
-            <a:schemeClr val="accent4"/>
+            <a:srgbClr val="FF0000"/>
           </a:solidFill>
           <a:ln>
             <a:noFill/>
@@ -7416,14 +11097,31 @@
           <a:lstStyle/>
           <a:p>
             <a:pPr algn="ctr"/>
-            <a:endParaRPr lang="ko-KR" altLang="en-US"/>
+            <a:r>
+              <a:rPr lang="el-GR" altLang="ko-KR" sz="2800" b="1" i="0" dirty="0">
+                <a:solidFill>
+                  <a:schemeClr val="bg1"/>
+                </a:solidFill>
+                <a:effectLst/>
+                <a:latin typeface="Arial" panose="020B0604020202020204" pitchFamily="34" charset="0"/>
+                <a:cs typeface="Arial" panose="020B0604020202020204" pitchFamily="34" charset="0"/>
+              </a:rPr>
+              <a:t>ϟ</a:t>
+            </a:r>
+            <a:endParaRPr lang="ko-KR" altLang="en-US" sz="2800" b="1" dirty="0">
+              <a:solidFill>
+                <a:schemeClr val="bg1"/>
+              </a:solidFill>
+              <a:latin typeface="Arial" panose="020B0604020202020204" pitchFamily="34" charset="0"/>
+              <a:cs typeface="Arial" panose="020B0604020202020204" pitchFamily="34" charset="0"/>
+            </a:endParaRPr>
           </a:p>
         </p:txBody>
       </p:sp>
     </p:spTree>
     <p:extLst>
       <p:ext uri="{BB962C8B-B14F-4D97-AF65-F5344CB8AC3E}">
-        <p14:creationId xmlns:p14="http://schemas.microsoft.com/office/powerpoint/2010/main" val="3713528393"/>
+        <p14:creationId xmlns:p14="http://schemas.microsoft.com/office/powerpoint/2010/main" val="2017556178"/>
       </p:ext>
     </p:extLst>
   </p:cSld>
@@ -7433,7 +11131,7 @@
 </p:sld>
 </file>
 
-<file path=ppt/slides/slide6.xml><?xml version="1.0" encoding="utf-8"?>
+<file path=ppt/slides/slide23.xml><?xml version="1.0" encoding="utf-8"?>
 <p:sld xmlns:a="http://schemas.openxmlformats.org/drawingml/2006/main" xmlns:r="http://schemas.openxmlformats.org/officeDocument/2006/relationships" xmlns:p="http://schemas.openxmlformats.org/presentationml/2006/main">
   <p:cSld>
     <p:spTree>
@@ -7450,6 +11148,63 @@
           <a:chExt cx="0" cy="0"/>
         </a:xfrm>
       </p:grpSpPr>
+      <p:pic>
+        <p:nvPicPr>
+          <p:cNvPr id="6" name="Picture 2">
+            <a:extLst>
+              <a:ext uri="{FF2B5EF4-FFF2-40B4-BE49-F238E27FC236}">
+                <a16:creationId xmlns:a16="http://schemas.microsoft.com/office/drawing/2014/main" id="{43009B15-1A6B-73B1-44DB-458616CEC081}"/>
+              </a:ext>
+            </a:extLst>
+          </p:cNvPr>
+          <p:cNvPicPr>
+            <a:picLocks noChangeAspect="1" noChangeArrowheads="1"/>
+          </p:cNvPicPr>
+          <p:nvPr/>
+        </p:nvPicPr>
+        <p:blipFill rotWithShape="1">
+          <a:blip r:embed="rId3">
+            <a:extLst>
+              <a:ext uri="{BEBA8EAE-BF5A-486C-A8C5-ECC9F3942E4B}">
+                <a14:imgProps xmlns:a14="http://schemas.microsoft.com/office/drawing/2010/main">
+                  <a14:imgLayer r:embed="rId4">
+                    <a14:imgEffect>
+                      <a14:brightnessContrast bright="-80000"/>
+                    </a14:imgEffect>
+                  </a14:imgLayer>
+                </a14:imgProps>
+              </a:ext>
+              <a:ext uri="{28A0092B-C50C-407E-A947-70E740481C1C}">
+                <a14:useLocalDpi xmlns:a14="http://schemas.microsoft.com/office/drawing/2010/main" val="0"/>
+              </a:ext>
+            </a:extLst>
+          </a:blip>
+          <a:srcRect l="49248" t="71518" r="27456" b="3162"/>
+          <a:stretch/>
+        </p:blipFill>
+        <p:spPr bwMode="auto">
+          <a:xfrm>
+            <a:off x="1966391" y="0"/>
+            <a:ext cx="8259218" cy="6858000"/>
+          </a:xfrm>
+          <a:prstGeom prst="rect">
+            <a:avLst/>
+          </a:prstGeom>
+          <a:noFill/>
+          <a:effectLst>
+            <a:softEdge rad="635000"/>
+          </a:effectLst>
+          <a:extLst>
+            <a:ext uri="{909E8E84-426E-40DD-AFC4-6F175D3DCCD1}">
+              <a14:hiddenFill xmlns:a14="http://schemas.microsoft.com/office/drawing/2010/main">
+                <a:solidFill>
+                  <a:srgbClr val="FFFFFF"/>
+                </a:solidFill>
+              </a14:hiddenFill>
+            </a:ext>
+          </a:extLst>
+        </p:spPr>
+      </p:pic>
       <p:sp>
         <p:nvSpPr>
           <p:cNvPr id="4" name="WORD_lbl">
@@ -7487,7 +11242,7 @@
                 <a:latin typeface="Arial" panose="020B0604020202020204" pitchFamily="34" charset="0"/>
                 <a:cs typeface="Arial" panose="020B0604020202020204" pitchFamily="34" charset="0"/>
               </a:rPr>
-              <a:t>ㅅㅇ</a:t>
+              <a:t>ㅎㅎㅇㅈ</a:t>
             </a:r>
             <a:endParaRPr lang="ko-KR" altLang="en-US" sz="9600" b="1" dirty="0">
               <a:solidFill>
@@ -7565,7 +11320,7 @@
       <p:sp>
         <p:nvSpPr>
           <p:cNvPr id="3" name="WRONG_btn">
-            <a:hlinkClick r:id="rId3" action="ppaction://hlinksldjump"/>
+            <a:hlinkClick r:id="rId5" action="ppaction://hlinksldjump"/>
             <a:hlinkHover r:id="" action="ppaction://noaction" highlightClick="1"/>
             <a:extLst>
               <a:ext uri="{FF2B5EF4-FFF2-40B4-BE49-F238E27FC236}">
@@ -7648,7 +11403,7 @@
             <a:avLst/>
           </a:prstGeom>
           <a:solidFill>
-            <a:schemeClr val="accent4"/>
+            <a:srgbClr val="FF0000"/>
           </a:solidFill>
           <a:ln>
             <a:noFill/>
@@ -7675,14 +11430,31 @@
           <a:lstStyle/>
           <a:p>
             <a:pPr algn="ctr"/>
-            <a:endParaRPr lang="ko-KR" altLang="en-US"/>
+            <a:r>
+              <a:rPr lang="el-GR" altLang="ko-KR" sz="2800" b="1" i="0" dirty="0">
+                <a:solidFill>
+                  <a:schemeClr val="bg1"/>
+                </a:solidFill>
+                <a:effectLst/>
+                <a:latin typeface="Arial" panose="020B0604020202020204" pitchFamily="34" charset="0"/>
+                <a:cs typeface="Arial" panose="020B0604020202020204" pitchFamily="34" charset="0"/>
+              </a:rPr>
+              <a:t>ϟ</a:t>
+            </a:r>
+            <a:endParaRPr lang="ko-KR" altLang="en-US" sz="2800" b="1" dirty="0">
+              <a:solidFill>
+                <a:schemeClr val="bg1"/>
+              </a:solidFill>
+              <a:latin typeface="Arial" panose="020B0604020202020204" pitchFamily="34" charset="0"/>
+              <a:cs typeface="Arial" panose="020B0604020202020204" pitchFamily="34" charset="0"/>
+            </a:endParaRPr>
           </a:p>
         </p:txBody>
       </p:sp>
     </p:spTree>
     <p:extLst>
       <p:ext uri="{BB962C8B-B14F-4D97-AF65-F5344CB8AC3E}">
-        <p14:creationId xmlns:p14="http://schemas.microsoft.com/office/powerpoint/2010/main" val="3104725358"/>
+        <p14:creationId xmlns:p14="http://schemas.microsoft.com/office/powerpoint/2010/main" val="839854678"/>
       </p:ext>
     </p:extLst>
   </p:cSld>
@@ -7692,7 +11464,7 @@
 </p:sld>
 </file>
 
-<file path=ppt/slides/slide7.xml><?xml version="1.0" encoding="utf-8"?>
+<file path=ppt/slides/slide24.xml><?xml version="1.0" encoding="utf-8"?>
 <p:sld xmlns:a="http://schemas.openxmlformats.org/drawingml/2006/main" xmlns:r="http://schemas.openxmlformats.org/officeDocument/2006/relationships" xmlns:p="http://schemas.openxmlformats.org/presentationml/2006/main">
   <p:cSld>
     <p:spTree>
@@ -7709,6 +11481,63 @@
           <a:chExt cx="0" cy="0"/>
         </a:xfrm>
       </p:grpSpPr>
+      <p:pic>
+        <p:nvPicPr>
+          <p:cNvPr id="6" name="Picture 2">
+            <a:extLst>
+              <a:ext uri="{FF2B5EF4-FFF2-40B4-BE49-F238E27FC236}">
+                <a16:creationId xmlns:a16="http://schemas.microsoft.com/office/drawing/2014/main" id="{9F49A54C-66A4-F46F-115A-E18A8A9BE919}"/>
+              </a:ext>
+            </a:extLst>
+          </p:cNvPr>
+          <p:cNvPicPr>
+            <a:picLocks noChangeAspect="1" noChangeArrowheads="1"/>
+          </p:cNvPicPr>
+          <p:nvPr/>
+        </p:nvPicPr>
+        <p:blipFill rotWithShape="1">
+          <a:blip r:embed="rId3">
+            <a:extLst>
+              <a:ext uri="{BEBA8EAE-BF5A-486C-A8C5-ECC9F3942E4B}">
+                <a14:imgProps xmlns:a14="http://schemas.microsoft.com/office/drawing/2010/main">
+                  <a14:imgLayer r:embed="rId4">
+                    <a14:imgEffect>
+                      <a14:brightnessContrast bright="-80000"/>
+                    </a14:imgEffect>
+                  </a14:imgLayer>
+                </a14:imgProps>
+              </a:ext>
+              <a:ext uri="{28A0092B-C50C-407E-A947-70E740481C1C}">
+                <a14:useLocalDpi xmlns:a14="http://schemas.microsoft.com/office/drawing/2010/main" val="0"/>
+              </a:ext>
+            </a:extLst>
+          </a:blip>
+          <a:srcRect l="75593" t="71518" r="1111" b="3163"/>
+          <a:stretch/>
+        </p:blipFill>
+        <p:spPr bwMode="auto">
+          <a:xfrm>
+            <a:off x="1966390" y="-1"/>
+            <a:ext cx="8259220" cy="6858002"/>
+          </a:xfrm>
+          <a:prstGeom prst="rect">
+            <a:avLst/>
+          </a:prstGeom>
+          <a:noFill/>
+          <a:effectLst>
+            <a:softEdge rad="635000"/>
+          </a:effectLst>
+          <a:extLst>
+            <a:ext uri="{909E8E84-426E-40DD-AFC4-6F175D3DCCD1}">
+              <a14:hiddenFill xmlns:a14="http://schemas.microsoft.com/office/drawing/2010/main">
+                <a:solidFill>
+                  <a:srgbClr val="FFFFFF"/>
+                </a:solidFill>
+              </a14:hiddenFill>
+            </a:ext>
+          </a:extLst>
+        </p:spPr>
+      </p:pic>
       <p:sp>
         <p:nvSpPr>
           <p:cNvPr id="4" name="WORD_lbl">
@@ -7746,7 +11575,27 @@
                 <a:latin typeface="Arial" panose="020B0604020202020204" pitchFamily="34" charset="0"/>
                 <a:cs typeface="Arial" panose="020B0604020202020204" pitchFamily="34" charset="0"/>
               </a:rPr>
-              <a:t>ㅅㅂㄴ</a:t>
+              <a:t>ㅈㅇㅇ</a:t>
+            </a:r>
+            <a:r>
+              <a:rPr lang="ko-KR" altLang="en-US" sz="9600" b="1" dirty="0">
+                <a:solidFill>
+                  <a:schemeClr val="bg1"/>
+                </a:solidFill>
+                <a:latin typeface="Arial" panose="020B0604020202020204" pitchFamily="34" charset="0"/>
+                <a:cs typeface="Arial" panose="020B0604020202020204" pitchFamily="34" charset="0"/>
+              </a:rPr>
+              <a:t> </a:t>
+            </a:r>
+            <a:r>
+              <a:rPr lang="ko-KR" altLang="en-US" sz="9600" b="1" dirty="0" err="1">
+                <a:solidFill>
+                  <a:schemeClr val="bg1"/>
+                </a:solidFill>
+                <a:latin typeface="Arial" panose="020B0604020202020204" pitchFamily="34" charset="0"/>
+                <a:cs typeface="Arial" panose="020B0604020202020204" pitchFamily="34" charset="0"/>
+              </a:rPr>
+              <a:t>ㅅㅁ</a:t>
             </a:r>
             <a:endParaRPr lang="ko-KR" altLang="en-US" sz="9600" b="1" dirty="0">
               <a:solidFill>
@@ -7824,7 +11673,7 @@
       <p:sp>
         <p:nvSpPr>
           <p:cNvPr id="3" name="WRONG_btn">
-            <a:hlinkClick r:id="rId3" action="ppaction://hlinksldjump"/>
+            <a:hlinkClick r:id="rId5" action="ppaction://hlinksldjump"/>
             <a:hlinkHover r:id="" action="ppaction://noaction" highlightClick="1"/>
             <a:extLst>
               <a:ext uri="{FF2B5EF4-FFF2-40B4-BE49-F238E27FC236}">
@@ -7907,7 +11756,7 @@
             <a:avLst/>
           </a:prstGeom>
           <a:solidFill>
-            <a:schemeClr val="accent2"/>
+            <a:srgbClr val="FF0000"/>
           </a:solidFill>
           <a:ln>
             <a:noFill/>
@@ -7934,14 +11783,31 @@
           <a:lstStyle/>
           <a:p>
             <a:pPr algn="ctr"/>
-            <a:endParaRPr lang="ko-KR" altLang="en-US"/>
+            <a:r>
+              <a:rPr lang="el-GR" altLang="ko-KR" sz="2800" b="1" i="0" dirty="0">
+                <a:solidFill>
+                  <a:schemeClr val="bg1"/>
+                </a:solidFill>
+                <a:effectLst/>
+                <a:latin typeface="Arial" panose="020B0604020202020204" pitchFamily="34" charset="0"/>
+                <a:cs typeface="Arial" panose="020B0604020202020204" pitchFamily="34" charset="0"/>
+              </a:rPr>
+              <a:t>ϟ</a:t>
+            </a:r>
+            <a:endParaRPr lang="ko-KR" altLang="en-US" sz="2800" b="1" dirty="0">
+              <a:solidFill>
+                <a:schemeClr val="bg1"/>
+              </a:solidFill>
+              <a:latin typeface="Arial" panose="020B0604020202020204" pitchFamily="34" charset="0"/>
+              <a:cs typeface="Arial" panose="020B0604020202020204" pitchFamily="34" charset="0"/>
+            </a:endParaRPr>
           </a:p>
         </p:txBody>
       </p:sp>
     </p:spTree>
     <p:extLst>
       <p:ext uri="{BB962C8B-B14F-4D97-AF65-F5344CB8AC3E}">
-        <p14:creationId xmlns:p14="http://schemas.microsoft.com/office/powerpoint/2010/main" val="824793494"/>
+        <p14:creationId xmlns:p14="http://schemas.microsoft.com/office/powerpoint/2010/main" val="2551780679"/>
       </p:ext>
     </p:extLst>
   </p:cSld>
@@ -7951,7 +11817,7 @@
 </p:sld>
 </file>
 
-<file path=ppt/slides/slide8.xml><?xml version="1.0" encoding="utf-8"?>
+<file path=ppt/slides/slide3.xml><?xml version="1.0" encoding="utf-8"?>
 <p:sld xmlns:a="http://schemas.openxmlformats.org/drawingml/2006/main" xmlns:r="http://schemas.openxmlformats.org/officeDocument/2006/relationships" xmlns:p="http://schemas.openxmlformats.org/presentationml/2006/main">
   <p:cSld>
     <p:spTree>
@@ -8005,7 +11871,7 @@
                 <a:latin typeface="Arial" panose="020B0604020202020204" pitchFamily="34" charset="0"/>
                 <a:cs typeface="Arial" panose="020B0604020202020204" pitchFamily="34" charset="0"/>
               </a:rPr>
-              <a:t>ㅇㄷㅋ</a:t>
+              <a:t>ㄹㅁ</a:t>
             </a:r>
             <a:endParaRPr lang="ko-KR" altLang="en-US" sz="9600" b="1" dirty="0">
               <a:solidFill>
@@ -8166,7 +12032,7 @@
             <a:avLst/>
           </a:prstGeom>
           <a:solidFill>
-            <a:schemeClr val="accent2"/>
+            <a:schemeClr val="accent6"/>
           </a:solidFill>
           <a:ln>
             <a:noFill/>
@@ -8200,7 +12066,7 @@
     </p:spTree>
     <p:extLst>
       <p:ext uri="{BB962C8B-B14F-4D97-AF65-F5344CB8AC3E}">
-        <p14:creationId xmlns:p14="http://schemas.microsoft.com/office/powerpoint/2010/main" val="948578621"/>
+        <p14:creationId xmlns:p14="http://schemas.microsoft.com/office/powerpoint/2010/main" val="335977024"/>
       </p:ext>
     </p:extLst>
   </p:cSld>
@@ -8210,7 +12076,7 @@
 </p:sld>
 </file>
 
-<file path=ppt/slides/slide9.xml><?xml version="1.0" encoding="utf-8"?>
+<file path=ppt/slides/slide4.xml><?xml version="1.0" encoding="utf-8"?>
 <p:sld xmlns:a="http://schemas.openxmlformats.org/drawingml/2006/main" xmlns:r="http://schemas.openxmlformats.org/officeDocument/2006/relationships" xmlns:p="http://schemas.openxmlformats.org/presentationml/2006/main">
   <p:cSld>
     <p:spTree>
@@ -8264,7 +12130,7 @@
                 <a:latin typeface="Arial" panose="020B0604020202020204" pitchFamily="34" charset="0"/>
                 <a:cs typeface="Arial" panose="020B0604020202020204" pitchFamily="34" charset="0"/>
               </a:rPr>
-              <a:t>ㅅㅂㄲㅈ</a:t>
+              <a:t>ㅅㅇ</a:t>
             </a:r>
             <a:endParaRPr lang="ko-KR" altLang="en-US" sz="9600" b="1" dirty="0">
               <a:solidFill>
@@ -8425,18 +12291,11 @@
             <a:avLst/>
           </a:prstGeom>
           <a:solidFill>
-            <a:srgbClr val="FF0000"/>
+            <a:schemeClr val="accent6"/>
           </a:solidFill>
           <a:ln>
             <a:noFill/>
           </a:ln>
-          <a:effectLst>
-            <a:outerShdw blurRad="50800" dist="38100" dir="2700000" algn="tl" rotWithShape="0">
-              <a:srgbClr val="FF0000">
-                <a:alpha val="40000"/>
-              </a:srgbClr>
-            </a:outerShdw>
-          </a:effectLst>
         </p:spPr>
         <p:style>
           <a:lnRef idx="2">
@@ -8466,7 +12325,1302 @@
     </p:spTree>
     <p:extLst>
       <p:ext uri="{BB962C8B-B14F-4D97-AF65-F5344CB8AC3E}">
-        <p14:creationId xmlns:p14="http://schemas.microsoft.com/office/powerpoint/2010/main" val="1732578372"/>
+        <p14:creationId xmlns:p14="http://schemas.microsoft.com/office/powerpoint/2010/main" val="2063489768"/>
+      </p:ext>
+    </p:extLst>
+  </p:cSld>
+  <p:clrMapOvr>
+    <a:masterClrMapping/>
+  </p:clrMapOvr>
+</p:sld>
+</file>
+
+<file path=ppt/slides/slide5.xml><?xml version="1.0" encoding="utf-8"?>
+<p:sld xmlns:a="http://schemas.openxmlformats.org/drawingml/2006/main" xmlns:r="http://schemas.openxmlformats.org/officeDocument/2006/relationships" xmlns:p="http://schemas.openxmlformats.org/presentationml/2006/main">
+  <p:cSld>
+    <p:spTree>
+      <p:nvGrpSpPr>
+        <p:cNvPr id="1" name=""/>
+        <p:cNvGrpSpPr/>
+        <p:nvPr/>
+      </p:nvGrpSpPr>
+      <p:grpSpPr>
+        <a:xfrm>
+          <a:off x="0" y="0"/>
+          <a:ext cx="0" cy="0"/>
+          <a:chOff x="0" y="0"/>
+          <a:chExt cx="0" cy="0"/>
+        </a:xfrm>
+      </p:grpSpPr>
+      <p:sp>
+        <p:nvSpPr>
+          <p:cNvPr id="4" name="WORD_lbl">
+            <a:extLst>
+              <a:ext uri="{FF2B5EF4-FFF2-40B4-BE49-F238E27FC236}">
+                <a16:creationId xmlns:a16="http://schemas.microsoft.com/office/drawing/2014/main" id="{CE42E556-94BF-C1A5-7455-7825788F114E}"/>
+              </a:ext>
+            </a:extLst>
+          </p:cNvPr>
+          <p:cNvSpPr txBox="1"/>
+          <p:nvPr/>
+        </p:nvSpPr>
+        <p:spPr>
+          <a:xfrm>
+            <a:off x="0" y="2644170"/>
+            <a:ext cx="12192000" cy="1569660"/>
+          </a:xfrm>
+          <a:prstGeom prst="rect">
+            <a:avLst/>
+          </a:prstGeom>
+          <a:noFill/>
+        </p:spPr>
+        <p:txBody>
+          <a:bodyPr wrap="square" rtlCol="0">
+            <a:spAutoFit/>
+          </a:bodyPr>
+          <a:lstStyle/>
+          <a:p>
+            <a:pPr algn="ctr"/>
+            <a:r>
+              <a:rPr lang="ko-KR" altLang="en-US" sz="9600" b="1" dirty="0" err="1">
+                <a:solidFill>
+                  <a:schemeClr val="bg1"/>
+                </a:solidFill>
+                <a:latin typeface="Arial" panose="020B0604020202020204" pitchFamily="34" charset="0"/>
+                <a:cs typeface="Arial" panose="020B0604020202020204" pitchFamily="34" charset="0"/>
+              </a:rPr>
+              <a:t>ㅅㅂ</a:t>
+            </a:r>
+            <a:endParaRPr lang="ko-KR" altLang="en-US" sz="9600" b="1" dirty="0">
+              <a:solidFill>
+                <a:schemeClr val="bg1"/>
+              </a:solidFill>
+              <a:latin typeface="Arial" panose="020B0604020202020204" pitchFamily="34" charset="0"/>
+              <a:cs typeface="Arial" panose="020B0604020202020204" pitchFamily="34" charset="0"/>
+            </a:endParaRPr>
+          </a:p>
+        </p:txBody>
+      </p:sp>
+      <p:sp>
+        <p:nvSpPr>
+          <p:cNvPr id="5" name="RIGHT_btn">
+            <a:hlinkClick r:id="" action="ppaction://hlinkshowjump?jump=nextslide"/>
+            <a:hlinkHover r:id="" action="ppaction://noaction" highlightClick="1"/>
+            <a:extLst>
+              <a:ext uri="{FF2B5EF4-FFF2-40B4-BE49-F238E27FC236}">
+                <a16:creationId xmlns:a16="http://schemas.microsoft.com/office/drawing/2014/main" id="{8206A97A-08B9-313B-0909-12E2937309F6}"/>
+              </a:ext>
+            </a:extLst>
+          </p:cNvPr>
+          <p:cNvSpPr/>
+          <p:nvPr/>
+        </p:nvSpPr>
+        <p:spPr>
+          <a:xfrm>
+            <a:off x="10558021" y="6055864"/>
+            <a:ext cx="1465619" cy="634181"/>
+          </a:xfrm>
+          <a:prstGeom prst="rect">
+            <a:avLst/>
+          </a:prstGeom>
+          <a:solidFill>
+            <a:schemeClr val="bg1"/>
+          </a:solidFill>
+          <a:ln w="38100">
+            <a:noFill/>
+          </a:ln>
+        </p:spPr>
+        <p:style>
+          <a:lnRef idx="2">
+            <a:schemeClr val="accent1">
+              <a:shade val="50000"/>
+            </a:schemeClr>
+          </a:lnRef>
+          <a:fillRef idx="1">
+            <a:schemeClr val="accent1"/>
+          </a:fillRef>
+          <a:effectRef idx="0">
+            <a:schemeClr val="accent1"/>
+          </a:effectRef>
+          <a:fontRef idx="minor">
+            <a:schemeClr val="lt1"/>
+          </a:fontRef>
+        </p:style>
+        <p:txBody>
+          <a:bodyPr rtlCol="0" anchor="ctr"/>
+          <a:lstStyle/>
+          <a:p>
+            <a:pPr algn="ctr"/>
+            <a:r>
+              <a:rPr lang="ko-KR" altLang="en-US" sz="3200" b="1" dirty="0">
+                <a:solidFill>
+                  <a:schemeClr val="tx1"/>
+                </a:solidFill>
+                <a:latin typeface="Arial" panose="020B0604020202020204" pitchFamily="34" charset="0"/>
+                <a:cs typeface="Arial" panose="020B0604020202020204" pitchFamily="34" charset="0"/>
+              </a:rPr>
+              <a:t>다음</a:t>
+            </a:r>
+          </a:p>
+        </p:txBody>
+      </p:sp>
+      <p:sp>
+        <p:nvSpPr>
+          <p:cNvPr id="3" name="WRONG_btn">
+            <a:hlinkClick r:id="rId3" action="ppaction://hlinksldjump"/>
+            <a:hlinkHover r:id="" action="ppaction://noaction" highlightClick="1"/>
+            <a:extLst>
+              <a:ext uri="{FF2B5EF4-FFF2-40B4-BE49-F238E27FC236}">
+                <a16:creationId xmlns:a16="http://schemas.microsoft.com/office/drawing/2014/main" id="{F5532519-F58C-6581-E0A1-6235416882F6}"/>
+              </a:ext>
+            </a:extLst>
+          </p:cNvPr>
+          <p:cNvSpPr/>
+          <p:nvPr/>
+        </p:nvSpPr>
+        <p:spPr>
+          <a:xfrm>
+            <a:off x="8938182" y="6055864"/>
+            <a:ext cx="1465619" cy="634181"/>
+          </a:xfrm>
+          <a:prstGeom prst="rect">
+            <a:avLst/>
+          </a:prstGeom>
+          <a:solidFill>
+            <a:schemeClr val="tx1"/>
+          </a:solidFill>
+          <a:ln w="38100">
+            <a:solidFill>
+              <a:schemeClr val="bg1"/>
+            </a:solidFill>
+          </a:ln>
+        </p:spPr>
+        <p:style>
+          <a:lnRef idx="2">
+            <a:schemeClr val="accent1">
+              <a:shade val="50000"/>
+            </a:schemeClr>
+          </a:lnRef>
+          <a:fillRef idx="1">
+            <a:schemeClr val="accent1"/>
+          </a:fillRef>
+          <a:effectRef idx="0">
+            <a:schemeClr val="accent1"/>
+          </a:effectRef>
+          <a:fontRef idx="minor">
+            <a:schemeClr val="lt1"/>
+          </a:fontRef>
+        </p:style>
+        <p:txBody>
+          <a:bodyPr rtlCol="0" anchor="ctr"/>
+          <a:lstStyle/>
+          <a:p>
+            <a:pPr algn="ctr"/>
+            <a:r>
+              <a:rPr lang="ko-KR" altLang="en-US" sz="3200" b="1" dirty="0">
+                <a:solidFill>
+                  <a:schemeClr val="bg1"/>
+                </a:solidFill>
+                <a:latin typeface="Arial" panose="020B0604020202020204" pitchFamily="34" charset="0"/>
+                <a:cs typeface="Arial" panose="020B0604020202020204" pitchFamily="34" charset="0"/>
+              </a:rPr>
+              <a:t>오답</a:t>
+            </a:r>
+          </a:p>
+        </p:txBody>
+      </p:sp>
+      <p:sp>
+        <p:nvSpPr>
+          <p:cNvPr id="2" name="타원 1">
+            <a:extLst>
+              <a:ext uri="{FF2B5EF4-FFF2-40B4-BE49-F238E27FC236}">
+                <a16:creationId xmlns:a16="http://schemas.microsoft.com/office/drawing/2014/main" id="{9ACA1DBF-FAF3-7087-4552-CACFD4E23201}"/>
+              </a:ext>
+            </a:extLst>
+          </p:cNvPr>
+          <p:cNvSpPr/>
+          <p:nvPr/>
+        </p:nvSpPr>
+        <p:spPr>
+          <a:xfrm>
+            <a:off x="162045" y="173620"/>
+            <a:ext cx="439838" cy="439838"/>
+          </a:xfrm>
+          <a:prstGeom prst="ellipse">
+            <a:avLst/>
+          </a:prstGeom>
+          <a:solidFill>
+            <a:schemeClr val="accent6"/>
+          </a:solidFill>
+          <a:ln>
+            <a:noFill/>
+          </a:ln>
+        </p:spPr>
+        <p:style>
+          <a:lnRef idx="2">
+            <a:schemeClr val="accent1">
+              <a:shade val="50000"/>
+            </a:schemeClr>
+          </a:lnRef>
+          <a:fillRef idx="1">
+            <a:schemeClr val="accent1"/>
+          </a:fillRef>
+          <a:effectRef idx="0">
+            <a:schemeClr val="accent1"/>
+          </a:effectRef>
+          <a:fontRef idx="minor">
+            <a:schemeClr val="lt1"/>
+          </a:fontRef>
+        </p:style>
+        <p:txBody>
+          <a:bodyPr rtlCol="0" anchor="ctr"/>
+          <a:lstStyle/>
+          <a:p>
+            <a:pPr algn="ctr"/>
+            <a:endParaRPr lang="ko-KR" altLang="en-US"/>
+          </a:p>
+        </p:txBody>
+      </p:sp>
+    </p:spTree>
+    <p:extLst>
+      <p:ext uri="{BB962C8B-B14F-4D97-AF65-F5344CB8AC3E}">
+        <p14:creationId xmlns:p14="http://schemas.microsoft.com/office/powerpoint/2010/main" val="3713528393"/>
+      </p:ext>
+    </p:extLst>
+  </p:cSld>
+  <p:clrMapOvr>
+    <a:masterClrMapping/>
+  </p:clrMapOvr>
+</p:sld>
+</file>
+
+<file path=ppt/slides/slide6.xml><?xml version="1.0" encoding="utf-8"?>
+<p:sld xmlns:a="http://schemas.openxmlformats.org/drawingml/2006/main" xmlns:r="http://schemas.openxmlformats.org/officeDocument/2006/relationships" xmlns:p="http://schemas.openxmlformats.org/presentationml/2006/main">
+  <p:cSld>
+    <p:spTree>
+      <p:nvGrpSpPr>
+        <p:cNvPr id="1" name=""/>
+        <p:cNvGrpSpPr/>
+        <p:nvPr/>
+      </p:nvGrpSpPr>
+      <p:grpSpPr>
+        <a:xfrm>
+          <a:off x="0" y="0"/>
+          <a:ext cx="0" cy="0"/>
+          <a:chOff x="0" y="0"/>
+          <a:chExt cx="0" cy="0"/>
+        </a:xfrm>
+      </p:grpSpPr>
+      <p:sp>
+        <p:nvSpPr>
+          <p:cNvPr id="4" name="WORD_lbl">
+            <a:extLst>
+              <a:ext uri="{FF2B5EF4-FFF2-40B4-BE49-F238E27FC236}">
+                <a16:creationId xmlns:a16="http://schemas.microsoft.com/office/drawing/2014/main" id="{CE42E556-94BF-C1A5-7455-7825788F114E}"/>
+              </a:ext>
+            </a:extLst>
+          </p:cNvPr>
+          <p:cNvSpPr txBox="1"/>
+          <p:nvPr/>
+        </p:nvSpPr>
+        <p:spPr>
+          <a:xfrm>
+            <a:off x="0" y="2644170"/>
+            <a:ext cx="12192000" cy="1569660"/>
+          </a:xfrm>
+          <a:prstGeom prst="rect">
+            <a:avLst/>
+          </a:prstGeom>
+          <a:noFill/>
+        </p:spPr>
+        <p:txBody>
+          <a:bodyPr wrap="square" rtlCol="0">
+            <a:spAutoFit/>
+          </a:bodyPr>
+          <a:lstStyle/>
+          <a:p>
+            <a:pPr algn="ctr"/>
+            <a:r>
+              <a:rPr lang="ko-KR" altLang="en-US" sz="9600" b="1" dirty="0" err="1">
+                <a:solidFill>
+                  <a:schemeClr val="bg1"/>
+                </a:solidFill>
+                <a:latin typeface="Arial" panose="020B0604020202020204" pitchFamily="34" charset="0"/>
+                <a:cs typeface="Arial" panose="020B0604020202020204" pitchFamily="34" charset="0"/>
+              </a:rPr>
+              <a:t>ㅂㅅ</a:t>
+            </a:r>
+            <a:endParaRPr lang="ko-KR" altLang="en-US" sz="9600" b="1" dirty="0">
+              <a:solidFill>
+                <a:schemeClr val="bg1"/>
+              </a:solidFill>
+              <a:latin typeface="Arial" panose="020B0604020202020204" pitchFamily="34" charset="0"/>
+              <a:cs typeface="Arial" panose="020B0604020202020204" pitchFamily="34" charset="0"/>
+            </a:endParaRPr>
+          </a:p>
+        </p:txBody>
+      </p:sp>
+      <p:sp>
+        <p:nvSpPr>
+          <p:cNvPr id="5" name="RIGHT_btn">
+            <a:hlinkClick r:id="" action="ppaction://hlinkshowjump?jump=nextslide"/>
+            <a:hlinkHover r:id="" action="ppaction://noaction" highlightClick="1"/>
+            <a:extLst>
+              <a:ext uri="{FF2B5EF4-FFF2-40B4-BE49-F238E27FC236}">
+                <a16:creationId xmlns:a16="http://schemas.microsoft.com/office/drawing/2014/main" id="{8206A97A-08B9-313B-0909-12E2937309F6}"/>
+              </a:ext>
+            </a:extLst>
+          </p:cNvPr>
+          <p:cNvSpPr/>
+          <p:nvPr/>
+        </p:nvSpPr>
+        <p:spPr>
+          <a:xfrm>
+            <a:off x="10558021" y="6055864"/>
+            <a:ext cx="1465619" cy="634181"/>
+          </a:xfrm>
+          <a:prstGeom prst="rect">
+            <a:avLst/>
+          </a:prstGeom>
+          <a:solidFill>
+            <a:schemeClr val="bg1"/>
+          </a:solidFill>
+          <a:ln w="38100">
+            <a:noFill/>
+          </a:ln>
+        </p:spPr>
+        <p:style>
+          <a:lnRef idx="2">
+            <a:schemeClr val="accent1">
+              <a:shade val="50000"/>
+            </a:schemeClr>
+          </a:lnRef>
+          <a:fillRef idx="1">
+            <a:schemeClr val="accent1"/>
+          </a:fillRef>
+          <a:effectRef idx="0">
+            <a:schemeClr val="accent1"/>
+          </a:effectRef>
+          <a:fontRef idx="minor">
+            <a:schemeClr val="lt1"/>
+          </a:fontRef>
+        </p:style>
+        <p:txBody>
+          <a:bodyPr rtlCol="0" anchor="ctr"/>
+          <a:lstStyle/>
+          <a:p>
+            <a:pPr algn="ctr"/>
+            <a:r>
+              <a:rPr lang="ko-KR" altLang="en-US" sz="3200" b="1" dirty="0">
+                <a:solidFill>
+                  <a:schemeClr val="tx1"/>
+                </a:solidFill>
+                <a:latin typeface="Arial" panose="020B0604020202020204" pitchFamily="34" charset="0"/>
+                <a:cs typeface="Arial" panose="020B0604020202020204" pitchFamily="34" charset="0"/>
+              </a:rPr>
+              <a:t>다음</a:t>
+            </a:r>
+          </a:p>
+        </p:txBody>
+      </p:sp>
+      <p:sp>
+        <p:nvSpPr>
+          <p:cNvPr id="3" name="WRONG_btn">
+            <a:hlinkClick r:id="rId3" action="ppaction://hlinksldjump"/>
+            <a:hlinkHover r:id="" action="ppaction://noaction" highlightClick="1"/>
+            <a:extLst>
+              <a:ext uri="{FF2B5EF4-FFF2-40B4-BE49-F238E27FC236}">
+                <a16:creationId xmlns:a16="http://schemas.microsoft.com/office/drawing/2014/main" id="{F5532519-F58C-6581-E0A1-6235416882F6}"/>
+              </a:ext>
+            </a:extLst>
+          </p:cNvPr>
+          <p:cNvSpPr/>
+          <p:nvPr/>
+        </p:nvSpPr>
+        <p:spPr>
+          <a:xfrm>
+            <a:off x="8938182" y="6055864"/>
+            <a:ext cx="1465619" cy="634181"/>
+          </a:xfrm>
+          <a:prstGeom prst="rect">
+            <a:avLst/>
+          </a:prstGeom>
+          <a:solidFill>
+            <a:schemeClr val="tx1"/>
+          </a:solidFill>
+          <a:ln w="38100">
+            <a:solidFill>
+              <a:schemeClr val="bg1"/>
+            </a:solidFill>
+          </a:ln>
+        </p:spPr>
+        <p:style>
+          <a:lnRef idx="2">
+            <a:schemeClr val="accent1">
+              <a:shade val="50000"/>
+            </a:schemeClr>
+          </a:lnRef>
+          <a:fillRef idx="1">
+            <a:schemeClr val="accent1"/>
+          </a:fillRef>
+          <a:effectRef idx="0">
+            <a:schemeClr val="accent1"/>
+          </a:effectRef>
+          <a:fontRef idx="minor">
+            <a:schemeClr val="lt1"/>
+          </a:fontRef>
+        </p:style>
+        <p:txBody>
+          <a:bodyPr rtlCol="0" anchor="ctr"/>
+          <a:lstStyle/>
+          <a:p>
+            <a:pPr algn="ctr"/>
+            <a:r>
+              <a:rPr lang="ko-KR" altLang="en-US" sz="3200" b="1" dirty="0">
+                <a:solidFill>
+                  <a:schemeClr val="bg1"/>
+                </a:solidFill>
+                <a:latin typeface="Arial" panose="020B0604020202020204" pitchFamily="34" charset="0"/>
+                <a:cs typeface="Arial" panose="020B0604020202020204" pitchFamily="34" charset="0"/>
+              </a:rPr>
+              <a:t>오답</a:t>
+            </a:r>
+          </a:p>
+        </p:txBody>
+      </p:sp>
+      <p:sp>
+        <p:nvSpPr>
+          <p:cNvPr id="2" name="타원 1">
+            <a:extLst>
+              <a:ext uri="{FF2B5EF4-FFF2-40B4-BE49-F238E27FC236}">
+                <a16:creationId xmlns:a16="http://schemas.microsoft.com/office/drawing/2014/main" id="{9ACA1DBF-FAF3-7087-4552-CACFD4E23201}"/>
+              </a:ext>
+            </a:extLst>
+          </p:cNvPr>
+          <p:cNvSpPr/>
+          <p:nvPr/>
+        </p:nvSpPr>
+        <p:spPr>
+          <a:xfrm>
+            <a:off x="162045" y="173620"/>
+            <a:ext cx="439838" cy="439838"/>
+          </a:xfrm>
+          <a:prstGeom prst="ellipse">
+            <a:avLst/>
+          </a:prstGeom>
+          <a:solidFill>
+            <a:schemeClr val="accent6"/>
+          </a:solidFill>
+          <a:ln>
+            <a:noFill/>
+          </a:ln>
+        </p:spPr>
+        <p:style>
+          <a:lnRef idx="2">
+            <a:schemeClr val="accent1">
+              <a:shade val="50000"/>
+            </a:schemeClr>
+          </a:lnRef>
+          <a:fillRef idx="1">
+            <a:schemeClr val="accent1"/>
+          </a:fillRef>
+          <a:effectRef idx="0">
+            <a:schemeClr val="accent1"/>
+          </a:effectRef>
+          <a:fontRef idx="minor">
+            <a:schemeClr val="lt1"/>
+          </a:fontRef>
+        </p:style>
+        <p:txBody>
+          <a:bodyPr rtlCol="0" anchor="ctr"/>
+          <a:lstStyle/>
+          <a:p>
+            <a:pPr algn="ctr"/>
+            <a:endParaRPr lang="ko-KR" altLang="en-US"/>
+          </a:p>
+        </p:txBody>
+      </p:sp>
+    </p:spTree>
+    <p:extLst>
+      <p:ext uri="{BB962C8B-B14F-4D97-AF65-F5344CB8AC3E}">
+        <p14:creationId xmlns:p14="http://schemas.microsoft.com/office/powerpoint/2010/main" val="3104725358"/>
+      </p:ext>
+    </p:extLst>
+  </p:cSld>
+  <p:clrMapOvr>
+    <a:masterClrMapping/>
+  </p:clrMapOvr>
+</p:sld>
+</file>
+
+<file path=ppt/slides/slide7.xml><?xml version="1.0" encoding="utf-8"?>
+<p:sld xmlns:a="http://schemas.openxmlformats.org/drawingml/2006/main" xmlns:r="http://schemas.openxmlformats.org/officeDocument/2006/relationships" xmlns:p="http://schemas.openxmlformats.org/presentationml/2006/main">
+  <p:cSld>
+    <p:spTree>
+      <p:nvGrpSpPr>
+        <p:cNvPr id="1" name=""/>
+        <p:cNvGrpSpPr/>
+        <p:nvPr/>
+      </p:nvGrpSpPr>
+      <p:grpSpPr>
+        <a:xfrm>
+          <a:off x="0" y="0"/>
+          <a:ext cx="0" cy="0"/>
+          <a:chOff x="0" y="0"/>
+          <a:chExt cx="0" cy="0"/>
+        </a:xfrm>
+      </p:grpSpPr>
+      <p:sp>
+        <p:nvSpPr>
+          <p:cNvPr id="4" name="WORD_lbl">
+            <a:extLst>
+              <a:ext uri="{FF2B5EF4-FFF2-40B4-BE49-F238E27FC236}">
+                <a16:creationId xmlns:a16="http://schemas.microsoft.com/office/drawing/2014/main" id="{CE42E556-94BF-C1A5-7455-7825788F114E}"/>
+              </a:ext>
+            </a:extLst>
+          </p:cNvPr>
+          <p:cNvSpPr txBox="1"/>
+          <p:nvPr/>
+        </p:nvSpPr>
+        <p:spPr>
+          <a:xfrm>
+            <a:off x="0" y="2644170"/>
+            <a:ext cx="12192000" cy="1569660"/>
+          </a:xfrm>
+          <a:prstGeom prst="rect">
+            <a:avLst/>
+          </a:prstGeom>
+          <a:noFill/>
+        </p:spPr>
+        <p:txBody>
+          <a:bodyPr wrap="square" rtlCol="0">
+            <a:spAutoFit/>
+          </a:bodyPr>
+          <a:lstStyle/>
+          <a:p>
+            <a:pPr algn="ctr"/>
+            <a:r>
+              <a:rPr lang="ko-KR" altLang="en-US" sz="9600" b="1" dirty="0" err="1">
+                <a:solidFill>
+                  <a:schemeClr val="bg1"/>
+                </a:solidFill>
+                <a:latin typeface="Arial" panose="020B0604020202020204" pitchFamily="34" charset="0"/>
+                <a:cs typeface="Arial" panose="020B0604020202020204" pitchFamily="34" charset="0"/>
+              </a:rPr>
+              <a:t>ㄱㅈ</a:t>
+            </a:r>
+            <a:endParaRPr lang="ko-KR" altLang="en-US" sz="9600" b="1" dirty="0">
+              <a:solidFill>
+                <a:schemeClr val="bg1"/>
+              </a:solidFill>
+              <a:latin typeface="Arial" panose="020B0604020202020204" pitchFamily="34" charset="0"/>
+              <a:cs typeface="Arial" panose="020B0604020202020204" pitchFamily="34" charset="0"/>
+            </a:endParaRPr>
+          </a:p>
+        </p:txBody>
+      </p:sp>
+      <p:sp>
+        <p:nvSpPr>
+          <p:cNvPr id="5" name="RIGHT_btn">
+            <a:hlinkClick r:id="" action="ppaction://hlinkshowjump?jump=nextslide"/>
+            <a:hlinkHover r:id="" action="ppaction://noaction" highlightClick="1"/>
+            <a:extLst>
+              <a:ext uri="{FF2B5EF4-FFF2-40B4-BE49-F238E27FC236}">
+                <a16:creationId xmlns:a16="http://schemas.microsoft.com/office/drawing/2014/main" id="{8206A97A-08B9-313B-0909-12E2937309F6}"/>
+              </a:ext>
+            </a:extLst>
+          </p:cNvPr>
+          <p:cNvSpPr/>
+          <p:nvPr/>
+        </p:nvSpPr>
+        <p:spPr>
+          <a:xfrm>
+            <a:off x="10558021" y="6055864"/>
+            <a:ext cx="1465619" cy="634181"/>
+          </a:xfrm>
+          <a:prstGeom prst="rect">
+            <a:avLst/>
+          </a:prstGeom>
+          <a:solidFill>
+            <a:schemeClr val="bg1"/>
+          </a:solidFill>
+          <a:ln w="38100">
+            <a:noFill/>
+          </a:ln>
+        </p:spPr>
+        <p:style>
+          <a:lnRef idx="2">
+            <a:schemeClr val="accent1">
+              <a:shade val="50000"/>
+            </a:schemeClr>
+          </a:lnRef>
+          <a:fillRef idx="1">
+            <a:schemeClr val="accent1"/>
+          </a:fillRef>
+          <a:effectRef idx="0">
+            <a:schemeClr val="accent1"/>
+          </a:effectRef>
+          <a:fontRef idx="minor">
+            <a:schemeClr val="lt1"/>
+          </a:fontRef>
+        </p:style>
+        <p:txBody>
+          <a:bodyPr rtlCol="0" anchor="ctr"/>
+          <a:lstStyle/>
+          <a:p>
+            <a:pPr algn="ctr"/>
+            <a:r>
+              <a:rPr lang="ko-KR" altLang="en-US" sz="3200" b="1" dirty="0">
+                <a:solidFill>
+                  <a:schemeClr val="tx1"/>
+                </a:solidFill>
+                <a:latin typeface="Arial" panose="020B0604020202020204" pitchFamily="34" charset="0"/>
+                <a:cs typeface="Arial" panose="020B0604020202020204" pitchFamily="34" charset="0"/>
+              </a:rPr>
+              <a:t>다음</a:t>
+            </a:r>
+          </a:p>
+        </p:txBody>
+      </p:sp>
+      <p:sp>
+        <p:nvSpPr>
+          <p:cNvPr id="3" name="WRONG_btn">
+            <a:hlinkClick r:id="rId3" action="ppaction://hlinksldjump"/>
+            <a:hlinkHover r:id="" action="ppaction://noaction" highlightClick="1"/>
+            <a:extLst>
+              <a:ext uri="{FF2B5EF4-FFF2-40B4-BE49-F238E27FC236}">
+                <a16:creationId xmlns:a16="http://schemas.microsoft.com/office/drawing/2014/main" id="{F5532519-F58C-6581-E0A1-6235416882F6}"/>
+              </a:ext>
+            </a:extLst>
+          </p:cNvPr>
+          <p:cNvSpPr/>
+          <p:nvPr/>
+        </p:nvSpPr>
+        <p:spPr>
+          <a:xfrm>
+            <a:off x="8938182" y="6055864"/>
+            <a:ext cx="1465619" cy="634181"/>
+          </a:xfrm>
+          <a:prstGeom prst="rect">
+            <a:avLst/>
+          </a:prstGeom>
+          <a:solidFill>
+            <a:schemeClr val="tx1"/>
+          </a:solidFill>
+          <a:ln w="38100">
+            <a:solidFill>
+              <a:schemeClr val="bg1"/>
+            </a:solidFill>
+          </a:ln>
+        </p:spPr>
+        <p:style>
+          <a:lnRef idx="2">
+            <a:schemeClr val="accent1">
+              <a:shade val="50000"/>
+            </a:schemeClr>
+          </a:lnRef>
+          <a:fillRef idx="1">
+            <a:schemeClr val="accent1"/>
+          </a:fillRef>
+          <a:effectRef idx="0">
+            <a:schemeClr val="accent1"/>
+          </a:effectRef>
+          <a:fontRef idx="minor">
+            <a:schemeClr val="lt1"/>
+          </a:fontRef>
+        </p:style>
+        <p:txBody>
+          <a:bodyPr rtlCol="0" anchor="ctr"/>
+          <a:lstStyle/>
+          <a:p>
+            <a:pPr algn="ctr"/>
+            <a:r>
+              <a:rPr lang="ko-KR" altLang="en-US" sz="3200" b="1" dirty="0">
+                <a:solidFill>
+                  <a:schemeClr val="bg1"/>
+                </a:solidFill>
+                <a:latin typeface="Arial" panose="020B0604020202020204" pitchFamily="34" charset="0"/>
+                <a:cs typeface="Arial" panose="020B0604020202020204" pitchFamily="34" charset="0"/>
+              </a:rPr>
+              <a:t>오답</a:t>
+            </a:r>
+          </a:p>
+        </p:txBody>
+      </p:sp>
+      <p:sp>
+        <p:nvSpPr>
+          <p:cNvPr id="2" name="타원 1">
+            <a:extLst>
+              <a:ext uri="{FF2B5EF4-FFF2-40B4-BE49-F238E27FC236}">
+                <a16:creationId xmlns:a16="http://schemas.microsoft.com/office/drawing/2014/main" id="{9ACA1DBF-FAF3-7087-4552-CACFD4E23201}"/>
+              </a:ext>
+            </a:extLst>
+          </p:cNvPr>
+          <p:cNvSpPr/>
+          <p:nvPr/>
+        </p:nvSpPr>
+        <p:spPr>
+          <a:xfrm>
+            <a:off x="162045" y="173620"/>
+            <a:ext cx="439838" cy="439838"/>
+          </a:xfrm>
+          <a:prstGeom prst="ellipse">
+            <a:avLst/>
+          </a:prstGeom>
+          <a:solidFill>
+            <a:schemeClr val="accent6"/>
+          </a:solidFill>
+          <a:ln>
+            <a:noFill/>
+          </a:ln>
+        </p:spPr>
+        <p:style>
+          <a:lnRef idx="2">
+            <a:schemeClr val="accent1">
+              <a:shade val="50000"/>
+            </a:schemeClr>
+          </a:lnRef>
+          <a:fillRef idx="1">
+            <a:schemeClr val="accent1"/>
+          </a:fillRef>
+          <a:effectRef idx="0">
+            <a:schemeClr val="accent1"/>
+          </a:effectRef>
+          <a:fontRef idx="minor">
+            <a:schemeClr val="lt1"/>
+          </a:fontRef>
+        </p:style>
+        <p:txBody>
+          <a:bodyPr rtlCol="0" anchor="ctr"/>
+          <a:lstStyle/>
+          <a:p>
+            <a:pPr algn="ctr"/>
+            <a:endParaRPr lang="ko-KR" altLang="en-US"/>
+          </a:p>
+        </p:txBody>
+      </p:sp>
+    </p:spTree>
+    <p:extLst>
+      <p:ext uri="{BB962C8B-B14F-4D97-AF65-F5344CB8AC3E}">
+        <p14:creationId xmlns:p14="http://schemas.microsoft.com/office/powerpoint/2010/main" val="688258009"/>
+      </p:ext>
+    </p:extLst>
+  </p:cSld>
+  <p:clrMapOvr>
+    <a:masterClrMapping/>
+  </p:clrMapOvr>
+</p:sld>
+</file>
+
+<file path=ppt/slides/slide8.xml><?xml version="1.0" encoding="utf-8"?>
+<p:sld xmlns:a="http://schemas.openxmlformats.org/drawingml/2006/main" xmlns:r="http://schemas.openxmlformats.org/officeDocument/2006/relationships" xmlns:p="http://schemas.openxmlformats.org/presentationml/2006/main">
+  <p:cSld>
+    <p:spTree>
+      <p:nvGrpSpPr>
+        <p:cNvPr id="1" name=""/>
+        <p:cNvGrpSpPr/>
+        <p:nvPr/>
+      </p:nvGrpSpPr>
+      <p:grpSpPr>
+        <a:xfrm>
+          <a:off x="0" y="0"/>
+          <a:ext cx="0" cy="0"/>
+          <a:chOff x="0" y="0"/>
+          <a:chExt cx="0" cy="0"/>
+        </a:xfrm>
+      </p:grpSpPr>
+      <p:sp>
+        <p:nvSpPr>
+          <p:cNvPr id="4" name="WORD_lbl">
+            <a:extLst>
+              <a:ext uri="{FF2B5EF4-FFF2-40B4-BE49-F238E27FC236}">
+                <a16:creationId xmlns:a16="http://schemas.microsoft.com/office/drawing/2014/main" id="{CE42E556-94BF-C1A5-7455-7825788F114E}"/>
+              </a:ext>
+            </a:extLst>
+          </p:cNvPr>
+          <p:cNvSpPr txBox="1"/>
+          <p:nvPr/>
+        </p:nvSpPr>
+        <p:spPr>
+          <a:xfrm>
+            <a:off x="0" y="2644170"/>
+            <a:ext cx="12192000" cy="1569660"/>
+          </a:xfrm>
+          <a:prstGeom prst="rect">
+            <a:avLst/>
+          </a:prstGeom>
+          <a:noFill/>
+        </p:spPr>
+        <p:txBody>
+          <a:bodyPr wrap="square" rtlCol="0">
+            <a:spAutoFit/>
+          </a:bodyPr>
+          <a:lstStyle/>
+          <a:p>
+            <a:pPr algn="ctr"/>
+            <a:r>
+              <a:rPr lang="ko-KR" altLang="en-US" sz="9600" b="1" dirty="0" err="1">
+                <a:solidFill>
+                  <a:schemeClr val="bg1"/>
+                </a:solidFill>
+                <a:latin typeface="Arial" panose="020B0604020202020204" pitchFamily="34" charset="0"/>
+                <a:cs typeface="Arial" panose="020B0604020202020204" pitchFamily="34" charset="0"/>
+              </a:rPr>
+              <a:t>ㅍㄹ</a:t>
+            </a:r>
+            <a:endParaRPr lang="ko-KR" altLang="en-US" sz="9600" b="1" dirty="0">
+              <a:solidFill>
+                <a:schemeClr val="bg1"/>
+              </a:solidFill>
+              <a:latin typeface="Arial" panose="020B0604020202020204" pitchFamily="34" charset="0"/>
+              <a:cs typeface="Arial" panose="020B0604020202020204" pitchFamily="34" charset="0"/>
+            </a:endParaRPr>
+          </a:p>
+        </p:txBody>
+      </p:sp>
+      <p:sp>
+        <p:nvSpPr>
+          <p:cNvPr id="5" name="RIGHT_btn">
+            <a:hlinkClick r:id="" action="ppaction://hlinkshowjump?jump=nextslide"/>
+            <a:hlinkHover r:id="" action="ppaction://noaction" highlightClick="1"/>
+            <a:extLst>
+              <a:ext uri="{FF2B5EF4-FFF2-40B4-BE49-F238E27FC236}">
+                <a16:creationId xmlns:a16="http://schemas.microsoft.com/office/drawing/2014/main" id="{8206A97A-08B9-313B-0909-12E2937309F6}"/>
+              </a:ext>
+            </a:extLst>
+          </p:cNvPr>
+          <p:cNvSpPr/>
+          <p:nvPr/>
+        </p:nvSpPr>
+        <p:spPr>
+          <a:xfrm>
+            <a:off x="10558021" y="6055864"/>
+            <a:ext cx="1465619" cy="634181"/>
+          </a:xfrm>
+          <a:prstGeom prst="rect">
+            <a:avLst/>
+          </a:prstGeom>
+          <a:solidFill>
+            <a:schemeClr val="bg1"/>
+          </a:solidFill>
+          <a:ln w="38100">
+            <a:noFill/>
+          </a:ln>
+        </p:spPr>
+        <p:style>
+          <a:lnRef idx="2">
+            <a:schemeClr val="accent1">
+              <a:shade val="50000"/>
+            </a:schemeClr>
+          </a:lnRef>
+          <a:fillRef idx="1">
+            <a:schemeClr val="accent1"/>
+          </a:fillRef>
+          <a:effectRef idx="0">
+            <a:schemeClr val="accent1"/>
+          </a:effectRef>
+          <a:fontRef idx="minor">
+            <a:schemeClr val="lt1"/>
+          </a:fontRef>
+        </p:style>
+        <p:txBody>
+          <a:bodyPr rtlCol="0" anchor="ctr"/>
+          <a:lstStyle/>
+          <a:p>
+            <a:pPr algn="ctr"/>
+            <a:r>
+              <a:rPr lang="ko-KR" altLang="en-US" sz="3200" b="1" dirty="0">
+                <a:solidFill>
+                  <a:schemeClr val="tx1"/>
+                </a:solidFill>
+                <a:latin typeface="Arial" panose="020B0604020202020204" pitchFamily="34" charset="0"/>
+                <a:cs typeface="Arial" panose="020B0604020202020204" pitchFamily="34" charset="0"/>
+              </a:rPr>
+              <a:t>다음</a:t>
+            </a:r>
+          </a:p>
+        </p:txBody>
+      </p:sp>
+      <p:sp>
+        <p:nvSpPr>
+          <p:cNvPr id="3" name="WRONG_btn">
+            <a:hlinkClick r:id="rId3" action="ppaction://hlinksldjump"/>
+            <a:hlinkHover r:id="" action="ppaction://noaction" highlightClick="1"/>
+            <a:extLst>
+              <a:ext uri="{FF2B5EF4-FFF2-40B4-BE49-F238E27FC236}">
+                <a16:creationId xmlns:a16="http://schemas.microsoft.com/office/drawing/2014/main" id="{F5532519-F58C-6581-E0A1-6235416882F6}"/>
+              </a:ext>
+            </a:extLst>
+          </p:cNvPr>
+          <p:cNvSpPr/>
+          <p:nvPr/>
+        </p:nvSpPr>
+        <p:spPr>
+          <a:xfrm>
+            <a:off x="8938182" y="6055864"/>
+            <a:ext cx="1465619" cy="634181"/>
+          </a:xfrm>
+          <a:prstGeom prst="rect">
+            <a:avLst/>
+          </a:prstGeom>
+          <a:solidFill>
+            <a:schemeClr val="tx1"/>
+          </a:solidFill>
+          <a:ln w="38100">
+            <a:solidFill>
+              <a:schemeClr val="bg1"/>
+            </a:solidFill>
+          </a:ln>
+        </p:spPr>
+        <p:style>
+          <a:lnRef idx="2">
+            <a:schemeClr val="accent1">
+              <a:shade val="50000"/>
+            </a:schemeClr>
+          </a:lnRef>
+          <a:fillRef idx="1">
+            <a:schemeClr val="accent1"/>
+          </a:fillRef>
+          <a:effectRef idx="0">
+            <a:schemeClr val="accent1"/>
+          </a:effectRef>
+          <a:fontRef idx="minor">
+            <a:schemeClr val="lt1"/>
+          </a:fontRef>
+        </p:style>
+        <p:txBody>
+          <a:bodyPr rtlCol="0" anchor="ctr"/>
+          <a:lstStyle/>
+          <a:p>
+            <a:pPr algn="ctr"/>
+            <a:r>
+              <a:rPr lang="ko-KR" altLang="en-US" sz="3200" b="1" dirty="0">
+                <a:solidFill>
+                  <a:schemeClr val="bg1"/>
+                </a:solidFill>
+                <a:latin typeface="Arial" panose="020B0604020202020204" pitchFamily="34" charset="0"/>
+                <a:cs typeface="Arial" panose="020B0604020202020204" pitchFamily="34" charset="0"/>
+              </a:rPr>
+              <a:t>오답</a:t>
+            </a:r>
+          </a:p>
+        </p:txBody>
+      </p:sp>
+      <p:sp>
+        <p:nvSpPr>
+          <p:cNvPr id="2" name="타원 1">
+            <a:extLst>
+              <a:ext uri="{FF2B5EF4-FFF2-40B4-BE49-F238E27FC236}">
+                <a16:creationId xmlns:a16="http://schemas.microsoft.com/office/drawing/2014/main" id="{9ACA1DBF-FAF3-7087-4552-CACFD4E23201}"/>
+              </a:ext>
+            </a:extLst>
+          </p:cNvPr>
+          <p:cNvSpPr/>
+          <p:nvPr/>
+        </p:nvSpPr>
+        <p:spPr>
+          <a:xfrm>
+            <a:off x="162045" y="173620"/>
+            <a:ext cx="439838" cy="439838"/>
+          </a:xfrm>
+          <a:prstGeom prst="ellipse">
+            <a:avLst/>
+          </a:prstGeom>
+          <a:solidFill>
+            <a:schemeClr val="accent4"/>
+          </a:solidFill>
+          <a:ln>
+            <a:noFill/>
+          </a:ln>
+        </p:spPr>
+        <p:style>
+          <a:lnRef idx="2">
+            <a:schemeClr val="accent1">
+              <a:shade val="50000"/>
+            </a:schemeClr>
+          </a:lnRef>
+          <a:fillRef idx="1">
+            <a:schemeClr val="accent1"/>
+          </a:fillRef>
+          <a:effectRef idx="0">
+            <a:schemeClr val="accent1"/>
+          </a:effectRef>
+          <a:fontRef idx="minor">
+            <a:schemeClr val="lt1"/>
+          </a:fontRef>
+        </p:style>
+        <p:txBody>
+          <a:bodyPr rtlCol="0" anchor="ctr"/>
+          <a:lstStyle/>
+          <a:p>
+            <a:pPr algn="ctr"/>
+            <a:endParaRPr lang="ko-KR" altLang="en-US"/>
+          </a:p>
+        </p:txBody>
+      </p:sp>
+    </p:spTree>
+    <p:extLst>
+      <p:ext uri="{BB962C8B-B14F-4D97-AF65-F5344CB8AC3E}">
+        <p14:creationId xmlns:p14="http://schemas.microsoft.com/office/powerpoint/2010/main" val="2235493835"/>
+      </p:ext>
+    </p:extLst>
+  </p:cSld>
+  <p:clrMapOvr>
+    <a:masterClrMapping/>
+  </p:clrMapOvr>
+</p:sld>
+</file>
+
+<file path=ppt/slides/slide9.xml><?xml version="1.0" encoding="utf-8"?>
+<p:sld xmlns:a="http://schemas.openxmlformats.org/drawingml/2006/main" xmlns:r="http://schemas.openxmlformats.org/officeDocument/2006/relationships" xmlns:p="http://schemas.openxmlformats.org/presentationml/2006/main">
+  <p:cSld>
+    <p:spTree>
+      <p:nvGrpSpPr>
+        <p:cNvPr id="1" name=""/>
+        <p:cNvGrpSpPr/>
+        <p:nvPr/>
+      </p:nvGrpSpPr>
+      <p:grpSpPr>
+        <a:xfrm>
+          <a:off x="0" y="0"/>
+          <a:ext cx="0" cy="0"/>
+          <a:chOff x="0" y="0"/>
+          <a:chExt cx="0" cy="0"/>
+        </a:xfrm>
+      </p:grpSpPr>
+      <p:sp>
+        <p:nvSpPr>
+          <p:cNvPr id="4" name="WORD_lbl">
+            <a:extLst>
+              <a:ext uri="{FF2B5EF4-FFF2-40B4-BE49-F238E27FC236}">
+                <a16:creationId xmlns:a16="http://schemas.microsoft.com/office/drawing/2014/main" id="{CE42E556-94BF-C1A5-7455-7825788F114E}"/>
+              </a:ext>
+            </a:extLst>
+          </p:cNvPr>
+          <p:cNvSpPr txBox="1"/>
+          <p:nvPr/>
+        </p:nvSpPr>
+        <p:spPr>
+          <a:xfrm>
+            <a:off x="0" y="2644170"/>
+            <a:ext cx="12192000" cy="1569660"/>
+          </a:xfrm>
+          <a:prstGeom prst="rect">
+            <a:avLst/>
+          </a:prstGeom>
+          <a:noFill/>
+        </p:spPr>
+        <p:txBody>
+          <a:bodyPr wrap="square" rtlCol="0">
+            <a:spAutoFit/>
+          </a:bodyPr>
+          <a:lstStyle/>
+          <a:p>
+            <a:pPr algn="ctr"/>
+            <a:r>
+              <a:rPr lang="ko-KR" altLang="en-US" sz="9600" b="1" dirty="0" err="1">
+                <a:solidFill>
+                  <a:schemeClr val="bg1"/>
+                </a:solidFill>
+                <a:latin typeface="Arial" panose="020B0604020202020204" pitchFamily="34" charset="0"/>
+                <a:cs typeface="Arial" panose="020B0604020202020204" pitchFamily="34" charset="0"/>
+              </a:rPr>
+              <a:t>ㅎㅈ</a:t>
+            </a:r>
+            <a:endParaRPr lang="ko-KR" altLang="en-US" sz="9600" b="1" dirty="0">
+              <a:solidFill>
+                <a:schemeClr val="bg1"/>
+              </a:solidFill>
+              <a:latin typeface="Arial" panose="020B0604020202020204" pitchFamily="34" charset="0"/>
+              <a:cs typeface="Arial" panose="020B0604020202020204" pitchFamily="34" charset="0"/>
+            </a:endParaRPr>
+          </a:p>
+        </p:txBody>
+      </p:sp>
+      <p:sp>
+        <p:nvSpPr>
+          <p:cNvPr id="5" name="RIGHT_btn">
+            <a:hlinkClick r:id="" action="ppaction://hlinkshowjump?jump=nextslide"/>
+            <a:hlinkHover r:id="" action="ppaction://noaction" highlightClick="1"/>
+            <a:extLst>
+              <a:ext uri="{FF2B5EF4-FFF2-40B4-BE49-F238E27FC236}">
+                <a16:creationId xmlns:a16="http://schemas.microsoft.com/office/drawing/2014/main" id="{8206A97A-08B9-313B-0909-12E2937309F6}"/>
+              </a:ext>
+            </a:extLst>
+          </p:cNvPr>
+          <p:cNvSpPr/>
+          <p:nvPr/>
+        </p:nvSpPr>
+        <p:spPr>
+          <a:xfrm>
+            <a:off x="10558021" y="6055864"/>
+            <a:ext cx="1465619" cy="634181"/>
+          </a:xfrm>
+          <a:prstGeom prst="rect">
+            <a:avLst/>
+          </a:prstGeom>
+          <a:solidFill>
+            <a:schemeClr val="bg1"/>
+          </a:solidFill>
+          <a:ln w="38100">
+            <a:noFill/>
+          </a:ln>
+        </p:spPr>
+        <p:style>
+          <a:lnRef idx="2">
+            <a:schemeClr val="accent1">
+              <a:shade val="50000"/>
+            </a:schemeClr>
+          </a:lnRef>
+          <a:fillRef idx="1">
+            <a:schemeClr val="accent1"/>
+          </a:fillRef>
+          <a:effectRef idx="0">
+            <a:schemeClr val="accent1"/>
+          </a:effectRef>
+          <a:fontRef idx="minor">
+            <a:schemeClr val="lt1"/>
+          </a:fontRef>
+        </p:style>
+        <p:txBody>
+          <a:bodyPr rtlCol="0" anchor="ctr"/>
+          <a:lstStyle/>
+          <a:p>
+            <a:pPr algn="ctr"/>
+            <a:r>
+              <a:rPr lang="ko-KR" altLang="en-US" sz="3200" b="1" dirty="0">
+                <a:solidFill>
+                  <a:schemeClr val="tx1"/>
+                </a:solidFill>
+                <a:latin typeface="Arial" panose="020B0604020202020204" pitchFamily="34" charset="0"/>
+                <a:cs typeface="Arial" panose="020B0604020202020204" pitchFamily="34" charset="0"/>
+              </a:rPr>
+              <a:t>다음</a:t>
+            </a:r>
+          </a:p>
+        </p:txBody>
+      </p:sp>
+      <p:sp>
+        <p:nvSpPr>
+          <p:cNvPr id="3" name="WRONG_btn">
+            <a:hlinkClick r:id="rId3" action="ppaction://hlinksldjump"/>
+            <a:hlinkHover r:id="" action="ppaction://noaction" highlightClick="1"/>
+            <a:extLst>
+              <a:ext uri="{FF2B5EF4-FFF2-40B4-BE49-F238E27FC236}">
+                <a16:creationId xmlns:a16="http://schemas.microsoft.com/office/drawing/2014/main" id="{F5532519-F58C-6581-E0A1-6235416882F6}"/>
+              </a:ext>
+            </a:extLst>
+          </p:cNvPr>
+          <p:cNvSpPr/>
+          <p:nvPr/>
+        </p:nvSpPr>
+        <p:spPr>
+          <a:xfrm>
+            <a:off x="8938182" y="6055864"/>
+            <a:ext cx="1465619" cy="634181"/>
+          </a:xfrm>
+          <a:prstGeom prst="rect">
+            <a:avLst/>
+          </a:prstGeom>
+          <a:solidFill>
+            <a:schemeClr val="tx1"/>
+          </a:solidFill>
+          <a:ln w="38100">
+            <a:solidFill>
+              <a:schemeClr val="bg1"/>
+            </a:solidFill>
+          </a:ln>
+        </p:spPr>
+        <p:style>
+          <a:lnRef idx="2">
+            <a:schemeClr val="accent1">
+              <a:shade val="50000"/>
+            </a:schemeClr>
+          </a:lnRef>
+          <a:fillRef idx="1">
+            <a:schemeClr val="accent1"/>
+          </a:fillRef>
+          <a:effectRef idx="0">
+            <a:schemeClr val="accent1"/>
+          </a:effectRef>
+          <a:fontRef idx="minor">
+            <a:schemeClr val="lt1"/>
+          </a:fontRef>
+        </p:style>
+        <p:txBody>
+          <a:bodyPr rtlCol="0" anchor="ctr"/>
+          <a:lstStyle/>
+          <a:p>
+            <a:pPr algn="ctr"/>
+            <a:r>
+              <a:rPr lang="ko-KR" altLang="en-US" sz="3200" b="1" dirty="0">
+                <a:solidFill>
+                  <a:schemeClr val="bg1"/>
+                </a:solidFill>
+                <a:latin typeface="Arial" panose="020B0604020202020204" pitchFamily="34" charset="0"/>
+                <a:cs typeface="Arial" panose="020B0604020202020204" pitchFamily="34" charset="0"/>
+              </a:rPr>
+              <a:t>오답</a:t>
+            </a:r>
+          </a:p>
+        </p:txBody>
+      </p:sp>
+      <p:sp>
+        <p:nvSpPr>
+          <p:cNvPr id="2" name="타원 1">
+            <a:extLst>
+              <a:ext uri="{FF2B5EF4-FFF2-40B4-BE49-F238E27FC236}">
+                <a16:creationId xmlns:a16="http://schemas.microsoft.com/office/drawing/2014/main" id="{9ACA1DBF-FAF3-7087-4552-CACFD4E23201}"/>
+              </a:ext>
+            </a:extLst>
+          </p:cNvPr>
+          <p:cNvSpPr/>
+          <p:nvPr/>
+        </p:nvSpPr>
+        <p:spPr>
+          <a:xfrm>
+            <a:off x="162045" y="173620"/>
+            <a:ext cx="439838" cy="439838"/>
+          </a:xfrm>
+          <a:prstGeom prst="ellipse">
+            <a:avLst/>
+          </a:prstGeom>
+          <a:solidFill>
+            <a:schemeClr val="accent4"/>
+          </a:solidFill>
+          <a:ln>
+            <a:noFill/>
+          </a:ln>
+        </p:spPr>
+        <p:style>
+          <a:lnRef idx="2">
+            <a:schemeClr val="accent1">
+              <a:shade val="50000"/>
+            </a:schemeClr>
+          </a:lnRef>
+          <a:fillRef idx="1">
+            <a:schemeClr val="accent1"/>
+          </a:fillRef>
+          <a:effectRef idx="0">
+            <a:schemeClr val="accent1"/>
+          </a:effectRef>
+          <a:fontRef idx="minor">
+            <a:schemeClr val="lt1"/>
+          </a:fontRef>
+        </p:style>
+        <p:txBody>
+          <a:bodyPr rtlCol="0" anchor="ctr"/>
+          <a:lstStyle/>
+          <a:p>
+            <a:pPr algn="ctr"/>
+            <a:endParaRPr lang="ko-KR" altLang="en-US"/>
+          </a:p>
+        </p:txBody>
+      </p:sp>
+    </p:spTree>
+    <p:extLst>
+      <p:ext uri="{BB962C8B-B14F-4D97-AF65-F5344CB8AC3E}">
+        <p14:creationId xmlns:p14="http://schemas.microsoft.com/office/powerpoint/2010/main" val="2394135434"/>
       </p:ext>
     </p:extLst>
   </p:cSld>

--- a/ppt/초성 이어 맞추기.pptx
+++ b/ppt/초성 이어 맞추기.pptx
@@ -5,7 +5,7 @@
     <p:sldMasterId id="2147483648" r:id="rId1"/>
   </p:sldMasterIdLst>
   <p:notesMasterIdLst>
-    <p:notesMasterId r:id="rId26"/>
+    <p:notesMasterId r:id="rId32"/>
   </p:notesMasterIdLst>
   <p:sldIdLst>
     <p:sldId id="256" r:id="rId2"/>
@@ -25,13 +25,19 @@
     <p:sldId id="273" r:id="rId16"/>
     <p:sldId id="274" r:id="rId17"/>
     <p:sldId id="282" r:id="rId18"/>
-    <p:sldId id="268" r:id="rId19"/>
-    <p:sldId id="275" r:id="rId20"/>
-    <p:sldId id="276" r:id="rId21"/>
-    <p:sldId id="277" r:id="rId22"/>
-    <p:sldId id="278" r:id="rId23"/>
-    <p:sldId id="280" r:id="rId24"/>
-    <p:sldId id="281" r:id="rId25"/>
+    <p:sldId id="283" r:id="rId19"/>
+    <p:sldId id="284" r:id="rId20"/>
+    <p:sldId id="285" r:id="rId21"/>
+    <p:sldId id="286" r:id="rId22"/>
+    <p:sldId id="287" r:id="rId23"/>
+    <p:sldId id="288" r:id="rId24"/>
+    <p:sldId id="268" r:id="rId25"/>
+    <p:sldId id="275" r:id="rId26"/>
+    <p:sldId id="276" r:id="rId27"/>
+    <p:sldId id="277" r:id="rId28"/>
+    <p:sldId id="278" r:id="rId29"/>
+    <p:sldId id="280" r:id="rId30"/>
+    <p:sldId id="281" r:id="rId31"/>
   </p:sldIdLst>
   <p:sldSz cx="12192000" cy="6858000"/>
   <p:notesSz cx="6858000" cy="9144000"/>
@@ -220,7 +226,7 @@
           <a:p>
             <a:fld id="{B1AE8E67-FE11-4ECE-AAF1-65B5A6A1BB47}" type="datetimeFigureOut">
               <a:rPr lang="ko-KR" altLang="en-US" smtClean="0"/>
-              <a:t>2022-12-21</a:t>
+              <a:t>2022-12-23</a:t>
             </a:fld>
             <a:endParaRPr lang="ko-KR" altLang="en-US"/>
           </a:p>
@@ -1376,28 +1382,42 @@
           <a:bodyPr/>
           <a:lstStyle/>
           <a:p>
-            <a:pPr marL="0" marR="0" lvl="0" indent="0" algn="l" defTabSz="914400" rtl="0" eaLnBrk="1" fontAlgn="auto" latinLnBrk="1" hangingPunct="1">
-              <a:lnSpc>
-                <a:spcPct val="100000"/>
-              </a:lnSpc>
-              <a:spcBef>
-                <a:spcPts val="0"/>
-              </a:spcBef>
-              <a:spcAft>
-                <a:spcPts val="0"/>
-              </a:spcAft>
-              <a:buClrTx/>
-              <a:buSzTx/>
-              <a:buFontTx/>
-              <a:buNone/>
-              <a:tabLst/>
-              <a:defRPr/>
-            </a:pPr>
+            <a:r>
+              <a:rPr lang="ko-KR" altLang="en-US" dirty="0"/>
+              <a:t>하양 </a:t>
+            </a:r>
             <a:r>
               <a:rPr lang="en-US" altLang="ko-KR" dirty="0"/>
-              <a:t>???</a:t>
-            </a:r>
-            <a:endParaRPr lang="ko-KR" altLang="en-US" dirty="0"/>
+              <a:t>/ </a:t>
+            </a:r>
+            <a:r>
+              <a:rPr lang="ko-KR" altLang="en-US" dirty="0"/>
+              <a:t>히읗 </a:t>
+            </a:r>
+            <a:r>
+              <a:rPr lang="en-US" altLang="ko-KR" dirty="0"/>
+              <a:t>/ </a:t>
+            </a:r>
+            <a:r>
+              <a:rPr lang="ko-KR" altLang="en-US" dirty="0"/>
+              <a:t>환영 </a:t>
+            </a:r>
+            <a:r>
+              <a:rPr lang="en-US" altLang="ko-KR" dirty="0"/>
+              <a:t>/ </a:t>
+            </a:r>
+            <a:r>
+              <a:rPr lang="ko-KR" altLang="en-US" dirty="0"/>
+              <a:t>회의 </a:t>
+            </a:r>
+            <a:r>
+              <a:rPr lang="en-US" altLang="ko-KR" dirty="0"/>
+              <a:t>/ </a:t>
+            </a:r>
+            <a:r>
+              <a:rPr lang="ko-KR" altLang="en-US" dirty="0"/>
+              <a:t>확인</a:t>
+            </a:r>
           </a:p>
         </p:txBody>
       </p:sp>
@@ -1427,7 +1447,7 @@
     </p:spTree>
     <p:extLst>
       <p:ext uri="{BB962C8B-B14F-4D97-AF65-F5344CB8AC3E}">
-        <p14:creationId xmlns:p14="http://schemas.microsoft.com/office/powerpoint/2010/main" val="2546849818"/>
+        <p14:creationId xmlns:p14="http://schemas.microsoft.com/office/powerpoint/2010/main" val="1587801808"/>
       </p:ext>
     </p:extLst>
   </p:cSld>
@@ -1481,28 +1501,42 @@
           <a:bodyPr/>
           <a:lstStyle/>
           <a:p>
-            <a:pPr marL="0" marR="0" lvl="0" indent="0" algn="l" defTabSz="914400" rtl="0" eaLnBrk="1" fontAlgn="auto" latinLnBrk="1" hangingPunct="1">
-              <a:lnSpc>
-                <a:spcPct val="100000"/>
-              </a:lnSpc>
-              <a:spcBef>
-                <a:spcPts val="0"/>
-              </a:spcBef>
-              <a:spcAft>
-                <a:spcPts val="0"/>
-              </a:spcAft>
-              <a:buClrTx/>
-              <a:buSzTx/>
-              <a:buFontTx/>
-              <a:buNone/>
-              <a:tabLst/>
-              <a:defRPr/>
-            </a:pPr>
+            <a:r>
+              <a:rPr lang="ko-KR" altLang="en-US" dirty="0"/>
+              <a:t>그림 </a:t>
+            </a:r>
             <a:r>
               <a:rPr lang="en-US" altLang="ko-KR" dirty="0"/>
-              <a:t>???</a:t>
-            </a:r>
-            <a:endParaRPr lang="ko-KR" altLang="en-US" dirty="0"/>
+              <a:t>/ </a:t>
+            </a:r>
+            <a:r>
+              <a:rPr lang="ko-KR" altLang="en-US" dirty="0"/>
+              <a:t>계란 </a:t>
+            </a:r>
+            <a:r>
+              <a:rPr lang="en-US" altLang="ko-KR" dirty="0"/>
+              <a:t>/ </a:t>
+            </a:r>
+            <a:r>
+              <a:rPr lang="ko-KR" altLang="en-US" dirty="0"/>
+              <a:t>거리 </a:t>
+            </a:r>
+            <a:r>
+              <a:rPr lang="en-US" altLang="ko-KR" dirty="0"/>
+              <a:t>/ </a:t>
+            </a:r>
+            <a:r>
+              <a:rPr lang="ko-KR" altLang="en-US" dirty="0"/>
+              <a:t>구름 </a:t>
+            </a:r>
+            <a:r>
+              <a:rPr lang="en-US" altLang="ko-KR" dirty="0"/>
+              <a:t>/ </a:t>
+            </a:r>
+            <a:r>
+              <a:rPr lang="ko-KR" altLang="en-US" dirty="0"/>
+              <a:t>그래</a:t>
+            </a:r>
           </a:p>
         </p:txBody>
       </p:sp>
@@ -1532,7 +1566,7 @@
     </p:spTree>
     <p:extLst>
       <p:ext uri="{BB962C8B-B14F-4D97-AF65-F5344CB8AC3E}">
-        <p14:creationId xmlns:p14="http://schemas.microsoft.com/office/powerpoint/2010/main" val="3697805124"/>
+        <p14:creationId xmlns:p14="http://schemas.microsoft.com/office/powerpoint/2010/main" val="1345656927"/>
       </p:ext>
     </p:extLst>
   </p:cSld>
@@ -1587,10 +1621,41 @@
           <a:lstStyle/>
           <a:p>
             <a:r>
+              <a:rPr lang="ko-KR" altLang="en-US" dirty="0"/>
+              <a:t>소리 </a:t>
+            </a:r>
+            <a:r>
               <a:rPr lang="en-US" altLang="ko-KR" dirty="0"/>
-              <a:t>???</a:t>
-            </a:r>
-            <a:endParaRPr lang="ko-KR" altLang="en-US" dirty="0"/>
+              <a:t>/ </a:t>
+            </a:r>
+            <a:r>
+              <a:rPr lang="ko-KR" altLang="en-US" dirty="0"/>
+              <a:t>사람 </a:t>
+            </a:r>
+            <a:r>
+              <a:rPr lang="en-US" altLang="ko-KR" dirty="0"/>
+              <a:t>/ </a:t>
+            </a:r>
+            <a:r>
+              <a:rPr lang="ko-KR" altLang="en-US" dirty="0"/>
+              <a:t>사랑 </a:t>
+            </a:r>
+            <a:r>
+              <a:rPr lang="en-US" altLang="ko-KR" dirty="0"/>
+              <a:t>/ </a:t>
+            </a:r>
+            <a:r>
+              <a:rPr lang="ko-KR" altLang="en-US" dirty="0"/>
+              <a:t>신랑 </a:t>
+            </a:r>
+            <a:r>
+              <a:rPr lang="en-US" altLang="ko-KR" dirty="0"/>
+              <a:t>/ </a:t>
+            </a:r>
+            <a:r>
+              <a:rPr lang="ko-KR" altLang="en-US" dirty="0"/>
+              <a:t>실례</a:t>
+            </a:r>
           </a:p>
         </p:txBody>
       </p:sp>
@@ -1620,7 +1685,7 @@
     </p:spTree>
     <p:extLst>
       <p:ext uri="{BB962C8B-B14F-4D97-AF65-F5344CB8AC3E}">
-        <p14:creationId xmlns:p14="http://schemas.microsoft.com/office/powerpoint/2010/main" val="1656390089"/>
+        <p14:creationId xmlns:p14="http://schemas.microsoft.com/office/powerpoint/2010/main" val="1203612872"/>
       </p:ext>
     </p:extLst>
   </p:cSld>
@@ -1675,10 +1740,41 @@
           <a:lstStyle/>
           <a:p>
             <a:r>
+              <a:rPr lang="ko-KR" altLang="en-US" dirty="0"/>
+              <a:t>아이 </a:t>
+            </a:r>
+            <a:r>
               <a:rPr lang="en-US" altLang="ko-KR" dirty="0"/>
-              <a:t>???</a:t>
-            </a:r>
-            <a:endParaRPr lang="ko-KR" altLang="en-US" dirty="0"/>
+              <a:t>/ </a:t>
+            </a:r>
+            <a:r>
+              <a:rPr lang="ko-KR" altLang="en-US" dirty="0"/>
+              <a:t>이응 </a:t>
+            </a:r>
+            <a:r>
+              <a:rPr lang="en-US" altLang="ko-KR" dirty="0"/>
+              <a:t>/ </a:t>
+            </a:r>
+            <a:r>
+              <a:rPr lang="ko-KR" altLang="en-US" dirty="0"/>
+              <a:t>요일 </a:t>
+            </a:r>
+            <a:r>
+              <a:rPr lang="en-US" altLang="ko-KR" dirty="0"/>
+              <a:t>/ </a:t>
+            </a:r>
+            <a:r>
+              <a:rPr lang="ko-KR" altLang="en-US" dirty="0"/>
+              <a:t>영어 </a:t>
+            </a:r>
+            <a:r>
+              <a:rPr lang="en-US" altLang="ko-KR" dirty="0"/>
+              <a:t>/ </a:t>
+            </a:r>
+            <a:r>
+              <a:rPr lang="ko-KR" altLang="en-US" dirty="0"/>
+              <a:t>우유</a:t>
+            </a:r>
           </a:p>
         </p:txBody>
       </p:sp>
@@ -1708,7 +1804,7 @@
     </p:spTree>
     <p:extLst>
       <p:ext uri="{BB962C8B-B14F-4D97-AF65-F5344CB8AC3E}">
-        <p14:creationId xmlns:p14="http://schemas.microsoft.com/office/powerpoint/2010/main" val="618642381"/>
+        <p14:creationId xmlns:p14="http://schemas.microsoft.com/office/powerpoint/2010/main" val="3405916364"/>
       </p:ext>
     </p:extLst>
   </p:cSld>
@@ -1890,10 +1986,41 @@
           <a:lstStyle/>
           <a:p>
             <a:r>
+              <a:rPr lang="ko-KR" altLang="en-US" dirty="0"/>
+              <a:t>동생 </a:t>
+            </a:r>
+            <a:r>
               <a:rPr lang="en-US" altLang="ko-KR" dirty="0"/>
-              <a:t>???</a:t>
-            </a:r>
-            <a:endParaRPr lang="ko-KR" altLang="en-US" dirty="0"/>
+              <a:t>/ </a:t>
+            </a:r>
+            <a:r>
+              <a:rPr lang="ko-KR" altLang="en-US" dirty="0"/>
+              <a:t>다시 </a:t>
+            </a:r>
+            <a:r>
+              <a:rPr lang="en-US" altLang="ko-KR" dirty="0"/>
+              <a:t>/ </a:t>
+            </a:r>
+            <a:r>
+              <a:rPr lang="ko-KR" altLang="en-US" dirty="0"/>
+              <a:t>단서 </a:t>
+            </a:r>
+            <a:r>
+              <a:rPr lang="en-US" altLang="ko-KR" dirty="0"/>
+              <a:t>/ </a:t>
+            </a:r>
+            <a:r>
+              <a:rPr lang="ko-KR" altLang="en-US" dirty="0"/>
+              <a:t>등산 </a:t>
+            </a:r>
+            <a:r>
+              <a:rPr lang="en-US" altLang="ko-KR" dirty="0"/>
+              <a:t>/ </a:t>
+            </a:r>
+            <a:r>
+              <a:rPr lang="ko-KR" altLang="en-US" dirty="0"/>
+              <a:t>당신</a:t>
+            </a:r>
           </a:p>
         </p:txBody>
       </p:sp>
@@ -1923,7 +2050,7 @@
     </p:spTree>
     <p:extLst>
       <p:ext uri="{BB962C8B-B14F-4D97-AF65-F5344CB8AC3E}">
-        <p14:creationId xmlns:p14="http://schemas.microsoft.com/office/powerpoint/2010/main" val="3490608049"/>
+        <p14:creationId xmlns:p14="http://schemas.microsoft.com/office/powerpoint/2010/main" val="945083822"/>
       </p:ext>
     </p:extLst>
   </p:cSld>
@@ -1977,6 +2104,23 @@
           <a:bodyPr/>
           <a:lstStyle/>
           <a:p>
+            <a:pPr marL="0" marR="0" lvl="0" indent="0" algn="l" defTabSz="914400" rtl="0" eaLnBrk="1" fontAlgn="auto" latinLnBrk="1" hangingPunct="1">
+              <a:lnSpc>
+                <a:spcPct val="100000"/>
+              </a:lnSpc>
+              <a:spcBef>
+                <a:spcPts val="0"/>
+              </a:spcBef>
+              <a:spcAft>
+                <a:spcPts val="0"/>
+              </a:spcAft>
+              <a:buClrTx/>
+              <a:buSzTx/>
+              <a:buFontTx/>
+              <a:buNone/>
+              <a:tabLst/>
+              <a:defRPr/>
+            </a:pPr>
             <a:r>
               <a:rPr lang="en-US" altLang="ko-KR" dirty="0"/>
               <a:t>???</a:t>
@@ -2002,7 +2146,7 @@
           <a:p>
             <a:fld id="{71166FBA-D480-4466-8396-9AF8C2FF199A}" type="slidenum">
               <a:rPr lang="ko-KR" altLang="en-US" smtClean="0"/>
-              <a:t>23</a:t>
+              <a:t>24</a:t>
             </a:fld>
             <a:endParaRPr lang="ko-KR" altLang="en-US"/>
           </a:p>
@@ -2011,7 +2155,7 @@
     </p:spTree>
     <p:extLst>
       <p:ext uri="{BB962C8B-B14F-4D97-AF65-F5344CB8AC3E}">
-        <p14:creationId xmlns:p14="http://schemas.microsoft.com/office/powerpoint/2010/main" val="1738661895"/>
+        <p14:creationId xmlns:p14="http://schemas.microsoft.com/office/powerpoint/2010/main" val="2546849818"/>
       </p:ext>
     </p:extLst>
   </p:cSld>
@@ -2065,6 +2209,23 @@
           <a:bodyPr/>
           <a:lstStyle/>
           <a:p>
+            <a:pPr marL="0" marR="0" lvl="0" indent="0" algn="l" defTabSz="914400" rtl="0" eaLnBrk="1" fontAlgn="auto" latinLnBrk="1" hangingPunct="1">
+              <a:lnSpc>
+                <a:spcPct val="100000"/>
+              </a:lnSpc>
+              <a:spcBef>
+                <a:spcPts val="0"/>
+              </a:spcBef>
+              <a:spcAft>
+                <a:spcPts val="0"/>
+              </a:spcAft>
+              <a:buClrTx/>
+              <a:buSzTx/>
+              <a:buFontTx/>
+              <a:buNone/>
+              <a:tabLst/>
+              <a:defRPr/>
+            </a:pPr>
             <a:r>
               <a:rPr lang="en-US" altLang="ko-KR" dirty="0"/>
               <a:t>???</a:t>
@@ -2090,7 +2251,447 @@
           <a:p>
             <a:fld id="{71166FBA-D480-4466-8396-9AF8C2FF199A}" type="slidenum">
               <a:rPr lang="ko-KR" altLang="en-US" smtClean="0"/>
-              <a:t>24</a:t>
+              <a:t>25</a:t>
+            </a:fld>
+            <a:endParaRPr lang="ko-KR" altLang="en-US"/>
+          </a:p>
+        </p:txBody>
+      </p:sp>
+    </p:spTree>
+    <p:extLst>
+      <p:ext uri="{BB962C8B-B14F-4D97-AF65-F5344CB8AC3E}">
+        <p14:creationId xmlns:p14="http://schemas.microsoft.com/office/powerpoint/2010/main" val="3697805124"/>
+      </p:ext>
+    </p:extLst>
+  </p:cSld>
+  <p:clrMapOvr>
+    <a:masterClrMapping/>
+  </p:clrMapOvr>
+</p:notes>
+</file>
+
+<file path=ppt/notesSlides/notesSlide23.xml><?xml version="1.0" encoding="utf-8"?>
+<p:notes xmlns:a="http://schemas.openxmlformats.org/drawingml/2006/main" xmlns:r="http://schemas.openxmlformats.org/officeDocument/2006/relationships" xmlns:p="http://schemas.openxmlformats.org/presentationml/2006/main">
+  <p:cSld>
+    <p:spTree>
+      <p:nvGrpSpPr>
+        <p:cNvPr id="1" name=""/>
+        <p:cNvGrpSpPr/>
+        <p:nvPr/>
+      </p:nvGrpSpPr>
+      <p:grpSpPr>
+        <a:xfrm>
+          <a:off x="0" y="0"/>
+          <a:ext cx="0" cy="0"/>
+          <a:chOff x="0" y="0"/>
+          <a:chExt cx="0" cy="0"/>
+        </a:xfrm>
+      </p:grpSpPr>
+      <p:sp>
+        <p:nvSpPr>
+          <p:cNvPr id="2" name="슬라이드 이미지 개체 틀 1"/>
+          <p:cNvSpPr>
+            <a:spLocks noGrp="1" noRot="1" noChangeAspect="1"/>
+          </p:cNvSpPr>
+          <p:nvPr>
+            <p:ph type="sldImg"/>
+          </p:nvPr>
+        </p:nvSpPr>
+        <p:spPr/>
+      </p:sp>
+      <p:sp>
+        <p:nvSpPr>
+          <p:cNvPr id="3" name="슬라이드 노트 개체 틀 2"/>
+          <p:cNvSpPr>
+            <a:spLocks noGrp="1"/>
+          </p:cNvSpPr>
+          <p:nvPr>
+            <p:ph type="body" idx="1"/>
+          </p:nvPr>
+        </p:nvSpPr>
+        <p:spPr/>
+        <p:txBody>
+          <a:bodyPr/>
+          <a:lstStyle/>
+          <a:p>
+            <a:r>
+              <a:rPr lang="en-US" altLang="ko-KR" dirty="0"/>
+              <a:t>???</a:t>
+            </a:r>
+            <a:endParaRPr lang="ko-KR" altLang="en-US" dirty="0"/>
+          </a:p>
+        </p:txBody>
+      </p:sp>
+      <p:sp>
+        <p:nvSpPr>
+          <p:cNvPr id="4" name="슬라이드 번호 개체 틀 3"/>
+          <p:cNvSpPr>
+            <a:spLocks noGrp="1"/>
+          </p:cNvSpPr>
+          <p:nvPr>
+            <p:ph type="sldNum" sz="quarter" idx="5"/>
+          </p:nvPr>
+        </p:nvSpPr>
+        <p:spPr/>
+        <p:txBody>
+          <a:bodyPr/>
+          <a:lstStyle/>
+          <a:p>
+            <a:fld id="{71166FBA-D480-4466-8396-9AF8C2FF199A}" type="slidenum">
+              <a:rPr lang="ko-KR" altLang="en-US" smtClean="0"/>
+              <a:t>26</a:t>
+            </a:fld>
+            <a:endParaRPr lang="ko-KR" altLang="en-US"/>
+          </a:p>
+        </p:txBody>
+      </p:sp>
+    </p:spTree>
+    <p:extLst>
+      <p:ext uri="{BB962C8B-B14F-4D97-AF65-F5344CB8AC3E}">
+        <p14:creationId xmlns:p14="http://schemas.microsoft.com/office/powerpoint/2010/main" val="1656390089"/>
+      </p:ext>
+    </p:extLst>
+  </p:cSld>
+  <p:clrMapOvr>
+    <a:masterClrMapping/>
+  </p:clrMapOvr>
+</p:notes>
+</file>
+
+<file path=ppt/notesSlides/notesSlide24.xml><?xml version="1.0" encoding="utf-8"?>
+<p:notes xmlns:a="http://schemas.openxmlformats.org/drawingml/2006/main" xmlns:r="http://schemas.openxmlformats.org/officeDocument/2006/relationships" xmlns:p="http://schemas.openxmlformats.org/presentationml/2006/main">
+  <p:cSld>
+    <p:spTree>
+      <p:nvGrpSpPr>
+        <p:cNvPr id="1" name=""/>
+        <p:cNvGrpSpPr/>
+        <p:nvPr/>
+      </p:nvGrpSpPr>
+      <p:grpSpPr>
+        <a:xfrm>
+          <a:off x="0" y="0"/>
+          <a:ext cx="0" cy="0"/>
+          <a:chOff x="0" y="0"/>
+          <a:chExt cx="0" cy="0"/>
+        </a:xfrm>
+      </p:grpSpPr>
+      <p:sp>
+        <p:nvSpPr>
+          <p:cNvPr id="2" name="슬라이드 이미지 개체 틀 1"/>
+          <p:cNvSpPr>
+            <a:spLocks noGrp="1" noRot="1" noChangeAspect="1"/>
+          </p:cNvSpPr>
+          <p:nvPr>
+            <p:ph type="sldImg"/>
+          </p:nvPr>
+        </p:nvSpPr>
+        <p:spPr/>
+      </p:sp>
+      <p:sp>
+        <p:nvSpPr>
+          <p:cNvPr id="3" name="슬라이드 노트 개체 틀 2"/>
+          <p:cNvSpPr>
+            <a:spLocks noGrp="1"/>
+          </p:cNvSpPr>
+          <p:nvPr>
+            <p:ph type="body" idx="1"/>
+          </p:nvPr>
+        </p:nvSpPr>
+        <p:spPr/>
+        <p:txBody>
+          <a:bodyPr/>
+          <a:lstStyle/>
+          <a:p>
+            <a:r>
+              <a:rPr lang="en-US" altLang="ko-KR" dirty="0"/>
+              <a:t>???</a:t>
+            </a:r>
+            <a:endParaRPr lang="ko-KR" altLang="en-US" dirty="0"/>
+          </a:p>
+        </p:txBody>
+      </p:sp>
+      <p:sp>
+        <p:nvSpPr>
+          <p:cNvPr id="4" name="슬라이드 번호 개체 틀 3"/>
+          <p:cNvSpPr>
+            <a:spLocks noGrp="1"/>
+          </p:cNvSpPr>
+          <p:nvPr>
+            <p:ph type="sldNum" sz="quarter" idx="5"/>
+          </p:nvPr>
+        </p:nvSpPr>
+        <p:spPr/>
+        <p:txBody>
+          <a:bodyPr/>
+          <a:lstStyle/>
+          <a:p>
+            <a:fld id="{71166FBA-D480-4466-8396-9AF8C2FF199A}" type="slidenum">
+              <a:rPr lang="ko-KR" altLang="en-US" smtClean="0"/>
+              <a:t>27</a:t>
+            </a:fld>
+            <a:endParaRPr lang="ko-KR" altLang="en-US"/>
+          </a:p>
+        </p:txBody>
+      </p:sp>
+    </p:spTree>
+    <p:extLst>
+      <p:ext uri="{BB962C8B-B14F-4D97-AF65-F5344CB8AC3E}">
+        <p14:creationId xmlns:p14="http://schemas.microsoft.com/office/powerpoint/2010/main" val="618642381"/>
+      </p:ext>
+    </p:extLst>
+  </p:cSld>
+  <p:clrMapOvr>
+    <a:masterClrMapping/>
+  </p:clrMapOvr>
+</p:notes>
+</file>
+
+<file path=ppt/notesSlides/notesSlide25.xml><?xml version="1.0" encoding="utf-8"?>
+<p:notes xmlns:a="http://schemas.openxmlformats.org/drawingml/2006/main" xmlns:r="http://schemas.openxmlformats.org/officeDocument/2006/relationships" xmlns:p="http://schemas.openxmlformats.org/presentationml/2006/main">
+  <p:cSld>
+    <p:spTree>
+      <p:nvGrpSpPr>
+        <p:cNvPr id="1" name=""/>
+        <p:cNvGrpSpPr/>
+        <p:nvPr/>
+      </p:nvGrpSpPr>
+      <p:grpSpPr>
+        <a:xfrm>
+          <a:off x="0" y="0"/>
+          <a:ext cx="0" cy="0"/>
+          <a:chOff x="0" y="0"/>
+          <a:chExt cx="0" cy="0"/>
+        </a:xfrm>
+      </p:grpSpPr>
+      <p:sp>
+        <p:nvSpPr>
+          <p:cNvPr id="2" name="슬라이드 이미지 개체 틀 1"/>
+          <p:cNvSpPr>
+            <a:spLocks noGrp="1" noRot="1" noChangeAspect="1"/>
+          </p:cNvSpPr>
+          <p:nvPr>
+            <p:ph type="sldImg"/>
+          </p:nvPr>
+        </p:nvSpPr>
+        <p:spPr/>
+      </p:sp>
+      <p:sp>
+        <p:nvSpPr>
+          <p:cNvPr id="3" name="슬라이드 노트 개체 틀 2"/>
+          <p:cNvSpPr>
+            <a:spLocks noGrp="1"/>
+          </p:cNvSpPr>
+          <p:nvPr>
+            <p:ph type="body" idx="1"/>
+          </p:nvPr>
+        </p:nvSpPr>
+        <p:spPr/>
+        <p:txBody>
+          <a:bodyPr/>
+          <a:lstStyle/>
+          <a:p>
+            <a:r>
+              <a:rPr lang="en-US" altLang="ko-KR" dirty="0"/>
+              <a:t>???</a:t>
+            </a:r>
+            <a:endParaRPr lang="ko-KR" altLang="en-US" dirty="0"/>
+          </a:p>
+        </p:txBody>
+      </p:sp>
+      <p:sp>
+        <p:nvSpPr>
+          <p:cNvPr id="4" name="슬라이드 번호 개체 틀 3"/>
+          <p:cNvSpPr>
+            <a:spLocks noGrp="1"/>
+          </p:cNvSpPr>
+          <p:nvPr>
+            <p:ph type="sldNum" sz="quarter" idx="5"/>
+          </p:nvPr>
+        </p:nvSpPr>
+        <p:spPr/>
+        <p:txBody>
+          <a:bodyPr/>
+          <a:lstStyle/>
+          <a:p>
+            <a:fld id="{71166FBA-D480-4466-8396-9AF8C2FF199A}" type="slidenum">
+              <a:rPr lang="ko-KR" altLang="en-US" smtClean="0"/>
+              <a:t>28</a:t>
+            </a:fld>
+            <a:endParaRPr lang="ko-KR" altLang="en-US"/>
+          </a:p>
+        </p:txBody>
+      </p:sp>
+    </p:spTree>
+    <p:extLst>
+      <p:ext uri="{BB962C8B-B14F-4D97-AF65-F5344CB8AC3E}">
+        <p14:creationId xmlns:p14="http://schemas.microsoft.com/office/powerpoint/2010/main" val="3490608049"/>
+      </p:ext>
+    </p:extLst>
+  </p:cSld>
+  <p:clrMapOvr>
+    <a:masterClrMapping/>
+  </p:clrMapOvr>
+</p:notes>
+</file>
+
+<file path=ppt/notesSlides/notesSlide26.xml><?xml version="1.0" encoding="utf-8"?>
+<p:notes xmlns:a="http://schemas.openxmlformats.org/drawingml/2006/main" xmlns:r="http://schemas.openxmlformats.org/officeDocument/2006/relationships" xmlns:p="http://schemas.openxmlformats.org/presentationml/2006/main">
+  <p:cSld>
+    <p:spTree>
+      <p:nvGrpSpPr>
+        <p:cNvPr id="1" name=""/>
+        <p:cNvGrpSpPr/>
+        <p:nvPr/>
+      </p:nvGrpSpPr>
+      <p:grpSpPr>
+        <a:xfrm>
+          <a:off x="0" y="0"/>
+          <a:ext cx="0" cy="0"/>
+          <a:chOff x="0" y="0"/>
+          <a:chExt cx="0" cy="0"/>
+        </a:xfrm>
+      </p:grpSpPr>
+      <p:sp>
+        <p:nvSpPr>
+          <p:cNvPr id="2" name="슬라이드 이미지 개체 틀 1"/>
+          <p:cNvSpPr>
+            <a:spLocks noGrp="1" noRot="1" noChangeAspect="1"/>
+          </p:cNvSpPr>
+          <p:nvPr>
+            <p:ph type="sldImg"/>
+          </p:nvPr>
+        </p:nvSpPr>
+        <p:spPr/>
+      </p:sp>
+      <p:sp>
+        <p:nvSpPr>
+          <p:cNvPr id="3" name="슬라이드 노트 개체 틀 2"/>
+          <p:cNvSpPr>
+            <a:spLocks noGrp="1"/>
+          </p:cNvSpPr>
+          <p:nvPr>
+            <p:ph type="body" idx="1"/>
+          </p:nvPr>
+        </p:nvSpPr>
+        <p:spPr/>
+        <p:txBody>
+          <a:bodyPr/>
+          <a:lstStyle/>
+          <a:p>
+            <a:r>
+              <a:rPr lang="en-US" altLang="ko-KR" dirty="0"/>
+              <a:t>???</a:t>
+            </a:r>
+            <a:endParaRPr lang="ko-KR" altLang="en-US" dirty="0"/>
+          </a:p>
+        </p:txBody>
+      </p:sp>
+      <p:sp>
+        <p:nvSpPr>
+          <p:cNvPr id="4" name="슬라이드 번호 개체 틀 3"/>
+          <p:cNvSpPr>
+            <a:spLocks noGrp="1"/>
+          </p:cNvSpPr>
+          <p:nvPr>
+            <p:ph type="sldNum" sz="quarter" idx="5"/>
+          </p:nvPr>
+        </p:nvSpPr>
+        <p:spPr/>
+        <p:txBody>
+          <a:bodyPr/>
+          <a:lstStyle/>
+          <a:p>
+            <a:fld id="{71166FBA-D480-4466-8396-9AF8C2FF199A}" type="slidenum">
+              <a:rPr lang="ko-KR" altLang="en-US" smtClean="0"/>
+              <a:t>29</a:t>
+            </a:fld>
+            <a:endParaRPr lang="ko-KR" altLang="en-US"/>
+          </a:p>
+        </p:txBody>
+      </p:sp>
+    </p:spTree>
+    <p:extLst>
+      <p:ext uri="{BB962C8B-B14F-4D97-AF65-F5344CB8AC3E}">
+        <p14:creationId xmlns:p14="http://schemas.microsoft.com/office/powerpoint/2010/main" val="1738661895"/>
+      </p:ext>
+    </p:extLst>
+  </p:cSld>
+  <p:clrMapOvr>
+    <a:masterClrMapping/>
+  </p:clrMapOvr>
+</p:notes>
+</file>
+
+<file path=ppt/notesSlides/notesSlide27.xml><?xml version="1.0" encoding="utf-8"?>
+<p:notes xmlns:a="http://schemas.openxmlformats.org/drawingml/2006/main" xmlns:r="http://schemas.openxmlformats.org/officeDocument/2006/relationships" xmlns:p="http://schemas.openxmlformats.org/presentationml/2006/main">
+  <p:cSld>
+    <p:spTree>
+      <p:nvGrpSpPr>
+        <p:cNvPr id="1" name=""/>
+        <p:cNvGrpSpPr/>
+        <p:nvPr/>
+      </p:nvGrpSpPr>
+      <p:grpSpPr>
+        <a:xfrm>
+          <a:off x="0" y="0"/>
+          <a:ext cx="0" cy="0"/>
+          <a:chOff x="0" y="0"/>
+          <a:chExt cx="0" cy="0"/>
+        </a:xfrm>
+      </p:grpSpPr>
+      <p:sp>
+        <p:nvSpPr>
+          <p:cNvPr id="2" name="슬라이드 이미지 개체 틀 1"/>
+          <p:cNvSpPr>
+            <a:spLocks noGrp="1" noRot="1" noChangeAspect="1"/>
+          </p:cNvSpPr>
+          <p:nvPr>
+            <p:ph type="sldImg"/>
+          </p:nvPr>
+        </p:nvSpPr>
+        <p:spPr/>
+      </p:sp>
+      <p:sp>
+        <p:nvSpPr>
+          <p:cNvPr id="3" name="슬라이드 노트 개체 틀 2"/>
+          <p:cNvSpPr>
+            <a:spLocks noGrp="1"/>
+          </p:cNvSpPr>
+          <p:nvPr>
+            <p:ph type="body" idx="1"/>
+          </p:nvPr>
+        </p:nvSpPr>
+        <p:spPr/>
+        <p:txBody>
+          <a:bodyPr/>
+          <a:lstStyle/>
+          <a:p>
+            <a:r>
+              <a:rPr lang="en-US" altLang="ko-KR" dirty="0"/>
+              <a:t>???</a:t>
+            </a:r>
+            <a:endParaRPr lang="ko-KR" altLang="en-US" dirty="0"/>
+          </a:p>
+        </p:txBody>
+      </p:sp>
+      <p:sp>
+        <p:nvSpPr>
+          <p:cNvPr id="4" name="슬라이드 번호 개체 틀 3"/>
+          <p:cNvSpPr>
+            <a:spLocks noGrp="1"/>
+          </p:cNvSpPr>
+          <p:nvPr>
+            <p:ph type="sldNum" sz="quarter" idx="5"/>
+          </p:nvPr>
+        </p:nvSpPr>
+        <p:spPr/>
+        <p:txBody>
+          <a:bodyPr/>
+          <a:lstStyle/>
+          <a:p>
+            <a:fld id="{71166FBA-D480-4466-8396-9AF8C2FF199A}" type="slidenum">
+              <a:rPr lang="ko-KR" altLang="en-US" smtClean="0"/>
+              <a:t>30</a:t>
             </a:fld>
             <a:endParaRPr lang="ko-KR" altLang="en-US"/>
           </a:p>
@@ -3097,7 +3698,7 @@
           <a:p>
             <a:fld id="{147E8D36-BA4B-452B-B9AF-FA048EBD4D35}" type="datetimeFigureOut">
               <a:rPr lang="ko-KR" altLang="en-US" smtClean="0"/>
-              <a:t>2022-12-21</a:t>
+              <a:t>2022-12-23</a:t>
             </a:fld>
             <a:endParaRPr lang="ko-KR" altLang="en-US"/>
           </a:p>
@@ -3295,7 +3896,7 @@
           <a:p>
             <a:fld id="{147E8D36-BA4B-452B-B9AF-FA048EBD4D35}" type="datetimeFigureOut">
               <a:rPr lang="ko-KR" altLang="en-US" smtClean="0"/>
-              <a:t>2022-12-21</a:t>
+              <a:t>2022-12-23</a:t>
             </a:fld>
             <a:endParaRPr lang="ko-KR" altLang="en-US"/>
           </a:p>
@@ -3503,7 +4104,7 @@
           <a:p>
             <a:fld id="{147E8D36-BA4B-452B-B9AF-FA048EBD4D35}" type="datetimeFigureOut">
               <a:rPr lang="ko-KR" altLang="en-US" smtClean="0"/>
-              <a:t>2022-12-21</a:t>
+              <a:t>2022-12-23</a:t>
             </a:fld>
             <a:endParaRPr lang="ko-KR" altLang="en-US"/>
           </a:p>
@@ -3701,7 +4302,7 @@
           <a:p>
             <a:fld id="{147E8D36-BA4B-452B-B9AF-FA048EBD4D35}" type="datetimeFigureOut">
               <a:rPr lang="ko-KR" altLang="en-US" smtClean="0"/>
-              <a:t>2022-12-21</a:t>
+              <a:t>2022-12-23</a:t>
             </a:fld>
             <a:endParaRPr lang="ko-KR" altLang="en-US"/>
           </a:p>
@@ -3976,7 +4577,7 @@
           <a:p>
             <a:fld id="{147E8D36-BA4B-452B-B9AF-FA048EBD4D35}" type="datetimeFigureOut">
               <a:rPr lang="ko-KR" altLang="en-US" smtClean="0"/>
-              <a:t>2022-12-21</a:t>
+              <a:t>2022-12-23</a:t>
             </a:fld>
             <a:endParaRPr lang="ko-KR" altLang="en-US"/>
           </a:p>
@@ -4241,7 +4842,7 @@
           <a:p>
             <a:fld id="{147E8D36-BA4B-452B-B9AF-FA048EBD4D35}" type="datetimeFigureOut">
               <a:rPr lang="ko-KR" altLang="en-US" smtClean="0"/>
-              <a:t>2022-12-21</a:t>
+              <a:t>2022-12-23</a:t>
             </a:fld>
             <a:endParaRPr lang="ko-KR" altLang="en-US"/>
           </a:p>
@@ -4653,7 +5254,7 @@
           <a:p>
             <a:fld id="{147E8D36-BA4B-452B-B9AF-FA048EBD4D35}" type="datetimeFigureOut">
               <a:rPr lang="ko-KR" altLang="en-US" smtClean="0"/>
-              <a:t>2022-12-21</a:t>
+              <a:t>2022-12-23</a:t>
             </a:fld>
             <a:endParaRPr lang="ko-KR" altLang="en-US"/>
           </a:p>
@@ -4794,7 +5395,7 @@
           <a:p>
             <a:fld id="{147E8D36-BA4B-452B-B9AF-FA048EBD4D35}" type="datetimeFigureOut">
               <a:rPr lang="ko-KR" altLang="en-US" smtClean="0"/>
-              <a:t>2022-12-21</a:t>
+              <a:t>2022-12-23</a:t>
             </a:fld>
             <a:endParaRPr lang="ko-KR" altLang="en-US"/>
           </a:p>
@@ -4907,7 +5508,7 @@
           <a:p>
             <a:fld id="{147E8D36-BA4B-452B-B9AF-FA048EBD4D35}" type="datetimeFigureOut">
               <a:rPr lang="ko-KR" altLang="en-US" smtClean="0"/>
-              <a:t>2022-12-21</a:t>
+              <a:t>2022-12-23</a:t>
             </a:fld>
             <a:endParaRPr lang="ko-KR" altLang="en-US"/>
           </a:p>
@@ -5218,7 +5819,7 @@
           <a:p>
             <a:fld id="{147E8D36-BA4B-452B-B9AF-FA048EBD4D35}" type="datetimeFigureOut">
               <a:rPr lang="ko-KR" altLang="en-US" smtClean="0"/>
-              <a:t>2022-12-21</a:t>
+              <a:t>2022-12-23</a:t>
             </a:fld>
             <a:endParaRPr lang="ko-KR" altLang="en-US"/>
           </a:p>
@@ -5506,7 +6107,7 @@
           <a:p>
             <a:fld id="{147E8D36-BA4B-452B-B9AF-FA048EBD4D35}" type="datetimeFigureOut">
               <a:rPr lang="ko-KR" altLang="en-US" smtClean="0"/>
-              <a:t>2022-12-21</a:t>
+              <a:t>2022-12-23</a:t>
             </a:fld>
             <a:endParaRPr lang="ko-KR" altLang="en-US"/>
           </a:p>
@@ -5750,7 +6351,7 @@
           <a:p>
             <a:fld id="{147E8D36-BA4B-452B-B9AF-FA048EBD4D35}" type="datetimeFigureOut">
               <a:rPr lang="ko-KR" altLang="en-US" smtClean="0"/>
-              <a:t>2022-12-21</a:t>
+              <a:t>2022-12-23</a:t>
             </a:fld>
             <a:endParaRPr lang="ko-KR" altLang="en-US"/>
           </a:p>
@@ -8437,63 +9038,6 @@
           <a:chExt cx="0" cy="0"/>
         </a:xfrm>
       </p:grpSpPr>
-      <p:pic>
-        <p:nvPicPr>
-          <p:cNvPr id="9" name="Picture 2">
-            <a:extLst>
-              <a:ext uri="{FF2B5EF4-FFF2-40B4-BE49-F238E27FC236}">
-                <a16:creationId xmlns:a16="http://schemas.microsoft.com/office/drawing/2014/main" id="{8D60C572-3F36-315B-6CA0-8BF20F58ABF4}"/>
-              </a:ext>
-            </a:extLst>
-          </p:cNvPr>
-          <p:cNvPicPr>
-            <a:picLocks noChangeAspect="1" noChangeArrowheads="1"/>
-          </p:cNvPicPr>
-          <p:nvPr/>
-        </p:nvPicPr>
-        <p:blipFill rotWithShape="1">
-          <a:blip r:embed="rId3">
-            <a:extLst>
-              <a:ext uri="{BEBA8EAE-BF5A-486C-A8C5-ECC9F3942E4B}">
-                <a14:imgProps xmlns:a14="http://schemas.microsoft.com/office/drawing/2010/main">
-                  <a14:imgLayer r:embed="rId4">
-                    <a14:imgEffect>
-                      <a14:brightnessContrast bright="-80000"/>
-                    </a14:imgEffect>
-                  </a14:imgLayer>
-                </a14:imgProps>
-              </a:ext>
-              <a:ext uri="{28A0092B-C50C-407E-A947-70E740481C1C}">
-                <a14:useLocalDpi xmlns:a14="http://schemas.microsoft.com/office/drawing/2010/main" val="0"/>
-              </a:ext>
-            </a:extLst>
-          </a:blip>
-          <a:srcRect l="14161" t="21188" r="62543" b="53493"/>
-          <a:stretch/>
-        </p:blipFill>
-        <p:spPr bwMode="auto">
-          <a:xfrm>
-            <a:off x="1966379" y="0"/>
-            <a:ext cx="8259242" cy="6858000"/>
-          </a:xfrm>
-          <a:prstGeom prst="rect">
-            <a:avLst/>
-          </a:prstGeom>
-          <a:noFill/>
-          <a:effectLst>
-            <a:softEdge rad="635000"/>
-          </a:effectLst>
-          <a:extLst>
-            <a:ext uri="{909E8E84-426E-40DD-AFC4-6F175D3DCCD1}">
-              <a14:hiddenFill xmlns:a14="http://schemas.microsoft.com/office/drawing/2010/main">
-                <a:solidFill>
-                  <a:srgbClr val="FFFFFF"/>
-                </a:solidFill>
-              </a14:hiddenFill>
-            </a:ext>
-          </a:extLst>
-        </p:spPr>
-      </p:pic>
       <p:sp>
         <p:nvSpPr>
           <p:cNvPr id="4" name="WORD_lbl">
@@ -8531,27 +9075,7 @@
                 <a:latin typeface="Arial" panose="020B0604020202020204" pitchFamily="34" charset="0"/>
                 <a:cs typeface="Arial" panose="020B0604020202020204" pitchFamily="34" charset="0"/>
               </a:rPr>
-              <a:t>ㅁㅂㅅㅇ</a:t>
-            </a:r>
-            <a:r>
-              <a:rPr lang="ko-KR" altLang="en-US" sz="9600" b="1" dirty="0">
-                <a:solidFill>
-                  <a:schemeClr val="bg1"/>
-                </a:solidFill>
-                <a:latin typeface="Arial" panose="020B0604020202020204" pitchFamily="34" charset="0"/>
-                <a:cs typeface="Arial" panose="020B0604020202020204" pitchFamily="34" charset="0"/>
-              </a:rPr>
-              <a:t> </a:t>
-            </a:r>
-            <a:r>
-              <a:rPr lang="ko-KR" altLang="en-US" sz="9600" b="1" dirty="0" err="1">
-                <a:solidFill>
-                  <a:schemeClr val="bg1"/>
-                </a:solidFill>
-                <a:latin typeface="Arial" panose="020B0604020202020204" pitchFamily="34" charset="0"/>
-                <a:cs typeface="Arial" panose="020B0604020202020204" pitchFamily="34" charset="0"/>
-              </a:rPr>
-              <a:t>ㄷ</a:t>
+              <a:t>ㅎㅇ</a:t>
             </a:r>
             <a:endParaRPr lang="ko-KR" altLang="en-US" sz="9600" b="1" dirty="0">
               <a:solidFill>
@@ -8629,7 +9153,7 @@
       <p:sp>
         <p:nvSpPr>
           <p:cNvPr id="3" name="WRONG_btn">
-            <a:hlinkClick r:id="rId5" action="ppaction://hlinksldjump"/>
+            <a:hlinkClick r:id="rId3" action="ppaction://hlinksldjump"/>
             <a:hlinkHover r:id="" action="ppaction://noaction" highlightClick="1"/>
             <a:extLst>
               <a:ext uri="{FF2B5EF4-FFF2-40B4-BE49-F238E27FC236}">
@@ -8712,7 +9236,7 @@
             <a:avLst/>
           </a:prstGeom>
           <a:solidFill>
-            <a:srgbClr val="FF0000"/>
+            <a:schemeClr val="accent4"/>
           </a:solidFill>
           <a:ln>
             <a:noFill/>
@@ -8739,31 +9263,14 @@
           <a:lstStyle/>
           <a:p>
             <a:pPr algn="ctr"/>
-            <a:r>
-              <a:rPr lang="el-GR" altLang="ko-KR" sz="2800" b="1" i="0" dirty="0">
-                <a:solidFill>
-                  <a:schemeClr val="bg1"/>
-                </a:solidFill>
-                <a:effectLst/>
-                <a:latin typeface="Arial" panose="020B0604020202020204" pitchFamily="34" charset="0"/>
-                <a:cs typeface="Arial" panose="020B0604020202020204" pitchFamily="34" charset="0"/>
-              </a:rPr>
-              <a:t>ϟ</a:t>
-            </a:r>
-            <a:endParaRPr lang="ko-KR" altLang="en-US" sz="2800" b="1" dirty="0">
-              <a:solidFill>
-                <a:schemeClr val="bg1"/>
-              </a:solidFill>
-              <a:latin typeface="Arial" panose="020B0604020202020204" pitchFamily="34" charset="0"/>
-              <a:cs typeface="Arial" panose="020B0604020202020204" pitchFamily="34" charset="0"/>
-            </a:endParaRPr>
+            <a:endParaRPr lang="ko-KR" altLang="en-US"/>
           </a:p>
         </p:txBody>
       </p:sp>
     </p:spTree>
     <p:extLst>
       <p:ext uri="{BB962C8B-B14F-4D97-AF65-F5344CB8AC3E}">
-        <p14:creationId xmlns:p14="http://schemas.microsoft.com/office/powerpoint/2010/main" val="2240117438"/>
+        <p14:creationId xmlns:p14="http://schemas.microsoft.com/office/powerpoint/2010/main" val="2712339334"/>
       </p:ext>
     </p:extLst>
   </p:cSld>
@@ -8790,63 +9297,6 @@
           <a:chExt cx="0" cy="0"/>
         </a:xfrm>
       </p:grpSpPr>
-      <p:pic>
-        <p:nvPicPr>
-          <p:cNvPr id="9" name="Picture 2">
-            <a:extLst>
-              <a:ext uri="{FF2B5EF4-FFF2-40B4-BE49-F238E27FC236}">
-                <a16:creationId xmlns:a16="http://schemas.microsoft.com/office/drawing/2014/main" id="{F0DD5D92-9F05-9A9D-3EC2-04C2A5AC0214}"/>
-              </a:ext>
-            </a:extLst>
-          </p:cNvPr>
-          <p:cNvPicPr>
-            <a:picLocks noChangeAspect="1" noChangeArrowheads="1"/>
-          </p:cNvPicPr>
-          <p:nvPr/>
-        </p:nvPicPr>
-        <p:blipFill rotWithShape="1">
-          <a:blip r:embed="rId3">
-            <a:extLst>
-              <a:ext uri="{BEBA8EAE-BF5A-486C-A8C5-ECC9F3942E4B}">
-                <a14:imgProps xmlns:a14="http://schemas.microsoft.com/office/drawing/2010/main">
-                  <a14:imgLayer r:embed="rId4">
-                    <a14:imgEffect>
-                      <a14:brightnessContrast bright="-80000"/>
-                    </a14:imgEffect>
-                  </a14:imgLayer>
-                </a14:imgProps>
-              </a:ext>
-              <a:ext uri="{28A0092B-C50C-407E-A947-70E740481C1C}">
-                <a14:useLocalDpi xmlns:a14="http://schemas.microsoft.com/office/drawing/2010/main" val="0"/>
-              </a:ext>
-            </a:extLst>
-          </a:blip>
-          <a:srcRect l="37712" t="20886" r="38992" b="54057"/>
-          <a:stretch/>
-        </p:blipFill>
-        <p:spPr bwMode="auto">
-          <a:xfrm>
-            <a:off x="1923203" y="-1"/>
-            <a:ext cx="8345594" cy="6858002"/>
-          </a:xfrm>
-          <a:prstGeom prst="rect">
-            <a:avLst/>
-          </a:prstGeom>
-          <a:noFill/>
-          <a:effectLst>
-            <a:softEdge rad="635000"/>
-          </a:effectLst>
-          <a:extLst>
-            <a:ext uri="{909E8E84-426E-40DD-AFC4-6F175D3DCCD1}">
-              <a14:hiddenFill xmlns:a14="http://schemas.microsoft.com/office/drawing/2010/main">
-                <a:solidFill>
-                  <a:srgbClr val="FFFFFF"/>
-                </a:solidFill>
-              </a14:hiddenFill>
-            </a:ext>
-          </a:extLst>
-        </p:spPr>
-      </p:pic>
       <p:sp>
         <p:nvSpPr>
           <p:cNvPr id="4" name="WORD_lbl">
@@ -8884,27 +9334,7 @@
                 <a:latin typeface="Arial" panose="020B0604020202020204" pitchFamily="34" charset="0"/>
                 <a:cs typeface="Arial" panose="020B0604020202020204" pitchFamily="34" charset="0"/>
               </a:rPr>
-              <a:t>ㅂㅁㅇ</a:t>
-            </a:r>
-            <a:r>
-              <a:rPr lang="ko-KR" altLang="en-US" sz="9600" b="1" dirty="0">
-                <a:solidFill>
-                  <a:schemeClr val="bg1"/>
-                </a:solidFill>
-                <a:latin typeface="Arial" panose="020B0604020202020204" pitchFamily="34" charset="0"/>
-                <a:cs typeface="Arial" panose="020B0604020202020204" pitchFamily="34" charset="0"/>
-              </a:rPr>
-              <a:t> </a:t>
-            </a:r>
-            <a:r>
-              <a:rPr lang="ko-KR" altLang="en-US" sz="9600" b="1" dirty="0" err="1">
-                <a:solidFill>
-                  <a:schemeClr val="bg1"/>
-                </a:solidFill>
-                <a:latin typeface="Arial" panose="020B0604020202020204" pitchFamily="34" charset="0"/>
-                <a:cs typeface="Arial" panose="020B0604020202020204" pitchFamily="34" charset="0"/>
-              </a:rPr>
-              <a:t>ㅂ</a:t>
+              <a:t>ㄱㄹ</a:t>
             </a:r>
             <a:endParaRPr lang="ko-KR" altLang="en-US" sz="9600" b="1" dirty="0">
               <a:solidFill>
@@ -8982,7 +9412,7 @@
       <p:sp>
         <p:nvSpPr>
           <p:cNvPr id="3" name="WRONG_btn">
-            <a:hlinkClick r:id="rId5" action="ppaction://hlinksldjump"/>
+            <a:hlinkClick r:id="rId3" action="ppaction://hlinksldjump"/>
             <a:hlinkHover r:id="" action="ppaction://noaction" highlightClick="1"/>
             <a:extLst>
               <a:ext uri="{FF2B5EF4-FFF2-40B4-BE49-F238E27FC236}">
@@ -9065,7 +9495,7 @@
             <a:avLst/>
           </a:prstGeom>
           <a:solidFill>
-            <a:srgbClr val="FF0000"/>
+            <a:schemeClr val="accent4"/>
           </a:solidFill>
           <a:ln>
             <a:noFill/>
@@ -9092,31 +9522,14 @@
           <a:lstStyle/>
           <a:p>
             <a:pPr algn="ctr"/>
-            <a:r>
-              <a:rPr lang="el-GR" altLang="ko-KR" sz="2800" b="1" i="0" dirty="0">
-                <a:solidFill>
-                  <a:schemeClr val="bg1"/>
-                </a:solidFill>
-                <a:effectLst/>
-                <a:latin typeface="Arial" panose="020B0604020202020204" pitchFamily="34" charset="0"/>
-                <a:cs typeface="Arial" panose="020B0604020202020204" pitchFamily="34" charset="0"/>
-              </a:rPr>
-              <a:t>ϟ</a:t>
-            </a:r>
-            <a:endParaRPr lang="ko-KR" altLang="en-US" sz="2800" b="1" dirty="0">
-              <a:solidFill>
-                <a:schemeClr val="bg1"/>
-              </a:solidFill>
-              <a:latin typeface="Arial" panose="020B0604020202020204" pitchFamily="34" charset="0"/>
-              <a:cs typeface="Arial" panose="020B0604020202020204" pitchFamily="34" charset="0"/>
-            </a:endParaRPr>
+            <a:endParaRPr lang="ko-KR" altLang="en-US"/>
           </a:p>
         </p:txBody>
       </p:sp>
     </p:spTree>
     <p:extLst>
       <p:ext uri="{BB962C8B-B14F-4D97-AF65-F5344CB8AC3E}">
-        <p14:creationId xmlns:p14="http://schemas.microsoft.com/office/powerpoint/2010/main" val="2294948684"/>
+        <p14:creationId xmlns:p14="http://schemas.microsoft.com/office/powerpoint/2010/main" val="2015891961"/>
       </p:ext>
     </p:extLst>
   </p:cSld>
@@ -10089,63 +10502,6 @@
           <a:chExt cx="0" cy="0"/>
         </a:xfrm>
       </p:grpSpPr>
-      <p:pic>
-        <p:nvPicPr>
-          <p:cNvPr id="9" name="Picture 2">
-            <a:extLst>
-              <a:ext uri="{FF2B5EF4-FFF2-40B4-BE49-F238E27FC236}">
-                <a16:creationId xmlns:a16="http://schemas.microsoft.com/office/drawing/2014/main" id="{DB8F1FCB-8233-EA18-B1F1-B19A0BD3BAC7}"/>
-              </a:ext>
-            </a:extLst>
-          </p:cNvPr>
-          <p:cNvPicPr>
-            <a:picLocks noChangeAspect="1" noChangeArrowheads="1"/>
-          </p:cNvPicPr>
-          <p:nvPr/>
-        </p:nvPicPr>
-        <p:blipFill rotWithShape="1">
-          <a:blip r:embed="rId3">
-            <a:extLst>
-              <a:ext uri="{BEBA8EAE-BF5A-486C-A8C5-ECC9F3942E4B}">
-                <a14:imgProps xmlns:a14="http://schemas.microsoft.com/office/drawing/2010/main">
-                  <a14:imgLayer r:embed="rId4">
-                    <a14:imgEffect>
-                      <a14:brightnessContrast bright="-80000"/>
-                    </a14:imgEffect>
-                  </a14:imgLayer>
-                </a14:imgProps>
-              </a:ext>
-              <a:ext uri="{28A0092B-C50C-407E-A947-70E740481C1C}">
-                <a14:useLocalDpi xmlns:a14="http://schemas.microsoft.com/office/drawing/2010/main" val="0"/>
-              </a:ext>
-            </a:extLst>
-          </a:blip>
-          <a:srcRect l="61904" t="20916" r="14800" b="53765"/>
-          <a:stretch/>
-        </p:blipFill>
-        <p:spPr bwMode="auto">
-          <a:xfrm>
-            <a:off x="1966390" y="-1"/>
-            <a:ext cx="8259220" cy="6858002"/>
-          </a:xfrm>
-          <a:prstGeom prst="rect">
-            <a:avLst/>
-          </a:prstGeom>
-          <a:noFill/>
-          <a:effectLst>
-            <a:softEdge rad="635000"/>
-          </a:effectLst>
-          <a:extLst>
-            <a:ext uri="{909E8E84-426E-40DD-AFC4-6F175D3DCCD1}">
-              <a14:hiddenFill xmlns:a14="http://schemas.microsoft.com/office/drawing/2010/main">
-                <a:solidFill>
-                  <a:srgbClr val="FFFFFF"/>
-                </a:solidFill>
-              </a14:hiddenFill>
-            </a:ext>
-          </a:extLst>
-        </p:spPr>
-      </p:pic>
       <p:sp>
         <p:nvSpPr>
           <p:cNvPr id="4" name="WORD_lbl">
@@ -10183,27 +10539,7 @@
                 <a:latin typeface="Arial" panose="020B0604020202020204" pitchFamily="34" charset="0"/>
                 <a:cs typeface="Arial" panose="020B0604020202020204" pitchFamily="34" charset="0"/>
               </a:rPr>
-              <a:t>ㅇㅈㅋㅂㅇ</a:t>
-            </a:r>
-            <a:r>
-              <a:rPr lang="ko-KR" altLang="en-US" sz="9600" b="1" dirty="0">
-                <a:solidFill>
-                  <a:schemeClr val="bg1"/>
-                </a:solidFill>
-                <a:latin typeface="Arial" panose="020B0604020202020204" pitchFamily="34" charset="0"/>
-                <a:cs typeface="Arial" panose="020B0604020202020204" pitchFamily="34" charset="0"/>
-              </a:rPr>
-              <a:t> </a:t>
-            </a:r>
-            <a:r>
-              <a:rPr lang="ko-KR" altLang="en-US" sz="9600" b="1" dirty="0" err="1">
-                <a:solidFill>
-                  <a:schemeClr val="bg1"/>
-                </a:solidFill>
-                <a:latin typeface="Arial" panose="020B0604020202020204" pitchFamily="34" charset="0"/>
-                <a:cs typeface="Arial" panose="020B0604020202020204" pitchFamily="34" charset="0"/>
-              </a:rPr>
-              <a:t>ㅈㅅ</a:t>
+              <a:t>ㅅㄹ</a:t>
             </a:r>
             <a:endParaRPr lang="ko-KR" altLang="en-US" sz="9600" b="1" dirty="0">
               <a:solidFill>
@@ -10281,7 +10617,7 @@
       <p:sp>
         <p:nvSpPr>
           <p:cNvPr id="3" name="WRONG_btn">
-            <a:hlinkClick r:id="rId5" action="ppaction://hlinksldjump"/>
+            <a:hlinkClick r:id="rId3" action="ppaction://hlinksldjump"/>
             <a:hlinkHover r:id="" action="ppaction://noaction" highlightClick="1"/>
             <a:extLst>
               <a:ext uri="{FF2B5EF4-FFF2-40B4-BE49-F238E27FC236}">
@@ -10364,7 +10700,7 @@
             <a:avLst/>
           </a:prstGeom>
           <a:solidFill>
-            <a:srgbClr val="FF0000"/>
+            <a:schemeClr val="accent4"/>
           </a:solidFill>
           <a:ln>
             <a:noFill/>
@@ -10391,31 +10727,14 @@
           <a:lstStyle/>
           <a:p>
             <a:pPr algn="ctr"/>
-            <a:r>
-              <a:rPr lang="el-GR" altLang="ko-KR" sz="2800" b="1" i="0" dirty="0">
-                <a:solidFill>
-                  <a:schemeClr val="bg1"/>
-                </a:solidFill>
-                <a:effectLst/>
-                <a:latin typeface="Arial" panose="020B0604020202020204" pitchFamily="34" charset="0"/>
-                <a:cs typeface="Arial" panose="020B0604020202020204" pitchFamily="34" charset="0"/>
-              </a:rPr>
-              <a:t>ϟ</a:t>
-            </a:r>
-            <a:endParaRPr lang="ko-KR" altLang="en-US" sz="2800" b="1" dirty="0">
-              <a:solidFill>
-                <a:schemeClr val="bg1"/>
-              </a:solidFill>
-              <a:latin typeface="Arial" panose="020B0604020202020204" pitchFamily="34" charset="0"/>
-              <a:cs typeface="Arial" panose="020B0604020202020204" pitchFamily="34" charset="0"/>
-            </a:endParaRPr>
+            <a:endParaRPr lang="ko-KR" altLang="en-US"/>
           </a:p>
         </p:txBody>
       </p:sp>
     </p:spTree>
     <p:extLst>
       <p:ext uri="{BB962C8B-B14F-4D97-AF65-F5344CB8AC3E}">
-        <p14:creationId xmlns:p14="http://schemas.microsoft.com/office/powerpoint/2010/main" val="578123420"/>
+        <p14:creationId xmlns:p14="http://schemas.microsoft.com/office/powerpoint/2010/main" val="818660076"/>
       </p:ext>
     </p:extLst>
   </p:cSld>
@@ -10442,63 +10761,6 @@
           <a:chExt cx="0" cy="0"/>
         </a:xfrm>
       </p:grpSpPr>
-      <p:pic>
-        <p:nvPicPr>
-          <p:cNvPr id="6" name="Picture 2">
-            <a:extLst>
-              <a:ext uri="{FF2B5EF4-FFF2-40B4-BE49-F238E27FC236}">
-                <a16:creationId xmlns:a16="http://schemas.microsoft.com/office/drawing/2014/main" id="{818F1532-97A8-7461-6109-B8AD9A612AB1}"/>
-              </a:ext>
-            </a:extLst>
-          </p:cNvPr>
-          <p:cNvPicPr>
-            <a:picLocks noChangeAspect="1" noChangeArrowheads="1"/>
-          </p:cNvPicPr>
-          <p:nvPr/>
-        </p:nvPicPr>
-        <p:blipFill rotWithShape="1">
-          <a:blip r:embed="rId3">
-            <a:extLst>
-              <a:ext uri="{BEBA8EAE-BF5A-486C-A8C5-ECC9F3942E4B}">
-                <a14:imgProps xmlns:a14="http://schemas.microsoft.com/office/drawing/2010/main">
-                  <a14:imgLayer r:embed="rId4">
-                    <a14:imgEffect>
-                      <a14:brightnessContrast bright="-80000"/>
-                    </a14:imgEffect>
-                  </a14:imgLayer>
-                </a14:imgProps>
-              </a:ext>
-              <a:ext uri="{28A0092B-C50C-407E-A947-70E740481C1C}">
-                <a14:useLocalDpi xmlns:a14="http://schemas.microsoft.com/office/drawing/2010/main" val="0"/>
-              </a:ext>
-            </a:extLst>
-          </a:blip>
-          <a:srcRect l="512" t="71518" r="76192" b="3163"/>
-          <a:stretch/>
-        </p:blipFill>
-        <p:spPr bwMode="auto">
-          <a:xfrm>
-            <a:off x="1966390" y="0"/>
-            <a:ext cx="8259220" cy="6858002"/>
-          </a:xfrm>
-          <a:prstGeom prst="rect">
-            <a:avLst/>
-          </a:prstGeom>
-          <a:noFill/>
-          <a:effectLst>
-            <a:softEdge rad="635000"/>
-          </a:effectLst>
-          <a:extLst>
-            <a:ext uri="{909E8E84-426E-40DD-AFC4-6F175D3DCCD1}">
-              <a14:hiddenFill xmlns:a14="http://schemas.microsoft.com/office/drawing/2010/main">
-                <a:solidFill>
-                  <a:srgbClr val="FFFFFF"/>
-                </a:solidFill>
-              </a14:hiddenFill>
-            </a:ext>
-          </a:extLst>
-        </p:spPr>
-      </p:pic>
       <p:sp>
         <p:nvSpPr>
           <p:cNvPr id="4" name="WORD_lbl">
@@ -10536,27 +10798,7 @@
                 <a:latin typeface="Arial" panose="020B0604020202020204" pitchFamily="34" charset="0"/>
                 <a:cs typeface="Arial" panose="020B0604020202020204" pitchFamily="34" charset="0"/>
               </a:rPr>
-              <a:t>ㅂㅇ</a:t>
-            </a:r>
-            <a:r>
-              <a:rPr lang="ko-KR" altLang="en-US" sz="9600" b="1" dirty="0">
-                <a:solidFill>
-                  <a:schemeClr val="bg1"/>
-                </a:solidFill>
-                <a:latin typeface="Arial" panose="020B0604020202020204" pitchFamily="34" charset="0"/>
-                <a:cs typeface="Arial" panose="020B0604020202020204" pitchFamily="34" charset="0"/>
-              </a:rPr>
-              <a:t> </a:t>
-            </a:r>
-            <a:r>
-              <a:rPr lang="ko-KR" altLang="en-US" sz="9600" b="1" dirty="0" err="1">
-                <a:solidFill>
-                  <a:schemeClr val="bg1"/>
-                </a:solidFill>
-                <a:latin typeface="Arial" panose="020B0604020202020204" pitchFamily="34" charset="0"/>
-                <a:cs typeface="Arial" panose="020B0604020202020204" pitchFamily="34" charset="0"/>
-              </a:rPr>
-              <a:t>ㅈ</a:t>
+              <a:t>ㅇㅇ</a:t>
             </a:r>
             <a:endParaRPr lang="ko-KR" altLang="en-US" sz="9600" b="1" dirty="0">
               <a:solidFill>
@@ -10634,7 +10876,7 @@
       <p:sp>
         <p:nvSpPr>
           <p:cNvPr id="3" name="WRONG_btn">
-            <a:hlinkClick r:id="rId5" action="ppaction://hlinksldjump"/>
+            <a:hlinkClick r:id="rId3" action="ppaction://hlinksldjump"/>
             <a:hlinkHover r:id="" action="ppaction://noaction" highlightClick="1"/>
             <a:extLst>
               <a:ext uri="{FF2B5EF4-FFF2-40B4-BE49-F238E27FC236}">
@@ -10717,7 +10959,7 @@
             <a:avLst/>
           </a:prstGeom>
           <a:solidFill>
-            <a:srgbClr val="FF0000"/>
+            <a:schemeClr val="accent4"/>
           </a:solidFill>
           <a:ln>
             <a:noFill/>
@@ -10744,31 +10986,14 @@
           <a:lstStyle/>
           <a:p>
             <a:pPr algn="ctr"/>
-            <a:r>
-              <a:rPr lang="el-GR" altLang="ko-KR" sz="2800" b="1" i="0" dirty="0">
-                <a:solidFill>
-                  <a:schemeClr val="bg1"/>
-                </a:solidFill>
-                <a:effectLst/>
-                <a:latin typeface="Arial" panose="020B0604020202020204" pitchFamily="34" charset="0"/>
-                <a:cs typeface="Arial" panose="020B0604020202020204" pitchFamily="34" charset="0"/>
-              </a:rPr>
-              <a:t>ϟ</a:t>
-            </a:r>
-            <a:endParaRPr lang="ko-KR" altLang="en-US" sz="2800" b="1" dirty="0">
-              <a:solidFill>
-                <a:schemeClr val="bg1"/>
-              </a:solidFill>
-              <a:latin typeface="Arial" panose="020B0604020202020204" pitchFamily="34" charset="0"/>
-              <a:cs typeface="Arial" panose="020B0604020202020204" pitchFamily="34" charset="0"/>
-            </a:endParaRPr>
+            <a:endParaRPr lang="ko-KR" altLang="en-US"/>
           </a:p>
         </p:txBody>
       </p:sp>
     </p:spTree>
     <p:extLst>
       <p:ext uri="{BB962C8B-B14F-4D97-AF65-F5344CB8AC3E}">
-        <p14:creationId xmlns:p14="http://schemas.microsoft.com/office/powerpoint/2010/main" val="469643666"/>
+        <p14:creationId xmlns:p14="http://schemas.microsoft.com/office/powerpoint/2010/main" val="1438867232"/>
       </p:ext>
     </p:extLst>
   </p:cSld>
@@ -10795,63 +11020,6 @@
           <a:chExt cx="0" cy="0"/>
         </a:xfrm>
       </p:grpSpPr>
-      <p:pic>
-        <p:nvPicPr>
-          <p:cNvPr id="6" name="Picture 2">
-            <a:extLst>
-              <a:ext uri="{FF2B5EF4-FFF2-40B4-BE49-F238E27FC236}">
-                <a16:creationId xmlns:a16="http://schemas.microsoft.com/office/drawing/2014/main" id="{0BCCB685-3EFA-92A6-A9BD-D6CF35E64684}"/>
-              </a:ext>
-            </a:extLst>
-          </p:cNvPr>
-          <p:cNvPicPr>
-            <a:picLocks noChangeAspect="1" noChangeArrowheads="1"/>
-          </p:cNvPicPr>
-          <p:nvPr/>
-        </p:nvPicPr>
-        <p:blipFill rotWithShape="1">
-          <a:blip r:embed="rId3">
-            <a:extLst>
-              <a:ext uri="{BEBA8EAE-BF5A-486C-A8C5-ECC9F3942E4B}">
-                <a14:imgProps xmlns:a14="http://schemas.microsoft.com/office/drawing/2010/main">
-                  <a14:imgLayer r:embed="rId4">
-                    <a14:imgEffect>
-                      <a14:brightnessContrast bright="-80000"/>
-                    </a14:imgEffect>
-                  </a14:imgLayer>
-                </a14:imgProps>
-              </a:ext>
-              <a:ext uri="{28A0092B-C50C-407E-A947-70E740481C1C}">
-                <a14:useLocalDpi xmlns:a14="http://schemas.microsoft.com/office/drawing/2010/main" val="0"/>
-              </a:ext>
-            </a:extLst>
-          </a:blip>
-          <a:srcRect l="25120" t="71518" r="51584" b="3163"/>
-          <a:stretch/>
-        </p:blipFill>
-        <p:spPr bwMode="auto">
-          <a:xfrm>
-            <a:off x="1966390" y="-1"/>
-            <a:ext cx="8259220" cy="6858002"/>
-          </a:xfrm>
-          <a:prstGeom prst="rect">
-            <a:avLst/>
-          </a:prstGeom>
-          <a:noFill/>
-          <a:effectLst>
-            <a:softEdge rad="635000"/>
-          </a:effectLst>
-          <a:extLst>
-            <a:ext uri="{909E8E84-426E-40DD-AFC4-6F175D3DCCD1}">
-              <a14:hiddenFill xmlns:a14="http://schemas.microsoft.com/office/drawing/2010/main">
-                <a:solidFill>
-                  <a:srgbClr val="FFFFFF"/>
-                </a:solidFill>
-              </a14:hiddenFill>
-            </a:ext>
-          </a:extLst>
-        </p:spPr>
-      </p:pic>
       <p:sp>
         <p:nvSpPr>
           <p:cNvPr id="4" name="WORD_lbl">
@@ -10889,27 +11057,7 @@
                 <a:latin typeface="Arial" panose="020B0604020202020204" pitchFamily="34" charset="0"/>
                 <a:cs typeface="Arial" panose="020B0604020202020204" pitchFamily="34" charset="0"/>
               </a:rPr>
-              <a:t>ㅂㅅㅈ</a:t>
-            </a:r>
-            <a:r>
-              <a:rPr lang="ko-KR" altLang="en-US" sz="9600" b="1" dirty="0">
-                <a:solidFill>
-                  <a:schemeClr val="bg1"/>
-                </a:solidFill>
-                <a:latin typeface="Arial" panose="020B0604020202020204" pitchFamily="34" charset="0"/>
-                <a:cs typeface="Arial" panose="020B0604020202020204" pitchFamily="34" charset="0"/>
-              </a:rPr>
-              <a:t> </a:t>
-            </a:r>
-            <a:r>
-              <a:rPr lang="ko-KR" altLang="en-US" sz="9600" b="1" dirty="0" err="1">
-                <a:solidFill>
-                  <a:schemeClr val="bg1"/>
-                </a:solidFill>
-                <a:latin typeface="Arial" panose="020B0604020202020204" pitchFamily="34" charset="0"/>
-                <a:cs typeface="Arial" panose="020B0604020202020204" pitchFamily="34" charset="0"/>
-              </a:rPr>
-              <a:t>ㄱㅅㄷ</a:t>
+              <a:t>ㄷㅅ</a:t>
             </a:r>
             <a:endParaRPr lang="ko-KR" altLang="en-US" sz="9600" b="1" dirty="0">
               <a:solidFill>
@@ -10987,7 +11135,7 @@
       <p:sp>
         <p:nvSpPr>
           <p:cNvPr id="3" name="WRONG_btn">
-            <a:hlinkClick r:id="rId5" action="ppaction://hlinksldjump"/>
+            <a:hlinkClick r:id="rId3" action="ppaction://hlinksldjump"/>
             <a:hlinkHover r:id="" action="ppaction://noaction" highlightClick="1"/>
             <a:extLst>
               <a:ext uri="{FF2B5EF4-FFF2-40B4-BE49-F238E27FC236}">
@@ -11070,7 +11218,7 @@
             <a:avLst/>
           </a:prstGeom>
           <a:solidFill>
-            <a:srgbClr val="FF0000"/>
+            <a:schemeClr val="accent4"/>
           </a:solidFill>
           <a:ln>
             <a:noFill/>
@@ -11097,31 +11245,14 @@
           <a:lstStyle/>
           <a:p>
             <a:pPr algn="ctr"/>
-            <a:r>
-              <a:rPr lang="el-GR" altLang="ko-KR" sz="2800" b="1" i="0" dirty="0">
-                <a:solidFill>
-                  <a:schemeClr val="bg1"/>
-                </a:solidFill>
-                <a:effectLst/>
-                <a:latin typeface="Arial" panose="020B0604020202020204" pitchFamily="34" charset="0"/>
-                <a:cs typeface="Arial" panose="020B0604020202020204" pitchFamily="34" charset="0"/>
-              </a:rPr>
-              <a:t>ϟ</a:t>
-            </a:r>
-            <a:endParaRPr lang="ko-KR" altLang="en-US" sz="2800" b="1" dirty="0">
-              <a:solidFill>
-                <a:schemeClr val="bg1"/>
-              </a:solidFill>
-              <a:latin typeface="Arial" panose="020B0604020202020204" pitchFamily="34" charset="0"/>
-              <a:cs typeface="Arial" panose="020B0604020202020204" pitchFamily="34" charset="0"/>
-            </a:endParaRPr>
+            <a:endParaRPr lang="ko-KR" altLang="en-US"/>
           </a:p>
         </p:txBody>
       </p:sp>
     </p:spTree>
     <p:extLst>
       <p:ext uri="{BB962C8B-B14F-4D97-AF65-F5344CB8AC3E}">
-        <p14:creationId xmlns:p14="http://schemas.microsoft.com/office/powerpoint/2010/main" val="2017556178"/>
+        <p14:creationId xmlns:p14="http://schemas.microsoft.com/office/powerpoint/2010/main" val="4026773549"/>
       </p:ext>
     </p:extLst>
   </p:cSld>
@@ -11148,120 +11279,14 @@
           <a:chExt cx="0" cy="0"/>
         </a:xfrm>
       </p:grpSpPr>
-      <p:pic>
-        <p:nvPicPr>
-          <p:cNvPr id="6" name="Picture 2">
-            <a:extLst>
-              <a:ext uri="{FF2B5EF4-FFF2-40B4-BE49-F238E27FC236}">
-                <a16:creationId xmlns:a16="http://schemas.microsoft.com/office/drawing/2014/main" id="{43009B15-1A6B-73B1-44DB-458616CEC081}"/>
-              </a:ext>
-            </a:extLst>
-          </p:cNvPr>
-          <p:cNvPicPr>
-            <a:picLocks noChangeAspect="1" noChangeArrowheads="1"/>
-          </p:cNvPicPr>
-          <p:nvPr/>
-        </p:nvPicPr>
-        <p:blipFill rotWithShape="1">
-          <a:blip r:embed="rId3">
-            <a:extLst>
-              <a:ext uri="{BEBA8EAE-BF5A-486C-A8C5-ECC9F3942E4B}">
-                <a14:imgProps xmlns:a14="http://schemas.microsoft.com/office/drawing/2010/main">
-                  <a14:imgLayer r:embed="rId4">
-                    <a14:imgEffect>
-                      <a14:brightnessContrast bright="-80000"/>
-                    </a14:imgEffect>
-                  </a14:imgLayer>
-                </a14:imgProps>
-              </a:ext>
-              <a:ext uri="{28A0092B-C50C-407E-A947-70E740481C1C}">
-                <a14:useLocalDpi xmlns:a14="http://schemas.microsoft.com/office/drawing/2010/main" val="0"/>
-              </a:ext>
-            </a:extLst>
-          </a:blip>
-          <a:srcRect l="49248" t="71518" r="27456" b="3162"/>
-          <a:stretch/>
-        </p:blipFill>
-        <p:spPr bwMode="auto">
-          <a:xfrm>
-            <a:off x="1966391" y="0"/>
-            <a:ext cx="8259218" cy="6858000"/>
-          </a:xfrm>
-          <a:prstGeom prst="rect">
-            <a:avLst/>
-          </a:prstGeom>
-          <a:noFill/>
-          <a:effectLst>
-            <a:softEdge rad="635000"/>
-          </a:effectLst>
-          <a:extLst>
-            <a:ext uri="{909E8E84-426E-40DD-AFC4-6F175D3DCCD1}">
-              <a14:hiddenFill xmlns:a14="http://schemas.microsoft.com/office/drawing/2010/main">
-                <a:solidFill>
-                  <a:srgbClr val="FFFFFF"/>
-                </a:solidFill>
-              </a14:hiddenFill>
-            </a:ext>
-          </a:extLst>
-        </p:spPr>
-      </p:pic>
-      <p:sp>
-        <p:nvSpPr>
-          <p:cNvPr id="4" name="WORD_lbl">
-            <a:extLst>
-              <a:ext uri="{FF2B5EF4-FFF2-40B4-BE49-F238E27FC236}">
-                <a16:creationId xmlns:a16="http://schemas.microsoft.com/office/drawing/2014/main" id="{CE42E556-94BF-C1A5-7455-7825788F114E}"/>
-              </a:ext>
-            </a:extLst>
-          </p:cNvPr>
-          <p:cNvSpPr txBox="1"/>
-          <p:nvPr/>
-        </p:nvSpPr>
-        <p:spPr>
-          <a:xfrm>
-            <a:off x="0" y="2644170"/>
-            <a:ext cx="12192000" cy="1569660"/>
-          </a:xfrm>
-          <a:prstGeom prst="rect">
-            <a:avLst/>
-          </a:prstGeom>
-          <a:noFill/>
-        </p:spPr>
-        <p:txBody>
-          <a:bodyPr wrap="square" rtlCol="0">
-            <a:spAutoFit/>
-          </a:bodyPr>
-          <a:lstStyle/>
-          <a:p>
-            <a:pPr algn="ctr"/>
-            <a:r>
-              <a:rPr lang="ko-KR" altLang="en-US" sz="9600" b="1" dirty="0" err="1">
-                <a:solidFill>
-                  <a:schemeClr val="bg1"/>
-                </a:solidFill>
-                <a:latin typeface="Arial" panose="020B0604020202020204" pitchFamily="34" charset="0"/>
-                <a:cs typeface="Arial" panose="020B0604020202020204" pitchFamily="34" charset="0"/>
-              </a:rPr>
-              <a:t>ㅎㅎㅇㅈ</a:t>
-            </a:r>
-            <a:endParaRPr lang="ko-KR" altLang="en-US" sz="9600" b="1" dirty="0">
-              <a:solidFill>
-                <a:schemeClr val="bg1"/>
-              </a:solidFill>
-              <a:latin typeface="Arial" panose="020B0604020202020204" pitchFamily="34" charset="0"/>
-              <a:cs typeface="Arial" panose="020B0604020202020204" pitchFamily="34" charset="0"/>
-            </a:endParaRPr>
-          </a:p>
-        </p:txBody>
-      </p:sp>
-      <p:sp>
-        <p:nvSpPr>
-          <p:cNvPr id="5" name="RIGHT_btn">
+      <p:sp>
+        <p:nvSpPr>
+          <p:cNvPr id="4" name="RIGHT_btn">
             <a:hlinkClick r:id="" action="ppaction://hlinkshowjump?jump=nextslide"/>
             <a:hlinkHover r:id="" action="ppaction://noaction" highlightClick="1"/>
             <a:extLst>
               <a:ext uri="{FF2B5EF4-FFF2-40B4-BE49-F238E27FC236}">
-                <a16:creationId xmlns:a16="http://schemas.microsoft.com/office/drawing/2014/main" id="{8206A97A-08B9-313B-0909-12E2937309F6}"/>
+                <a16:creationId xmlns:a16="http://schemas.microsoft.com/office/drawing/2014/main" id="{DA78CB50-22F3-D228-2EFA-C6B273A7CE61}"/>
               </a:ext>
             </a:extLst>
           </p:cNvPr>
@@ -11319,142 +11344,50 @@
       </p:sp>
       <p:sp>
         <p:nvSpPr>
-          <p:cNvPr id="3" name="WRONG_btn">
-            <a:hlinkClick r:id="rId5" action="ppaction://hlinksldjump"/>
-            <a:hlinkHover r:id="" action="ppaction://noaction" highlightClick="1"/>
-            <a:extLst>
-              <a:ext uri="{FF2B5EF4-FFF2-40B4-BE49-F238E27FC236}">
-                <a16:creationId xmlns:a16="http://schemas.microsoft.com/office/drawing/2014/main" id="{F5532519-F58C-6581-E0A1-6235416882F6}"/>
-              </a:ext>
-            </a:extLst>
-          </p:cNvPr>
-          <p:cNvSpPr/>
+          <p:cNvPr id="6" name="WORD_lbl">
+            <a:extLst>
+              <a:ext uri="{FF2B5EF4-FFF2-40B4-BE49-F238E27FC236}">
+                <a16:creationId xmlns:a16="http://schemas.microsoft.com/office/drawing/2014/main" id="{36749B93-A8B2-2E5B-8C3F-0425F3466B03}"/>
+              </a:ext>
+            </a:extLst>
+          </p:cNvPr>
+          <p:cNvSpPr txBox="1"/>
           <p:nvPr/>
         </p:nvSpPr>
         <p:spPr>
           <a:xfrm>
-            <a:off x="8938182" y="6055864"/>
-            <a:ext cx="1465619" cy="634181"/>
+            <a:off x="0" y="2644170"/>
+            <a:ext cx="12192000" cy="1569660"/>
           </a:xfrm>
           <a:prstGeom prst="rect">
             <a:avLst/>
           </a:prstGeom>
-          <a:solidFill>
-            <a:schemeClr val="tx1"/>
-          </a:solidFill>
-          <a:ln w="38100">
-            <a:solidFill>
-              <a:schemeClr val="bg1"/>
-            </a:solidFill>
-          </a:ln>
+          <a:noFill/>
         </p:spPr>
-        <p:style>
-          <a:lnRef idx="2">
-            <a:schemeClr val="accent1">
-              <a:shade val="50000"/>
-            </a:schemeClr>
-          </a:lnRef>
-          <a:fillRef idx="1">
-            <a:schemeClr val="accent1"/>
-          </a:fillRef>
-          <a:effectRef idx="0">
-            <a:schemeClr val="accent1"/>
-          </a:effectRef>
-          <a:fontRef idx="minor">
-            <a:schemeClr val="lt1"/>
-          </a:fontRef>
-        </p:style>
-        <p:txBody>
-          <a:bodyPr rtlCol="0" anchor="ctr"/>
+        <p:txBody>
+          <a:bodyPr wrap="square" rtlCol="0">
+            <a:spAutoFit/>
+          </a:bodyPr>
           <a:lstStyle/>
           <a:p>
             <a:pPr algn="ctr"/>
             <a:r>
-              <a:rPr lang="ko-KR" altLang="en-US" sz="3200" b="1" dirty="0">
+              <a:rPr lang="ko-KR" altLang="en-US" sz="9600" b="1" dirty="0">
                 <a:solidFill>
                   <a:schemeClr val="bg1"/>
                 </a:solidFill>
                 <a:latin typeface="Arial" panose="020B0604020202020204" pitchFamily="34" charset="0"/>
                 <a:cs typeface="Arial" panose="020B0604020202020204" pitchFamily="34" charset="0"/>
               </a:rPr>
-              <a:t>오답</a:t>
-            </a:r>
-          </a:p>
-        </p:txBody>
-      </p:sp>
-      <p:sp>
-        <p:nvSpPr>
-          <p:cNvPr id="2" name="타원 1">
-            <a:extLst>
-              <a:ext uri="{FF2B5EF4-FFF2-40B4-BE49-F238E27FC236}">
-                <a16:creationId xmlns:a16="http://schemas.microsoft.com/office/drawing/2014/main" id="{9ACA1DBF-FAF3-7087-4552-CACFD4E23201}"/>
-              </a:ext>
-            </a:extLst>
-          </p:cNvPr>
-          <p:cNvSpPr/>
-          <p:nvPr/>
-        </p:nvSpPr>
-        <p:spPr>
-          <a:xfrm>
-            <a:off x="162045" y="173620"/>
-            <a:ext cx="439838" cy="439838"/>
-          </a:xfrm>
-          <a:prstGeom prst="ellipse">
-            <a:avLst/>
-          </a:prstGeom>
-          <a:solidFill>
-            <a:srgbClr val="FF0000"/>
-          </a:solidFill>
-          <a:ln>
-            <a:noFill/>
-          </a:ln>
-        </p:spPr>
-        <p:style>
-          <a:lnRef idx="2">
-            <a:schemeClr val="accent1">
-              <a:shade val="50000"/>
-            </a:schemeClr>
-          </a:lnRef>
-          <a:fillRef idx="1">
-            <a:schemeClr val="accent1"/>
-          </a:fillRef>
-          <a:effectRef idx="0">
-            <a:schemeClr val="accent1"/>
-          </a:effectRef>
-          <a:fontRef idx="minor">
-            <a:schemeClr val="lt1"/>
-          </a:fontRef>
-        </p:style>
-        <p:txBody>
-          <a:bodyPr rtlCol="0" anchor="ctr"/>
-          <a:lstStyle/>
-          <a:p>
-            <a:pPr algn="ctr"/>
-            <a:r>
-              <a:rPr lang="el-GR" altLang="ko-KR" sz="2800" b="1" i="0" dirty="0">
-                <a:solidFill>
-                  <a:schemeClr val="bg1"/>
-                </a:solidFill>
-                <a:effectLst/>
-                <a:latin typeface="Arial" panose="020B0604020202020204" pitchFamily="34" charset="0"/>
-                <a:cs typeface="Arial" panose="020B0604020202020204" pitchFamily="34" charset="0"/>
-              </a:rPr>
-              <a:t>ϟ</a:t>
-            </a:r>
-            <a:endParaRPr lang="ko-KR" altLang="en-US" sz="2800" b="1" dirty="0">
-              <a:solidFill>
-                <a:schemeClr val="bg1"/>
-              </a:solidFill>
-              <a:latin typeface="Arial" panose="020B0604020202020204" pitchFamily="34" charset="0"/>
-              <a:cs typeface="Arial" panose="020B0604020202020204" pitchFamily="34" charset="0"/>
-            </a:endParaRPr>
+              <a:t>번외</a:t>
+            </a:r>
           </a:p>
         </p:txBody>
       </p:sp>
     </p:spTree>
     <p:extLst>
       <p:ext uri="{BB962C8B-B14F-4D97-AF65-F5344CB8AC3E}">
-        <p14:creationId xmlns:p14="http://schemas.microsoft.com/office/powerpoint/2010/main" val="839854678"/>
+        <p14:creationId xmlns:p14="http://schemas.microsoft.com/office/powerpoint/2010/main" val="4286339938"/>
       </p:ext>
     </p:extLst>
   </p:cSld>
@@ -11483,6 +11416,2363 @@
       </p:grpSpPr>
       <p:pic>
         <p:nvPicPr>
+          <p:cNvPr id="9" name="Picture 2">
+            <a:extLst>
+              <a:ext uri="{FF2B5EF4-FFF2-40B4-BE49-F238E27FC236}">
+                <a16:creationId xmlns:a16="http://schemas.microsoft.com/office/drawing/2014/main" id="{8D60C572-3F36-315B-6CA0-8BF20F58ABF4}"/>
+              </a:ext>
+            </a:extLst>
+          </p:cNvPr>
+          <p:cNvPicPr>
+            <a:picLocks noChangeAspect="1" noChangeArrowheads="1"/>
+          </p:cNvPicPr>
+          <p:nvPr/>
+        </p:nvPicPr>
+        <p:blipFill rotWithShape="1">
+          <a:blip r:embed="rId3">
+            <a:extLst>
+              <a:ext uri="{BEBA8EAE-BF5A-486C-A8C5-ECC9F3942E4B}">
+                <a14:imgProps xmlns:a14="http://schemas.microsoft.com/office/drawing/2010/main">
+                  <a14:imgLayer r:embed="rId4">
+                    <a14:imgEffect>
+                      <a14:brightnessContrast bright="-80000"/>
+                    </a14:imgEffect>
+                  </a14:imgLayer>
+                </a14:imgProps>
+              </a:ext>
+              <a:ext uri="{28A0092B-C50C-407E-A947-70E740481C1C}">
+                <a14:useLocalDpi xmlns:a14="http://schemas.microsoft.com/office/drawing/2010/main" val="0"/>
+              </a:ext>
+            </a:extLst>
+          </a:blip>
+          <a:srcRect l="14161" t="21188" r="62543" b="53493"/>
+          <a:stretch/>
+        </p:blipFill>
+        <p:spPr bwMode="auto">
+          <a:xfrm>
+            <a:off x="1966379" y="0"/>
+            <a:ext cx="8259242" cy="6858000"/>
+          </a:xfrm>
+          <a:prstGeom prst="rect">
+            <a:avLst/>
+          </a:prstGeom>
+          <a:noFill/>
+          <a:effectLst>
+            <a:softEdge rad="635000"/>
+          </a:effectLst>
+          <a:extLst>
+            <a:ext uri="{909E8E84-426E-40DD-AFC4-6F175D3DCCD1}">
+              <a14:hiddenFill xmlns:a14="http://schemas.microsoft.com/office/drawing/2010/main">
+                <a:solidFill>
+                  <a:srgbClr val="FFFFFF"/>
+                </a:solidFill>
+              </a14:hiddenFill>
+            </a:ext>
+          </a:extLst>
+        </p:spPr>
+      </p:pic>
+      <p:sp>
+        <p:nvSpPr>
+          <p:cNvPr id="4" name="WORD_lbl">
+            <a:extLst>
+              <a:ext uri="{FF2B5EF4-FFF2-40B4-BE49-F238E27FC236}">
+                <a16:creationId xmlns:a16="http://schemas.microsoft.com/office/drawing/2014/main" id="{CE42E556-94BF-C1A5-7455-7825788F114E}"/>
+              </a:ext>
+            </a:extLst>
+          </p:cNvPr>
+          <p:cNvSpPr txBox="1"/>
+          <p:nvPr/>
+        </p:nvSpPr>
+        <p:spPr>
+          <a:xfrm>
+            <a:off x="0" y="2644170"/>
+            <a:ext cx="12192000" cy="1569660"/>
+          </a:xfrm>
+          <a:prstGeom prst="rect">
+            <a:avLst/>
+          </a:prstGeom>
+          <a:noFill/>
+        </p:spPr>
+        <p:txBody>
+          <a:bodyPr wrap="square" rtlCol="0">
+            <a:spAutoFit/>
+          </a:bodyPr>
+          <a:lstStyle/>
+          <a:p>
+            <a:pPr algn="ctr"/>
+            <a:r>
+              <a:rPr lang="ko-KR" altLang="en-US" sz="9600" b="1" dirty="0" err="1">
+                <a:solidFill>
+                  <a:schemeClr val="bg1"/>
+                </a:solidFill>
+                <a:latin typeface="Arial" panose="020B0604020202020204" pitchFamily="34" charset="0"/>
+                <a:cs typeface="Arial" panose="020B0604020202020204" pitchFamily="34" charset="0"/>
+              </a:rPr>
+              <a:t>ㅁㅂㅅㅇ</a:t>
+            </a:r>
+            <a:r>
+              <a:rPr lang="ko-KR" altLang="en-US" sz="9600" b="1" dirty="0">
+                <a:solidFill>
+                  <a:schemeClr val="bg1"/>
+                </a:solidFill>
+                <a:latin typeface="Arial" panose="020B0604020202020204" pitchFamily="34" charset="0"/>
+                <a:cs typeface="Arial" panose="020B0604020202020204" pitchFamily="34" charset="0"/>
+              </a:rPr>
+              <a:t> </a:t>
+            </a:r>
+            <a:r>
+              <a:rPr lang="ko-KR" altLang="en-US" sz="9600" b="1" dirty="0" err="1">
+                <a:solidFill>
+                  <a:schemeClr val="bg1"/>
+                </a:solidFill>
+                <a:latin typeface="Arial" panose="020B0604020202020204" pitchFamily="34" charset="0"/>
+                <a:cs typeface="Arial" panose="020B0604020202020204" pitchFamily="34" charset="0"/>
+              </a:rPr>
+              <a:t>ㄷ</a:t>
+            </a:r>
+            <a:endParaRPr lang="ko-KR" altLang="en-US" sz="9600" b="1" dirty="0">
+              <a:solidFill>
+                <a:schemeClr val="bg1"/>
+              </a:solidFill>
+              <a:latin typeface="Arial" panose="020B0604020202020204" pitchFamily="34" charset="0"/>
+              <a:cs typeface="Arial" panose="020B0604020202020204" pitchFamily="34" charset="0"/>
+            </a:endParaRPr>
+          </a:p>
+        </p:txBody>
+      </p:sp>
+      <p:sp>
+        <p:nvSpPr>
+          <p:cNvPr id="5" name="RIGHT_btn">
+            <a:hlinkClick r:id="" action="ppaction://hlinkshowjump?jump=nextslide"/>
+            <a:hlinkHover r:id="" action="ppaction://noaction" highlightClick="1"/>
+            <a:extLst>
+              <a:ext uri="{FF2B5EF4-FFF2-40B4-BE49-F238E27FC236}">
+                <a16:creationId xmlns:a16="http://schemas.microsoft.com/office/drawing/2014/main" id="{8206A97A-08B9-313B-0909-12E2937309F6}"/>
+              </a:ext>
+            </a:extLst>
+          </p:cNvPr>
+          <p:cNvSpPr/>
+          <p:nvPr/>
+        </p:nvSpPr>
+        <p:spPr>
+          <a:xfrm>
+            <a:off x="10558021" y="6055864"/>
+            <a:ext cx="1465619" cy="634181"/>
+          </a:xfrm>
+          <a:prstGeom prst="rect">
+            <a:avLst/>
+          </a:prstGeom>
+          <a:solidFill>
+            <a:schemeClr val="bg1"/>
+          </a:solidFill>
+          <a:ln w="38100">
+            <a:noFill/>
+          </a:ln>
+        </p:spPr>
+        <p:style>
+          <a:lnRef idx="2">
+            <a:schemeClr val="accent1">
+              <a:shade val="50000"/>
+            </a:schemeClr>
+          </a:lnRef>
+          <a:fillRef idx="1">
+            <a:schemeClr val="accent1"/>
+          </a:fillRef>
+          <a:effectRef idx="0">
+            <a:schemeClr val="accent1"/>
+          </a:effectRef>
+          <a:fontRef idx="minor">
+            <a:schemeClr val="lt1"/>
+          </a:fontRef>
+        </p:style>
+        <p:txBody>
+          <a:bodyPr rtlCol="0" anchor="ctr"/>
+          <a:lstStyle/>
+          <a:p>
+            <a:pPr algn="ctr"/>
+            <a:r>
+              <a:rPr lang="ko-KR" altLang="en-US" sz="3200" b="1" dirty="0">
+                <a:solidFill>
+                  <a:schemeClr val="tx1"/>
+                </a:solidFill>
+                <a:latin typeface="Arial" panose="020B0604020202020204" pitchFamily="34" charset="0"/>
+                <a:cs typeface="Arial" panose="020B0604020202020204" pitchFamily="34" charset="0"/>
+              </a:rPr>
+              <a:t>다음</a:t>
+            </a:r>
+          </a:p>
+        </p:txBody>
+      </p:sp>
+      <p:sp>
+        <p:nvSpPr>
+          <p:cNvPr id="3" name="WRONG_btn">
+            <a:hlinkClick r:id="rId5" action="ppaction://hlinksldjump"/>
+            <a:hlinkHover r:id="" action="ppaction://noaction" highlightClick="1"/>
+            <a:extLst>
+              <a:ext uri="{FF2B5EF4-FFF2-40B4-BE49-F238E27FC236}">
+                <a16:creationId xmlns:a16="http://schemas.microsoft.com/office/drawing/2014/main" id="{F5532519-F58C-6581-E0A1-6235416882F6}"/>
+              </a:ext>
+            </a:extLst>
+          </p:cNvPr>
+          <p:cNvSpPr/>
+          <p:nvPr/>
+        </p:nvSpPr>
+        <p:spPr>
+          <a:xfrm>
+            <a:off x="8938182" y="6055864"/>
+            <a:ext cx="1465619" cy="634181"/>
+          </a:xfrm>
+          <a:prstGeom prst="rect">
+            <a:avLst/>
+          </a:prstGeom>
+          <a:solidFill>
+            <a:schemeClr val="tx1"/>
+          </a:solidFill>
+          <a:ln w="38100">
+            <a:solidFill>
+              <a:schemeClr val="bg1"/>
+            </a:solidFill>
+          </a:ln>
+        </p:spPr>
+        <p:style>
+          <a:lnRef idx="2">
+            <a:schemeClr val="accent1">
+              <a:shade val="50000"/>
+            </a:schemeClr>
+          </a:lnRef>
+          <a:fillRef idx="1">
+            <a:schemeClr val="accent1"/>
+          </a:fillRef>
+          <a:effectRef idx="0">
+            <a:schemeClr val="accent1"/>
+          </a:effectRef>
+          <a:fontRef idx="minor">
+            <a:schemeClr val="lt1"/>
+          </a:fontRef>
+        </p:style>
+        <p:txBody>
+          <a:bodyPr rtlCol="0" anchor="ctr"/>
+          <a:lstStyle/>
+          <a:p>
+            <a:pPr algn="ctr"/>
+            <a:r>
+              <a:rPr lang="ko-KR" altLang="en-US" sz="3200" b="1" dirty="0">
+                <a:solidFill>
+                  <a:schemeClr val="bg1"/>
+                </a:solidFill>
+                <a:latin typeface="Arial" panose="020B0604020202020204" pitchFamily="34" charset="0"/>
+                <a:cs typeface="Arial" panose="020B0604020202020204" pitchFamily="34" charset="0"/>
+              </a:rPr>
+              <a:t>오답</a:t>
+            </a:r>
+          </a:p>
+        </p:txBody>
+      </p:sp>
+      <p:sp>
+        <p:nvSpPr>
+          <p:cNvPr id="2" name="타원 1">
+            <a:extLst>
+              <a:ext uri="{FF2B5EF4-FFF2-40B4-BE49-F238E27FC236}">
+                <a16:creationId xmlns:a16="http://schemas.microsoft.com/office/drawing/2014/main" id="{9ACA1DBF-FAF3-7087-4552-CACFD4E23201}"/>
+              </a:ext>
+            </a:extLst>
+          </p:cNvPr>
+          <p:cNvSpPr/>
+          <p:nvPr/>
+        </p:nvSpPr>
+        <p:spPr>
+          <a:xfrm>
+            <a:off x="162045" y="173620"/>
+            <a:ext cx="439838" cy="439838"/>
+          </a:xfrm>
+          <a:prstGeom prst="ellipse">
+            <a:avLst/>
+          </a:prstGeom>
+          <a:solidFill>
+            <a:srgbClr val="FF0000"/>
+          </a:solidFill>
+          <a:ln>
+            <a:noFill/>
+          </a:ln>
+        </p:spPr>
+        <p:style>
+          <a:lnRef idx="2">
+            <a:schemeClr val="accent1">
+              <a:shade val="50000"/>
+            </a:schemeClr>
+          </a:lnRef>
+          <a:fillRef idx="1">
+            <a:schemeClr val="accent1"/>
+          </a:fillRef>
+          <a:effectRef idx="0">
+            <a:schemeClr val="accent1"/>
+          </a:effectRef>
+          <a:fontRef idx="minor">
+            <a:schemeClr val="lt1"/>
+          </a:fontRef>
+        </p:style>
+        <p:txBody>
+          <a:bodyPr rtlCol="0" anchor="ctr"/>
+          <a:lstStyle/>
+          <a:p>
+            <a:pPr algn="ctr"/>
+            <a:r>
+              <a:rPr lang="el-GR" altLang="ko-KR" sz="2800" b="1" i="0" dirty="0">
+                <a:solidFill>
+                  <a:schemeClr val="bg1"/>
+                </a:solidFill>
+                <a:effectLst/>
+                <a:latin typeface="Arial" panose="020B0604020202020204" pitchFamily="34" charset="0"/>
+                <a:cs typeface="Arial" panose="020B0604020202020204" pitchFamily="34" charset="0"/>
+              </a:rPr>
+              <a:t>ϟ</a:t>
+            </a:r>
+            <a:endParaRPr lang="ko-KR" altLang="en-US" sz="2800" b="1" dirty="0">
+              <a:solidFill>
+                <a:schemeClr val="bg1"/>
+              </a:solidFill>
+              <a:latin typeface="Arial" panose="020B0604020202020204" pitchFamily="34" charset="0"/>
+              <a:cs typeface="Arial" panose="020B0604020202020204" pitchFamily="34" charset="0"/>
+            </a:endParaRPr>
+          </a:p>
+        </p:txBody>
+      </p:sp>
+    </p:spTree>
+    <p:extLst>
+      <p:ext uri="{BB962C8B-B14F-4D97-AF65-F5344CB8AC3E}">
+        <p14:creationId xmlns:p14="http://schemas.microsoft.com/office/powerpoint/2010/main" val="2240117438"/>
+      </p:ext>
+    </p:extLst>
+  </p:cSld>
+  <p:clrMapOvr>
+    <a:masterClrMapping/>
+  </p:clrMapOvr>
+</p:sld>
+</file>
+
+<file path=ppt/slides/slide25.xml><?xml version="1.0" encoding="utf-8"?>
+<p:sld xmlns:a="http://schemas.openxmlformats.org/drawingml/2006/main" xmlns:r="http://schemas.openxmlformats.org/officeDocument/2006/relationships" xmlns:p="http://schemas.openxmlformats.org/presentationml/2006/main">
+  <p:cSld>
+    <p:spTree>
+      <p:nvGrpSpPr>
+        <p:cNvPr id="1" name=""/>
+        <p:cNvGrpSpPr/>
+        <p:nvPr/>
+      </p:nvGrpSpPr>
+      <p:grpSpPr>
+        <a:xfrm>
+          <a:off x="0" y="0"/>
+          <a:ext cx="0" cy="0"/>
+          <a:chOff x="0" y="0"/>
+          <a:chExt cx="0" cy="0"/>
+        </a:xfrm>
+      </p:grpSpPr>
+      <p:pic>
+        <p:nvPicPr>
+          <p:cNvPr id="9" name="Picture 2">
+            <a:extLst>
+              <a:ext uri="{FF2B5EF4-FFF2-40B4-BE49-F238E27FC236}">
+                <a16:creationId xmlns:a16="http://schemas.microsoft.com/office/drawing/2014/main" id="{F0DD5D92-9F05-9A9D-3EC2-04C2A5AC0214}"/>
+              </a:ext>
+            </a:extLst>
+          </p:cNvPr>
+          <p:cNvPicPr>
+            <a:picLocks noChangeAspect="1" noChangeArrowheads="1"/>
+          </p:cNvPicPr>
+          <p:nvPr/>
+        </p:nvPicPr>
+        <p:blipFill rotWithShape="1">
+          <a:blip r:embed="rId3">
+            <a:extLst>
+              <a:ext uri="{BEBA8EAE-BF5A-486C-A8C5-ECC9F3942E4B}">
+                <a14:imgProps xmlns:a14="http://schemas.microsoft.com/office/drawing/2010/main">
+                  <a14:imgLayer r:embed="rId4">
+                    <a14:imgEffect>
+                      <a14:brightnessContrast bright="-80000"/>
+                    </a14:imgEffect>
+                  </a14:imgLayer>
+                </a14:imgProps>
+              </a:ext>
+              <a:ext uri="{28A0092B-C50C-407E-A947-70E740481C1C}">
+                <a14:useLocalDpi xmlns:a14="http://schemas.microsoft.com/office/drawing/2010/main" val="0"/>
+              </a:ext>
+            </a:extLst>
+          </a:blip>
+          <a:srcRect l="37712" t="20886" r="38992" b="54057"/>
+          <a:stretch/>
+        </p:blipFill>
+        <p:spPr bwMode="auto">
+          <a:xfrm>
+            <a:off x="1923203" y="-1"/>
+            <a:ext cx="8345594" cy="6858002"/>
+          </a:xfrm>
+          <a:prstGeom prst="rect">
+            <a:avLst/>
+          </a:prstGeom>
+          <a:noFill/>
+          <a:effectLst>
+            <a:softEdge rad="635000"/>
+          </a:effectLst>
+          <a:extLst>
+            <a:ext uri="{909E8E84-426E-40DD-AFC4-6F175D3DCCD1}">
+              <a14:hiddenFill xmlns:a14="http://schemas.microsoft.com/office/drawing/2010/main">
+                <a:solidFill>
+                  <a:srgbClr val="FFFFFF"/>
+                </a:solidFill>
+              </a14:hiddenFill>
+            </a:ext>
+          </a:extLst>
+        </p:spPr>
+      </p:pic>
+      <p:sp>
+        <p:nvSpPr>
+          <p:cNvPr id="4" name="WORD_lbl">
+            <a:extLst>
+              <a:ext uri="{FF2B5EF4-FFF2-40B4-BE49-F238E27FC236}">
+                <a16:creationId xmlns:a16="http://schemas.microsoft.com/office/drawing/2014/main" id="{CE42E556-94BF-C1A5-7455-7825788F114E}"/>
+              </a:ext>
+            </a:extLst>
+          </p:cNvPr>
+          <p:cNvSpPr txBox="1"/>
+          <p:nvPr/>
+        </p:nvSpPr>
+        <p:spPr>
+          <a:xfrm>
+            <a:off x="0" y="2644170"/>
+            <a:ext cx="12192000" cy="1569660"/>
+          </a:xfrm>
+          <a:prstGeom prst="rect">
+            <a:avLst/>
+          </a:prstGeom>
+          <a:noFill/>
+        </p:spPr>
+        <p:txBody>
+          <a:bodyPr wrap="square" rtlCol="0">
+            <a:spAutoFit/>
+          </a:bodyPr>
+          <a:lstStyle/>
+          <a:p>
+            <a:pPr algn="ctr"/>
+            <a:r>
+              <a:rPr lang="ko-KR" altLang="en-US" sz="9600" b="1" dirty="0" err="1">
+                <a:solidFill>
+                  <a:schemeClr val="bg1"/>
+                </a:solidFill>
+                <a:latin typeface="Arial" panose="020B0604020202020204" pitchFamily="34" charset="0"/>
+                <a:cs typeface="Arial" panose="020B0604020202020204" pitchFamily="34" charset="0"/>
+              </a:rPr>
+              <a:t>ㅂㅁㅇ</a:t>
+            </a:r>
+            <a:r>
+              <a:rPr lang="ko-KR" altLang="en-US" sz="9600" b="1" dirty="0">
+                <a:solidFill>
+                  <a:schemeClr val="bg1"/>
+                </a:solidFill>
+                <a:latin typeface="Arial" panose="020B0604020202020204" pitchFamily="34" charset="0"/>
+                <a:cs typeface="Arial" panose="020B0604020202020204" pitchFamily="34" charset="0"/>
+              </a:rPr>
+              <a:t> </a:t>
+            </a:r>
+            <a:r>
+              <a:rPr lang="ko-KR" altLang="en-US" sz="9600" b="1" dirty="0" err="1">
+                <a:solidFill>
+                  <a:schemeClr val="bg1"/>
+                </a:solidFill>
+                <a:latin typeface="Arial" panose="020B0604020202020204" pitchFamily="34" charset="0"/>
+                <a:cs typeface="Arial" panose="020B0604020202020204" pitchFamily="34" charset="0"/>
+              </a:rPr>
+              <a:t>ㅂ</a:t>
+            </a:r>
+            <a:endParaRPr lang="ko-KR" altLang="en-US" sz="9600" b="1" dirty="0">
+              <a:solidFill>
+                <a:schemeClr val="bg1"/>
+              </a:solidFill>
+              <a:latin typeface="Arial" panose="020B0604020202020204" pitchFamily="34" charset="0"/>
+              <a:cs typeface="Arial" panose="020B0604020202020204" pitchFamily="34" charset="0"/>
+            </a:endParaRPr>
+          </a:p>
+        </p:txBody>
+      </p:sp>
+      <p:sp>
+        <p:nvSpPr>
+          <p:cNvPr id="5" name="RIGHT_btn">
+            <a:hlinkClick r:id="" action="ppaction://hlinkshowjump?jump=nextslide"/>
+            <a:hlinkHover r:id="" action="ppaction://noaction" highlightClick="1"/>
+            <a:extLst>
+              <a:ext uri="{FF2B5EF4-FFF2-40B4-BE49-F238E27FC236}">
+                <a16:creationId xmlns:a16="http://schemas.microsoft.com/office/drawing/2014/main" id="{8206A97A-08B9-313B-0909-12E2937309F6}"/>
+              </a:ext>
+            </a:extLst>
+          </p:cNvPr>
+          <p:cNvSpPr/>
+          <p:nvPr/>
+        </p:nvSpPr>
+        <p:spPr>
+          <a:xfrm>
+            <a:off x="10558021" y="6055864"/>
+            <a:ext cx="1465619" cy="634181"/>
+          </a:xfrm>
+          <a:prstGeom prst="rect">
+            <a:avLst/>
+          </a:prstGeom>
+          <a:solidFill>
+            <a:schemeClr val="bg1"/>
+          </a:solidFill>
+          <a:ln w="38100">
+            <a:noFill/>
+          </a:ln>
+        </p:spPr>
+        <p:style>
+          <a:lnRef idx="2">
+            <a:schemeClr val="accent1">
+              <a:shade val="50000"/>
+            </a:schemeClr>
+          </a:lnRef>
+          <a:fillRef idx="1">
+            <a:schemeClr val="accent1"/>
+          </a:fillRef>
+          <a:effectRef idx="0">
+            <a:schemeClr val="accent1"/>
+          </a:effectRef>
+          <a:fontRef idx="minor">
+            <a:schemeClr val="lt1"/>
+          </a:fontRef>
+        </p:style>
+        <p:txBody>
+          <a:bodyPr rtlCol="0" anchor="ctr"/>
+          <a:lstStyle/>
+          <a:p>
+            <a:pPr algn="ctr"/>
+            <a:r>
+              <a:rPr lang="ko-KR" altLang="en-US" sz="3200" b="1" dirty="0">
+                <a:solidFill>
+                  <a:schemeClr val="tx1"/>
+                </a:solidFill>
+                <a:latin typeface="Arial" panose="020B0604020202020204" pitchFamily="34" charset="0"/>
+                <a:cs typeface="Arial" panose="020B0604020202020204" pitchFamily="34" charset="0"/>
+              </a:rPr>
+              <a:t>다음</a:t>
+            </a:r>
+          </a:p>
+        </p:txBody>
+      </p:sp>
+      <p:sp>
+        <p:nvSpPr>
+          <p:cNvPr id="3" name="WRONG_btn">
+            <a:hlinkClick r:id="rId5" action="ppaction://hlinksldjump"/>
+            <a:hlinkHover r:id="" action="ppaction://noaction" highlightClick="1"/>
+            <a:extLst>
+              <a:ext uri="{FF2B5EF4-FFF2-40B4-BE49-F238E27FC236}">
+                <a16:creationId xmlns:a16="http://schemas.microsoft.com/office/drawing/2014/main" id="{F5532519-F58C-6581-E0A1-6235416882F6}"/>
+              </a:ext>
+            </a:extLst>
+          </p:cNvPr>
+          <p:cNvSpPr/>
+          <p:nvPr/>
+        </p:nvSpPr>
+        <p:spPr>
+          <a:xfrm>
+            <a:off x="8938182" y="6055864"/>
+            <a:ext cx="1465619" cy="634181"/>
+          </a:xfrm>
+          <a:prstGeom prst="rect">
+            <a:avLst/>
+          </a:prstGeom>
+          <a:solidFill>
+            <a:schemeClr val="tx1"/>
+          </a:solidFill>
+          <a:ln w="38100">
+            <a:solidFill>
+              <a:schemeClr val="bg1"/>
+            </a:solidFill>
+          </a:ln>
+        </p:spPr>
+        <p:style>
+          <a:lnRef idx="2">
+            <a:schemeClr val="accent1">
+              <a:shade val="50000"/>
+            </a:schemeClr>
+          </a:lnRef>
+          <a:fillRef idx="1">
+            <a:schemeClr val="accent1"/>
+          </a:fillRef>
+          <a:effectRef idx="0">
+            <a:schemeClr val="accent1"/>
+          </a:effectRef>
+          <a:fontRef idx="minor">
+            <a:schemeClr val="lt1"/>
+          </a:fontRef>
+        </p:style>
+        <p:txBody>
+          <a:bodyPr rtlCol="0" anchor="ctr"/>
+          <a:lstStyle/>
+          <a:p>
+            <a:pPr algn="ctr"/>
+            <a:r>
+              <a:rPr lang="ko-KR" altLang="en-US" sz="3200" b="1" dirty="0">
+                <a:solidFill>
+                  <a:schemeClr val="bg1"/>
+                </a:solidFill>
+                <a:latin typeface="Arial" panose="020B0604020202020204" pitchFamily="34" charset="0"/>
+                <a:cs typeface="Arial" panose="020B0604020202020204" pitchFamily="34" charset="0"/>
+              </a:rPr>
+              <a:t>오답</a:t>
+            </a:r>
+          </a:p>
+        </p:txBody>
+      </p:sp>
+      <p:sp>
+        <p:nvSpPr>
+          <p:cNvPr id="2" name="타원 1">
+            <a:extLst>
+              <a:ext uri="{FF2B5EF4-FFF2-40B4-BE49-F238E27FC236}">
+                <a16:creationId xmlns:a16="http://schemas.microsoft.com/office/drawing/2014/main" id="{9ACA1DBF-FAF3-7087-4552-CACFD4E23201}"/>
+              </a:ext>
+            </a:extLst>
+          </p:cNvPr>
+          <p:cNvSpPr/>
+          <p:nvPr/>
+        </p:nvSpPr>
+        <p:spPr>
+          <a:xfrm>
+            <a:off x="162045" y="173620"/>
+            <a:ext cx="439838" cy="439838"/>
+          </a:xfrm>
+          <a:prstGeom prst="ellipse">
+            <a:avLst/>
+          </a:prstGeom>
+          <a:solidFill>
+            <a:srgbClr val="FF0000"/>
+          </a:solidFill>
+          <a:ln>
+            <a:noFill/>
+          </a:ln>
+        </p:spPr>
+        <p:style>
+          <a:lnRef idx="2">
+            <a:schemeClr val="accent1">
+              <a:shade val="50000"/>
+            </a:schemeClr>
+          </a:lnRef>
+          <a:fillRef idx="1">
+            <a:schemeClr val="accent1"/>
+          </a:fillRef>
+          <a:effectRef idx="0">
+            <a:schemeClr val="accent1"/>
+          </a:effectRef>
+          <a:fontRef idx="minor">
+            <a:schemeClr val="lt1"/>
+          </a:fontRef>
+        </p:style>
+        <p:txBody>
+          <a:bodyPr rtlCol="0" anchor="ctr"/>
+          <a:lstStyle/>
+          <a:p>
+            <a:pPr algn="ctr"/>
+            <a:r>
+              <a:rPr lang="el-GR" altLang="ko-KR" sz="2800" b="1" i="0" dirty="0">
+                <a:solidFill>
+                  <a:schemeClr val="bg1"/>
+                </a:solidFill>
+                <a:effectLst/>
+                <a:latin typeface="Arial" panose="020B0604020202020204" pitchFamily="34" charset="0"/>
+                <a:cs typeface="Arial" panose="020B0604020202020204" pitchFamily="34" charset="0"/>
+              </a:rPr>
+              <a:t>ϟ</a:t>
+            </a:r>
+            <a:endParaRPr lang="ko-KR" altLang="en-US" sz="2800" b="1" dirty="0">
+              <a:solidFill>
+                <a:schemeClr val="bg1"/>
+              </a:solidFill>
+              <a:latin typeface="Arial" panose="020B0604020202020204" pitchFamily="34" charset="0"/>
+              <a:cs typeface="Arial" panose="020B0604020202020204" pitchFamily="34" charset="0"/>
+            </a:endParaRPr>
+          </a:p>
+        </p:txBody>
+      </p:sp>
+    </p:spTree>
+    <p:extLst>
+      <p:ext uri="{BB962C8B-B14F-4D97-AF65-F5344CB8AC3E}">
+        <p14:creationId xmlns:p14="http://schemas.microsoft.com/office/powerpoint/2010/main" val="2294948684"/>
+      </p:ext>
+    </p:extLst>
+  </p:cSld>
+  <p:clrMapOvr>
+    <a:masterClrMapping/>
+  </p:clrMapOvr>
+</p:sld>
+</file>
+
+<file path=ppt/slides/slide26.xml><?xml version="1.0" encoding="utf-8"?>
+<p:sld xmlns:a="http://schemas.openxmlformats.org/drawingml/2006/main" xmlns:r="http://schemas.openxmlformats.org/officeDocument/2006/relationships" xmlns:p="http://schemas.openxmlformats.org/presentationml/2006/main">
+  <p:cSld>
+    <p:spTree>
+      <p:nvGrpSpPr>
+        <p:cNvPr id="1" name=""/>
+        <p:cNvGrpSpPr/>
+        <p:nvPr/>
+      </p:nvGrpSpPr>
+      <p:grpSpPr>
+        <a:xfrm>
+          <a:off x="0" y="0"/>
+          <a:ext cx="0" cy="0"/>
+          <a:chOff x="0" y="0"/>
+          <a:chExt cx="0" cy="0"/>
+        </a:xfrm>
+      </p:grpSpPr>
+      <p:pic>
+        <p:nvPicPr>
+          <p:cNvPr id="9" name="Picture 2">
+            <a:extLst>
+              <a:ext uri="{FF2B5EF4-FFF2-40B4-BE49-F238E27FC236}">
+                <a16:creationId xmlns:a16="http://schemas.microsoft.com/office/drawing/2014/main" id="{DB8F1FCB-8233-EA18-B1F1-B19A0BD3BAC7}"/>
+              </a:ext>
+            </a:extLst>
+          </p:cNvPr>
+          <p:cNvPicPr>
+            <a:picLocks noChangeAspect="1" noChangeArrowheads="1"/>
+          </p:cNvPicPr>
+          <p:nvPr/>
+        </p:nvPicPr>
+        <p:blipFill rotWithShape="1">
+          <a:blip r:embed="rId3">
+            <a:extLst>
+              <a:ext uri="{BEBA8EAE-BF5A-486C-A8C5-ECC9F3942E4B}">
+                <a14:imgProps xmlns:a14="http://schemas.microsoft.com/office/drawing/2010/main">
+                  <a14:imgLayer r:embed="rId4">
+                    <a14:imgEffect>
+                      <a14:brightnessContrast bright="-80000"/>
+                    </a14:imgEffect>
+                  </a14:imgLayer>
+                </a14:imgProps>
+              </a:ext>
+              <a:ext uri="{28A0092B-C50C-407E-A947-70E740481C1C}">
+                <a14:useLocalDpi xmlns:a14="http://schemas.microsoft.com/office/drawing/2010/main" val="0"/>
+              </a:ext>
+            </a:extLst>
+          </a:blip>
+          <a:srcRect l="61904" t="20916" r="14800" b="53765"/>
+          <a:stretch/>
+        </p:blipFill>
+        <p:spPr bwMode="auto">
+          <a:xfrm>
+            <a:off x="1966390" y="-1"/>
+            <a:ext cx="8259220" cy="6858002"/>
+          </a:xfrm>
+          <a:prstGeom prst="rect">
+            <a:avLst/>
+          </a:prstGeom>
+          <a:noFill/>
+          <a:effectLst>
+            <a:softEdge rad="635000"/>
+          </a:effectLst>
+          <a:extLst>
+            <a:ext uri="{909E8E84-426E-40DD-AFC4-6F175D3DCCD1}">
+              <a14:hiddenFill xmlns:a14="http://schemas.microsoft.com/office/drawing/2010/main">
+                <a:solidFill>
+                  <a:srgbClr val="FFFFFF"/>
+                </a:solidFill>
+              </a14:hiddenFill>
+            </a:ext>
+          </a:extLst>
+        </p:spPr>
+      </p:pic>
+      <p:sp>
+        <p:nvSpPr>
+          <p:cNvPr id="4" name="WORD_lbl">
+            <a:extLst>
+              <a:ext uri="{FF2B5EF4-FFF2-40B4-BE49-F238E27FC236}">
+                <a16:creationId xmlns:a16="http://schemas.microsoft.com/office/drawing/2014/main" id="{CE42E556-94BF-C1A5-7455-7825788F114E}"/>
+              </a:ext>
+            </a:extLst>
+          </p:cNvPr>
+          <p:cNvSpPr txBox="1"/>
+          <p:nvPr/>
+        </p:nvSpPr>
+        <p:spPr>
+          <a:xfrm>
+            <a:off x="0" y="2644170"/>
+            <a:ext cx="12192000" cy="1569660"/>
+          </a:xfrm>
+          <a:prstGeom prst="rect">
+            <a:avLst/>
+          </a:prstGeom>
+          <a:noFill/>
+        </p:spPr>
+        <p:txBody>
+          <a:bodyPr wrap="square" rtlCol="0">
+            <a:spAutoFit/>
+          </a:bodyPr>
+          <a:lstStyle/>
+          <a:p>
+            <a:pPr algn="ctr"/>
+            <a:r>
+              <a:rPr lang="ko-KR" altLang="en-US" sz="9600" b="1" dirty="0" err="1">
+                <a:solidFill>
+                  <a:schemeClr val="bg1"/>
+                </a:solidFill>
+                <a:latin typeface="Arial" panose="020B0604020202020204" pitchFamily="34" charset="0"/>
+                <a:cs typeface="Arial" panose="020B0604020202020204" pitchFamily="34" charset="0"/>
+              </a:rPr>
+              <a:t>ㅇㅈㅋㅂㅇ</a:t>
+            </a:r>
+            <a:r>
+              <a:rPr lang="ko-KR" altLang="en-US" sz="9600" b="1" dirty="0">
+                <a:solidFill>
+                  <a:schemeClr val="bg1"/>
+                </a:solidFill>
+                <a:latin typeface="Arial" panose="020B0604020202020204" pitchFamily="34" charset="0"/>
+                <a:cs typeface="Arial" panose="020B0604020202020204" pitchFamily="34" charset="0"/>
+              </a:rPr>
+              <a:t> </a:t>
+            </a:r>
+            <a:r>
+              <a:rPr lang="ko-KR" altLang="en-US" sz="9600" b="1" dirty="0" err="1">
+                <a:solidFill>
+                  <a:schemeClr val="bg1"/>
+                </a:solidFill>
+                <a:latin typeface="Arial" panose="020B0604020202020204" pitchFamily="34" charset="0"/>
+                <a:cs typeface="Arial" panose="020B0604020202020204" pitchFamily="34" charset="0"/>
+              </a:rPr>
+              <a:t>ㅈㅅ</a:t>
+            </a:r>
+            <a:endParaRPr lang="ko-KR" altLang="en-US" sz="9600" b="1" dirty="0">
+              <a:solidFill>
+                <a:schemeClr val="bg1"/>
+              </a:solidFill>
+              <a:latin typeface="Arial" panose="020B0604020202020204" pitchFamily="34" charset="0"/>
+              <a:cs typeface="Arial" panose="020B0604020202020204" pitchFamily="34" charset="0"/>
+            </a:endParaRPr>
+          </a:p>
+        </p:txBody>
+      </p:sp>
+      <p:sp>
+        <p:nvSpPr>
+          <p:cNvPr id="5" name="RIGHT_btn">
+            <a:hlinkClick r:id="" action="ppaction://hlinkshowjump?jump=nextslide"/>
+            <a:hlinkHover r:id="" action="ppaction://noaction" highlightClick="1"/>
+            <a:extLst>
+              <a:ext uri="{FF2B5EF4-FFF2-40B4-BE49-F238E27FC236}">
+                <a16:creationId xmlns:a16="http://schemas.microsoft.com/office/drawing/2014/main" id="{8206A97A-08B9-313B-0909-12E2937309F6}"/>
+              </a:ext>
+            </a:extLst>
+          </p:cNvPr>
+          <p:cNvSpPr/>
+          <p:nvPr/>
+        </p:nvSpPr>
+        <p:spPr>
+          <a:xfrm>
+            <a:off x="10558021" y="6055864"/>
+            <a:ext cx="1465619" cy="634181"/>
+          </a:xfrm>
+          <a:prstGeom prst="rect">
+            <a:avLst/>
+          </a:prstGeom>
+          <a:solidFill>
+            <a:schemeClr val="bg1"/>
+          </a:solidFill>
+          <a:ln w="38100">
+            <a:noFill/>
+          </a:ln>
+        </p:spPr>
+        <p:style>
+          <a:lnRef idx="2">
+            <a:schemeClr val="accent1">
+              <a:shade val="50000"/>
+            </a:schemeClr>
+          </a:lnRef>
+          <a:fillRef idx="1">
+            <a:schemeClr val="accent1"/>
+          </a:fillRef>
+          <a:effectRef idx="0">
+            <a:schemeClr val="accent1"/>
+          </a:effectRef>
+          <a:fontRef idx="minor">
+            <a:schemeClr val="lt1"/>
+          </a:fontRef>
+        </p:style>
+        <p:txBody>
+          <a:bodyPr rtlCol="0" anchor="ctr"/>
+          <a:lstStyle/>
+          <a:p>
+            <a:pPr algn="ctr"/>
+            <a:r>
+              <a:rPr lang="ko-KR" altLang="en-US" sz="3200" b="1" dirty="0">
+                <a:solidFill>
+                  <a:schemeClr val="tx1"/>
+                </a:solidFill>
+                <a:latin typeface="Arial" panose="020B0604020202020204" pitchFamily="34" charset="0"/>
+                <a:cs typeface="Arial" panose="020B0604020202020204" pitchFamily="34" charset="0"/>
+              </a:rPr>
+              <a:t>다음</a:t>
+            </a:r>
+          </a:p>
+        </p:txBody>
+      </p:sp>
+      <p:sp>
+        <p:nvSpPr>
+          <p:cNvPr id="3" name="WRONG_btn">
+            <a:hlinkClick r:id="rId5" action="ppaction://hlinksldjump"/>
+            <a:hlinkHover r:id="" action="ppaction://noaction" highlightClick="1"/>
+            <a:extLst>
+              <a:ext uri="{FF2B5EF4-FFF2-40B4-BE49-F238E27FC236}">
+                <a16:creationId xmlns:a16="http://schemas.microsoft.com/office/drawing/2014/main" id="{F5532519-F58C-6581-E0A1-6235416882F6}"/>
+              </a:ext>
+            </a:extLst>
+          </p:cNvPr>
+          <p:cNvSpPr/>
+          <p:nvPr/>
+        </p:nvSpPr>
+        <p:spPr>
+          <a:xfrm>
+            <a:off x="8938182" y="6055864"/>
+            <a:ext cx="1465619" cy="634181"/>
+          </a:xfrm>
+          <a:prstGeom prst="rect">
+            <a:avLst/>
+          </a:prstGeom>
+          <a:solidFill>
+            <a:schemeClr val="tx1"/>
+          </a:solidFill>
+          <a:ln w="38100">
+            <a:solidFill>
+              <a:schemeClr val="bg1"/>
+            </a:solidFill>
+          </a:ln>
+        </p:spPr>
+        <p:style>
+          <a:lnRef idx="2">
+            <a:schemeClr val="accent1">
+              <a:shade val="50000"/>
+            </a:schemeClr>
+          </a:lnRef>
+          <a:fillRef idx="1">
+            <a:schemeClr val="accent1"/>
+          </a:fillRef>
+          <a:effectRef idx="0">
+            <a:schemeClr val="accent1"/>
+          </a:effectRef>
+          <a:fontRef idx="minor">
+            <a:schemeClr val="lt1"/>
+          </a:fontRef>
+        </p:style>
+        <p:txBody>
+          <a:bodyPr rtlCol="0" anchor="ctr"/>
+          <a:lstStyle/>
+          <a:p>
+            <a:pPr algn="ctr"/>
+            <a:r>
+              <a:rPr lang="ko-KR" altLang="en-US" sz="3200" b="1" dirty="0">
+                <a:solidFill>
+                  <a:schemeClr val="bg1"/>
+                </a:solidFill>
+                <a:latin typeface="Arial" panose="020B0604020202020204" pitchFamily="34" charset="0"/>
+                <a:cs typeface="Arial" panose="020B0604020202020204" pitchFamily="34" charset="0"/>
+              </a:rPr>
+              <a:t>오답</a:t>
+            </a:r>
+          </a:p>
+        </p:txBody>
+      </p:sp>
+      <p:sp>
+        <p:nvSpPr>
+          <p:cNvPr id="2" name="타원 1">
+            <a:extLst>
+              <a:ext uri="{FF2B5EF4-FFF2-40B4-BE49-F238E27FC236}">
+                <a16:creationId xmlns:a16="http://schemas.microsoft.com/office/drawing/2014/main" id="{9ACA1DBF-FAF3-7087-4552-CACFD4E23201}"/>
+              </a:ext>
+            </a:extLst>
+          </p:cNvPr>
+          <p:cNvSpPr/>
+          <p:nvPr/>
+        </p:nvSpPr>
+        <p:spPr>
+          <a:xfrm>
+            <a:off x="162045" y="173620"/>
+            <a:ext cx="439838" cy="439838"/>
+          </a:xfrm>
+          <a:prstGeom prst="ellipse">
+            <a:avLst/>
+          </a:prstGeom>
+          <a:solidFill>
+            <a:srgbClr val="FF0000"/>
+          </a:solidFill>
+          <a:ln>
+            <a:noFill/>
+          </a:ln>
+        </p:spPr>
+        <p:style>
+          <a:lnRef idx="2">
+            <a:schemeClr val="accent1">
+              <a:shade val="50000"/>
+            </a:schemeClr>
+          </a:lnRef>
+          <a:fillRef idx="1">
+            <a:schemeClr val="accent1"/>
+          </a:fillRef>
+          <a:effectRef idx="0">
+            <a:schemeClr val="accent1"/>
+          </a:effectRef>
+          <a:fontRef idx="minor">
+            <a:schemeClr val="lt1"/>
+          </a:fontRef>
+        </p:style>
+        <p:txBody>
+          <a:bodyPr rtlCol="0" anchor="ctr"/>
+          <a:lstStyle/>
+          <a:p>
+            <a:pPr algn="ctr"/>
+            <a:r>
+              <a:rPr lang="el-GR" altLang="ko-KR" sz="2800" b="1" i="0" dirty="0">
+                <a:solidFill>
+                  <a:schemeClr val="bg1"/>
+                </a:solidFill>
+                <a:effectLst/>
+                <a:latin typeface="Arial" panose="020B0604020202020204" pitchFamily="34" charset="0"/>
+                <a:cs typeface="Arial" panose="020B0604020202020204" pitchFamily="34" charset="0"/>
+              </a:rPr>
+              <a:t>ϟ</a:t>
+            </a:r>
+            <a:endParaRPr lang="ko-KR" altLang="en-US" sz="2800" b="1" dirty="0">
+              <a:solidFill>
+                <a:schemeClr val="bg1"/>
+              </a:solidFill>
+              <a:latin typeface="Arial" panose="020B0604020202020204" pitchFamily="34" charset="0"/>
+              <a:cs typeface="Arial" panose="020B0604020202020204" pitchFamily="34" charset="0"/>
+            </a:endParaRPr>
+          </a:p>
+        </p:txBody>
+      </p:sp>
+    </p:spTree>
+    <p:extLst>
+      <p:ext uri="{BB962C8B-B14F-4D97-AF65-F5344CB8AC3E}">
+        <p14:creationId xmlns:p14="http://schemas.microsoft.com/office/powerpoint/2010/main" val="578123420"/>
+      </p:ext>
+    </p:extLst>
+  </p:cSld>
+  <p:clrMapOvr>
+    <a:masterClrMapping/>
+  </p:clrMapOvr>
+</p:sld>
+</file>
+
+<file path=ppt/slides/slide27.xml><?xml version="1.0" encoding="utf-8"?>
+<p:sld xmlns:a="http://schemas.openxmlformats.org/drawingml/2006/main" xmlns:r="http://schemas.openxmlformats.org/officeDocument/2006/relationships" xmlns:p="http://schemas.openxmlformats.org/presentationml/2006/main">
+  <p:cSld>
+    <p:spTree>
+      <p:nvGrpSpPr>
+        <p:cNvPr id="1" name=""/>
+        <p:cNvGrpSpPr/>
+        <p:nvPr/>
+      </p:nvGrpSpPr>
+      <p:grpSpPr>
+        <a:xfrm>
+          <a:off x="0" y="0"/>
+          <a:ext cx="0" cy="0"/>
+          <a:chOff x="0" y="0"/>
+          <a:chExt cx="0" cy="0"/>
+        </a:xfrm>
+      </p:grpSpPr>
+      <p:pic>
+        <p:nvPicPr>
+          <p:cNvPr id="6" name="Picture 2">
+            <a:extLst>
+              <a:ext uri="{FF2B5EF4-FFF2-40B4-BE49-F238E27FC236}">
+                <a16:creationId xmlns:a16="http://schemas.microsoft.com/office/drawing/2014/main" id="{818F1532-97A8-7461-6109-B8AD9A612AB1}"/>
+              </a:ext>
+            </a:extLst>
+          </p:cNvPr>
+          <p:cNvPicPr>
+            <a:picLocks noChangeAspect="1" noChangeArrowheads="1"/>
+          </p:cNvPicPr>
+          <p:nvPr/>
+        </p:nvPicPr>
+        <p:blipFill rotWithShape="1">
+          <a:blip r:embed="rId3">
+            <a:extLst>
+              <a:ext uri="{BEBA8EAE-BF5A-486C-A8C5-ECC9F3942E4B}">
+                <a14:imgProps xmlns:a14="http://schemas.microsoft.com/office/drawing/2010/main">
+                  <a14:imgLayer r:embed="rId4">
+                    <a14:imgEffect>
+                      <a14:brightnessContrast bright="-80000"/>
+                    </a14:imgEffect>
+                  </a14:imgLayer>
+                </a14:imgProps>
+              </a:ext>
+              <a:ext uri="{28A0092B-C50C-407E-A947-70E740481C1C}">
+                <a14:useLocalDpi xmlns:a14="http://schemas.microsoft.com/office/drawing/2010/main" val="0"/>
+              </a:ext>
+            </a:extLst>
+          </a:blip>
+          <a:srcRect l="512" t="71518" r="76192" b="3163"/>
+          <a:stretch/>
+        </p:blipFill>
+        <p:spPr bwMode="auto">
+          <a:xfrm>
+            <a:off x="1966390" y="0"/>
+            <a:ext cx="8259220" cy="6858002"/>
+          </a:xfrm>
+          <a:prstGeom prst="rect">
+            <a:avLst/>
+          </a:prstGeom>
+          <a:noFill/>
+          <a:effectLst>
+            <a:softEdge rad="635000"/>
+          </a:effectLst>
+          <a:extLst>
+            <a:ext uri="{909E8E84-426E-40DD-AFC4-6F175D3DCCD1}">
+              <a14:hiddenFill xmlns:a14="http://schemas.microsoft.com/office/drawing/2010/main">
+                <a:solidFill>
+                  <a:srgbClr val="FFFFFF"/>
+                </a:solidFill>
+              </a14:hiddenFill>
+            </a:ext>
+          </a:extLst>
+        </p:spPr>
+      </p:pic>
+      <p:sp>
+        <p:nvSpPr>
+          <p:cNvPr id="4" name="WORD_lbl">
+            <a:extLst>
+              <a:ext uri="{FF2B5EF4-FFF2-40B4-BE49-F238E27FC236}">
+                <a16:creationId xmlns:a16="http://schemas.microsoft.com/office/drawing/2014/main" id="{CE42E556-94BF-C1A5-7455-7825788F114E}"/>
+              </a:ext>
+            </a:extLst>
+          </p:cNvPr>
+          <p:cNvSpPr txBox="1"/>
+          <p:nvPr/>
+        </p:nvSpPr>
+        <p:spPr>
+          <a:xfrm>
+            <a:off x="0" y="2644170"/>
+            <a:ext cx="12192000" cy="1569660"/>
+          </a:xfrm>
+          <a:prstGeom prst="rect">
+            <a:avLst/>
+          </a:prstGeom>
+          <a:noFill/>
+        </p:spPr>
+        <p:txBody>
+          <a:bodyPr wrap="square" rtlCol="0">
+            <a:spAutoFit/>
+          </a:bodyPr>
+          <a:lstStyle/>
+          <a:p>
+            <a:pPr algn="ctr"/>
+            <a:r>
+              <a:rPr lang="ko-KR" altLang="en-US" sz="9600" b="1" dirty="0" err="1">
+                <a:solidFill>
+                  <a:schemeClr val="bg1"/>
+                </a:solidFill>
+                <a:latin typeface="Arial" panose="020B0604020202020204" pitchFamily="34" charset="0"/>
+                <a:cs typeface="Arial" panose="020B0604020202020204" pitchFamily="34" charset="0"/>
+              </a:rPr>
+              <a:t>ㅂㅇ</a:t>
+            </a:r>
+            <a:r>
+              <a:rPr lang="ko-KR" altLang="en-US" sz="9600" b="1" dirty="0">
+                <a:solidFill>
+                  <a:schemeClr val="bg1"/>
+                </a:solidFill>
+                <a:latin typeface="Arial" panose="020B0604020202020204" pitchFamily="34" charset="0"/>
+                <a:cs typeface="Arial" panose="020B0604020202020204" pitchFamily="34" charset="0"/>
+              </a:rPr>
+              <a:t> </a:t>
+            </a:r>
+            <a:r>
+              <a:rPr lang="ko-KR" altLang="en-US" sz="9600" b="1" dirty="0" err="1">
+                <a:solidFill>
+                  <a:schemeClr val="bg1"/>
+                </a:solidFill>
+                <a:latin typeface="Arial" panose="020B0604020202020204" pitchFamily="34" charset="0"/>
+                <a:cs typeface="Arial" panose="020B0604020202020204" pitchFamily="34" charset="0"/>
+              </a:rPr>
+              <a:t>ㅈ</a:t>
+            </a:r>
+            <a:endParaRPr lang="ko-KR" altLang="en-US" sz="9600" b="1" dirty="0">
+              <a:solidFill>
+                <a:schemeClr val="bg1"/>
+              </a:solidFill>
+              <a:latin typeface="Arial" panose="020B0604020202020204" pitchFamily="34" charset="0"/>
+              <a:cs typeface="Arial" panose="020B0604020202020204" pitchFamily="34" charset="0"/>
+            </a:endParaRPr>
+          </a:p>
+        </p:txBody>
+      </p:sp>
+      <p:sp>
+        <p:nvSpPr>
+          <p:cNvPr id="5" name="RIGHT_btn">
+            <a:hlinkClick r:id="" action="ppaction://hlinkshowjump?jump=nextslide"/>
+            <a:hlinkHover r:id="" action="ppaction://noaction" highlightClick="1"/>
+            <a:extLst>
+              <a:ext uri="{FF2B5EF4-FFF2-40B4-BE49-F238E27FC236}">
+                <a16:creationId xmlns:a16="http://schemas.microsoft.com/office/drawing/2014/main" id="{8206A97A-08B9-313B-0909-12E2937309F6}"/>
+              </a:ext>
+            </a:extLst>
+          </p:cNvPr>
+          <p:cNvSpPr/>
+          <p:nvPr/>
+        </p:nvSpPr>
+        <p:spPr>
+          <a:xfrm>
+            <a:off x="10558021" y="6055864"/>
+            <a:ext cx="1465619" cy="634181"/>
+          </a:xfrm>
+          <a:prstGeom prst="rect">
+            <a:avLst/>
+          </a:prstGeom>
+          <a:solidFill>
+            <a:schemeClr val="bg1"/>
+          </a:solidFill>
+          <a:ln w="38100">
+            <a:noFill/>
+          </a:ln>
+        </p:spPr>
+        <p:style>
+          <a:lnRef idx="2">
+            <a:schemeClr val="accent1">
+              <a:shade val="50000"/>
+            </a:schemeClr>
+          </a:lnRef>
+          <a:fillRef idx="1">
+            <a:schemeClr val="accent1"/>
+          </a:fillRef>
+          <a:effectRef idx="0">
+            <a:schemeClr val="accent1"/>
+          </a:effectRef>
+          <a:fontRef idx="minor">
+            <a:schemeClr val="lt1"/>
+          </a:fontRef>
+        </p:style>
+        <p:txBody>
+          <a:bodyPr rtlCol="0" anchor="ctr"/>
+          <a:lstStyle/>
+          <a:p>
+            <a:pPr algn="ctr"/>
+            <a:r>
+              <a:rPr lang="ko-KR" altLang="en-US" sz="3200" b="1" dirty="0">
+                <a:solidFill>
+                  <a:schemeClr val="tx1"/>
+                </a:solidFill>
+                <a:latin typeface="Arial" panose="020B0604020202020204" pitchFamily="34" charset="0"/>
+                <a:cs typeface="Arial" panose="020B0604020202020204" pitchFamily="34" charset="0"/>
+              </a:rPr>
+              <a:t>다음</a:t>
+            </a:r>
+          </a:p>
+        </p:txBody>
+      </p:sp>
+      <p:sp>
+        <p:nvSpPr>
+          <p:cNvPr id="3" name="WRONG_btn">
+            <a:hlinkClick r:id="rId5" action="ppaction://hlinksldjump"/>
+            <a:hlinkHover r:id="" action="ppaction://noaction" highlightClick="1"/>
+            <a:extLst>
+              <a:ext uri="{FF2B5EF4-FFF2-40B4-BE49-F238E27FC236}">
+                <a16:creationId xmlns:a16="http://schemas.microsoft.com/office/drawing/2014/main" id="{F5532519-F58C-6581-E0A1-6235416882F6}"/>
+              </a:ext>
+            </a:extLst>
+          </p:cNvPr>
+          <p:cNvSpPr/>
+          <p:nvPr/>
+        </p:nvSpPr>
+        <p:spPr>
+          <a:xfrm>
+            <a:off x="8938182" y="6055864"/>
+            <a:ext cx="1465619" cy="634181"/>
+          </a:xfrm>
+          <a:prstGeom prst="rect">
+            <a:avLst/>
+          </a:prstGeom>
+          <a:solidFill>
+            <a:schemeClr val="tx1"/>
+          </a:solidFill>
+          <a:ln w="38100">
+            <a:solidFill>
+              <a:schemeClr val="bg1"/>
+            </a:solidFill>
+          </a:ln>
+        </p:spPr>
+        <p:style>
+          <a:lnRef idx="2">
+            <a:schemeClr val="accent1">
+              <a:shade val="50000"/>
+            </a:schemeClr>
+          </a:lnRef>
+          <a:fillRef idx="1">
+            <a:schemeClr val="accent1"/>
+          </a:fillRef>
+          <a:effectRef idx="0">
+            <a:schemeClr val="accent1"/>
+          </a:effectRef>
+          <a:fontRef idx="minor">
+            <a:schemeClr val="lt1"/>
+          </a:fontRef>
+        </p:style>
+        <p:txBody>
+          <a:bodyPr rtlCol="0" anchor="ctr"/>
+          <a:lstStyle/>
+          <a:p>
+            <a:pPr algn="ctr"/>
+            <a:r>
+              <a:rPr lang="ko-KR" altLang="en-US" sz="3200" b="1" dirty="0">
+                <a:solidFill>
+                  <a:schemeClr val="bg1"/>
+                </a:solidFill>
+                <a:latin typeface="Arial" panose="020B0604020202020204" pitchFamily="34" charset="0"/>
+                <a:cs typeface="Arial" panose="020B0604020202020204" pitchFamily="34" charset="0"/>
+              </a:rPr>
+              <a:t>오답</a:t>
+            </a:r>
+          </a:p>
+        </p:txBody>
+      </p:sp>
+      <p:sp>
+        <p:nvSpPr>
+          <p:cNvPr id="2" name="타원 1">
+            <a:extLst>
+              <a:ext uri="{FF2B5EF4-FFF2-40B4-BE49-F238E27FC236}">
+                <a16:creationId xmlns:a16="http://schemas.microsoft.com/office/drawing/2014/main" id="{9ACA1DBF-FAF3-7087-4552-CACFD4E23201}"/>
+              </a:ext>
+            </a:extLst>
+          </p:cNvPr>
+          <p:cNvSpPr/>
+          <p:nvPr/>
+        </p:nvSpPr>
+        <p:spPr>
+          <a:xfrm>
+            <a:off x="162045" y="173620"/>
+            <a:ext cx="439838" cy="439838"/>
+          </a:xfrm>
+          <a:prstGeom prst="ellipse">
+            <a:avLst/>
+          </a:prstGeom>
+          <a:solidFill>
+            <a:srgbClr val="FF0000"/>
+          </a:solidFill>
+          <a:ln>
+            <a:noFill/>
+          </a:ln>
+        </p:spPr>
+        <p:style>
+          <a:lnRef idx="2">
+            <a:schemeClr val="accent1">
+              <a:shade val="50000"/>
+            </a:schemeClr>
+          </a:lnRef>
+          <a:fillRef idx="1">
+            <a:schemeClr val="accent1"/>
+          </a:fillRef>
+          <a:effectRef idx="0">
+            <a:schemeClr val="accent1"/>
+          </a:effectRef>
+          <a:fontRef idx="minor">
+            <a:schemeClr val="lt1"/>
+          </a:fontRef>
+        </p:style>
+        <p:txBody>
+          <a:bodyPr rtlCol="0" anchor="ctr"/>
+          <a:lstStyle/>
+          <a:p>
+            <a:pPr algn="ctr"/>
+            <a:r>
+              <a:rPr lang="el-GR" altLang="ko-KR" sz="2800" b="1" i="0" dirty="0">
+                <a:solidFill>
+                  <a:schemeClr val="bg1"/>
+                </a:solidFill>
+                <a:effectLst/>
+                <a:latin typeface="Arial" panose="020B0604020202020204" pitchFamily="34" charset="0"/>
+                <a:cs typeface="Arial" panose="020B0604020202020204" pitchFamily="34" charset="0"/>
+              </a:rPr>
+              <a:t>ϟ</a:t>
+            </a:r>
+            <a:endParaRPr lang="ko-KR" altLang="en-US" sz="2800" b="1" dirty="0">
+              <a:solidFill>
+                <a:schemeClr val="bg1"/>
+              </a:solidFill>
+              <a:latin typeface="Arial" panose="020B0604020202020204" pitchFamily="34" charset="0"/>
+              <a:cs typeface="Arial" panose="020B0604020202020204" pitchFamily="34" charset="0"/>
+            </a:endParaRPr>
+          </a:p>
+        </p:txBody>
+      </p:sp>
+    </p:spTree>
+    <p:extLst>
+      <p:ext uri="{BB962C8B-B14F-4D97-AF65-F5344CB8AC3E}">
+        <p14:creationId xmlns:p14="http://schemas.microsoft.com/office/powerpoint/2010/main" val="469643666"/>
+      </p:ext>
+    </p:extLst>
+  </p:cSld>
+  <p:clrMapOvr>
+    <a:masterClrMapping/>
+  </p:clrMapOvr>
+</p:sld>
+</file>
+
+<file path=ppt/slides/slide28.xml><?xml version="1.0" encoding="utf-8"?>
+<p:sld xmlns:a="http://schemas.openxmlformats.org/drawingml/2006/main" xmlns:r="http://schemas.openxmlformats.org/officeDocument/2006/relationships" xmlns:p="http://schemas.openxmlformats.org/presentationml/2006/main">
+  <p:cSld>
+    <p:spTree>
+      <p:nvGrpSpPr>
+        <p:cNvPr id="1" name=""/>
+        <p:cNvGrpSpPr/>
+        <p:nvPr/>
+      </p:nvGrpSpPr>
+      <p:grpSpPr>
+        <a:xfrm>
+          <a:off x="0" y="0"/>
+          <a:ext cx="0" cy="0"/>
+          <a:chOff x="0" y="0"/>
+          <a:chExt cx="0" cy="0"/>
+        </a:xfrm>
+      </p:grpSpPr>
+      <p:pic>
+        <p:nvPicPr>
+          <p:cNvPr id="6" name="Picture 2">
+            <a:extLst>
+              <a:ext uri="{FF2B5EF4-FFF2-40B4-BE49-F238E27FC236}">
+                <a16:creationId xmlns:a16="http://schemas.microsoft.com/office/drawing/2014/main" id="{0BCCB685-3EFA-92A6-A9BD-D6CF35E64684}"/>
+              </a:ext>
+            </a:extLst>
+          </p:cNvPr>
+          <p:cNvPicPr>
+            <a:picLocks noChangeAspect="1" noChangeArrowheads="1"/>
+          </p:cNvPicPr>
+          <p:nvPr/>
+        </p:nvPicPr>
+        <p:blipFill rotWithShape="1">
+          <a:blip r:embed="rId3">
+            <a:extLst>
+              <a:ext uri="{BEBA8EAE-BF5A-486C-A8C5-ECC9F3942E4B}">
+                <a14:imgProps xmlns:a14="http://schemas.microsoft.com/office/drawing/2010/main">
+                  <a14:imgLayer r:embed="rId4">
+                    <a14:imgEffect>
+                      <a14:brightnessContrast bright="-80000"/>
+                    </a14:imgEffect>
+                  </a14:imgLayer>
+                </a14:imgProps>
+              </a:ext>
+              <a:ext uri="{28A0092B-C50C-407E-A947-70E740481C1C}">
+                <a14:useLocalDpi xmlns:a14="http://schemas.microsoft.com/office/drawing/2010/main" val="0"/>
+              </a:ext>
+            </a:extLst>
+          </a:blip>
+          <a:srcRect l="25120" t="71518" r="51584" b="3163"/>
+          <a:stretch/>
+        </p:blipFill>
+        <p:spPr bwMode="auto">
+          <a:xfrm>
+            <a:off x="1966390" y="-1"/>
+            <a:ext cx="8259220" cy="6858002"/>
+          </a:xfrm>
+          <a:prstGeom prst="rect">
+            <a:avLst/>
+          </a:prstGeom>
+          <a:noFill/>
+          <a:effectLst>
+            <a:softEdge rad="635000"/>
+          </a:effectLst>
+          <a:extLst>
+            <a:ext uri="{909E8E84-426E-40DD-AFC4-6F175D3DCCD1}">
+              <a14:hiddenFill xmlns:a14="http://schemas.microsoft.com/office/drawing/2010/main">
+                <a:solidFill>
+                  <a:srgbClr val="FFFFFF"/>
+                </a:solidFill>
+              </a14:hiddenFill>
+            </a:ext>
+          </a:extLst>
+        </p:spPr>
+      </p:pic>
+      <p:sp>
+        <p:nvSpPr>
+          <p:cNvPr id="4" name="WORD_lbl">
+            <a:extLst>
+              <a:ext uri="{FF2B5EF4-FFF2-40B4-BE49-F238E27FC236}">
+                <a16:creationId xmlns:a16="http://schemas.microsoft.com/office/drawing/2014/main" id="{CE42E556-94BF-C1A5-7455-7825788F114E}"/>
+              </a:ext>
+            </a:extLst>
+          </p:cNvPr>
+          <p:cNvSpPr txBox="1"/>
+          <p:nvPr/>
+        </p:nvSpPr>
+        <p:spPr>
+          <a:xfrm>
+            <a:off x="0" y="2644170"/>
+            <a:ext cx="12192000" cy="1569660"/>
+          </a:xfrm>
+          <a:prstGeom prst="rect">
+            <a:avLst/>
+          </a:prstGeom>
+          <a:noFill/>
+        </p:spPr>
+        <p:txBody>
+          <a:bodyPr wrap="square" rtlCol="0">
+            <a:spAutoFit/>
+          </a:bodyPr>
+          <a:lstStyle/>
+          <a:p>
+            <a:pPr algn="ctr"/>
+            <a:r>
+              <a:rPr lang="ko-KR" altLang="en-US" sz="9600" b="1" dirty="0" err="1">
+                <a:solidFill>
+                  <a:schemeClr val="bg1"/>
+                </a:solidFill>
+                <a:latin typeface="Arial" panose="020B0604020202020204" pitchFamily="34" charset="0"/>
+                <a:cs typeface="Arial" panose="020B0604020202020204" pitchFamily="34" charset="0"/>
+              </a:rPr>
+              <a:t>ㅂㅅㅈ</a:t>
+            </a:r>
+            <a:r>
+              <a:rPr lang="ko-KR" altLang="en-US" sz="9600" b="1" dirty="0">
+                <a:solidFill>
+                  <a:schemeClr val="bg1"/>
+                </a:solidFill>
+                <a:latin typeface="Arial" panose="020B0604020202020204" pitchFamily="34" charset="0"/>
+                <a:cs typeface="Arial" panose="020B0604020202020204" pitchFamily="34" charset="0"/>
+              </a:rPr>
+              <a:t> </a:t>
+            </a:r>
+            <a:r>
+              <a:rPr lang="ko-KR" altLang="en-US" sz="9600" b="1" dirty="0" err="1">
+                <a:solidFill>
+                  <a:schemeClr val="bg1"/>
+                </a:solidFill>
+                <a:latin typeface="Arial" panose="020B0604020202020204" pitchFamily="34" charset="0"/>
+                <a:cs typeface="Arial" panose="020B0604020202020204" pitchFamily="34" charset="0"/>
+              </a:rPr>
+              <a:t>ㄱㅅㄷ</a:t>
+            </a:r>
+            <a:endParaRPr lang="ko-KR" altLang="en-US" sz="9600" b="1" dirty="0">
+              <a:solidFill>
+                <a:schemeClr val="bg1"/>
+              </a:solidFill>
+              <a:latin typeface="Arial" panose="020B0604020202020204" pitchFamily="34" charset="0"/>
+              <a:cs typeface="Arial" panose="020B0604020202020204" pitchFamily="34" charset="0"/>
+            </a:endParaRPr>
+          </a:p>
+        </p:txBody>
+      </p:sp>
+      <p:sp>
+        <p:nvSpPr>
+          <p:cNvPr id="5" name="RIGHT_btn">
+            <a:hlinkClick r:id="" action="ppaction://hlinkshowjump?jump=nextslide"/>
+            <a:hlinkHover r:id="" action="ppaction://noaction" highlightClick="1"/>
+            <a:extLst>
+              <a:ext uri="{FF2B5EF4-FFF2-40B4-BE49-F238E27FC236}">
+                <a16:creationId xmlns:a16="http://schemas.microsoft.com/office/drawing/2014/main" id="{8206A97A-08B9-313B-0909-12E2937309F6}"/>
+              </a:ext>
+            </a:extLst>
+          </p:cNvPr>
+          <p:cNvSpPr/>
+          <p:nvPr/>
+        </p:nvSpPr>
+        <p:spPr>
+          <a:xfrm>
+            <a:off x="10558021" y="6055864"/>
+            <a:ext cx="1465619" cy="634181"/>
+          </a:xfrm>
+          <a:prstGeom prst="rect">
+            <a:avLst/>
+          </a:prstGeom>
+          <a:solidFill>
+            <a:schemeClr val="bg1"/>
+          </a:solidFill>
+          <a:ln w="38100">
+            <a:noFill/>
+          </a:ln>
+        </p:spPr>
+        <p:style>
+          <a:lnRef idx="2">
+            <a:schemeClr val="accent1">
+              <a:shade val="50000"/>
+            </a:schemeClr>
+          </a:lnRef>
+          <a:fillRef idx="1">
+            <a:schemeClr val="accent1"/>
+          </a:fillRef>
+          <a:effectRef idx="0">
+            <a:schemeClr val="accent1"/>
+          </a:effectRef>
+          <a:fontRef idx="minor">
+            <a:schemeClr val="lt1"/>
+          </a:fontRef>
+        </p:style>
+        <p:txBody>
+          <a:bodyPr rtlCol="0" anchor="ctr"/>
+          <a:lstStyle/>
+          <a:p>
+            <a:pPr algn="ctr"/>
+            <a:r>
+              <a:rPr lang="ko-KR" altLang="en-US" sz="3200" b="1" dirty="0">
+                <a:solidFill>
+                  <a:schemeClr val="tx1"/>
+                </a:solidFill>
+                <a:latin typeface="Arial" panose="020B0604020202020204" pitchFamily="34" charset="0"/>
+                <a:cs typeface="Arial" panose="020B0604020202020204" pitchFamily="34" charset="0"/>
+              </a:rPr>
+              <a:t>다음</a:t>
+            </a:r>
+          </a:p>
+        </p:txBody>
+      </p:sp>
+      <p:sp>
+        <p:nvSpPr>
+          <p:cNvPr id="3" name="WRONG_btn">
+            <a:hlinkClick r:id="rId5" action="ppaction://hlinksldjump"/>
+            <a:hlinkHover r:id="" action="ppaction://noaction" highlightClick="1"/>
+            <a:extLst>
+              <a:ext uri="{FF2B5EF4-FFF2-40B4-BE49-F238E27FC236}">
+                <a16:creationId xmlns:a16="http://schemas.microsoft.com/office/drawing/2014/main" id="{F5532519-F58C-6581-E0A1-6235416882F6}"/>
+              </a:ext>
+            </a:extLst>
+          </p:cNvPr>
+          <p:cNvSpPr/>
+          <p:nvPr/>
+        </p:nvSpPr>
+        <p:spPr>
+          <a:xfrm>
+            <a:off x="8938182" y="6055864"/>
+            <a:ext cx="1465619" cy="634181"/>
+          </a:xfrm>
+          <a:prstGeom prst="rect">
+            <a:avLst/>
+          </a:prstGeom>
+          <a:solidFill>
+            <a:schemeClr val="tx1"/>
+          </a:solidFill>
+          <a:ln w="38100">
+            <a:solidFill>
+              <a:schemeClr val="bg1"/>
+            </a:solidFill>
+          </a:ln>
+        </p:spPr>
+        <p:style>
+          <a:lnRef idx="2">
+            <a:schemeClr val="accent1">
+              <a:shade val="50000"/>
+            </a:schemeClr>
+          </a:lnRef>
+          <a:fillRef idx="1">
+            <a:schemeClr val="accent1"/>
+          </a:fillRef>
+          <a:effectRef idx="0">
+            <a:schemeClr val="accent1"/>
+          </a:effectRef>
+          <a:fontRef idx="minor">
+            <a:schemeClr val="lt1"/>
+          </a:fontRef>
+        </p:style>
+        <p:txBody>
+          <a:bodyPr rtlCol="0" anchor="ctr"/>
+          <a:lstStyle/>
+          <a:p>
+            <a:pPr algn="ctr"/>
+            <a:r>
+              <a:rPr lang="ko-KR" altLang="en-US" sz="3200" b="1" dirty="0">
+                <a:solidFill>
+                  <a:schemeClr val="bg1"/>
+                </a:solidFill>
+                <a:latin typeface="Arial" panose="020B0604020202020204" pitchFamily="34" charset="0"/>
+                <a:cs typeface="Arial" panose="020B0604020202020204" pitchFamily="34" charset="0"/>
+              </a:rPr>
+              <a:t>오답</a:t>
+            </a:r>
+          </a:p>
+        </p:txBody>
+      </p:sp>
+      <p:sp>
+        <p:nvSpPr>
+          <p:cNvPr id="2" name="타원 1">
+            <a:extLst>
+              <a:ext uri="{FF2B5EF4-FFF2-40B4-BE49-F238E27FC236}">
+                <a16:creationId xmlns:a16="http://schemas.microsoft.com/office/drawing/2014/main" id="{9ACA1DBF-FAF3-7087-4552-CACFD4E23201}"/>
+              </a:ext>
+            </a:extLst>
+          </p:cNvPr>
+          <p:cNvSpPr/>
+          <p:nvPr/>
+        </p:nvSpPr>
+        <p:spPr>
+          <a:xfrm>
+            <a:off x="162045" y="173620"/>
+            <a:ext cx="439838" cy="439838"/>
+          </a:xfrm>
+          <a:prstGeom prst="ellipse">
+            <a:avLst/>
+          </a:prstGeom>
+          <a:solidFill>
+            <a:srgbClr val="FF0000"/>
+          </a:solidFill>
+          <a:ln>
+            <a:noFill/>
+          </a:ln>
+        </p:spPr>
+        <p:style>
+          <a:lnRef idx="2">
+            <a:schemeClr val="accent1">
+              <a:shade val="50000"/>
+            </a:schemeClr>
+          </a:lnRef>
+          <a:fillRef idx="1">
+            <a:schemeClr val="accent1"/>
+          </a:fillRef>
+          <a:effectRef idx="0">
+            <a:schemeClr val="accent1"/>
+          </a:effectRef>
+          <a:fontRef idx="minor">
+            <a:schemeClr val="lt1"/>
+          </a:fontRef>
+        </p:style>
+        <p:txBody>
+          <a:bodyPr rtlCol="0" anchor="ctr"/>
+          <a:lstStyle/>
+          <a:p>
+            <a:pPr algn="ctr"/>
+            <a:r>
+              <a:rPr lang="el-GR" altLang="ko-KR" sz="2800" b="1" i="0" dirty="0">
+                <a:solidFill>
+                  <a:schemeClr val="bg1"/>
+                </a:solidFill>
+                <a:effectLst/>
+                <a:latin typeface="Arial" panose="020B0604020202020204" pitchFamily="34" charset="0"/>
+                <a:cs typeface="Arial" panose="020B0604020202020204" pitchFamily="34" charset="0"/>
+              </a:rPr>
+              <a:t>ϟ</a:t>
+            </a:r>
+            <a:endParaRPr lang="ko-KR" altLang="en-US" sz="2800" b="1" dirty="0">
+              <a:solidFill>
+                <a:schemeClr val="bg1"/>
+              </a:solidFill>
+              <a:latin typeface="Arial" panose="020B0604020202020204" pitchFamily="34" charset="0"/>
+              <a:cs typeface="Arial" panose="020B0604020202020204" pitchFamily="34" charset="0"/>
+            </a:endParaRPr>
+          </a:p>
+        </p:txBody>
+      </p:sp>
+    </p:spTree>
+    <p:extLst>
+      <p:ext uri="{BB962C8B-B14F-4D97-AF65-F5344CB8AC3E}">
+        <p14:creationId xmlns:p14="http://schemas.microsoft.com/office/powerpoint/2010/main" val="2017556178"/>
+      </p:ext>
+    </p:extLst>
+  </p:cSld>
+  <p:clrMapOvr>
+    <a:masterClrMapping/>
+  </p:clrMapOvr>
+</p:sld>
+</file>
+
+<file path=ppt/slides/slide29.xml><?xml version="1.0" encoding="utf-8"?>
+<p:sld xmlns:a="http://schemas.openxmlformats.org/drawingml/2006/main" xmlns:r="http://schemas.openxmlformats.org/officeDocument/2006/relationships" xmlns:p="http://schemas.openxmlformats.org/presentationml/2006/main">
+  <p:cSld>
+    <p:spTree>
+      <p:nvGrpSpPr>
+        <p:cNvPr id="1" name=""/>
+        <p:cNvGrpSpPr/>
+        <p:nvPr/>
+      </p:nvGrpSpPr>
+      <p:grpSpPr>
+        <a:xfrm>
+          <a:off x="0" y="0"/>
+          <a:ext cx="0" cy="0"/>
+          <a:chOff x="0" y="0"/>
+          <a:chExt cx="0" cy="0"/>
+        </a:xfrm>
+      </p:grpSpPr>
+      <p:pic>
+        <p:nvPicPr>
+          <p:cNvPr id="6" name="Picture 2">
+            <a:extLst>
+              <a:ext uri="{FF2B5EF4-FFF2-40B4-BE49-F238E27FC236}">
+                <a16:creationId xmlns:a16="http://schemas.microsoft.com/office/drawing/2014/main" id="{43009B15-1A6B-73B1-44DB-458616CEC081}"/>
+              </a:ext>
+            </a:extLst>
+          </p:cNvPr>
+          <p:cNvPicPr>
+            <a:picLocks noChangeAspect="1" noChangeArrowheads="1"/>
+          </p:cNvPicPr>
+          <p:nvPr/>
+        </p:nvPicPr>
+        <p:blipFill rotWithShape="1">
+          <a:blip r:embed="rId3">
+            <a:extLst>
+              <a:ext uri="{BEBA8EAE-BF5A-486C-A8C5-ECC9F3942E4B}">
+                <a14:imgProps xmlns:a14="http://schemas.microsoft.com/office/drawing/2010/main">
+                  <a14:imgLayer r:embed="rId4">
+                    <a14:imgEffect>
+                      <a14:brightnessContrast bright="-80000"/>
+                    </a14:imgEffect>
+                  </a14:imgLayer>
+                </a14:imgProps>
+              </a:ext>
+              <a:ext uri="{28A0092B-C50C-407E-A947-70E740481C1C}">
+                <a14:useLocalDpi xmlns:a14="http://schemas.microsoft.com/office/drawing/2010/main" val="0"/>
+              </a:ext>
+            </a:extLst>
+          </a:blip>
+          <a:srcRect l="49248" t="71518" r="27456" b="3162"/>
+          <a:stretch/>
+        </p:blipFill>
+        <p:spPr bwMode="auto">
+          <a:xfrm>
+            <a:off x="1966391" y="0"/>
+            <a:ext cx="8259218" cy="6858000"/>
+          </a:xfrm>
+          <a:prstGeom prst="rect">
+            <a:avLst/>
+          </a:prstGeom>
+          <a:noFill/>
+          <a:effectLst>
+            <a:softEdge rad="635000"/>
+          </a:effectLst>
+          <a:extLst>
+            <a:ext uri="{909E8E84-426E-40DD-AFC4-6F175D3DCCD1}">
+              <a14:hiddenFill xmlns:a14="http://schemas.microsoft.com/office/drawing/2010/main">
+                <a:solidFill>
+                  <a:srgbClr val="FFFFFF"/>
+                </a:solidFill>
+              </a14:hiddenFill>
+            </a:ext>
+          </a:extLst>
+        </p:spPr>
+      </p:pic>
+      <p:sp>
+        <p:nvSpPr>
+          <p:cNvPr id="4" name="WORD_lbl">
+            <a:extLst>
+              <a:ext uri="{FF2B5EF4-FFF2-40B4-BE49-F238E27FC236}">
+                <a16:creationId xmlns:a16="http://schemas.microsoft.com/office/drawing/2014/main" id="{CE42E556-94BF-C1A5-7455-7825788F114E}"/>
+              </a:ext>
+            </a:extLst>
+          </p:cNvPr>
+          <p:cNvSpPr txBox="1"/>
+          <p:nvPr/>
+        </p:nvSpPr>
+        <p:spPr>
+          <a:xfrm>
+            <a:off x="0" y="2644170"/>
+            <a:ext cx="12192000" cy="1569660"/>
+          </a:xfrm>
+          <a:prstGeom prst="rect">
+            <a:avLst/>
+          </a:prstGeom>
+          <a:noFill/>
+        </p:spPr>
+        <p:txBody>
+          <a:bodyPr wrap="square" rtlCol="0">
+            <a:spAutoFit/>
+          </a:bodyPr>
+          <a:lstStyle/>
+          <a:p>
+            <a:pPr algn="ctr"/>
+            <a:r>
+              <a:rPr lang="ko-KR" altLang="en-US" sz="9600" b="1" dirty="0" err="1">
+                <a:solidFill>
+                  <a:schemeClr val="bg1"/>
+                </a:solidFill>
+                <a:latin typeface="Arial" panose="020B0604020202020204" pitchFamily="34" charset="0"/>
+                <a:cs typeface="Arial" panose="020B0604020202020204" pitchFamily="34" charset="0"/>
+              </a:rPr>
+              <a:t>ㅎㅎㅇㅈ</a:t>
+            </a:r>
+            <a:endParaRPr lang="ko-KR" altLang="en-US" sz="9600" b="1" dirty="0">
+              <a:solidFill>
+                <a:schemeClr val="bg1"/>
+              </a:solidFill>
+              <a:latin typeface="Arial" panose="020B0604020202020204" pitchFamily="34" charset="0"/>
+              <a:cs typeface="Arial" panose="020B0604020202020204" pitchFamily="34" charset="0"/>
+            </a:endParaRPr>
+          </a:p>
+        </p:txBody>
+      </p:sp>
+      <p:sp>
+        <p:nvSpPr>
+          <p:cNvPr id="5" name="RIGHT_btn">
+            <a:hlinkClick r:id="" action="ppaction://hlinkshowjump?jump=nextslide"/>
+            <a:hlinkHover r:id="" action="ppaction://noaction" highlightClick="1"/>
+            <a:extLst>
+              <a:ext uri="{FF2B5EF4-FFF2-40B4-BE49-F238E27FC236}">
+                <a16:creationId xmlns:a16="http://schemas.microsoft.com/office/drawing/2014/main" id="{8206A97A-08B9-313B-0909-12E2937309F6}"/>
+              </a:ext>
+            </a:extLst>
+          </p:cNvPr>
+          <p:cNvSpPr/>
+          <p:nvPr/>
+        </p:nvSpPr>
+        <p:spPr>
+          <a:xfrm>
+            <a:off x="10558021" y="6055864"/>
+            <a:ext cx="1465619" cy="634181"/>
+          </a:xfrm>
+          <a:prstGeom prst="rect">
+            <a:avLst/>
+          </a:prstGeom>
+          <a:solidFill>
+            <a:schemeClr val="bg1"/>
+          </a:solidFill>
+          <a:ln w="38100">
+            <a:noFill/>
+          </a:ln>
+        </p:spPr>
+        <p:style>
+          <a:lnRef idx="2">
+            <a:schemeClr val="accent1">
+              <a:shade val="50000"/>
+            </a:schemeClr>
+          </a:lnRef>
+          <a:fillRef idx="1">
+            <a:schemeClr val="accent1"/>
+          </a:fillRef>
+          <a:effectRef idx="0">
+            <a:schemeClr val="accent1"/>
+          </a:effectRef>
+          <a:fontRef idx="minor">
+            <a:schemeClr val="lt1"/>
+          </a:fontRef>
+        </p:style>
+        <p:txBody>
+          <a:bodyPr rtlCol="0" anchor="ctr"/>
+          <a:lstStyle/>
+          <a:p>
+            <a:pPr algn="ctr"/>
+            <a:r>
+              <a:rPr lang="ko-KR" altLang="en-US" sz="3200" b="1" dirty="0">
+                <a:solidFill>
+                  <a:schemeClr val="tx1"/>
+                </a:solidFill>
+                <a:latin typeface="Arial" panose="020B0604020202020204" pitchFamily="34" charset="0"/>
+                <a:cs typeface="Arial" panose="020B0604020202020204" pitchFamily="34" charset="0"/>
+              </a:rPr>
+              <a:t>다음</a:t>
+            </a:r>
+          </a:p>
+        </p:txBody>
+      </p:sp>
+      <p:sp>
+        <p:nvSpPr>
+          <p:cNvPr id="3" name="WRONG_btn">
+            <a:hlinkClick r:id="rId5" action="ppaction://hlinksldjump"/>
+            <a:hlinkHover r:id="" action="ppaction://noaction" highlightClick="1"/>
+            <a:extLst>
+              <a:ext uri="{FF2B5EF4-FFF2-40B4-BE49-F238E27FC236}">
+                <a16:creationId xmlns:a16="http://schemas.microsoft.com/office/drawing/2014/main" id="{F5532519-F58C-6581-E0A1-6235416882F6}"/>
+              </a:ext>
+            </a:extLst>
+          </p:cNvPr>
+          <p:cNvSpPr/>
+          <p:nvPr/>
+        </p:nvSpPr>
+        <p:spPr>
+          <a:xfrm>
+            <a:off x="8938182" y="6055864"/>
+            <a:ext cx="1465619" cy="634181"/>
+          </a:xfrm>
+          <a:prstGeom prst="rect">
+            <a:avLst/>
+          </a:prstGeom>
+          <a:solidFill>
+            <a:schemeClr val="tx1"/>
+          </a:solidFill>
+          <a:ln w="38100">
+            <a:solidFill>
+              <a:schemeClr val="bg1"/>
+            </a:solidFill>
+          </a:ln>
+        </p:spPr>
+        <p:style>
+          <a:lnRef idx="2">
+            <a:schemeClr val="accent1">
+              <a:shade val="50000"/>
+            </a:schemeClr>
+          </a:lnRef>
+          <a:fillRef idx="1">
+            <a:schemeClr val="accent1"/>
+          </a:fillRef>
+          <a:effectRef idx="0">
+            <a:schemeClr val="accent1"/>
+          </a:effectRef>
+          <a:fontRef idx="minor">
+            <a:schemeClr val="lt1"/>
+          </a:fontRef>
+        </p:style>
+        <p:txBody>
+          <a:bodyPr rtlCol="0" anchor="ctr"/>
+          <a:lstStyle/>
+          <a:p>
+            <a:pPr algn="ctr"/>
+            <a:r>
+              <a:rPr lang="ko-KR" altLang="en-US" sz="3200" b="1" dirty="0">
+                <a:solidFill>
+                  <a:schemeClr val="bg1"/>
+                </a:solidFill>
+                <a:latin typeface="Arial" panose="020B0604020202020204" pitchFamily="34" charset="0"/>
+                <a:cs typeface="Arial" panose="020B0604020202020204" pitchFamily="34" charset="0"/>
+              </a:rPr>
+              <a:t>오답</a:t>
+            </a:r>
+          </a:p>
+        </p:txBody>
+      </p:sp>
+      <p:sp>
+        <p:nvSpPr>
+          <p:cNvPr id="2" name="타원 1">
+            <a:extLst>
+              <a:ext uri="{FF2B5EF4-FFF2-40B4-BE49-F238E27FC236}">
+                <a16:creationId xmlns:a16="http://schemas.microsoft.com/office/drawing/2014/main" id="{9ACA1DBF-FAF3-7087-4552-CACFD4E23201}"/>
+              </a:ext>
+            </a:extLst>
+          </p:cNvPr>
+          <p:cNvSpPr/>
+          <p:nvPr/>
+        </p:nvSpPr>
+        <p:spPr>
+          <a:xfrm>
+            <a:off x="162045" y="173620"/>
+            <a:ext cx="439838" cy="439838"/>
+          </a:xfrm>
+          <a:prstGeom prst="ellipse">
+            <a:avLst/>
+          </a:prstGeom>
+          <a:solidFill>
+            <a:srgbClr val="FF0000"/>
+          </a:solidFill>
+          <a:ln>
+            <a:noFill/>
+          </a:ln>
+        </p:spPr>
+        <p:style>
+          <a:lnRef idx="2">
+            <a:schemeClr val="accent1">
+              <a:shade val="50000"/>
+            </a:schemeClr>
+          </a:lnRef>
+          <a:fillRef idx="1">
+            <a:schemeClr val="accent1"/>
+          </a:fillRef>
+          <a:effectRef idx="0">
+            <a:schemeClr val="accent1"/>
+          </a:effectRef>
+          <a:fontRef idx="minor">
+            <a:schemeClr val="lt1"/>
+          </a:fontRef>
+        </p:style>
+        <p:txBody>
+          <a:bodyPr rtlCol="0" anchor="ctr"/>
+          <a:lstStyle/>
+          <a:p>
+            <a:pPr algn="ctr"/>
+            <a:r>
+              <a:rPr lang="el-GR" altLang="ko-KR" sz="2800" b="1" i="0" dirty="0">
+                <a:solidFill>
+                  <a:schemeClr val="bg1"/>
+                </a:solidFill>
+                <a:effectLst/>
+                <a:latin typeface="Arial" panose="020B0604020202020204" pitchFamily="34" charset="0"/>
+                <a:cs typeface="Arial" panose="020B0604020202020204" pitchFamily="34" charset="0"/>
+              </a:rPr>
+              <a:t>ϟ</a:t>
+            </a:r>
+            <a:endParaRPr lang="ko-KR" altLang="en-US" sz="2800" b="1" dirty="0">
+              <a:solidFill>
+                <a:schemeClr val="bg1"/>
+              </a:solidFill>
+              <a:latin typeface="Arial" panose="020B0604020202020204" pitchFamily="34" charset="0"/>
+              <a:cs typeface="Arial" panose="020B0604020202020204" pitchFamily="34" charset="0"/>
+            </a:endParaRPr>
+          </a:p>
+        </p:txBody>
+      </p:sp>
+    </p:spTree>
+    <p:extLst>
+      <p:ext uri="{BB962C8B-B14F-4D97-AF65-F5344CB8AC3E}">
+        <p14:creationId xmlns:p14="http://schemas.microsoft.com/office/powerpoint/2010/main" val="839854678"/>
+      </p:ext>
+    </p:extLst>
+  </p:cSld>
+  <p:clrMapOvr>
+    <a:masterClrMapping/>
+  </p:clrMapOvr>
+</p:sld>
+</file>
+
+<file path=ppt/slides/slide3.xml><?xml version="1.0" encoding="utf-8"?>
+<p:sld xmlns:a="http://schemas.openxmlformats.org/drawingml/2006/main" xmlns:r="http://schemas.openxmlformats.org/officeDocument/2006/relationships" xmlns:p="http://schemas.openxmlformats.org/presentationml/2006/main">
+  <p:cSld>
+    <p:spTree>
+      <p:nvGrpSpPr>
+        <p:cNvPr id="1" name=""/>
+        <p:cNvGrpSpPr/>
+        <p:nvPr/>
+      </p:nvGrpSpPr>
+      <p:grpSpPr>
+        <a:xfrm>
+          <a:off x="0" y="0"/>
+          <a:ext cx="0" cy="0"/>
+          <a:chOff x="0" y="0"/>
+          <a:chExt cx="0" cy="0"/>
+        </a:xfrm>
+      </p:grpSpPr>
+      <p:sp>
+        <p:nvSpPr>
+          <p:cNvPr id="4" name="WORD_lbl">
+            <a:extLst>
+              <a:ext uri="{FF2B5EF4-FFF2-40B4-BE49-F238E27FC236}">
+                <a16:creationId xmlns:a16="http://schemas.microsoft.com/office/drawing/2014/main" id="{CE42E556-94BF-C1A5-7455-7825788F114E}"/>
+              </a:ext>
+            </a:extLst>
+          </p:cNvPr>
+          <p:cNvSpPr txBox="1"/>
+          <p:nvPr/>
+        </p:nvSpPr>
+        <p:spPr>
+          <a:xfrm>
+            <a:off x="0" y="2644170"/>
+            <a:ext cx="12192000" cy="1569660"/>
+          </a:xfrm>
+          <a:prstGeom prst="rect">
+            <a:avLst/>
+          </a:prstGeom>
+          <a:noFill/>
+        </p:spPr>
+        <p:txBody>
+          <a:bodyPr wrap="square" rtlCol="0">
+            <a:spAutoFit/>
+          </a:bodyPr>
+          <a:lstStyle/>
+          <a:p>
+            <a:pPr algn="ctr"/>
+            <a:r>
+              <a:rPr lang="ko-KR" altLang="en-US" sz="9600" b="1" dirty="0" err="1">
+                <a:solidFill>
+                  <a:schemeClr val="bg1"/>
+                </a:solidFill>
+                <a:latin typeface="Arial" panose="020B0604020202020204" pitchFamily="34" charset="0"/>
+                <a:cs typeface="Arial" panose="020B0604020202020204" pitchFamily="34" charset="0"/>
+              </a:rPr>
+              <a:t>ㄹㅁ</a:t>
+            </a:r>
+            <a:endParaRPr lang="ko-KR" altLang="en-US" sz="9600" b="1" dirty="0">
+              <a:solidFill>
+                <a:schemeClr val="bg1"/>
+              </a:solidFill>
+              <a:latin typeface="Arial" panose="020B0604020202020204" pitchFamily="34" charset="0"/>
+              <a:cs typeface="Arial" panose="020B0604020202020204" pitchFamily="34" charset="0"/>
+            </a:endParaRPr>
+          </a:p>
+        </p:txBody>
+      </p:sp>
+      <p:sp>
+        <p:nvSpPr>
+          <p:cNvPr id="5" name="RIGHT_btn">
+            <a:hlinkClick r:id="" action="ppaction://hlinkshowjump?jump=nextslide"/>
+            <a:hlinkHover r:id="" action="ppaction://noaction" highlightClick="1"/>
+            <a:extLst>
+              <a:ext uri="{FF2B5EF4-FFF2-40B4-BE49-F238E27FC236}">
+                <a16:creationId xmlns:a16="http://schemas.microsoft.com/office/drawing/2014/main" id="{8206A97A-08B9-313B-0909-12E2937309F6}"/>
+              </a:ext>
+            </a:extLst>
+          </p:cNvPr>
+          <p:cNvSpPr/>
+          <p:nvPr/>
+        </p:nvSpPr>
+        <p:spPr>
+          <a:xfrm>
+            <a:off x="10558021" y="6055864"/>
+            <a:ext cx="1465619" cy="634181"/>
+          </a:xfrm>
+          <a:prstGeom prst="rect">
+            <a:avLst/>
+          </a:prstGeom>
+          <a:solidFill>
+            <a:schemeClr val="bg1"/>
+          </a:solidFill>
+          <a:ln w="38100">
+            <a:noFill/>
+          </a:ln>
+        </p:spPr>
+        <p:style>
+          <a:lnRef idx="2">
+            <a:schemeClr val="accent1">
+              <a:shade val="50000"/>
+            </a:schemeClr>
+          </a:lnRef>
+          <a:fillRef idx="1">
+            <a:schemeClr val="accent1"/>
+          </a:fillRef>
+          <a:effectRef idx="0">
+            <a:schemeClr val="accent1"/>
+          </a:effectRef>
+          <a:fontRef idx="minor">
+            <a:schemeClr val="lt1"/>
+          </a:fontRef>
+        </p:style>
+        <p:txBody>
+          <a:bodyPr rtlCol="0" anchor="ctr"/>
+          <a:lstStyle/>
+          <a:p>
+            <a:pPr algn="ctr"/>
+            <a:r>
+              <a:rPr lang="ko-KR" altLang="en-US" sz="3200" b="1" dirty="0">
+                <a:solidFill>
+                  <a:schemeClr val="tx1"/>
+                </a:solidFill>
+                <a:latin typeface="Arial" panose="020B0604020202020204" pitchFamily="34" charset="0"/>
+                <a:cs typeface="Arial" panose="020B0604020202020204" pitchFamily="34" charset="0"/>
+              </a:rPr>
+              <a:t>다음</a:t>
+            </a:r>
+          </a:p>
+        </p:txBody>
+      </p:sp>
+      <p:sp>
+        <p:nvSpPr>
+          <p:cNvPr id="3" name="WRONG_btn">
+            <a:hlinkClick r:id="rId3" action="ppaction://hlinksldjump"/>
+            <a:hlinkHover r:id="" action="ppaction://noaction" highlightClick="1"/>
+            <a:extLst>
+              <a:ext uri="{FF2B5EF4-FFF2-40B4-BE49-F238E27FC236}">
+                <a16:creationId xmlns:a16="http://schemas.microsoft.com/office/drawing/2014/main" id="{F5532519-F58C-6581-E0A1-6235416882F6}"/>
+              </a:ext>
+            </a:extLst>
+          </p:cNvPr>
+          <p:cNvSpPr/>
+          <p:nvPr/>
+        </p:nvSpPr>
+        <p:spPr>
+          <a:xfrm>
+            <a:off x="8938182" y="6055864"/>
+            <a:ext cx="1465619" cy="634181"/>
+          </a:xfrm>
+          <a:prstGeom prst="rect">
+            <a:avLst/>
+          </a:prstGeom>
+          <a:solidFill>
+            <a:schemeClr val="tx1"/>
+          </a:solidFill>
+          <a:ln w="38100">
+            <a:solidFill>
+              <a:schemeClr val="bg1"/>
+            </a:solidFill>
+          </a:ln>
+        </p:spPr>
+        <p:style>
+          <a:lnRef idx="2">
+            <a:schemeClr val="accent1">
+              <a:shade val="50000"/>
+            </a:schemeClr>
+          </a:lnRef>
+          <a:fillRef idx="1">
+            <a:schemeClr val="accent1"/>
+          </a:fillRef>
+          <a:effectRef idx="0">
+            <a:schemeClr val="accent1"/>
+          </a:effectRef>
+          <a:fontRef idx="minor">
+            <a:schemeClr val="lt1"/>
+          </a:fontRef>
+        </p:style>
+        <p:txBody>
+          <a:bodyPr rtlCol="0" anchor="ctr"/>
+          <a:lstStyle/>
+          <a:p>
+            <a:pPr algn="ctr"/>
+            <a:r>
+              <a:rPr lang="ko-KR" altLang="en-US" sz="3200" b="1" dirty="0">
+                <a:solidFill>
+                  <a:schemeClr val="bg1"/>
+                </a:solidFill>
+                <a:latin typeface="Arial" panose="020B0604020202020204" pitchFamily="34" charset="0"/>
+                <a:cs typeface="Arial" panose="020B0604020202020204" pitchFamily="34" charset="0"/>
+              </a:rPr>
+              <a:t>오답</a:t>
+            </a:r>
+          </a:p>
+        </p:txBody>
+      </p:sp>
+      <p:sp>
+        <p:nvSpPr>
+          <p:cNvPr id="2" name="타원 1">
+            <a:extLst>
+              <a:ext uri="{FF2B5EF4-FFF2-40B4-BE49-F238E27FC236}">
+                <a16:creationId xmlns:a16="http://schemas.microsoft.com/office/drawing/2014/main" id="{9ACA1DBF-FAF3-7087-4552-CACFD4E23201}"/>
+              </a:ext>
+            </a:extLst>
+          </p:cNvPr>
+          <p:cNvSpPr/>
+          <p:nvPr/>
+        </p:nvSpPr>
+        <p:spPr>
+          <a:xfrm>
+            <a:off x="162045" y="173620"/>
+            <a:ext cx="439838" cy="439838"/>
+          </a:xfrm>
+          <a:prstGeom prst="ellipse">
+            <a:avLst/>
+          </a:prstGeom>
+          <a:solidFill>
+            <a:schemeClr val="accent6"/>
+          </a:solidFill>
+          <a:ln>
+            <a:noFill/>
+          </a:ln>
+        </p:spPr>
+        <p:style>
+          <a:lnRef idx="2">
+            <a:schemeClr val="accent1">
+              <a:shade val="50000"/>
+            </a:schemeClr>
+          </a:lnRef>
+          <a:fillRef idx="1">
+            <a:schemeClr val="accent1"/>
+          </a:fillRef>
+          <a:effectRef idx="0">
+            <a:schemeClr val="accent1"/>
+          </a:effectRef>
+          <a:fontRef idx="minor">
+            <a:schemeClr val="lt1"/>
+          </a:fontRef>
+        </p:style>
+        <p:txBody>
+          <a:bodyPr rtlCol="0" anchor="ctr"/>
+          <a:lstStyle/>
+          <a:p>
+            <a:pPr algn="ctr"/>
+            <a:endParaRPr lang="ko-KR" altLang="en-US"/>
+          </a:p>
+        </p:txBody>
+      </p:sp>
+    </p:spTree>
+    <p:extLst>
+      <p:ext uri="{BB962C8B-B14F-4D97-AF65-F5344CB8AC3E}">
+        <p14:creationId xmlns:p14="http://schemas.microsoft.com/office/powerpoint/2010/main" val="335977024"/>
+      </p:ext>
+    </p:extLst>
+  </p:cSld>
+  <p:clrMapOvr>
+    <a:masterClrMapping/>
+  </p:clrMapOvr>
+</p:sld>
+</file>
+
+<file path=ppt/slides/slide30.xml><?xml version="1.0" encoding="utf-8"?>
+<p:sld xmlns:a="http://schemas.openxmlformats.org/drawingml/2006/main" xmlns:r="http://schemas.openxmlformats.org/officeDocument/2006/relationships" xmlns:p="http://schemas.openxmlformats.org/presentationml/2006/main">
+  <p:cSld>
+    <p:spTree>
+      <p:nvGrpSpPr>
+        <p:cNvPr id="1" name=""/>
+        <p:cNvGrpSpPr/>
+        <p:nvPr/>
+      </p:nvGrpSpPr>
+      <p:grpSpPr>
+        <a:xfrm>
+          <a:off x="0" y="0"/>
+          <a:ext cx="0" cy="0"/>
+          <a:chOff x="0" y="0"/>
+          <a:chExt cx="0" cy="0"/>
+        </a:xfrm>
+      </p:grpSpPr>
+      <p:pic>
+        <p:nvPicPr>
           <p:cNvPr id="6" name="Picture 2">
             <a:extLst>
               <a:ext uri="{FF2B5EF4-FFF2-40B4-BE49-F238E27FC236}">
@@ -11808,265 +14098,6 @@
     <p:extLst>
       <p:ext uri="{BB962C8B-B14F-4D97-AF65-F5344CB8AC3E}">
         <p14:creationId xmlns:p14="http://schemas.microsoft.com/office/powerpoint/2010/main" val="2551780679"/>
-      </p:ext>
-    </p:extLst>
-  </p:cSld>
-  <p:clrMapOvr>
-    <a:masterClrMapping/>
-  </p:clrMapOvr>
-</p:sld>
-</file>
-
-<file path=ppt/slides/slide3.xml><?xml version="1.0" encoding="utf-8"?>
-<p:sld xmlns:a="http://schemas.openxmlformats.org/drawingml/2006/main" xmlns:r="http://schemas.openxmlformats.org/officeDocument/2006/relationships" xmlns:p="http://schemas.openxmlformats.org/presentationml/2006/main">
-  <p:cSld>
-    <p:spTree>
-      <p:nvGrpSpPr>
-        <p:cNvPr id="1" name=""/>
-        <p:cNvGrpSpPr/>
-        <p:nvPr/>
-      </p:nvGrpSpPr>
-      <p:grpSpPr>
-        <a:xfrm>
-          <a:off x="0" y="0"/>
-          <a:ext cx="0" cy="0"/>
-          <a:chOff x="0" y="0"/>
-          <a:chExt cx="0" cy="0"/>
-        </a:xfrm>
-      </p:grpSpPr>
-      <p:sp>
-        <p:nvSpPr>
-          <p:cNvPr id="4" name="WORD_lbl">
-            <a:extLst>
-              <a:ext uri="{FF2B5EF4-FFF2-40B4-BE49-F238E27FC236}">
-                <a16:creationId xmlns:a16="http://schemas.microsoft.com/office/drawing/2014/main" id="{CE42E556-94BF-C1A5-7455-7825788F114E}"/>
-              </a:ext>
-            </a:extLst>
-          </p:cNvPr>
-          <p:cNvSpPr txBox="1"/>
-          <p:nvPr/>
-        </p:nvSpPr>
-        <p:spPr>
-          <a:xfrm>
-            <a:off x="0" y="2644170"/>
-            <a:ext cx="12192000" cy="1569660"/>
-          </a:xfrm>
-          <a:prstGeom prst="rect">
-            <a:avLst/>
-          </a:prstGeom>
-          <a:noFill/>
-        </p:spPr>
-        <p:txBody>
-          <a:bodyPr wrap="square" rtlCol="0">
-            <a:spAutoFit/>
-          </a:bodyPr>
-          <a:lstStyle/>
-          <a:p>
-            <a:pPr algn="ctr"/>
-            <a:r>
-              <a:rPr lang="ko-KR" altLang="en-US" sz="9600" b="1" dirty="0" err="1">
-                <a:solidFill>
-                  <a:schemeClr val="bg1"/>
-                </a:solidFill>
-                <a:latin typeface="Arial" panose="020B0604020202020204" pitchFamily="34" charset="0"/>
-                <a:cs typeface="Arial" panose="020B0604020202020204" pitchFamily="34" charset="0"/>
-              </a:rPr>
-              <a:t>ㄹㅁ</a:t>
-            </a:r>
-            <a:endParaRPr lang="ko-KR" altLang="en-US" sz="9600" b="1" dirty="0">
-              <a:solidFill>
-                <a:schemeClr val="bg1"/>
-              </a:solidFill>
-              <a:latin typeface="Arial" panose="020B0604020202020204" pitchFamily="34" charset="0"/>
-              <a:cs typeface="Arial" panose="020B0604020202020204" pitchFamily="34" charset="0"/>
-            </a:endParaRPr>
-          </a:p>
-        </p:txBody>
-      </p:sp>
-      <p:sp>
-        <p:nvSpPr>
-          <p:cNvPr id="5" name="RIGHT_btn">
-            <a:hlinkClick r:id="" action="ppaction://hlinkshowjump?jump=nextslide"/>
-            <a:hlinkHover r:id="" action="ppaction://noaction" highlightClick="1"/>
-            <a:extLst>
-              <a:ext uri="{FF2B5EF4-FFF2-40B4-BE49-F238E27FC236}">
-                <a16:creationId xmlns:a16="http://schemas.microsoft.com/office/drawing/2014/main" id="{8206A97A-08B9-313B-0909-12E2937309F6}"/>
-              </a:ext>
-            </a:extLst>
-          </p:cNvPr>
-          <p:cNvSpPr/>
-          <p:nvPr/>
-        </p:nvSpPr>
-        <p:spPr>
-          <a:xfrm>
-            <a:off x="10558021" y="6055864"/>
-            <a:ext cx="1465619" cy="634181"/>
-          </a:xfrm>
-          <a:prstGeom prst="rect">
-            <a:avLst/>
-          </a:prstGeom>
-          <a:solidFill>
-            <a:schemeClr val="bg1"/>
-          </a:solidFill>
-          <a:ln w="38100">
-            <a:noFill/>
-          </a:ln>
-        </p:spPr>
-        <p:style>
-          <a:lnRef idx="2">
-            <a:schemeClr val="accent1">
-              <a:shade val="50000"/>
-            </a:schemeClr>
-          </a:lnRef>
-          <a:fillRef idx="1">
-            <a:schemeClr val="accent1"/>
-          </a:fillRef>
-          <a:effectRef idx="0">
-            <a:schemeClr val="accent1"/>
-          </a:effectRef>
-          <a:fontRef idx="minor">
-            <a:schemeClr val="lt1"/>
-          </a:fontRef>
-        </p:style>
-        <p:txBody>
-          <a:bodyPr rtlCol="0" anchor="ctr"/>
-          <a:lstStyle/>
-          <a:p>
-            <a:pPr algn="ctr"/>
-            <a:r>
-              <a:rPr lang="ko-KR" altLang="en-US" sz="3200" b="1" dirty="0">
-                <a:solidFill>
-                  <a:schemeClr val="tx1"/>
-                </a:solidFill>
-                <a:latin typeface="Arial" panose="020B0604020202020204" pitchFamily="34" charset="0"/>
-                <a:cs typeface="Arial" panose="020B0604020202020204" pitchFamily="34" charset="0"/>
-              </a:rPr>
-              <a:t>다음</a:t>
-            </a:r>
-          </a:p>
-        </p:txBody>
-      </p:sp>
-      <p:sp>
-        <p:nvSpPr>
-          <p:cNvPr id="3" name="WRONG_btn">
-            <a:hlinkClick r:id="rId3" action="ppaction://hlinksldjump"/>
-            <a:hlinkHover r:id="" action="ppaction://noaction" highlightClick="1"/>
-            <a:extLst>
-              <a:ext uri="{FF2B5EF4-FFF2-40B4-BE49-F238E27FC236}">
-                <a16:creationId xmlns:a16="http://schemas.microsoft.com/office/drawing/2014/main" id="{F5532519-F58C-6581-E0A1-6235416882F6}"/>
-              </a:ext>
-            </a:extLst>
-          </p:cNvPr>
-          <p:cNvSpPr/>
-          <p:nvPr/>
-        </p:nvSpPr>
-        <p:spPr>
-          <a:xfrm>
-            <a:off x="8938182" y="6055864"/>
-            <a:ext cx="1465619" cy="634181"/>
-          </a:xfrm>
-          <a:prstGeom prst="rect">
-            <a:avLst/>
-          </a:prstGeom>
-          <a:solidFill>
-            <a:schemeClr val="tx1"/>
-          </a:solidFill>
-          <a:ln w="38100">
-            <a:solidFill>
-              <a:schemeClr val="bg1"/>
-            </a:solidFill>
-          </a:ln>
-        </p:spPr>
-        <p:style>
-          <a:lnRef idx="2">
-            <a:schemeClr val="accent1">
-              <a:shade val="50000"/>
-            </a:schemeClr>
-          </a:lnRef>
-          <a:fillRef idx="1">
-            <a:schemeClr val="accent1"/>
-          </a:fillRef>
-          <a:effectRef idx="0">
-            <a:schemeClr val="accent1"/>
-          </a:effectRef>
-          <a:fontRef idx="minor">
-            <a:schemeClr val="lt1"/>
-          </a:fontRef>
-        </p:style>
-        <p:txBody>
-          <a:bodyPr rtlCol="0" anchor="ctr"/>
-          <a:lstStyle/>
-          <a:p>
-            <a:pPr algn="ctr"/>
-            <a:r>
-              <a:rPr lang="ko-KR" altLang="en-US" sz="3200" b="1" dirty="0">
-                <a:solidFill>
-                  <a:schemeClr val="bg1"/>
-                </a:solidFill>
-                <a:latin typeface="Arial" panose="020B0604020202020204" pitchFamily="34" charset="0"/>
-                <a:cs typeface="Arial" panose="020B0604020202020204" pitchFamily="34" charset="0"/>
-              </a:rPr>
-              <a:t>오답</a:t>
-            </a:r>
-          </a:p>
-        </p:txBody>
-      </p:sp>
-      <p:sp>
-        <p:nvSpPr>
-          <p:cNvPr id="2" name="타원 1">
-            <a:extLst>
-              <a:ext uri="{FF2B5EF4-FFF2-40B4-BE49-F238E27FC236}">
-                <a16:creationId xmlns:a16="http://schemas.microsoft.com/office/drawing/2014/main" id="{9ACA1DBF-FAF3-7087-4552-CACFD4E23201}"/>
-              </a:ext>
-            </a:extLst>
-          </p:cNvPr>
-          <p:cNvSpPr/>
-          <p:nvPr/>
-        </p:nvSpPr>
-        <p:spPr>
-          <a:xfrm>
-            <a:off x="162045" y="173620"/>
-            <a:ext cx="439838" cy="439838"/>
-          </a:xfrm>
-          <a:prstGeom prst="ellipse">
-            <a:avLst/>
-          </a:prstGeom>
-          <a:solidFill>
-            <a:schemeClr val="accent6"/>
-          </a:solidFill>
-          <a:ln>
-            <a:noFill/>
-          </a:ln>
-        </p:spPr>
-        <p:style>
-          <a:lnRef idx="2">
-            <a:schemeClr val="accent1">
-              <a:shade val="50000"/>
-            </a:schemeClr>
-          </a:lnRef>
-          <a:fillRef idx="1">
-            <a:schemeClr val="accent1"/>
-          </a:fillRef>
-          <a:effectRef idx="0">
-            <a:schemeClr val="accent1"/>
-          </a:effectRef>
-          <a:fontRef idx="minor">
-            <a:schemeClr val="lt1"/>
-          </a:fontRef>
-        </p:style>
-        <p:txBody>
-          <a:bodyPr rtlCol="0" anchor="ctr"/>
-          <a:lstStyle/>
-          <a:p>
-            <a:pPr algn="ctr"/>
-            <a:endParaRPr lang="ko-KR" altLang="en-US"/>
-          </a:p>
-        </p:txBody>
-      </p:sp>
-    </p:spTree>
-    <p:extLst>
-      <p:ext uri="{BB962C8B-B14F-4D97-AF65-F5344CB8AC3E}">
-        <p14:creationId xmlns:p14="http://schemas.microsoft.com/office/powerpoint/2010/main" val="335977024"/>
       </p:ext>
     </p:extLst>
   </p:cSld>
